--- a/Project_Files/Sprint10/FREEBIES FOR NEWBIES Workshop2.pptx
+++ b/Project_Files/Sprint10/FREEBIES FOR NEWBIES Workshop2.pptx
@@ -5,7 +5,7 @@
     <p:sldMasterId id="2147483660" r:id="rId1"/>
   </p:sldMasterIdLst>
   <p:notesMasterIdLst>
-    <p:notesMasterId r:id="rId21"/>
+    <p:notesMasterId r:id="rId30"/>
   </p:notesMasterIdLst>
   <p:sldIdLst>
     <p:sldId id="256" r:id="rId2"/>
@@ -27,6 +27,15 @@
     <p:sldId id="260" r:id="rId18"/>
     <p:sldId id="261" r:id="rId19"/>
     <p:sldId id="262" r:id="rId20"/>
+    <p:sldId id="270" r:id="rId21"/>
+    <p:sldId id="271" r:id="rId22"/>
+    <p:sldId id="272" r:id="rId23"/>
+    <p:sldId id="283" r:id="rId24"/>
+    <p:sldId id="277" r:id="rId25"/>
+    <p:sldId id="278" r:id="rId26"/>
+    <p:sldId id="279" r:id="rId27"/>
+    <p:sldId id="263" r:id="rId28"/>
+    <p:sldId id="284" r:id="rId29"/>
   </p:sldIdLst>
   <p:sldSz cx="12192000" cy="6858000"/>
   <p:notesSz cx="6858000" cy="9144000"/>
@@ -136,7 +145,7 @@
 <file path=ppt/revisionInfo.xml><?xml version="1.0" encoding="utf-8"?>
 <p1510:revInfo xmlns:a="http://schemas.openxmlformats.org/drawingml/2006/main" xmlns:r="http://schemas.openxmlformats.org/officeDocument/2006/relationships" xmlns:p1510="http://schemas.microsoft.com/office/powerpoint/2015/10/main">
   <p1510:revLst>
-    <p1510:client id="{4EA16B51-BD4D-438E-8610-2F766D738BEC}" v="6" dt="2022-11-04T20:53:53.474"/>
+    <p1510:client id="{A761AB05-66D5-4B97-8E12-7FFDAB65DEFF}" v="325" dt="2022-11-02T05:02:37.332"/>
   </p1510:revLst>
 </p1510:revInfo>
 </file>
@@ -146,18 +155,18 @@
   <pc:docChgLst>
     <pc:chgData name="Mulakalapalli,Jaichand" userId="a3680caf-10e5-4540-ae62-1e7229e4db6c" providerId="ADAL" clId="{A761AB05-66D5-4B97-8E12-7FFDAB65DEFF}"/>
     <pc:docChg chg="undo redo custSel addSld delSld modSld">
-      <pc:chgData name="Mulakalapalli,Jaichand" userId="a3680caf-10e5-4540-ae62-1e7229e4db6c" providerId="ADAL" clId="{A761AB05-66D5-4B97-8E12-7FFDAB65DEFF}" dt="2022-11-01T14:50:51.136" v="1369"/>
+      <pc:chgData name="Mulakalapalli,Jaichand" userId="a3680caf-10e5-4540-ae62-1e7229e4db6c" providerId="ADAL" clId="{A761AB05-66D5-4B97-8E12-7FFDAB65DEFF}" dt="2022-11-02T05:09:27.051" v="1886" actId="20577"/>
       <pc:docMkLst>
         <pc:docMk/>
       </pc:docMkLst>
-      <pc:sldChg chg="modSp mod modAnim">
-        <pc:chgData name="Mulakalapalli,Jaichand" userId="a3680caf-10e5-4540-ae62-1e7229e4db6c" providerId="ADAL" clId="{A761AB05-66D5-4B97-8E12-7FFDAB65DEFF}" dt="2022-11-01T14:50:29.921" v="1367"/>
+      <pc:sldChg chg="modSp mod addAnim delAnim modAnim">
+        <pc:chgData name="Mulakalapalli,Jaichand" userId="a3680caf-10e5-4540-ae62-1e7229e4db6c" providerId="ADAL" clId="{A761AB05-66D5-4B97-8E12-7FFDAB65DEFF}" dt="2022-11-01T14:54:35.252" v="1375" actId="21"/>
         <pc:sldMkLst>
           <pc:docMk/>
           <pc:sldMk cId="2334455097" sldId="256"/>
         </pc:sldMkLst>
         <pc:spChg chg="mod">
-          <ac:chgData name="Mulakalapalli,Jaichand" userId="a3680caf-10e5-4540-ae62-1e7229e4db6c" providerId="ADAL" clId="{A761AB05-66D5-4B97-8E12-7FFDAB65DEFF}" dt="2022-11-01T14:46:52.863" v="1352" actId="1076"/>
+          <ac:chgData name="Mulakalapalli,Jaichand" userId="a3680caf-10e5-4540-ae62-1e7229e4db6c" providerId="ADAL" clId="{A761AB05-66D5-4B97-8E12-7FFDAB65DEFF}" dt="2022-11-01T14:54:35.252" v="1375" actId="21"/>
           <ac:spMkLst>
             <pc:docMk/>
             <pc:sldMk cId="2334455097" sldId="256"/>
@@ -1145,7 +1154,7 @@
         </pc:spChg>
       </pc:sldChg>
       <pc:sldChg chg="modSp add mod">
-        <pc:chgData name="Mulakalapalli,Jaichand" userId="a3680caf-10e5-4540-ae62-1e7229e4db6c" providerId="ADAL" clId="{A761AB05-66D5-4B97-8E12-7FFDAB65DEFF}" dt="2022-11-01T14:45:15.788" v="1340" actId="20577"/>
+        <pc:chgData name="Mulakalapalli,Jaichand" userId="a3680caf-10e5-4540-ae62-1e7229e4db6c" providerId="ADAL" clId="{A761AB05-66D5-4B97-8E12-7FFDAB65DEFF}" dt="2022-11-02T05:09:27.051" v="1886" actId="20577"/>
         <pc:sldMkLst>
           <pc:docMk/>
           <pc:sldMk cId="448200596" sldId="278"/>
@@ -1156,6 +1165,14 @@
             <pc:docMk/>
             <pc:sldMk cId="448200596" sldId="278"/>
             <ac:spMk id="2" creationId="{2FB91EDF-C826-9C01-8D16-E2A41C82FA82}"/>
+          </ac:spMkLst>
+        </pc:spChg>
+        <pc:spChg chg="mod">
+          <ac:chgData name="Mulakalapalli,Jaichand" userId="a3680caf-10e5-4540-ae62-1e7229e4db6c" providerId="ADAL" clId="{A761AB05-66D5-4B97-8E12-7FFDAB65DEFF}" dt="2022-11-02T05:09:27.051" v="1886" actId="20577"/>
+          <ac:spMkLst>
+            <pc:docMk/>
+            <pc:sldMk cId="448200596" sldId="278"/>
+            <ac:spMk id="3" creationId="{986D2C69-2871-23F5-44DD-6FA065A4300C}"/>
           </ac:spMkLst>
         </pc:spChg>
         <pc:spChg chg="mod">
@@ -1371,58 +1388,6 @@
       </pc:sldChg>
     </pc:docChg>
   </pc:docChgLst>
-  <pc:docChgLst>
-    <pc:chgData name="Gude,Manoj Kumar" userId="0e353df1-568e-4a01-a0b1-bd99741cd871" providerId="ADAL" clId="{4EA16B51-BD4D-438E-8610-2F766D738BEC}"/>
-    <pc:docChg chg="addSld modSld">
-      <pc:chgData name="Gude,Manoj Kumar" userId="0e353df1-568e-4a01-a0b1-bd99741cd871" providerId="ADAL" clId="{4EA16B51-BD4D-438E-8610-2F766D738BEC}" dt="2022-11-04T20:53:53.471" v="5"/>
-      <pc:docMkLst>
-        <pc:docMk/>
-      </pc:docMkLst>
-      <pc:sldChg chg="add">
-        <pc:chgData name="Gude,Manoj Kumar" userId="0e353df1-568e-4a01-a0b1-bd99741cd871" providerId="ADAL" clId="{4EA16B51-BD4D-438E-8610-2F766D738BEC}" dt="2022-11-04T20:53:25.760" v="2"/>
-        <pc:sldMkLst>
-          <pc:docMk/>
-          <pc:sldMk cId="1636084600" sldId="273"/>
-        </pc:sldMkLst>
-      </pc:sldChg>
-      <pc:sldChg chg="add">
-        <pc:chgData name="Gude,Manoj Kumar" userId="0e353df1-568e-4a01-a0b1-bd99741cd871" providerId="ADAL" clId="{4EA16B51-BD4D-438E-8610-2F766D738BEC}" dt="2022-11-04T20:53:35.688" v="3"/>
-        <pc:sldMkLst>
-          <pc:docMk/>
-          <pc:sldMk cId="257207380" sldId="274"/>
-        </pc:sldMkLst>
-      </pc:sldChg>
-      <pc:sldChg chg="add">
-        <pc:chgData name="Gude,Manoj Kumar" userId="0e353df1-568e-4a01-a0b1-bd99741cd871" providerId="ADAL" clId="{4EA16B51-BD4D-438E-8610-2F766D738BEC}" dt="2022-11-04T20:53:43.516" v="4"/>
-        <pc:sldMkLst>
-          <pc:docMk/>
-          <pc:sldMk cId="3074008843" sldId="275"/>
-        </pc:sldMkLst>
-      </pc:sldChg>
-      <pc:sldChg chg="add">
-        <pc:chgData name="Gude,Manoj Kumar" userId="0e353df1-568e-4a01-a0b1-bd99741cd871" providerId="ADAL" clId="{4EA16B51-BD4D-438E-8610-2F766D738BEC}" dt="2022-11-04T20:53:53.471" v="5"/>
-        <pc:sldMkLst>
-          <pc:docMk/>
-          <pc:sldMk cId="1554882151" sldId="276"/>
-        </pc:sldMkLst>
-      </pc:sldChg>
-      <pc:sldChg chg="addSp delSp modSp">
-        <pc:chgData name="Gude,Manoj Kumar" userId="0e353df1-568e-4a01-a0b1-bd99741cd871" providerId="ADAL" clId="{4EA16B51-BD4D-438E-8610-2F766D738BEC}" dt="2022-11-04T20:53:15.725" v="1"/>
-        <pc:sldMkLst>
-          <pc:docMk/>
-          <pc:sldMk cId="3997424871" sldId="282"/>
-        </pc:sldMkLst>
-        <pc:graphicFrameChg chg="add del mod">
-          <ac:chgData name="Gude,Manoj Kumar" userId="0e353df1-568e-4a01-a0b1-bd99741cd871" providerId="ADAL" clId="{4EA16B51-BD4D-438E-8610-2F766D738BEC}" dt="2022-11-04T20:53:15.725" v="1"/>
-          <ac:graphicFrameMkLst>
-            <pc:docMk/>
-            <pc:sldMk cId="3997424871" sldId="282"/>
-            <ac:graphicFrameMk id="6" creationId="{04968455-9BC9-42BE-EF51-CD4110AE420E}"/>
-          </ac:graphicFrameMkLst>
-        </pc:graphicFrameChg>
-      </pc:sldChg>
-    </pc:docChg>
-  </pc:docChgLst>
 </pc:chgInfo>
 </file>
 
@@ -3704,6 +3669,1574 @@
     <dgm:txFillClrLst meth="repeat">
       <a:schemeClr val="dk1"/>
     </dgm:txFillClrLst>
+    <dgm:txEffectClrLst/>
+  </dgm:styleLbl>
+  <dgm:styleLbl name="dkBgShp">
+    <dgm:fillClrLst meth="repeat">
+      <a:schemeClr val="accent2">
+        <a:shade val="90000"/>
+      </a:schemeClr>
+    </dgm:fillClrLst>
+    <dgm:linClrLst meth="repeat">
+      <a:schemeClr val="dk1"/>
+    </dgm:linClrLst>
+    <dgm:effectClrLst/>
+    <dgm:txLinClrLst/>
+    <dgm:txFillClrLst meth="repeat">
+      <a:schemeClr val="lt1"/>
+    </dgm:txFillClrLst>
+    <dgm:txEffectClrLst/>
+  </dgm:styleLbl>
+  <dgm:styleLbl name="trBgShp">
+    <dgm:fillClrLst meth="repeat">
+      <a:schemeClr val="accent2">
+        <a:tint val="50000"/>
+        <a:alpha val="40000"/>
+      </a:schemeClr>
+    </dgm:fillClrLst>
+    <dgm:linClrLst meth="repeat">
+      <a:schemeClr val="accent2"/>
+    </dgm:linClrLst>
+    <dgm:effectClrLst/>
+    <dgm:txLinClrLst/>
+    <dgm:txFillClrLst meth="repeat">
+      <a:schemeClr val="lt1"/>
+    </dgm:txFillClrLst>
+    <dgm:txEffectClrLst/>
+  </dgm:styleLbl>
+  <dgm:styleLbl name="fgShp">
+    <dgm:fillClrLst meth="repeat">
+      <a:schemeClr val="accent2">
+        <a:tint val="40000"/>
+      </a:schemeClr>
+    </dgm:fillClrLst>
+    <dgm:linClrLst meth="repeat">
+      <a:schemeClr val="lt1"/>
+    </dgm:linClrLst>
+    <dgm:effectClrLst/>
+    <dgm:txLinClrLst/>
+    <dgm:txFillClrLst meth="repeat">
+      <a:schemeClr val="dk1"/>
+    </dgm:txFillClrLst>
+    <dgm:txEffectClrLst/>
+  </dgm:styleLbl>
+  <dgm:styleLbl name="revTx">
+    <dgm:fillClrLst meth="repeat">
+      <a:schemeClr val="lt1">
+        <a:alpha val="0"/>
+      </a:schemeClr>
+    </dgm:fillClrLst>
+    <dgm:linClrLst meth="repeat">
+      <a:schemeClr val="dk1">
+        <a:alpha val="0"/>
+      </a:schemeClr>
+    </dgm:linClrLst>
+    <dgm:effectClrLst/>
+    <dgm:txLinClrLst/>
+    <dgm:txFillClrLst meth="repeat">
+      <a:schemeClr val="tx1"/>
+    </dgm:txFillClrLst>
+    <dgm:txEffectClrLst/>
+  </dgm:styleLbl>
+</dgm:colorsDef>
+</file>
+
+<file path=ppt/diagrams/colors4.xml><?xml version="1.0" encoding="utf-8"?>
+<dgm:colorsDef xmlns:dgm="http://schemas.openxmlformats.org/drawingml/2006/diagram" xmlns:a="http://schemas.openxmlformats.org/drawingml/2006/main" uniqueId="urn:microsoft.com/office/officeart/2018/5/colors/Iconchunking_neutralicon_colorful2">
+  <dgm:title val=""/>
+  <dgm:desc val=""/>
+  <dgm:catLst>
+    <dgm:cat type="colorful" pri="10200"/>
+  </dgm:catLst>
+  <dgm:styleLbl name="node0">
+    <dgm:fillClrLst meth="repeat">
+      <a:schemeClr val="accent1"/>
+    </dgm:fillClrLst>
+    <dgm:linClrLst meth="repeat">
+      <a:schemeClr val="lt1"/>
+    </dgm:linClrLst>
+    <dgm:effectClrLst/>
+    <dgm:txLinClrLst/>
+    <dgm:txFillClrLst/>
+    <dgm:txEffectClrLst/>
+  </dgm:styleLbl>
+  <dgm:styleLbl name="node1">
+    <dgm:fillClrLst meth="repeat">
+      <a:schemeClr val="bg1"/>
+    </dgm:fillClrLst>
+    <dgm:linClrLst meth="repeat">
+      <a:schemeClr val="lt1">
+        <a:alpha val="0"/>
+      </a:schemeClr>
+    </dgm:linClrLst>
+    <dgm:effectClrLst/>
+    <dgm:txLinClrLst/>
+    <dgm:txFillClrLst meth="repeat">
+      <a:schemeClr val="dk1"/>
+    </dgm:txFillClrLst>
+    <dgm:txEffectClrLst/>
+  </dgm:styleLbl>
+  <dgm:styleLbl name="alignNode1">
+    <dgm:fillClrLst>
+      <a:schemeClr val="accent2"/>
+      <a:schemeClr val="accent3"/>
+    </dgm:fillClrLst>
+    <dgm:linClrLst>
+      <a:schemeClr val="accent2"/>
+      <a:schemeClr val="accent3"/>
+    </dgm:linClrLst>
+    <dgm:effectClrLst/>
+    <dgm:txLinClrLst/>
+    <dgm:txFillClrLst/>
+    <dgm:txEffectClrLst/>
+  </dgm:styleLbl>
+  <dgm:styleLbl name="lnNode1">
+    <dgm:fillClrLst>
+      <a:schemeClr val="accent2"/>
+      <a:schemeClr val="accent3"/>
+    </dgm:fillClrLst>
+    <dgm:linClrLst meth="repeat">
+      <a:schemeClr val="lt1"/>
+    </dgm:linClrLst>
+    <dgm:effectClrLst/>
+    <dgm:txLinClrLst/>
+    <dgm:txFillClrLst/>
+    <dgm:txEffectClrLst/>
+  </dgm:styleLbl>
+  <dgm:styleLbl name="vennNode1">
+    <dgm:fillClrLst>
+      <a:schemeClr val="accent2">
+        <a:alpha val="50000"/>
+      </a:schemeClr>
+      <a:schemeClr val="accent3">
+        <a:alpha val="50000"/>
+      </a:schemeClr>
+    </dgm:fillClrLst>
+    <dgm:linClrLst meth="repeat">
+      <a:schemeClr val="lt1"/>
+    </dgm:linClrLst>
+    <dgm:effectClrLst/>
+    <dgm:txLinClrLst/>
+    <dgm:txFillClrLst/>
+    <dgm:txEffectClrLst/>
+  </dgm:styleLbl>
+  <dgm:styleLbl name="node2">
+    <dgm:fillClrLst>
+      <a:schemeClr val="accent3"/>
+    </dgm:fillClrLst>
+    <dgm:linClrLst meth="repeat">
+      <a:schemeClr val="lt1"/>
+    </dgm:linClrLst>
+    <dgm:effectClrLst/>
+    <dgm:txLinClrLst/>
+    <dgm:txFillClrLst/>
+    <dgm:txEffectClrLst/>
+  </dgm:styleLbl>
+  <dgm:styleLbl name="node3">
+    <dgm:fillClrLst>
+      <a:schemeClr val="accent4"/>
+    </dgm:fillClrLst>
+    <dgm:linClrLst meth="repeat">
+      <a:schemeClr val="lt1"/>
+    </dgm:linClrLst>
+    <dgm:effectClrLst/>
+    <dgm:txLinClrLst/>
+    <dgm:txFillClrLst/>
+    <dgm:txEffectClrLst/>
+  </dgm:styleLbl>
+  <dgm:styleLbl name="node4">
+    <dgm:fillClrLst>
+      <a:schemeClr val="accent5"/>
+    </dgm:fillClrLst>
+    <dgm:linClrLst meth="repeat">
+      <a:schemeClr val="lt1"/>
+    </dgm:linClrLst>
+    <dgm:effectClrLst/>
+    <dgm:txLinClrLst/>
+    <dgm:txFillClrLst/>
+    <dgm:txEffectClrLst/>
+  </dgm:styleLbl>
+  <dgm:styleLbl name="fgImgPlace1">
+    <dgm:fillClrLst>
+      <a:schemeClr val="accent2">
+        <a:tint val="50000"/>
+      </a:schemeClr>
+      <a:schemeClr val="accent3">
+        <a:tint val="50000"/>
+      </a:schemeClr>
+    </dgm:fillClrLst>
+    <dgm:linClrLst meth="repeat">
+      <a:schemeClr val="lt1"/>
+    </dgm:linClrLst>
+    <dgm:effectClrLst/>
+    <dgm:txLinClrLst/>
+    <dgm:txFillClrLst meth="repeat">
+      <a:schemeClr val="lt1"/>
+    </dgm:txFillClrLst>
+    <dgm:txEffectClrLst/>
+  </dgm:styleLbl>
+  <dgm:styleLbl name="alignImgPlace1">
+    <dgm:fillClrLst>
+      <a:schemeClr val="accent2">
+        <a:tint val="50000"/>
+      </a:schemeClr>
+      <a:schemeClr val="accent3">
+        <a:tint val="20000"/>
+      </a:schemeClr>
+    </dgm:fillClrLst>
+    <dgm:linClrLst meth="repeat">
+      <a:schemeClr val="lt1"/>
+    </dgm:linClrLst>
+    <dgm:effectClrLst/>
+    <dgm:txLinClrLst/>
+    <dgm:txFillClrLst meth="repeat">
+      <a:schemeClr val="lt1"/>
+    </dgm:txFillClrLst>
+    <dgm:txEffectClrLst/>
+  </dgm:styleLbl>
+  <dgm:styleLbl name="bgImgPlace1">
+    <dgm:fillClrLst>
+      <a:schemeClr val="accent2">
+        <a:tint val="50000"/>
+      </a:schemeClr>
+      <a:schemeClr val="accent3">
+        <a:tint val="20000"/>
+      </a:schemeClr>
+    </dgm:fillClrLst>
+    <dgm:linClrLst meth="repeat">
+      <a:schemeClr val="lt1"/>
+    </dgm:linClrLst>
+    <dgm:effectClrLst/>
+    <dgm:txLinClrLst/>
+    <dgm:txFillClrLst meth="repeat">
+      <a:schemeClr val="lt1"/>
+    </dgm:txFillClrLst>
+    <dgm:txEffectClrLst/>
+  </dgm:styleLbl>
+  <dgm:styleLbl name="sibTrans2D1">
+    <dgm:fillClrLst>
+      <a:schemeClr val="accent2"/>
+      <a:schemeClr val="accent3"/>
+    </dgm:fillClrLst>
+    <dgm:linClrLst meth="repeat">
+      <a:schemeClr val="lt1"/>
+    </dgm:linClrLst>
+    <dgm:effectClrLst/>
+    <dgm:txLinClrLst/>
+    <dgm:txFillClrLst/>
+    <dgm:txEffectClrLst/>
+  </dgm:styleLbl>
+  <dgm:styleLbl name="fgSibTrans2D1">
+    <dgm:fillClrLst>
+      <a:schemeClr val="accent2"/>
+      <a:schemeClr val="accent3"/>
+    </dgm:fillClrLst>
+    <dgm:linClrLst meth="repeat">
+      <a:schemeClr val="lt1"/>
+    </dgm:linClrLst>
+    <dgm:effectClrLst/>
+    <dgm:txLinClrLst/>
+    <dgm:txFillClrLst meth="repeat">
+      <a:schemeClr val="lt1"/>
+    </dgm:txFillClrLst>
+    <dgm:txEffectClrLst/>
+  </dgm:styleLbl>
+  <dgm:styleLbl name="bgSibTrans2D1">
+    <dgm:fillClrLst>
+      <a:schemeClr val="accent2"/>
+      <a:schemeClr val="accent3"/>
+    </dgm:fillClrLst>
+    <dgm:linClrLst meth="repeat">
+      <a:schemeClr val="lt1"/>
+    </dgm:linClrLst>
+    <dgm:effectClrLst/>
+    <dgm:txLinClrLst/>
+    <dgm:txFillClrLst meth="repeat">
+      <a:schemeClr val="lt1"/>
+    </dgm:txFillClrLst>
+    <dgm:txEffectClrLst/>
+  </dgm:styleLbl>
+  <dgm:styleLbl name="sibTrans1D1">
+    <dgm:fillClrLst/>
+    <dgm:linClrLst>
+      <a:schemeClr val="accent2"/>
+      <a:schemeClr val="accent3"/>
+    </dgm:linClrLst>
+    <dgm:effectClrLst/>
+    <dgm:txLinClrLst/>
+    <dgm:txFillClrLst meth="repeat">
+      <a:schemeClr val="tx1"/>
+    </dgm:txFillClrLst>
+    <dgm:txEffectClrLst/>
+  </dgm:styleLbl>
+  <dgm:styleLbl name="callout">
+    <dgm:fillClrLst meth="repeat">
+      <a:schemeClr val="accent2"/>
+    </dgm:fillClrLst>
+    <dgm:linClrLst meth="repeat">
+      <a:schemeClr val="accent2">
+        <a:tint val="50000"/>
+      </a:schemeClr>
+    </dgm:linClrLst>
+    <dgm:effectClrLst/>
+    <dgm:txLinClrLst/>
+    <dgm:txFillClrLst meth="repeat">
+      <a:schemeClr val="tx1"/>
+    </dgm:txFillClrLst>
+    <dgm:txEffectClrLst/>
+  </dgm:styleLbl>
+  <dgm:styleLbl name="asst0">
+    <dgm:fillClrLst meth="repeat">
+      <a:schemeClr val="accent2"/>
+    </dgm:fillClrLst>
+    <dgm:linClrLst meth="repeat">
+      <a:schemeClr val="lt1">
+        <a:shade val="80000"/>
+      </a:schemeClr>
+    </dgm:linClrLst>
+    <dgm:effectClrLst/>
+    <dgm:txLinClrLst/>
+    <dgm:txFillClrLst/>
+    <dgm:txEffectClrLst/>
+  </dgm:styleLbl>
+  <dgm:styleLbl name="asst1">
+    <dgm:fillClrLst meth="repeat">
+      <a:schemeClr val="accent3"/>
+    </dgm:fillClrLst>
+    <dgm:linClrLst meth="repeat">
+      <a:schemeClr val="lt1">
+        <a:shade val="80000"/>
+      </a:schemeClr>
+    </dgm:linClrLst>
+    <dgm:effectClrLst/>
+    <dgm:txLinClrLst/>
+    <dgm:txFillClrLst/>
+    <dgm:txEffectClrLst/>
+  </dgm:styleLbl>
+  <dgm:styleLbl name="asst2">
+    <dgm:fillClrLst>
+      <a:schemeClr val="accent4"/>
+    </dgm:fillClrLst>
+    <dgm:linClrLst meth="repeat">
+      <a:schemeClr val="lt1"/>
+    </dgm:linClrLst>
+    <dgm:effectClrLst/>
+    <dgm:txLinClrLst/>
+    <dgm:txFillClrLst/>
+    <dgm:txEffectClrLst/>
+  </dgm:styleLbl>
+  <dgm:styleLbl name="asst3">
+    <dgm:fillClrLst>
+      <a:schemeClr val="accent5"/>
+    </dgm:fillClrLst>
+    <dgm:linClrLst meth="repeat">
+      <a:schemeClr val="lt1"/>
+    </dgm:linClrLst>
+    <dgm:effectClrLst/>
+    <dgm:txLinClrLst/>
+    <dgm:txFillClrLst/>
+    <dgm:txEffectClrLst/>
+  </dgm:styleLbl>
+  <dgm:styleLbl name="asst4">
+    <dgm:fillClrLst>
+      <a:schemeClr val="accent6"/>
+    </dgm:fillClrLst>
+    <dgm:linClrLst meth="repeat">
+      <a:schemeClr val="lt1"/>
+    </dgm:linClrLst>
+    <dgm:effectClrLst/>
+    <dgm:txLinClrLst/>
+    <dgm:txFillClrLst/>
+    <dgm:txEffectClrLst/>
+  </dgm:styleLbl>
+  <dgm:styleLbl name="parChTrans2D1">
+    <dgm:fillClrLst meth="repeat">
+      <a:schemeClr val="accent2"/>
+    </dgm:fillClrLst>
+    <dgm:linClrLst meth="repeat">
+      <a:schemeClr val="lt1"/>
+    </dgm:linClrLst>
+    <dgm:effectClrLst/>
+    <dgm:txLinClrLst/>
+    <dgm:txFillClrLst meth="repeat">
+      <a:schemeClr val="lt1"/>
+    </dgm:txFillClrLst>
+    <dgm:txEffectClrLst/>
+  </dgm:styleLbl>
+  <dgm:styleLbl name="parChTrans2D2">
+    <dgm:fillClrLst meth="repeat">
+      <a:schemeClr val="accent3"/>
+    </dgm:fillClrLst>
+    <dgm:linClrLst meth="repeat">
+      <a:schemeClr val="lt1"/>
+    </dgm:linClrLst>
+    <dgm:effectClrLst/>
+    <dgm:txLinClrLst/>
+    <dgm:txFillClrLst/>
+    <dgm:txEffectClrLst/>
+  </dgm:styleLbl>
+  <dgm:styleLbl name="parChTrans2D3">
+    <dgm:fillClrLst meth="repeat">
+      <a:schemeClr val="accent4"/>
+    </dgm:fillClrLst>
+    <dgm:linClrLst meth="repeat">
+      <a:schemeClr val="lt1"/>
+    </dgm:linClrLst>
+    <dgm:effectClrLst/>
+    <dgm:txLinClrLst/>
+    <dgm:txFillClrLst/>
+    <dgm:txEffectClrLst/>
+  </dgm:styleLbl>
+  <dgm:styleLbl name="parChTrans2D4">
+    <dgm:fillClrLst meth="repeat">
+      <a:schemeClr val="accent5"/>
+    </dgm:fillClrLst>
+    <dgm:linClrLst meth="repeat">
+      <a:schemeClr val="lt1"/>
+    </dgm:linClrLst>
+    <dgm:effectClrLst/>
+    <dgm:txLinClrLst/>
+    <dgm:txFillClrLst meth="repeat">
+      <a:schemeClr val="lt1"/>
+    </dgm:txFillClrLst>
+    <dgm:txEffectClrLst/>
+  </dgm:styleLbl>
+  <dgm:styleLbl name="parChTrans1D1">
+    <dgm:fillClrLst meth="repeat">
+      <a:schemeClr val="accent2"/>
+    </dgm:fillClrLst>
+    <dgm:linClrLst meth="repeat">
+      <a:schemeClr val="accent2"/>
+    </dgm:linClrLst>
+    <dgm:effectClrLst/>
+    <dgm:txLinClrLst/>
+    <dgm:txFillClrLst meth="repeat">
+      <a:schemeClr val="tx1"/>
+    </dgm:txFillClrLst>
+    <dgm:txEffectClrLst/>
+  </dgm:styleLbl>
+  <dgm:styleLbl name="parChTrans1D2">
+    <dgm:fillClrLst meth="repeat">
+      <a:schemeClr val="accent2">
+        <a:tint val="90000"/>
+      </a:schemeClr>
+    </dgm:fillClrLst>
+    <dgm:linClrLst meth="repeat">
+      <a:schemeClr val="accent3"/>
+    </dgm:linClrLst>
+    <dgm:effectClrLst/>
+    <dgm:txLinClrLst/>
+    <dgm:txFillClrLst meth="repeat">
+      <a:schemeClr val="tx1"/>
+    </dgm:txFillClrLst>
+    <dgm:txEffectClrLst/>
+  </dgm:styleLbl>
+  <dgm:styleLbl name="parChTrans1D3">
+    <dgm:fillClrLst meth="repeat">
+      <a:schemeClr val="accent2">
+        <a:tint val="70000"/>
+      </a:schemeClr>
+    </dgm:fillClrLst>
+    <dgm:linClrLst meth="repeat">
+      <a:schemeClr val="accent4"/>
+    </dgm:linClrLst>
+    <dgm:effectClrLst/>
+    <dgm:txLinClrLst/>
+    <dgm:txFillClrLst meth="repeat">
+      <a:schemeClr val="tx1"/>
+    </dgm:txFillClrLst>
+    <dgm:txEffectClrLst/>
+  </dgm:styleLbl>
+  <dgm:styleLbl name="parChTrans1D4">
+    <dgm:fillClrLst meth="repeat">
+      <a:schemeClr val="accent2">
+        <a:tint val="50000"/>
+      </a:schemeClr>
+    </dgm:fillClrLst>
+    <dgm:linClrLst meth="repeat">
+      <a:schemeClr val="accent5"/>
+    </dgm:linClrLst>
+    <dgm:effectClrLst/>
+    <dgm:txLinClrLst/>
+    <dgm:txFillClrLst meth="repeat">
+      <a:schemeClr val="tx1"/>
+    </dgm:txFillClrLst>
+    <dgm:txEffectClrLst/>
+  </dgm:styleLbl>
+  <dgm:styleLbl name="fgAcc1">
+    <dgm:fillClrLst meth="repeat">
+      <a:schemeClr val="lt1">
+        <a:alpha val="90000"/>
+      </a:schemeClr>
+    </dgm:fillClrLst>
+    <dgm:linClrLst>
+      <a:schemeClr val="accent2"/>
+      <a:schemeClr val="accent3"/>
+    </dgm:linClrLst>
+    <dgm:effectClrLst/>
+    <dgm:txLinClrLst/>
+    <dgm:txFillClrLst meth="repeat">
+      <a:schemeClr val="dk1"/>
+    </dgm:txFillClrLst>
+    <dgm:txEffectClrLst/>
+  </dgm:styleLbl>
+  <dgm:styleLbl name="conFgAcc1">
+    <dgm:fillClrLst meth="repeat">
+      <a:schemeClr val="lt1">
+        <a:alpha val="90000"/>
+      </a:schemeClr>
+    </dgm:fillClrLst>
+    <dgm:linClrLst>
+      <a:schemeClr val="accent2"/>
+      <a:schemeClr val="accent3"/>
+    </dgm:linClrLst>
+    <dgm:effectClrLst/>
+    <dgm:txLinClrLst/>
+    <dgm:txFillClrLst meth="repeat">
+      <a:schemeClr val="dk1"/>
+    </dgm:txFillClrLst>
+    <dgm:txEffectClrLst/>
+  </dgm:styleLbl>
+  <dgm:styleLbl name="alignAcc1">
+    <dgm:fillClrLst meth="repeat">
+      <a:schemeClr val="lt1">
+        <a:alpha val="90000"/>
+      </a:schemeClr>
+    </dgm:fillClrLst>
+    <dgm:linClrLst>
+      <a:schemeClr val="accent2"/>
+      <a:schemeClr val="accent3"/>
+    </dgm:linClrLst>
+    <dgm:effectClrLst/>
+    <dgm:txLinClrLst/>
+    <dgm:txFillClrLst meth="repeat">
+      <a:schemeClr val="dk1"/>
+    </dgm:txFillClrLst>
+    <dgm:txEffectClrLst/>
+  </dgm:styleLbl>
+  <dgm:styleLbl name="trAlignAcc1">
+    <dgm:fillClrLst meth="repeat">
+      <a:schemeClr val="lt1">
+        <a:alpha val="40000"/>
+      </a:schemeClr>
+    </dgm:fillClrLst>
+    <dgm:linClrLst meth="repeat">
+      <a:schemeClr val="accent2"/>
+    </dgm:linClrLst>
+    <dgm:effectClrLst/>
+    <dgm:txLinClrLst/>
+    <dgm:txFillClrLst meth="repeat">
+      <a:schemeClr val="dk1"/>
+    </dgm:txFillClrLst>
+    <dgm:txEffectClrLst/>
+  </dgm:styleLbl>
+  <dgm:styleLbl name="bgAcc1">
+    <dgm:fillClrLst meth="repeat">
+      <a:schemeClr val="lt1">
+        <a:alpha val="90000"/>
+      </a:schemeClr>
+    </dgm:fillClrLst>
+    <dgm:linClrLst>
+      <a:schemeClr val="accent2"/>
+      <a:schemeClr val="accent3"/>
+    </dgm:linClrLst>
+    <dgm:effectClrLst/>
+    <dgm:txLinClrLst/>
+    <dgm:txFillClrLst meth="repeat">
+      <a:schemeClr val="dk1"/>
+    </dgm:txFillClrLst>
+    <dgm:txEffectClrLst/>
+  </dgm:styleLbl>
+  <dgm:styleLbl name="solidFgAcc1">
+    <dgm:fillClrLst meth="repeat">
+      <a:schemeClr val="lt1"/>
+    </dgm:fillClrLst>
+    <dgm:linClrLst>
+      <a:schemeClr val="accent2"/>
+      <a:schemeClr val="accent3"/>
+    </dgm:linClrLst>
+    <dgm:effectClrLst/>
+    <dgm:txLinClrLst/>
+    <dgm:txFillClrLst meth="repeat">
+      <a:schemeClr val="dk1"/>
+    </dgm:txFillClrLst>
+    <dgm:txEffectClrLst/>
+  </dgm:styleLbl>
+  <dgm:styleLbl name="solidAlignAcc1">
+    <dgm:fillClrLst meth="repeat">
+      <a:schemeClr val="lt1"/>
+    </dgm:fillClrLst>
+    <dgm:linClrLst>
+      <a:schemeClr val="accent2"/>
+      <a:schemeClr val="accent3"/>
+    </dgm:linClrLst>
+    <dgm:effectClrLst/>
+    <dgm:txLinClrLst/>
+    <dgm:txFillClrLst meth="repeat">
+      <a:schemeClr val="dk1"/>
+    </dgm:txFillClrLst>
+    <dgm:txEffectClrLst/>
+  </dgm:styleLbl>
+  <dgm:styleLbl name="solidBgAcc1">
+    <dgm:fillClrLst meth="repeat">
+      <a:schemeClr val="lt1"/>
+    </dgm:fillClrLst>
+    <dgm:linClrLst>
+      <a:schemeClr val="accent2"/>
+      <a:schemeClr val="accent3"/>
+    </dgm:linClrLst>
+    <dgm:effectClrLst/>
+    <dgm:txLinClrLst/>
+    <dgm:txFillClrLst meth="repeat">
+      <a:schemeClr val="dk1"/>
+    </dgm:txFillClrLst>
+    <dgm:txEffectClrLst/>
+  </dgm:styleLbl>
+  <dgm:styleLbl name="fgAccFollowNode1">
+    <dgm:fillClrLst>
+      <a:schemeClr val="accent2">
+        <a:tint val="40000"/>
+        <a:alpha val="90000"/>
+      </a:schemeClr>
+      <a:schemeClr val="accent3">
+        <a:tint val="40000"/>
+        <a:alpha val="90000"/>
+      </a:schemeClr>
+    </dgm:fillClrLst>
+    <dgm:linClrLst>
+      <a:schemeClr val="accent2">
+        <a:tint val="40000"/>
+        <a:alpha val="90000"/>
+      </a:schemeClr>
+      <a:schemeClr val="accent3">
+        <a:tint val="40000"/>
+        <a:alpha val="90000"/>
+      </a:schemeClr>
+    </dgm:linClrLst>
+    <dgm:effectClrLst/>
+    <dgm:txLinClrLst/>
+    <dgm:txFillClrLst meth="repeat">
+      <a:schemeClr val="dk1"/>
+    </dgm:txFillClrLst>
+    <dgm:txEffectClrLst/>
+  </dgm:styleLbl>
+  <dgm:styleLbl name="alignAccFollowNode1">
+    <dgm:fillClrLst>
+      <a:schemeClr val="accent2">
+        <a:tint val="40000"/>
+        <a:alpha val="90000"/>
+      </a:schemeClr>
+      <a:schemeClr val="accent3">
+        <a:tint val="40000"/>
+        <a:alpha val="90000"/>
+      </a:schemeClr>
+    </dgm:fillClrLst>
+    <dgm:linClrLst>
+      <a:schemeClr val="accent2">
+        <a:tint val="40000"/>
+        <a:alpha val="90000"/>
+      </a:schemeClr>
+      <a:schemeClr val="accent3">
+        <a:tint val="40000"/>
+        <a:alpha val="90000"/>
+      </a:schemeClr>
+    </dgm:linClrLst>
+    <dgm:effectClrLst/>
+    <dgm:txLinClrLst/>
+    <dgm:txFillClrLst meth="repeat">
+      <a:schemeClr val="dk1"/>
+    </dgm:txFillClrLst>
+    <dgm:txEffectClrLst/>
+  </dgm:styleLbl>
+  <dgm:styleLbl name="bgAccFollowNode1">
+    <dgm:fillClrLst>
+      <a:schemeClr val="accent2">
+        <a:tint val="40000"/>
+        <a:alpha val="90000"/>
+      </a:schemeClr>
+      <a:schemeClr val="accent3">
+        <a:tint val="40000"/>
+        <a:alpha val="90000"/>
+      </a:schemeClr>
+    </dgm:fillClrLst>
+    <dgm:linClrLst>
+      <a:schemeClr val="accent2">
+        <a:tint val="40000"/>
+        <a:alpha val="90000"/>
+      </a:schemeClr>
+      <a:schemeClr val="accent3">
+        <a:tint val="40000"/>
+        <a:alpha val="90000"/>
+      </a:schemeClr>
+    </dgm:linClrLst>
+    <dgm:effectClrLst/>
+    <dgm:txLinClrLst/>
+    <dgm:txFillClrLst meth="repeat">
+      <a:schemeClr val="dk1"/>
+    </dgm:txFillClrLst>
+    <dgm:txEffectClrLst/>
+  </dgm:styleLbl>
+  <dgm:styleLbl name="fgAcc0">
+    <dgm:fillClrLst meth="repeat">
+      <a:schemeClr val="lt1">
+        <a:alpha val="90000"/>
+      </a:schemeClr>
+    </dgm:fillClrLst>
+    <dgm:linClrLst>
+      <a:schemeClr val="accent1"/>
+    </dgm:linClrLst>
+    <dgm:effectClrLst/>
+    <dgm:txLinClrLst/>
+    <dgm:txFillClrLst meth="repeat">
+      <a:schemeClr val="dk1"/>
+    </dgm:txFillClrLst>
+    <dgm:txEffectClrLst/>
+  </dgm:styleLbl>
+  <dgm:styleLbl name="fgAcc2">
+    <dgm:fillClrLst meth="repeat">
+      <a:schemeClr val="lt1">
+        <a:alpha val="90000"/>
+      </a:schemeClr>
+    </dgm:fillClrLst>
+    <dgm:linClrLst>
+      <a:schemeClr val="accent3"/>
+    </dgm:linClrLst>
+    <dgm:effectClrLst/>
+    <dgm:txLinClrLst/>
+    <dgm:txFillClrLst meth="repeat">
+      <a:schemeClr val="dk1"/>
+    </dgm:txFillClrLst>
+    <dgm:txEffectClrLst/>
+  </dgm:styleLbl>
+  <dgm:styleLbl name="fgAcc3">
+    <dgm:fillClrLst meth="repeat">
+      <a:schemeClr val="lt1">
+        <a:alpha val="90000"/>
+      </a:schemeClr>
+    </dgm:fillClrLst>
+    <dgm:linClrLst>
+      <a:schemeClr val="accent4"/>
+    </dgm:linClrLst>
+    <dgm:effectClrLst/>
+    <dgm:txLinClrLst/>
+    <dgm:txFillClrLst meth="repeat">
+      <a:schemeClr val="dk1"/>
+    </dgm:txFillClrLst>
+    <dgm:txEffectClrLst/>
+  </dgm:styleLbl>
+  <dgm:styleLbl name="fgAcc4">
+    <dgm:fillClrLst meth="repeat">
+      <a:schemeClr val="lt1">
+        <a:alpha val="90000"/>
+      </a:schemeClr>
+    </dgm:fillClrLst>
+    <dgm:linClrLst>
+      <a:schemeClr val="accent5"/>
+    </dgm:linClrLst>
+    <dgm:effectClrLst/>
+    <dgm:txLinClrLst/>
+    <dgm:txFillClrLst meth="repeat">
+      <a:schemeClr val="dk1"/>
+    </dgm:txFillClrLst>
+    <dgm:txEffectClrLst/>
+  </dgm:styleLbl>
+  <dgm:styleLbl name="bgShp">
+    <dgm:fillClrLst>
+      <a:schemeClr val="accent2"/>
+      <a:schemeClr val="accent3"/>
+    </dgm:fillClrLst>
+    <dgm:linClrLst meth="repeat">
+      <a:schemeClr val="lt1">
+        <a:alpha val="0"/>
+      </a:schemeClr>
+    </dgm:linClrLst>
+    <dgm:effectClrLst/>
+    <dgm:txLinClrLst/>
+    <dgm:txFillClrLst/>
+    <dgm:txEffectClrLst/>
+  </dgm:styleLbl>
+  <dgm:styleLbl name="dkBgShp">
+    <dgm:fillClrLst meth="repeat">
+      <a:schemeClr val="accent2">
+        <a:shade val="90000"/>
+      </a:schemeClr>
+    </dgm:fillClrLst>
+    <dgm:linClrLst meth="repeat">
+      <a:schemeClr val="dk1"/>
+    </dgm:linClrLst>
+    <dgm:effectClrLst/>
+    <dgm:txLinClrLst/>
+    <dgm:txFillClrLst meth="repeat">
+      <a:schemeClr val="lt1"/>
+    </dgm:txFillClrLst>
+    <dgm:txEffectClrLst/>
+  </dgm:styleLbl>
+  <dgm:styleLbl name="trBgShp">
+    <dgm:fillClrLst meth="repeat">
+      <a:schemeClr val="accent2">
+        <a:tint val="50000"/>
+        <a:alpha val="40000"/>
+      </a:schemeClr>
+    </dgm:fillClrLst>
+    <dgm:linClrLst meth="repeat">
+      <a:schemeClr val="accent2"/>
+    </dgm:linClrLst>
+    <dgm:effectClrLst/>
+    <dgm:txLinClrLst/>
+    <dgm:txFillClrLst meth="repeat">
+      <a:schemeClr val="lt1"/>
+    </dgm:txFillClrLst>
+    <dgm:txEffectClrLst/>
+  </dgm:styleLbl>
+  <dgm:styleLbl name="fgShp">
+    <dgm:fillClrLst meth="repeat">
+      <a:schemeClr val="accent2">
+        <a:tint val="40000"/>
+      </a:schemeClr>
+    </dgm:fillClrLst>
+    <dgm:linClrLst meth="repeat">
+      <a:schemeClr val="lt1"/>
+    </dgm:linClrLst>
+    <dgm:effectClrLst/>
+    <dgm:txLinClrLst/>
+    <dgm:txFillClrLst meth="repeat">
+      <a:schemeClr val="dk1"/>
+    </dgm:txFillClrLst>
+    <dgm:txEffectClrLst/>
+  </dgm:styleLbl>
+  <dgm:styleLbl name="revTx">
+    <dgm:fillClrLst meth="repeat">
+      <a:schemeClr val="lt1">
+        <a:alpha val="0"/>
+      </a:schemeClr>
+    </dgm:fillClrLst>
+    <dgm:linClrLst meth="repeat">
+      <a:schemeClr val="dk1">
+        <a:alpha val="0"/>
+      </a:schemeClr>
+    </dgm:linClrLst>
+    <dgm:effectClrLst/>
+    <dgm:txLinClrLst/>
+    <dgm:txFillClrLst meth="repeat">
+      <a:schemeClr val="tx1"/>
+    </dgm:txFillClrLst>
+    <dgm:txEffectClrLst/>
+  </dgm:styleLbl>
+</dgm:colorsDef>
+</file>
+
+<file path=ppt/diagrams/colors5.xml><?xml version="1.0" encoding="utf-8"?>
+<dgm:colorsDef xmlns:dgm="http://schemas.openxmlformats.org/drawingml/2006/diagram" xmlns:a="http://schemas.openxmlformats.org/drawingml/2006/main" uniqueId="urn:microsoft.com/office/officeart/2018/5/colors/Iconchunking_neutralicon_colorful2">
+  <dgm:title val=""/>
+  <dgm:desc val=""/>
+  <dgm:catLst>
+    <dgm:cat type="colorful" pri="10200"/>
+  </dgm:catLst>
+  <dgm:styleLbl name="node0">
+    <dgm:fillClrLst meth="repeat">
+      <a:schemeClr val="accent1"/>
+    </dgm:fillClrLst>
+    <dgm:linClrLst meth="repeat">
+      <a:schemeClr val="lt1"/>
+    </dgm:linClrLst>
+    <dgm:effectClrLst/>
+    <dgm:txLinClrLst/>
+    <dgm:txFillClrLst/>
+    <dgm:txEffectClrLst/>
+  </dgm:styleLbl>
+  <dgm:styleLbl name="node1">
+    <dgm:fillClrLst meth="repeat">
+      <a:schemeClr val="bg1"/>
+    </dgm:fillClrLst>
+    <dgm:linClrLst meth="repeat">
+      <a:schemeClr val="lt1">
+        <a:alpha val="0"/>
+      </a:schemeClr>
+    </dgm:linClrLst>
+    <dgm:effectClrLst/>
+    <dgm:txLinClrLst/>
+    <dgm:txFillClrLst meth="repeat">
+      <a:schemeClr val="dk1"/>
+    </dgm:txFillClrLst>
+    <dgm:txEffectClrLst/>
+  </dgm:styleLbl>
+  <dgm:styleLbl name="alignNode1">
+    <dgm:fillClrLst>
+      <a:schemeClr val="accent2"/>
+      <a:schemeClr val="accent3"/>
+    </dgm:fillClrLst>
+    <dgm:linClrLst>
+      <a:schemeClr val="accent2"/>
+      <a:schemeClr val="accent3"/>
+    </dgm:linClrLst>
+    <dgm:effectClrLst/>
+    <dgm:txLinClrLst/>
+    <dgm:txFillClrLst/>
+    <dgm:txEffectClrLst/>
+  </dgm:styleLbl>
+  <dgm:styleLbl name="lnNode1">
+    <dgm:fillClrLst>
+      <a:schemeClr val="accent2"/>
+      <a:schemeClr val="accent3"/>
+    </dgm:fillClrLst>
+    <dgm:linClrLst meth="repeat">
+      <a:schemeClr val="lt1"/>
+    </dgm:linClrLst>
+    <dgm:effectClrLst/>
+    <dgm:txLinClrLst/>
+    <dgm:txFillClrLst/>
+    <dgm:txEffectClrLst/>
+  </dgm:styleLbl>
+  <dgm:styleLbl name="vennNode1">
+    <dgm:fillClrLst>
+      <a:schemeClr val="accent2">
+        <a:alpha val="50000"/>
+      </a:schemeClr>
+      <a:schemeClr val="accent3">
+        <a:alpha val="50000"/>
+      </a:schemeClr>
+    </dgm:fillClrLst>
+    <dgm:linClrLst meth="repeat">
+      <a:schemeClr val="lt1"/>
+    </dgm:linClrLst>
+    <dgm:effectClrLst/>
+    <dgm:txLinClrLst/>
+    <dgm:txFillClrLst/>
+    <dgm:txEffectClrLst/>
+  </dgm:styleLbl>
+  <dgm:styleLbl name="node2">
+    <dgm:fillClrLst>
+      <a:schemeClr val="accent3"/>
+    </dgm:fillClrLst>
+    <dgm:linClrLst meth="repeat">
+      <a:schemeClr val="lt1"/>
+    </dgm:linClrLst>
+    <dgm:effectClrLst/>
+    <dgm:txLinClrLst/>
+    <dgm:txFillClrLst/>
+    <dgm:txEffectClrLst/>
+  </dgm:styleLbl>
+  <dgm:styleLbl name="node3">
+    <dgm:fillClrLst>
+      <a:schemeClr val="accent4"/>
+    </dgm:fillClrLst>
+    <dgm:linClrLst meth="repeat">
+      <a:schemeClr val="lt1"/>
+    </dgm:linClrLst>
+    <dgm:effectClrLst/>
+    <dgm:txLinClrLst/>
+    <dgm:txFillClrLst/>
+    <dgm:txEffectClrLst/>
+  </dgm:styleLbl>
+  <dgm:styleLbl name="node4">
+    <dgm:fillClrLst>
+      <a:schemeClr val="accent5"/>
+    </dgm:fillClrLst>
+    <dgm:linClrLst meth="repeat">
+      <a:schemeClr val="lt1"/>
+    </dgm:linClrLst>
+    <dgm:effectClrLst/>
+    <dgm:txLinClrLst/>
+    <dgm:txFillClrLst/>
+    <dgm:txEffectClrLst/>
+  </dgm:styleLbl>
+  <dgm:styleLbl name="fgImgPlace1">
+    <dgm:fillClrLst>
+      <a:schemeClr val="accent2">
+        <a:tint val="50000"/>
+      </a:schemeClr>
+      <a:schemeClr val="accent3">
+        <a:tint val="50000"/>
+      </a:schemeClr>
+    </dgm:fillClrLst>
+    <dgm:linClrLst meth="repeat">
+      <a:schemeClr val="lt1"/>
+    </dgm:linClrLst>
+    <dgm:effectClrLst/>
+    <dgm:txLinClrLst/>
+    <dgm:txFillClrLst meth="repeat">
+      <a:schemeClr val="lt1"/>
+    </dgm:txFillClrLst>
+    <dgm:txEffectClrLst/>
+  </dgm:styleLbl>
+  <dgm:styleLbl name="alignImgPlace1">
+    <dgm:fillClrLst>
+      <a:schemeClr val="accent2">
+        <a:tint val="50000"/>
+      </a:schemeClr>
+      <a:schemeClr val="accent3">
+        <a:tint val="20000"/>
+      </a:schemeClr>
+    </dgm:fillClrLst>
+    <dgm:linClrLst meth="repeat">
+      <a:schemeClr val="lt1"/>
+    </dgm:linClrLst>
+    <dgm:effectClrLst/>
+    <dgm:txLinClrLst/>
+    <dgm:txFillClrLst meth="repeat">
+      <a:schemeClr val="lt1"/>
+    </dgm:txFillClrLst>
+    <dgm:txEffectClrLst/>
+  </dgm:styleLbl>
+  <dgm:styleLbl name="bgImgPlace1">
+    <dgm:fillClrLst>
+      <a:schemeClr val="accent2">
+        <a:tint val="50000"/>
+      </a:schemeClr>
+      <a:schemeClr val="accent3">
+        <a:tint val="20000"/>
+      </a:schemeClr>
+    </dgm:fillClrLst>
+    <dgm:linClrLst meth="repeat">
+      <a:schemeClr val="lt1"/>
+    </dgm:linClrLst>
+    <dgm:effectClrLst/>
+    <dgm:txLinClrLst/>
+    <dgm:txFillClrLst meth="repeat">
+      <a:schemeClr val="lt1"/>
+    </dgm:txFillClrLst>
+    <dgm:txEffectClrLst/>
+  </dgm:styleLbl>
+  <dgm:styleLbl name="sibTrans2D1">
+    <dgm:fillClrLst>
+      <a:schemeClr val="accent2"/>
+      <a:schemeClr val="accent3"/>
+    </dgm:fillClrLst>
+    <dgm:linClrLst meth="repeat">
+      <a:schemeClr val="lt1"/>
+    </dgm:linClrLst>
+    <dgm:effectClrLst/>
+    <dgm:txLinClrLst/>
+    <dgm:txFillClrLst/>
+    <dgm:txEffectClrLst/>
+  </dgm:styleLbl>
+  <dgm:styleLbl name="fgSibTrans2D1">
+    <dgm:fillClrLst>
+      <a:schemeClr val="accent2"/>
+      <a:schemeClr val="accent3"/>
+    </dgm:fillClrLst>
+    <dgm:linClrLst meth="repeat">
+      <a:schemeClr val="lt1"/>
+    </dgm:linClrLst>
+    <dgm:effectClrLst/>
+    <dgm:txLinClrLst/>
+    <dgm:txFillClrLst meth="repeat">
+      <a:schemeClr val="lt1"/>
+    </dgm:txFillClrLst>
+    <dgm:txEffectClrLst/>
+  </dgm:styleLbl>
+  <dgm:styleLbl name="bgSibTrans2D1">
+    <dgm:fillClrLst>
+      <a:schemeClr val="accent2"/>
+      <a:schemeClr val="accent3"/>
+    </dgm:fillClrLst>
+    <dgm:linClrLst meth="repeat">
+      <a:schemeClr val="lt1"/>
+    </dgm:linClrLst>
+    <dgm:effectClrLst/>
+    <dgm:txLinClrLst/>
+    <dgm:txFillClrLst meth="repeat">
+      <a:schemeClr val="lt1"/>
+    </dgm:txFillClrLst>
+    <dgm:txEffectClrLst/>
+  </dgm:styleLbl>
+  <dgm:styleLbl name="sibTrans1D1">
+    <dgm:fillClrLst/>
+    <dgm:linClrLst>
+      <a:schemeClr val="accent2"/>
+      <a:schemeClr val="accent3"/>
+    </dgm:linClrLst>
+    <dgm:effectClrLst/>
+    <dgm:txLinClrLst/>
+    <dgm:txFillClrLst meth="repeat">
+      <a:schemeClr val="tx1"/>
+    </dgm:txFillClrLst>
+    <dgm:txEffectClrLst/>
+  </dgm:styleLbl>
+  <dgm:styleLbl name="callout">
+    <dgm:fillClrLst meth="repeat">
+      <a:schemeClr val="accent2"/>
+    </dgm:fillClrLst>
+    <dgm:linClrLst meth="repeat">
+      <a:schemeClr val="accent2">
+        <a:tint val="50000"/>
+      </a:schemeClr>
+    </dgm:linClrLst>
+    <dgm:effectClrLst/>
+    <dgm:txLinClrLst/>
+    <dgm:txFillClrLst meth="repeat">
+      <a:schemeClr val="tx1"/>
+    </dgm:txFillClrLst>
+    <dgm:txEffectClrLst/>
+  </dgm:styleLbl>
+  <dgm:styleLbl name="asst0">
+    <dgm:fillClrLst meth="repeat">
+      <a:schemeClr val="accent2"/>
+    </dgm:fillClrLst>
+    <dgm:linClrLst meth="repeat">
+      <a:schemeClr val="lt1">
+        <a:shade val="80000"/>
+      </a:schemeClr>
+    </dgm:linClrLst>
+    <dgm:effectClrLst/>
+    <dgm:txLinClrLst/>
+    <dgm:txFillClrLst/>
+    <dgm:txEffectClrLst/>
+  </dgm:styleLbl>
+  <dgm:styleLbl name="asst1">
+    <dgm:fillClrLst meth="repeat">
+      <a:schemeClr val="accent3"/>
+    </dgm:fillClrLst>
+    <dgm:linClrLst meth="repeat">
+      <a:schemeClr val="lt1">
+        <a:shade val="80000"/>
+      </a:schemeClr>
+    </dgm:linClrLst>
+    <dgm:effectClrLst/>
+    <dgm:txLinClrLst/>
+    <dgm:txFillClrLst/>
+    <dgm:txEffectClrLst/>
+  </dgm:styleLbl>
+  <dgm:styleLbl name="asst2">
+    <dgm:fillClrLst>
+      <a:schemeClr val="accent4"/>
+    </dgm:fillClrLst>
+    <dgm:linClrLst meth="repeat">
+      <a:schemeClr val="lt1"/>
+    </dgm:linClrLst>
+    <dgm:effectClrLst/>
+    <dgm:txLinClrLst/>
+    <dgm:txFillClrLst/>
+    <dgm:txEffectClrLst/>
+  </dgm:styleLbl>
+  <dgm:styleLbl name="asst3">
+    <dgm:fillClrLst>
+      <a:schemeClr val="accent5"/>
+    </dgm:fillClrLst>
+    <dgm:linClrLst meth="repeat">
+      <a:schemeClr val="lt1"/>
+    </dgm:linClrLst>
+    <dgm:effectClrLst/>
+    <dgm:txLinClrLst/>
+    <dgm:txFillClrLst/>
+    <dgm:txEffectClrLst/>
+  </dgm:styleLbl>
+  <dgm:styleLbl name="asst4">
+    <dgm:fillClrLst>
+      <a:schemeClr val="accent6"/>
+    </dgm:fillClrLst>
+    <dgm:linClrLst meth="repeat">
+      <a:schemeClr val="lt1"/>
+    </dgm:linClrLst>
+    <dgm:effectClrLst/>
+    <dgm:txLinClrLst/>
+    <dgm:txFillClrLst/>
+    <dgm:txEffectClrLst/>
+  </dgm:styleLbl>
+  <dgm:styleLbl name="parChTrans2D1">
+    <dgm:fillClrLst meth="repeat">
+      <a:schemeClr val="accent2"/>
+    </dgm:fillClrLst>
+    <dgm:linClrLst meth="repeat">
+      <a:schemeClr val="lt1"/>
+    </dgm:linClrLst>
+    <dgm:effectClrLst/>
+    <dgm:txLinClrLst/>
+    <dgm:txFillClrLst meth="repeat">
+      <a:schemeClr val="lt1"/>
+    </dgm:txFillClrLst>
+    <dgm:txEffectClrLst/>
+  </dgm:styleLbl>
+  <dgm:styleLbl name="parChTrans2D2">
+    <dgm:fillClrLst meth="repeat">
+      <a:schemeClr val="accent3"/>
+    </dgm:fillClrLst>
+    <dgm:linClrLst meth="repeat">
+      <a:schemeClr val="lt1"/>
+    </dgm:linClrLst>
+    <dgm:effectClrLst/>
+    <dgm:txLinClrLst/>
+    <dgm:txFillClrLst/>
+    <dgm:txEffectClrLst/>
+  </dgm:styleLbl>
+  <dgm:styleLbl name="parChTrans2D3">
+    <dgm:fillClrLst meth="repeat">
+      <a:schemeClr val="accent4"/>
+    </dgm:fillClrLst>
+    <dgm:linClrLst meth="repeat">
+      <a:schemeClr val="lt1"/>
+    </dgm:linClrLst>
+    <dgm:effectClrLst/>
+    <dgm:txLinClrLst/>
+    <dgm:txFillClrLst/>
+    <dgm:txEffectClrLst/>
+  </dgm:styleLbl>
+  <dgm:styleLbl name="parChTrans2D4">
+    <dgm:fillClrLst meth="repeat">
+      <a:schemeClr val="accent5"/>
+    </dgm:fillClrLst>
+    <dgm:linClrLst meth="repeat">
+      <a:schemeClr val="lt1"/>
+    </dgm:linClrLst>
+    <dgm:effectClrLst/>
+    <dgm:txLinClrLst/>
+    <dgm:txFillClrLst meth="repeat">
+      <a:schemeClr val="lt1"/>
+    </dgm:txFillClrLst>
+    <dgm:txEffectClrLst/>
+  </dgm:styleLbl>
+  <dgm:styleLbl name="parChTrans1D1">
+    <dgm:fillClrLst meth="repeat">
+      <a:schemeClr val="accent2"/>
+    </dgm:fillClrLst>
+    <dgm:linClrLst meth="repeat">
+      <a:schemeClr val="accent2"/>
+    </dgm:linClrLst>
+    <dgm:effectClrLst/>
+    <dgm:txLinClrLst/>
+    <dgm:txFillClrLst meth="repeat">
+      <a:schemeClr val="tx1"/>
+    </dgm:txFillClrLst>
+    <dgm:txEffectClrLst/>
+  </dgm:styleLbl>
+  <dgm:styleLbl name="parChTrans1D2">
+    <dgm:fillClrLst meth="repeat">
+      <a:schemeClr val="accent2">
+        <a:tint val="90000"/>
+      </a:schemeClr>
+    </dgm:fillClrLst>
+    <dgm:linClrLst meth="repeat">
+      <a:schemeClr val="accent3"/>
+    </dgm:linClrLst>
+    <dgm:effectClrLst/>
+    <dgm:txLinClrLst/>
+    <dgm:txFillClrLst meth="repeat">
+      <a:schemeClr val="tx1"/>
+    </dgm:txFillClrLst>
+    <dgm:txEffectClrLst/>
+  </dgm:styleLbl>
+  <dgm:styleLbl name="parChTrans1D3">
+    <dgm:fillClrLst meth="repeat">
+      <a:schemeClr val="accent2">
+        <a:tint val="70000"/>
+      </a:schemeClr>
+    </dgm:fillClrLst>
+    <dgm:linClrLst meth="repeat">
+      <a:schemeClr val="accent4"/>
+    </dgm:linClrLst>
+    <dgm:effectClrLst/>
+    <dgm:txLinClrLst/>
+    <dgm:txFillClrLst meth="repeat">
+      <a:schemeClr val="tx1"/>
+    </dgm:txFillClrLst>
+    <dgm:txEffectClrLst/>
+  </dgm:styleLbl>
+  <dgm:styleLbl name="parChTrans1D4">
+    <dgm:fillClrLst meth="repeat">
+      <a:schemeClr val="accent2">
+        <a:tint val="50000"/>
+      </a:schemeClr>
+    </dgm:fillClrLst>
+    <dgm:linClrLst meth="repeat">
+      <a:schemeClr val="accent5"/>
+    </dgm:linClrLst>
+    <dgm:effectClrLst/>
+    <dgm:txLinClrLst/>
+    <dgm:txFillClrLst meth="repeat">
+      <a:schemeClr val="tx1"/>
+    </dgm:txFillClrLst>
+    <dgm:txEffectClrLst/>
+  </dgm:styleLbl>
+  <dgm:styleLbl name="fgAcc1">
+    <dgm:fillClrLst meth="repeat">
+      <a:schemeClr val="lt1">
+        <a:alpha val="90000"/>
+      </a:schemeClr>
+    </dgm:fillClrLst>
+    <dgm:linClrLst>
+      <a:schemeClr val="accent2"/>
+      <a:schemeClr val="accent3"/>
+    </dgm:linClrLst>
+    <dgm:effectClrLst/>
+    <dgm:txLinClrLst/>
+    <dgm:txFillClrLst meth="repeat">
+      <a:schemeClr val="dk1"/>
+    </dgm:txFillClrLst>
+    <dgm:txEffectClrLst/>
+  </dgm:styleLbl>
+  <dgm:styleLbl name="conFgAcc1">
+    <dgm:fillClrLst meth="repeat">
+      <a:schemeClr val="lt1">
+        <a:alpha val="90000"/>
+      </a:schemeClr>
+    </dgm:fillClrLst>
+    <dgm:linClrLst>
+      <a:schemeClr val="accent2"/>
+      <a:schemeClr val="accent3"/>
+    </dgm:linClrLst>
+    <dgm:effectClrLst/>
+    <dgm:txLinClrLst/>
+    <dgm:txFillClrLst meth="repeat">
+      <a:schemeClr val="dk1"/>
+    </dgm:txFillClrLst>
+    <dgm:txEffectClrLst/>
+  </dgm:styleLbl>
+  <dgm:styleLbl name="alignAcc1">
+    <dgm:fillClrLst meth="repeat">
+      <a:schemeClr val="lt1">
+        <a:alpha val="90000"/>
+      </a:schemeClr>
+    </dgm:fillClrLst>
+    <dgm:linClrLst>
+      <a:schemeClr val="accent2"/>
+      <a:schemeClr val="accent3"/>
+    </dgm:linClrLst>
+    <dgm:effectClrLst/>
+    <dgm:txLinClrLst/>
+    <dgm:txFillClrLst meth="repeat">
+      <a:schemeClr val="dk1"/>
+    </dgm:txFillClrLst>
+    <dgm:txEffectClrLst/>
+  </dgm:styleLbl>
+  <dgm:styleLbl name="trAlignAcc1">
+    <dgm:fillClrLst meth="repeat">
+      <a:schemeClr val="lt1">
+        <a:alpha val="40000"/>
+      </a:schemeClr>
+    </dgm:fillClrLst>
+    <dgm:linClrLst meth="repeat">
+      <a:schemeClr val="accent2"/>
+    </dgm:linClrLst>
+    <dgm:effectClrLst/>
+    <dgm:txLinClrLst/>
+    <dgm:txFillClrLst meth="repeat">
+      <a:schemeClr val="dk1"/>
+    </dgm:txFillClrLst>
+    <dgm:txEffectClrLst/>
+  </dgm:styleLbl>
+  <dgm:styleLbl name="bgAcc1">
+    <dgm:fillClrLst meth="repeat">
+      <a:schemeClr val="lt1">
+        <a:alpha val="90000"/>
+      </a:schemeClr>
+    </dgm:fillClrLst>
+    <dgm:linClrLst>
+      <a:schemeClr val="accent2"/>
+      <a:schemeClr val="accent3"/>
+    </dgm:linClrLst>
+    <dgm:effectClrLst/>
+    <dgm:txLinClrLst/>
+    <dgm:txFillClrLst meth="repeat">
+      <a:schemeClr val="dk1"/>
+    </dgm:txFillClrLst>
+    <dgm:txEffectClrLst/>
+  </dgm:styleLbl>
+  <dgm:styleLbl name="solidFgAcc1">
+    <dgm:fillClrLst meth="repeat">
+      <a:schemeClr val="lt1"/>
+    </dgm:fillClrLst>
+    <dgm:linClrLst>
+      <a:schemeClr val="accent2"/>
+      <a:schemeClr val="accent3"/>
+    </dgm:linClrLst>
+    <dgm:effectClrLst/>
+    <dgm:txLinClrLst/>
+    <dgm:txFillClrLst meth="repeat">
+      <a:schemeClr val="dk1"/>
+    </dgm:txFillClrLst>
+    <dgm:txEffectClrLst/>
+  </dgm:styleLbl>
+  <dgm:styleLbl name="solidAlignAcc1">
+    <dgm:fillClrLst meth="repeat">
+      <a:schemeClr val="lt1"/>
+    </dgm:fillClrLst>
+    <dgm:linClrLst>
+      <a:schemeClr val="accent2"/>
+      <a:schemeClr val="accent3"/>
+    </dgm:linClrLst>
+    <dgm:effectClrLst/>
+    <dgm:txLinClrLst/>
+    <dgm:txFillClrLst meth="repeat">
+      <a:schemeClr val="dk1"/>
+    </dgm:txFillClrLst>
+    <dgm:txEffectClrLst/>
+  </dgm:styleLbl>
+  <dgm:styleLbl name="solidBgAcc1">
+    <dgm:fillClrLst meth="repeat">
+      <a:schemeClr val="lt1"/>
+    </dgm:fillClrLst>
+    <dgm:linClrLst>
+      <a:schemeClr val="accent2"/>
+      <a:schemeClr val="accent3"/>
+    </dgm:linClrLst>
+    <dgm:effectClrLst/>
+    <dgm:txLinClrLst/>
+    <dgm:txFillClrLst meth="repeat">
+      <a:schemeClr val="dk1"/>
+    </dgm:txFillClrLst>
+    <dgm:txEffectClrLst/>
+  </dgm:styleLbl>
+  <dgm:styleLbl name="fgAccFollowNode1">
+    <dgm:fillClrLst>
+      <a:schemeClr val="accent2">
+        <a:tint val="40000"/>
+        <a:alpha val="90000"/>
+      </a:schemeClr>
+      <a:schemeClr val="accent3">
+        <a:tint val="40000"/>
+        <a:alpha val="90000"/>
+      </a:schemeClr>
+    </dgm:fillClrLst>
+    <dgm:linClrLst>
+      <a:schemeClr val="accent2">
+        <a:tint val="40000"/>
+        <a:alpha val="90000"/>
+      </a:schemeClr>
+      <a:schemeClr val="accent3">
+        <a:tint val="40000"/>
+        <a:alpha val="90000"/>
+      </a:schemeClr>
+    </dgm:linClrLst>
+    <dgm:effectClrLst/>
+    <dgm:txLinClrLst/>
+    <dgm:txFillClrLst meth="repeat">
+      <a:schemeClr val="dk1"/>
+    </dgm:txFillClrLst>
+    <dgm:txEffectClrLst/>
+  </dgm:styleLbl>
+  <dgm:styleLbl name="alignAccFollowNode1">
+    <dgm:fillClrLst>
+      <a:schemeClr val="accent2">
+        <a:tint val="40000"/>
+        <a:alpha val="90000"/>
+      </a:schemeClr>
+      <a:schemeClr val="accent3">
+        <a:tint val="40000"/>
+        <a:alpha val="90000"/>
+      </a:schemeClr>
+    </dgm:fillClrLst>
+    <dgm:linClrLst>
+      <a:schemeClr val="accent2">
+        <a:tint val="40000"/>
+        <a:alpha val="90000"/>
+      </a:schemeClr>
+      <a:schemeClr val="accent3">
+        <a:tint val="40000"/>
+        <a:alpha val="90000"/>
+      </a:schemeClr>
+    </dgm:linClrLst>
+    <dgm:effectClrLst/>
+    <dgm:txLinClrLst/>
+    <dgm:txFillClrLst meth="repeat">
+      <a:schemeClr val="dk1"/>
+    </dgm:txFillClrLst>
+    <dgm:txEffectClrLst/>
+  </dgm:styleLbl>
+  <dgm:styleLbl name="bgAccFollowNode1">
+    <dgm:fillClrLst>
+      <a:schemeClr val="accent2">
+        <a:tint val="40000"/>
+        <a:alpha val="90000"/>
+      </a:schemeClr>
+      <a:schemeClr val="accent3">
+        <a:tint val="40000"/>
+        <a:alpha val="90000"/>
+      </a:schemeClr>
+    </dgm:fillClrLst>
+    <dgm:linClrLst>
+      <a:schemeClr val="accent2">
+        <a:tint val="40000"/>
+        <a:alpha val="90000"/>
+      </a:schemeClr>
+      <a:schemeClr val="accent3">
+        <a:tint val="40000"/>
+        <a:alpha val="90000"/>
+      </a:schemeClr>
+    </dgm:linClrLst>
+    <dgm:effectClrLst/>
+    <dgm:txLinClrLst/>
+    <dgm:txFillClrLst meth="repeat">
+      <a:schemeClr val="dk1"/>
+    </dgm:txFillClrLst>
+    <dgm:txEffectClrLst/>
+  </dgm:styleLbl>
+  <dgm:styleLbl name="fgAcc0">
+    <dgm:fillClrLst meth="repeat">
+      <a:schemeClr val="lt1">
+        <a:alpha val="90000"/>
+      </a:schemeClr>
+    </dgm:fillClrLst>
+    <dgm:linClrLst>
+      <a:schemeClr val="accent1"/>
+    </dgm:linClrLst>
+    <dgm:effectClrLst/>
+    <dgm:txLinClrLst/>
+    <dgm:txFillClrLst meth="repeat">
+      <a:schemeClr val="dk1"/>
+    </dgm:txFillClrLst>
+    <dgm:txEffectClrLst/>
+  </dgm:styleLbl>
+  <dgm:styleLbl name="fgAcc2">
+    <dgm:fillClrLst meth="repeat">
+      <a:schemeClr val="lt1">
+        <a:alpha val="90000"/>
+      </a:schemeClr>
+    </dgm:fillClrLst>
+    <dgm:linClrLst>
+      <a:schemeClr val="accent3"/>
+    </dgm:linClrLst>
+    <dgm:effectClrLst/>
+    <dgm:txLinClrLst/>
+    <dgm:txFillClrLst meth="repeat">
+      <a:schemeClr val="dk1"/>
+    </dgm:txFillClrLst>
+    <dgm:txEffectClrLst/>
+  </dgm:styleLbl>
+  <dgm:styleLbl name="fgAcc3">
+    <dgm:fillClrLst meth="repeat">
+      <a:schemeClr val="lt1">
+        <a:alpha val="90000"/>
+      </a:schemeClr>
+    </dgm:fillClrLst>
+    <dgm:linClrLst>
+      <a:schemeClr val="accent4"/>
+    </dgm:linClrLst>
+    <dgm:effectClrLst/>
+    <dgm:txLinClrLst/>
+    <dgm:txFillClrLst meth="repeat">
+      <a:schemeClr val="dk1"/>
+    </dgm:txFillClrLst>
+    <dgm:txEffectClrLst/>
+  </dgm:styleLbl>
+  <dgm:styleLbl name="fgAcc4">
+    <dgm:fillClrLst meth="repeat">
+      <a:schemeClr val="lt1">
+        <a:alpha val="90000"/>
+      </a:schemeClr>
+    </dgm:fillClrLst>
+    <dgm:linClrLst>
+      <a:schemeClr val="accent5"/>
+    </dgm:linClrLst>
+    <dgm:effectClrLst/>
+    <dgm:txLinClrLst/>
+    <dgm:txFillClrLst meth="repeat">
+      <a:schemeClr val="dk1"/>
+    </dgm:txFillClrLst>
+    <dgm:txEffectClrLst/>
+  </dgm:styleLbl>
+  <dgm:styleLbl name="bgShp">
+    <dgm:fillClrLst>
+      <a:schemeClr val="accent2"/>
+      <a:schemeClr val="accent3"/>
+    </dgm:fillClrLst>
+    <dgm:linClrLst meth="repeat">
+      <a:schemeClr val="lt1">
+        <a:alpha val="0"/>
+      </a:schemeClr>
+    </dgm:linClrLst>
+    <dgm:effectClrLst/>
+    <dgm:txLinClrLst/>
+    <dgm:txFillClrLst/>
     <dgm:txEffectClrLst/>
   </dgm:styleLbl>
   <dgm:styleLbl name="dkBgShp">
@@ -5102,6 +6635,782 @@
   <dgm:extLst>
     <a:ext uri="http://schemas.microsoft.com/office/drawing/2008/diagram">
       <dsp:dataModelExt xmlns:dsp="http://schemas.microsoft.com/office/drawing/2008/diagram" relId="rId6" minVer="http://schemas.openxmlformats.org/drawingml/2006/diagram"/>
+    </a:ext>
+  </dgm:extLst>
+</dgm:dataModel>
+</file>
+
+<file path=ppt/diagrams/data4.xml><?xml version="1.0" encoding="utf-8"?>
+<dgm:dataModel xmlns:dgm="http://schemas.openxmlformats.org/drawingml/2006/diagram" xmlns:a="http://schemas.openxmlformats.org/drawingml/2006/main">
+  <dgm:ptLst>
+    <dgm:pt modelId="{3A4ABDDC-D214-42EC-8429-9ABC6501E94E}" type="doc">
+      <dgm:prSet loTypeId="urn:microsoft.com/office/officeart/2018/5/layout/IconCircleLabelList" loCatId="icon" qsTypeId="urn:microsoft.com/office/officeart/2005/8/quickstyle/3d1" qsCatId="3D" csTypeId="urn:microsoft.com/office/officeart/2018/5/colors/Iconchunking_neutralicon_colorful2" csCatId="colorful" phldr="1"/>
+      <dgm:spPr/>
+      <dgm:t>
+        <a:bodyPr/>
+        <a:lstStyle/>
+        <a:p>
+          <a:endParaRPr lang="en-US"/>
+        </a:p>
+      </dgm:t>
+    </dgm:pt>
+    <dgm:pt modelId="{FB37226D-AF09-474B-B14E-D8A510374983}">
+      <dgm:prSet custT="1"/>
+      <dgm:spPr/>
+      <dgm:t>
+        <a:bodyPr/>
+        <a:lstStyle/>
+        <a:p>
+          <a:pPr>
+            <a:lnSpc>
+              <a:spcPct val="100000"/>
+            </a:lnSpc>
+            <a:defRPr cap="all"/>
+          </a:pPr>
+          <a:r>
+            <a:rPr lang="en-US" sz="1600" b="0" i="0" cap="none" dirty="0">
+              <a:latin typeface="Tw Cen MT (Body)"/>
+              <a:cs typeface="Times New Roman" panose="02020603050405020304" pitchFamily="18" charset="0"/>
+            </a:rPr>
+            <a:t>JAICHAND MULAKALAPALLI</a:t>
+          </a:r>
+        </a:p>
+        <a:p>
+          <a:pPr>
+            <a:lnSpc>
+              <a:spcPct val="100000"/>
+            </a:lnSpc>
+            <a:defRPr cap="all"/>
+          </a:pPr>
+          <a:r>
+            <a:rPr lang="en-US" sz="1600" b="0" i="0" cap="none" dirty="0">
+              <a:latin typeface="Tw Cen MT (Body)"/>
+              <a:cs typeface="Times New Roman" panose="02020603050405020304" pitchFamily="18" charset="0"/>
+            </a:rPr>
+            <a:t>(TEAM LEADER)  BACKEND</a:t>
+          </a:r>
+          <a:endParaRPr lang="en-US" sz="1600" b="0" cap="none" dirty="0">
+            <a:latin typeface="Tw Cen MT (Body)"/>
+            <a:cs typeface="Times New Roman" panose="02020603050405020304" pitchFamily="18" charset="0"/>
+          </a:endParaRPr>
+        </a:p>
+      </dgm:t>
+    </dgm:pt>
+    <dgm:pt modelId="{971E934E-F787-4219-8E2C-D0D2713EBDCF}" type="parTrans" cxnId="{C27040D6-CDD4-4FE9-A732-2B77F040C81B}">
+      <dgm:prSet/>
+      <dgm:spPr/>
+      <dgm:t>
+        <a:bodyPr/>
+        <a:lstStyle/>
+        <a:p>
+          <a:endParaRPr lang="en-US"/>
+        </a:p>
+      </dgm:t>
+    </dgm:pt>
+    <dgm:pt modelId="{BF23F955-137D-4274-B9C2-495D67CF23F6}" type="sibTrans" cxnId="{C27040D6-CDD4-4FE9-A732-2B77F040C81B}">
+      <dgm:prSet phldrT="01" phldr="0"/>
+      <dgm:spPr/>
+      <dgm:t>
+        <a:bodyPr/>
+        <a:lstStyle/>
+        <a:p>
+          <a:endParaRPr lang="en-US"/>
+        </a:p>
+      </dgm:t>
+    </dgm:pt>
+    <dgm:pt modelId="{61B67600-B94E-4FDB-8435-A7FED34EDEF6}">
+      <dgm:prSet custT="1"/>
+      <dgm:spPr/>
+      <dgm:t>
+        <a:bodyPr/>
+        <a:lstStyle/>
+        <a:p>
+          <a:pPr>
+            <a:lnSpc>
+              <a:spcPct val="100000"/>
+            </a:lnSpc>
+            <a:defRPr cap="all"/>
+          </a:pPr>
+          <a:r>
+            <a:rPr lang="en-US" sz="1600" b="0" i="0" cap="none" dirty="0">
+              <a:latin typeface="Tw Cen MT (Body)"/>
+              <a:cs typeface="Times New Roman" panose="02020603050405020304" pitchFamily="18" charset="0"/>
+            </a:rPr>
+            <a:t>MANOJ KUMAR GUDE</a:t>
+          </a:r>
+        </a:p>
+        <a:p>
+          <a:pPr>
+            <a:lnSpc>
+              <a:spcPct val="100000"/>
+            </a:lnSpc>
+            <a:defRPr cap="all"/>
+          </a:pPr>
+          <a:r>
+            <a:rPr lang="en-US" sz="1600" b="0" i="0" cap="none" dirty="0">
+              <a:latin typeface="Tw Cen MT (Body)"/>
+              <a:cs typeface="Times New Roman" panose="02020603050405020304" pitchFamily="18" charset="0"/>
+            </a:rPr>
+            <a:t>FRONTEND</a:t>
+          </a:r>
+          <a:endParaRPr lang="en-US" sz="1600" cap="none" dirty="0">
+            <a:latin typeface="Tw Cen MT (Body)"/>
+            <a:cs typeface="Times New Roman" panose="02020603050405020304" pitchFamily="18" charset="0"/>
+          </a:endParaRPr>
+        </a:p>
+      </dgm:t>
+    </dgm:pt>
+    <dgm:pt modelId="{E5853747-D1F1-4DF5-9592-3BD246B8B31C}" type="parTrans" cxnId="{3D78BB8B-1F79-449F-AD6B-B8D7ECBF9290}">
+      <dgm:prSet/>
+      <dgm:spPr/>
+      <dgm:t>
+        <a:bodyPr/>
+        <a:lstStyle/>
+        <a:p>
+          <a:endParaRPr lang="en-US"/>
+        </a:p>
+      </dgm:t>
+    </dgm:pt>
+    <dgm:pt modelId="{2F2DC9B2-3072-4FE0-B1CE-2B390123D522}" type="sibTrans" cxnId="{3D78BB8B-1F79-449F-AD6B-B8D7ECBF9290}">
+      <dgm:prSet phldrT="02" phldr="0"/>
+      <dgm:spPr/>
+      <dgm:t>
+        <a:bodyPr/>
+        <a:lstStyle/>
+        <a:p>
+          <a:endParaRPr lang="en-US"/>
+        </a:p>
+      </dgm:t>
+    </dgm:pt>
+    <dgm:pt modelId="{3AFDCAC2-CBAC-4053-BF01-DE6A641297C6}">
+      <dgm:prSet custT="1"/>
+      <dgm:spPr/>
+      <dgm:t>
+        <a:bodyPr/>
+        <a:lstStyle/>
+        <a:p>
+          <a:pPr>
+            <a:lnSpc>
+              <a:spcPct val="100000"/>
+            </a:lnSpc>
+            <a:defRPr cap="all"/>
+          </a:pPr>
+          <a:r>
+            <a:rPr lang="en-US" sz="1600" b="0" i="0" cap="none" dirty="0">
+              <a:latin typeface="Tw Cen MT (Body)"/>
+              <a:cs typeface="Times New Roman" panose="02020603050405020304" pitchFamily="18" charset="0"/>
+            </a:rPr>
+            <a:t>ADITHYA KRISHNA RAAVI</a:t>
+          </a:r>
+        </a:p>
+        <a:p>
+          <a:pPr>
+            <a:lnSpc>
+              <a:spcPct val="100000"/>
+            </a:lnSpc>
+            <a:defRPr cap="all"/>
+          </a:pPr>
+          <a:r>
+            <a:rPr lang="en-US" sz="1600" b="0" i="0" cap="none" dirty="0">
+              <a:latin typeface="Tw Cen MT (Body)"/>
+              <a:cs typeface="Times New Roman" panose="02020603050405020304" pitchFamily="18" charset="0"/>
+            </a:rPr>
+            <a:t>FRONTEND</a:t>
+          </a:r>
+          <a:endParaRPr lang="en-US" sz="1600" cap="none" dirty="0">
+            <a:latin typeface="Tw Cen MT (Body)"/>
+            <a:cs typeface="Times New Roman" panose="02020603050405020304" pitchFamily="18" charset="0"/>
+          </a:endParaRPr>
+        </a:p>
+      </dgm:t>
+    </dgm:pt>
+    <dgm:pt modelId="{2945E9DB-7769-4C6C-B6E4-BF2F20238559}" type="parTrans" cxnId="{443D84E4-CE7F-4F28-A3DC-48059DC58C5F}">
+      <dgm:prSet/>
+      <dgm:spPr/>
+      <dgm:t>
+        <a:bodyPr/>
+        <a:lstStyle/>
+        <a:p>
+          <a:endParaRPr lang="en-US"/>
+        </a:p>
+      </dgm:t>
+    </dgm:pt>
+    <dgm:pt modelId="{B738753F-A471-4838-B0A1-17668E33BBD9}" type="sibTrans" cxnId="{443D84E4-CE7F-4F28-A3DC-48059DC58C5F}">
+      <dgm:prSet phldrT="03" phldr="0"/>
+      <dgm:spPr/>
+      <dgm:t>
+        <a:bodyPr/>
+        <a:lstStyle/>
+        <a:p>
+          <a:endParaRPr lang="en-US"/>
+        </a:p>
+      </dgm:t>
+    </dgm:pt>
+    <dgm:pt modelId="{9D060EFD-A516-482C-A3F3-F3D0A41989D3}">
+      <dgm:prSet custT="1"/>
+      <dgm:spPr/>
+      <dgm:t>
+        <a:bodyPr/>
+        <a:lstStyle/>
+        <a:p>
+          <a:pPr>
+            <a:lnSpc>
+              <a:spcPct val="100000"/>
+            </a:lnSpc>
+            <a:defRPr cap="all"/>
+          </a:pPr>
+          <a:r>
+            <a:rPr lang="en-US" sz="1600" b="0" i="0" dirty="0">
+              <a:latin typeface="Tw Cen MT (Body)"/>
+              <a:cs typeface="Times New Roman" panose="02020603050405020304" pitchFamily="18" charset="0"/>
+            </a:rPr>
+            <a:t>Saibabu devarapalli</a:t>
+          </a:r>
+        </a:p>
+        <a:p>
+          <a:pPr>
+            <a:lnSpc>
+              <a:spcPct val="100000"/>
+            </a:lnSpc>
+            <a:defRPr cap="all"/>
+          </a:pPr>
+          <a:r>
+            <a:rPr lang="en-US" sz="1600" b="0" i="0" dirty="0">
+              <a:latin typeface="Tw Cen MT (Body)"/>
+              <a:cs typeface="Times New Roman" panose="02020603050405020304" pitchFamily="18" charset="0"/>
+            </a:rPr>
+            <a:t>Fullstack</a:t>
+          </a:r>
+          <a:endParaRPr lang="en-US" sz="1600" dirty="0">
+            <a:latin typeface="Tw Cen MT (Body)"/>
+            <a:cs typeface="Times New Roman" panose="02020603050405020304" pitchFamily="18" charset="0"/>
+          </a:endParaRPr>
+        </a:p>
+      </dgm:t>
+    </dgm:pt>
+    <dgm:pt modelId="{F9AC0329-1AE8-4C19-B1EA-A46B91C3F7AF}" type="parTrans" cxnId="{7AEF8F0D-6B6A-49D9-BEFF-81ABBD261837}">
+      <dgm:prSet/>
+      <dgm:spPr/>
+      <dgm:t>
+        <a:bodyPr/>
+        <a:lstStyle/>
+        <a:p>
+          <a:endParaRPr lang="en-US"/>
+        </a:p>
+      </dgm:t>
+    </dgm:pt>
+    <dgm:pt modelId="{A8BF3A9E-719A-45A4-9DF6-2737630A03D0}" type="sibTrans" cxnId="{7AEF8F0D-6B6A-49D9-BEFF-81ABBD261837}">
+      <dgm:prSet phldrT="04" phldr="0"/>
+      <dgm:spPr/>
+      <dgm:t>
+        <a:bodyPr/>
+        <a:lstStyle/>
+        <a:p>
+          <a:endParaRPr lang="en-US"/>
+        </a:p>
+      </dgm:t>
+    </dgm:pt>
+    <dgm:pt modelId="{C976B047-ACC9-40EB-AE9C-0DC4ABA48AF2}">
+      <dgm:prSet custT="1"/>
+      <dgm:spPr/>
+      <dgm:t>
+        <a:bodyPr/>
+        <a:lstStyle/>
+        <a:p>
+          <a:pPr>
+            <a:lnSpc>
+              <a:spcPct val="100000"/>
+            </a:lnSpc>
+            <a:defRPr cap="all"/>
+          </a:pPr>
+          <a:r>
+            <a:rPr lang="en-US" sz="1600" b="0" i="0" cap="none" dirty="0">
+              <a:solidFill>
+                <a:schemeClr val="tx1"/>
+              </a:solidFill>
+              <a:latin typeface="Tw Cen MT (Body)"/>
+              <a:cs typeface="Times New Roman" panose="02020603050405020304" pitchFamily="18" charset="0"/>
+            </a:rPr>
+            <a:t>HARISH CHOWDARY BALA</a:t>
+          </a:r>
+        </a:p>
+        <a:p>
+          <a:pPr>
+            <a:lnSpc>
+              <a:spcPct val="100000"/>
+            </a:lnSpc>
+            <a:defRPr cap="all"/>
+          </a:pPr>
+          <a:r>
+            <a:rPr lang="en-US" sz="1600" b="0" i="0" cap="none" dirty="0">
+              <a:solidFill>
+                <a:schemeClr val="tx1"/>
+              </a:solidFill>
+              <a:latin typeface="Tw Cen MT (Body)"/>
+              <a:cs typeface="Times New Roman" panose="02020603050405020304" pitchFamily="18" charset="0"/>
+            </a:rPr>
+            <a:t>DATABASE</a:t>
+          </a:r>
+        </a:p>
+      </dgm:t>
+    </dgm:pt>
+    <dgm:pt modelId="{97ED3AE3-7B61-4C75-9E09-0A4E40CFBCF2}" type="sibTrans" cxnId="{B082FA02-C8FE-471A-BED4-B0DADFDD6CFE}">
+      <dgm:prSet phldrT="05" phldr="0"/>
+      <dgm:spPr/>
+      <dgm:t>
+        <a:bodyPr/>
+        <a:lstStyle/>
+        <a:p>
+          <a:endParaRPr lang="en-US"/>
+        </a:p>
+      </dgm:t>
+    </dgm:pt>
+    <dgm:pt modelId="{A29543CC-398C-4450-8E9D-6ABEE3202298}" type="parTrans" cxnId="{B082FA02-C8FE-471A-BED4-B0DADFDD6CFE}">
+      <dgm:prSet/>
+      <dgm:spPr/>
+      <dgm:t>
+        <a:bodyPr/>
+        <a:lstStyle/>
+        <a:p>
+          <a:endParaRPr lang="en-US"/>
+        </a:p>
+      </dgm:t>
+    </dgm:pt>
+    <dgm:pt modelId="{608F08B9-C91B-407F-BFA3-AC44042B4802}" type="pres">
+      <dgm:prSet presAssocID="{3A4ABDDC-D214-42EC-8429-9ABC6501E94E}" presName="root" presStyleCnt="0">
+        <dgm:presLayoutVars>
+          <dgm:dir/>
+          <dgm:resizeHandles val="exact"/>
+        </dgm:presLayoutVars>
+      </dgm:prSet>
+      <dgm:spPr/>
+    </dgm:pt>
+    <dgm:pt modelId="{9E7B8C5D-AFD2-4F6D-A46E-7C6C630FB971}" type="pres">
+      <dgm:prSet presAssocID="{3AFDCAC2-CBAC-4053-BF01-DE6A641297C6}" presName="compNode" presStyleCnt="0"/>
+      <dgm:spPr/>
+    </dgm:pt>
+    <dgm:pt modelId="{72E80963-B297-438D-B287-BD5C6D858D9A}" type="pres">
+      <dgm:prSet presAssocID="{3AFDCAC2-CBAC-4053-BF01-DE6A641297C6}" presName="iconBgRect" presStyleLbl="bgShp" presStyleIdx="0" presStyleCnt="5"/>
+      <dgm:spPr/>
+    </dgm:pt>
+    <dgm:pt modelId="{963609E0-1123-430F-84CE-B59C04DDFC03}" type="pres">
+      <dgm:prSet presAssocID="{3AFDCAC2-CBAC-4053-BF01-DE6A641297C6}" presName="iconRect" presStyleLbl="node1" presStyleIdx="0" presStyleCnt="5" custScaleX="193810" custScaleY="189599"/>
+      <dgm:spPr>
+        <a:prstGeom prst="ellipse">
+          <a:avLst/>
+        </a:prstGeom>
+        <a:blipFill dpi="0" rotWithShape="1">
+          <a:blip xmlns:r="http://schemas.openxmlformats.org/officeDocument/2006/relationships" r:embed="rId1">
+            <a:extLst>
+              <a:ext uri="{28A0092B-C50C-407E-A947-70E740481C1C}">
+                <a14:useLocalDpi xmlns:a14="http://schemas.microsoft.com/office/drawing/2010/main" val="0"/>
+              </a:ext>
+            </a:extLst>
+          </a:blip>
+          <a:srcRect/>
+          <a:stretch>
+            <a:fillRect t="-18034" b="-18034"/>
+          </a:stretch>
+        </a:blipFill>
+      </dgm:spPr>
+    </dgm:pt>
+    <dgm:pt modelId="{F5712831-982A-40D9-8BDB-8F278821EB5B}" type="pres">
+      <dgm:prSet presAssocID="{3AFDCAC2-CBAC-4053-BF01-DE6A641297C6}" presName="spaceRect" presStyleCnt="0"/>
+      <dgm:spPr/>
+    </dgm:pt>
+    <dgm:pt modelId="{06404763-ABBA-4E19-8AB1-1FE5627DF9D7}" type="pres">
+      <dgm:prSet presAssocID="{3AFDCAC2-CBAC-4053-BF01-DE6A641297C6}" presName="textRect" presStyleLbl="revTx" presStyleIdx="0" presStyleCnt="5">
+        <dgm:presLayoutVars>
+          <dgm:chMax val="1"/>
+          <dgm:chPref val="1"/>
+        </dgm:presLayoutVars>
+      </dgm:prSet>
+      <dgm:spPr/>
+    </dgm:pt>
+    <dgm:pt modelId="{A96B9F02-8168-4ECB-BBA1-17E2F7C733AE}" type="pres">
+      <dgm:prSet presAssocID="{B738753F-A471-4838-B0A1-17668E33BBD9}" presName="sibTrans" presStyleCnt="0"/>
+      <dgm:spPr/>
+    </dgm:pt>
+    <dgm:pt modelId="{052DC9CB-30E0-44D6-8787-813FD7ADB424}" type="pres">
+      <dgm:prSet presAssocID="{61B67600-B94E-4FDB-8435-A7FED34EDEF6}" presName="compNode" presStyleCnt="0"/>
+      <dgm:spPr/>
+    </dgm:pt>
+    <dgm:pt modelId="{40D2AF01-DDAF-479D-9A60-E20C6DAC5A83}" type="pres">
+      <dgm:prSet presAssocID="{61B67600-B94E-4FDB-8435-A7FED34EDEF6}" presName="iconBgRect" presStyleLbl="bgShp" presStyleIdx="1" presStyleCnt="5"/>
+      <dgm:spPr/>
+    </dgm:pt>
+    <dgm:pt modelId="{4EEEDEAA-D28F-4A7F-9866-00F94D8DD2BA}" type="pres">
+      <dgm:prSet presAssocID="{61B67600-B94E-4FDB-8435-A7FED34EDEF6}" presName="iconRect" presStyleLbl="node1" presStyleIdx="1" presStyleCnt="5" custScaleX="182563" custScaleY="183477" custLinFactNeighborX="-975"/>
+      <dgm:spPr>
+        <a:prstGeom prst="ellipse">
+          <a:avLst/>
+        </a:prstGeom>
+        <a:blipFill dpi="0" rotWithShape="1">
+          <a:blip xmlns:r="http://schemas.openxmlformats.org/officeDocument/2006/relationships" r:embed="rId2">
+            <a:extLst>
+              <a:ext uri="{28A0092B-C50C-407E-A947-70E740481C1C}">
+                <a14:useLocalDpi xmlns:a14="http://schemas.microsoft.com/office/drawing/2010/main" val="0"/>
+              </a:ext>
+            </a:extLst>
+          </a:blip>
+          <a:srcRect/>
+          <a:stretch>
+            <a:fillRect t="-3436" b="-3436"/>
+          </a:stretch>
+        </a:blipFill>
+      </dgm:spPr>
+    </dgm:pt>
+    <dgm:pt modelId="{D7B6040E-39E2-42C0-9F7F-A6CF1FFB628B}" type="pres">
+      <dgm:prSet presAssocID="{61B67600-B94E-4FDB-8435-A7FED34EDEF6}" presName="spaceRect" presStyleCnt="0"/>
+      <dgm:spPr/>
+    </dgm:pt>
+    <dgm:pt modelId="{59C52A30-81B3-4F09-9572-2F0857CFDC3F}" type="pres">
+      <dgm:prSet presAssocID="{61B67600-B94E-4FDB-8435-A7FED34EDEF6}" presName="textRect" presStyleLbl="revTx" presStyleIdx="1" presStyleCnt="5">
+        <dgm:presLayoutVars>
+          <dgm:chMax val="1"/>
+          <dgm:chPref val="1"/>
+        </dgm:presLayoutVars>
+      </dgm:prSet>
+      <dgm:spPr/>
+    </dgm:pt>
+    <dgm:pt modelId="{7B6A8BC0-8144-4100-95AC-3E4515FF64BA}" type="pres">
+      <dgm:prSet presAssocID="{2F2DC9B2-3072-4FE0-B1CE-2B390123D522}" presName="sibTrans" presStyleCnt="0"/>
+      <dgm:spPr/>
+    </dgm:pt>
+    <dgm:pt modelId="{3439ED5F-B005-4C8A-964C-B3E604488A58}" type="pres">
+      <dgm:prSet presAssocID="{C976B047-ACC9-40EB-AE9C-0DC4ABA48AF2}" presName="compNode" presStyleCnt="0"/>
+      <dgm:spPr/>
+    </dgm:pt>
+    <dgm:pt modelId="{A098B85B-9EC3-4228-876F-2B04E0BFC71C}" type="pres">
+      <dgm:prSet presAssocID="{C976B047-ACC9-40EB-AE9C-0DC4ABA48AF2}" presName="iconBgRect" presStyleLbl="bgShp" presStyleIdx="2" presStyleCnt="5"/>
+      <dgm:spPr/>
+    </dgm:pt>
+    <dgm:pt modelId="{82A6ABB2-9BE4-4DDE-82AE-AF08D9A0EFF1}" type="pres">
+      <dgm:prSet presAssocID="{C976B047-ACC9-40EB-AE9C-0DC4ABA48AF2}" presName="iconRect" presStyleLbl="node1" presStyleIdx="2" presStyleCnt="5" custScaleX="176241" custScaleY="174335"/>
+      <dgm:spPr>
+        <a:prstGeom prst="ellipse">
+          <a:avLst/>
+        </a:prstGeom>
+        <a:blipFill dpi="0" rotWithShape="1">
+          <a:blip xmlns:r="http://schemas.openxmlformats.org/officeDocument/2006/relationships" r:embed="rId3">
+            <a:extLst>
+              <a:ext uri="{28A0092B-C50C-407E-A947-70E740481C1C}">
+                <a14:useLocalDpi xmlns:a14="http://schemas.microsoft.com/office/drawing/2010/main" val="0"/>
+              </a:ext>
+            </a:extLst>
+          </a:blip>
+          <a:srcRect/>
+          <a:stretch>
+            <a:fillRect l="-5519" r="-5519"/>
+          </a:stretch>
+        </a:blipFill>
+      </dgm:spPr>
+    </dgm:pt>
+    <dgm:pt modelId="{14EF3762-D57D-4BB2-BB1B-6AB2943A4E32}" type="pres">
+      <dgm:prSet presAssocID="{C976B047-ACC9-40EB-AE9C-0DC4ABA48AF2}" presName="spaceRect" presStyleCnt="0"/>
+      <dgm:spPr/>
+    </dgm:pt>
+    <dgm:pt modelId="{7CB578D8-C238-4441-975D-1DB8B77BBE00}" type="pres">
+      <dgm:prSet presAssocID="{C976B047-ACC9-40EB-AE9C-0DC4ABA48AF2}" presName="textRect" presStyleLbl="revTx" presStyleIdx="2" presStyleCnt="5">
+        <dgm:presLayoutVars>
+          <dgm:chMax val="1"/>
+          <dgm:chPref val="1"/>
+        </dgm:presLayoutVars>
+      </dgm:prSet>
+      <dgm:spPr/>
+    </dgm:pt>
+    <dgm:pt modelId="{E17823E7-FE94-4532-8736-1EB127B0E02A}" type="pres">
+      <dgm:prSet presAssocID="{97ED3AE3-7B61-4C75-9E09-0A4E40CFBCF2}" presName="sibTrans" presStyleCnt="0"/>
+      <dgm:spPr/>
+    </dgm:pt>
+    <dgm:pt modelId="{C3D4E359-41A2-4D69-8B53-3BC1F04F40CD}" type="pres">
+      <dgm:prSet presAssocID="{9D060EFD-A516-482C-A3F3-F3D0A41989D3}" presName="compNode" presStyleCnt="0"/>
+      <dgm:spPr/>
+    </dgm:pt>
+    <dgm:pt modelId="{748F3216-80F2-49D4-AFE7-410A5298FAC5}" type="pres">
+      <dgm:prSet presAssocID="{9D060EFD-A516-482C-A3F3-F3D0A41989D3}" presName="iconBgRect" presStyleLbl="bgShp" presStyleIdx="3" presStyleCnt="5"/>
+      <dgm:spPr/>
+    </dgm:pt>
+    <dgm:pt modelId="{5DBD53F4-54C1-411E-9FC0-FA6E027B8360}" type="pres">
+      <dgm:prSet presAssocID="{9D060EFD-A516-482C-A3F3-F3D0A41989D3}" presName="iconRect" presStyleLbl="node1" presStyleIdx="3" presStyleCnt="5" custScaleX="189702" custScaleY="204131"/>
+      <dgm:spPr>
+        <a:prstGeom prst="ellipse">
+          <a:avLst/>
+        </a:prstGeom>
+        <a:blipFill dpi="0" rotWithShape="1">
+          <a:blip xmlns:r="http://schemas.openxmlformats.org/officeDocument/2006/relationships" r:embed="rId4">
+            <a:extLst>
+              <a:ext uri="{28A0092B-C50C-407E-A947-70E740481C1C}">
+                <a14:useLocalDpi xmlns:a14="http://schemas.microsoft.com/office/drawing/2010/main" val="0"/>
+              </a:ext>
+            </a:extLst>
+          </a:blip>
+          <a:srcRect/>
+          <a:stretch>
+            <a:fillRect l="-16797" r="-16797"/>
+          </a:stretch>
+        </a:blipFill>
+      </dgm:spPr>
+    </dgm:pt>
+    <dgm:pt modelId="{9F041BF4-08E0-4987-94A1-65628434829C}" type="pres">
+      <dgm:prSet presAssocID="{9D060EFD-A516-482C-A3F3-F3D0A41989D3}" presName="spaceRect" presStyleCnt="0"/>
+      <dgm:spPr/>
+    </dgm:pt>
+    <dgm:pt modelId="{38041827-230F-4748-8541-E2A8ACCE7B97}" type="pres">
+      <dgm:prSet presAssocID="{9D060EFD-A516-482C-A3F3-F3D0A41989D3}" presName="textRect" presStyleLbl="revTx" presStyleIdx="3" presStyleCnt="5">
+        <dgm:presLayoutVars>
+          <dgm:chMax val="1"/>
+          <dgm:chPref val="1"/>
+        </dgm:presLayoutVars>
+      </dgm:prSet>
+      <dgm:spPr/>
+    </dgm:pt>
+    <dgm:pt modelId="{C131570B-6EED-47AF-8B8C-D58C8B7837C8}" type="pres">
+      <dgm:prSet presAssocID="{A8BF3A9E-719A-45A4-9DF6-2737630A03D0}" presName="sibTrans" presStyleCnt="0"/>
+      <dgm:spPr/>
+    </dgm:pt>
+    <dgm:pt modelId="{399A50C8-5F06-4770-A758-568729FD845A}" type="pres">
+      <dgm:prSet presAssocID="{FB37226D-AF09-474B-B14E-D8A510374983}" presName="compNode" presStyleCnt="0"/>
+      <dgm:spPr/>
+    </dgm:pt>
+    <dgm:pt modelId="{56C41F9A-86AC-41C5-9189-6C07B670BDF9}" type="pres">
+      <dgm:prSet presAssocID="{FB37226D-AF09-474B-B14E-D8A510374983}" presName="iconBgRect" presStyleLbl="bgShp" presStyleIdx="4" presStyleCnt="5"/>
+      <dgm:spPr/>
+    </dgm:pt>
+    <dgm:pt modelId="{687838E1-9051-4D8C-9096-66B1FDEB633F}" type="pres">
+      <dgm:prSet presAssocID="{FB37226D-AF09-474B-B14E-D8A510374983}" presName="iconRect" presStyleLbl="node1" presStyleIdx="4" presStyleCnt="5" custScaleX="188129" custScaleY="202089"/>
+      <dgm:spPr>
+        <a:prstGeom prst="ellipse">
+          <a:avLst/>
+        </a:prstGeom>
+        <a:blipFill dpi="0" rotWithShape="1">
+          <a:blip xmlns:r="http://schemas.openxmlformats.org/officeDocument/2006/relationships" r:embed="rId5">
+            <a:extLst>
+              <a:ext uri="{28A0092B-C50C-407E-A947-70E740481C1C}">
+                <a14:useLocalDpi xmlns:a14="http://schemas.microsoft.com/office/drawing/2010/main" val="0"/>
+              </a:ext>
+            </a:extLst>
+          </a:blip>
+          <a:srcRect/>
+          <a:stretch>
+            <a:fillRect l="-17949" r="-17949"/>
+          </a:stretch>
+        </a:blipFill>
+      </dgm:spPr>
+    </dgm:pt>
+    <dgm:pt modelId="{28A4BA7F-28DC-447C-A663-D4009C16CB41}" type="pres">
+      <dgm:prSet presAssocID="{FB37226D-AF09-474B-B14E-D8A510374983}" presName="spaceRect" presStyleCnt="0"/>
+      <dgm:spPr/>
+    </dgm:pt>
+    <dgm:pt modelId="{FFC00A7E-51F0-488A-B175-1D9BB9A3C4A1}" type="pres">
+      <dgm:prSet presAssocID="{FB37226D-AF09-474B-B14E-D8A510374983}" presName="textRect" presStyleLbl="revTx" presStyleIdx="4" presStyleCnt="5">
+        <dgm:presLayoutVars>
+          <dgm:chMax val="1"/>
+          <dgm:chPref val="1"/>
+        </dgm:presLayoutVars>
+      </dgm:prSet>
+      <dgm:spPr/>
+    </dgm:pt>
+  </dgm:ptLst>
+  <dgm:cxnLst>
+    <dgm:cxn modelId="{B082FA02-C8FE-471A-BED4-B0DADFDD6CFE}" srcId="{3A4ABDDC-D214-42EC-8429-9ABC6501E94E}" destId="{C976B047-ACC9-40EB-AE9C-0DC4ABA48AF2}" srcOrd="2" destOrd="0" parTransId="{A29543CC-398C-4450-8E9D-6ABEE3202298}" sibTransId="{97ED3AE3-7B61-4C75-9E09-0A4E40CFBCF2}"/>
+    <dgm:cxn modelId="{7AEF8F0D-6B6A-49D9-BEFF-81ABBD261837}" srcId="{3A4ABDDC-D214-42EC-8429-9ABC6501E94E}" destId="{9D060EFD-A516-482C-A3F3-F3D0A41989D3}" srcOrd="3" destOrd="0" parTransId="{F9AC0329-1AE8-4C19-B1EA-A46B91C3F7AF}" sibTransId="{A8BF3A9E-719A-45A4-9DF6-2737630A03D0}"/>
+    <dgm:cxn modelId="{2FCB2C1A-5CF6-4502-AED9-B39FE978B25F}" type="presOf" srcId="{61B67600-B94E-4FDB-8435-A7FED34EDEF6}" destId="{59C52A30-81B3-4F09-9572-2F0857CFDC3F}" srcOrd="0" destOrd="0" presId="urn:microsoft.com/office/officeart/2018/5/layout/IconCircleLabelList"/>
+    <dgm:cxn modelId="{E01DD72E-DC7D-4833-8A83-2279B79FBAF6}" type="presOf" srcId="{9D060EFD-A516-482C-A3F3-F3D0A41989D3}" destId="{38041827-230F-4748-8541-E2A8ACCE7B97}" srcOrd="0" destOrd="0" presId="urn:microsoft.com/office/officeart/2018/5/layout/IconCircleLabelList"/>
+    <dgm:cxn modelId="{72C07F32-BC2F-4FA0-8219-E7B72DCB9500}" type="presOf" srcId="{C976B047-ACC9-40EB-AE9C-0DC4ABA48AF2}" destId="{7CB578D8-C238-4441-975D-1DB8B77BBE00}" srcOrd="0" destOrd="0" presId="urn:microsoft.com/office/officeart/2018/5/layout/IconCircleLabelList"/>
+    <dgm:cxn modelId="{8CF1B534-BCDC-439D-9828-3EB185099035}" type="presOf" srcId="{3AFDCAC2-CBAC-4053-BF01-DE6A641297C6}" destId="{06404763-ABBA-4E19-8AB1-1FE5627DF9D7}" srcOrd="0" destOrd="0" presId="urn:microsoft.com/office/officeart/2018/5/layout/IconCircleLabelList"/>
+    <dgm:cxn modelId="{BD61DE55-C3E8-47D4-8645-E946D4ACB722}" type="presOf" srcId="{FB37226D-AF09-474B-B14E-D8A510374983}" destId="{FFC00A7E-51F0-488A-B175-1D9BB9A3C4A1}" srcOrd="0" destOrd="0" presId="urn:microsoft.com/office/officeart/2018/5/layout/IconCircleLabelList"/>
+    <dgm:cxn modelId="{3D78BB8B-1F79-449F-AD6B-B8D7ECBF9290}" srcId="{3A4ABDDC-D214-42EC-8429-9ABC6501E94E}" destId="{61B67600-B94E-4FDB-8435-A7FED34EDEF6}" srcOrd="1" destOrd="0" parTransId="{E5853747-D1F1-4DF5-9592-3BD246B8B31C}" sibTransId="{2F2DC9B2-3072-4FE0-B1CE-2B390123D522}"/>
+    <dgm:cxn modelId="{601701A7-076D-4801-93F1-7C97A5993A54}" type="presOf" srcId="{3A4ABDDC-D214-42EC-8429-9ABC6501E94E}" destId="{608F08B9-C91B-407F-BFA3-AC44042B4802}" srcOrd="0" destOrd="0" presId="urn:microsoft.com/office/officeart/2018/5/layout/IconCircleLabelList"/>
+    <dgm:cxn modelId="{C27040D6-CDD4-4FE9-A732-2B77F040C81B}" srcId="{3A4ABDDC-D214-42EC-8429-9ABC6501E94E}" destId="{FB37226D-AF09-474B-B14E-D8A510374983}" srcOrd="4" destOrd="0" parTransId="{971E934E-F787-4219-8E2C-D0D2713EBDCF}" sibTransId="{BF23F955-137D-4274-B9C2-495D67CF23F6}"/>
+    <dgm:cxn modelId="{443D84E4-CE7F-4F28-A3DC-48059DC58C5F}" srcId="{3A4ABDDC-D214-42EC-8429-9ABC6501E94E}" destId="{3AFDCAC2-CBAC-4053-BF01-DE6A641297C6}" srcOrd="0" destOrd="0" parTransId="{2945E9DB-7769-4C6C-B6E4-BF2F20238559}" sibTransId="{B738753F-A471-4838-B0A1-17668E33BBD9}"/>
+    <dgm:cxn modelId="{A21935F8-4617-44EC-8312-1E46C084FED1}" type="presParOf" srcId="{608F08B9-C91B-407F-BFA3-AC44042B4802}" destId="{9E7B8C5D-AFD2-4F6D-A46E-7C6C630FB971}" srcOrd="0" destOrd="0" presId="urn:microsoft.com/office/officeart/2018/5/layout/IconCircleLabelList"/>
+    <dgm:cxn modelId="{47CD88F7-2D2F-40C4-B600-175F9510760C}" type="presParOf" srcId="{9E7B8C5D-AFD2-4F6D-A46E-7C6C630FB971}" destId="{72E80963-B297-438D-B287-BD5C6D858D9A}" srcOrd="0" destOrd="0" presId="urn:microsoft.com/office/officeart/2018/5/layout/IconCircleLabelList"/>
+    <dgm:cxn modelId="{6512C129-2475-45F7-A404-538AFECAB251}" type="presParOf" srcId="{9E7B8C5D-AFD2-4F6D-A46E-7C6C630FB971}" destId="{963609E0-1123-430F-84CE-B59C04DDFC03}" srcOrd="1" destOrd="0" presId="urn:microsoft.com/office/officeart/2018/5/layout/IconCircleLabelList"/>
+    <dgm:cxn modelId="{0182670C-CC3F-486B-98D8-D2D88E59924D}" type="presParOf" srcId="{9E7B8C5D-AFD2-4F6D-A46E-7C6C630FB971}" destId="{F5712831-982A-40D9-8BDB-8F278821EB5B}" srcOrd="2" destOrd="0" presId="urn:microsoft.com/office/officeart/2018/5/layout/IconCircleLabelList"/>
+    <dgm:cxn modelId="{2962CE9A-50C7-41F3-8F88-14110C976473}" type="presParOf" srcId="{9E7B8C5D-AFD2-4F6D-A46E-7C6C630FB971}" destId="{06404763-ABBA-4E19-8AB1-1FE5627DF9D7}" srcOrd="3" destOrd="0" presId="urn:microsoft.com/office/officeart/2018/5/layout/IconCircleLabelList"/>
+    <dgm:cxn modelId="{A627E428-F107-4F47-B669-FD07FDBDC9DD}" type="presParOf" srcId="{608F08B9-C91B-407F-BFA3-AC44042B4802}" destId="{A96B9F02-8168-4ECB-BBA1-17E2F7C733AE}" srcOrd="1" destOrd="0" presId="urn:microsoft.com/office/officeart/2018/5/layout/IconCircleLabelList"/>
+    <dgm:cxn modelId="{FEF4B088-05C0-4820-BE3A-59CFBCE051F3}" type="presParOf" srcId="{608F08B9-C91B-407F-BFA3-AC44042B4802}" destId="{052DC9CB-30E0-44D6-8787-813FD7ADB424}" srcOrd="2" destOrd="0" presId="urn:microsoft.com/office/officeart/2018/5/layout/IconCircleLabelList"/>
+    <dgm:cxn modelId="{1E72E8AD-04F6-426C-8690-88ED6F788B88}" type="presParOf" srcId="{052DC9CB-30E0-44D6-8787-813FD7ADB424}" destId="{40D2AF01-DDAF-479D-9A60-E20C6DAC5A83}" srcOrd="0" destOrd="0" presId="urn:microsoft.com/office/officeart/2018/5/layout/IconCircleLabelList"/>
+    <dgm:cxn modelId="{D4C65103-43F2-44BF-853F-5340F09FBA3E}" type="presParOf" srcId="{052DC9CB-30E0-44D6-8787-813FD7ADB424}" destId="{4EEEDEAA-D28F-4A7F-9866-00F94D8DD2BA}" srcOrd="1" destOrd="0" presId="urn:microsoft.com/office/officeart/2018/5/layout/IconCircleLabelList"/>
+    <dgm:cxn modelId="{03AB7613-AE1A-4F13-AF92-970B68304D8A}" type="presParOf" srcId="{052DC9CB-30E0-44D6-8787-813FD7ADB424}" destId="{D7B6040E-39E2-42C0-9F7F-A6CF1FFB628B}" srcOrd="2" destOrd="0" presId="urn:microsoft.com/office/officeart/2018/5/layout/IconCircleLabelList"/>
+    <dgm:cxn modelId="{30E6C4CF-2636-4CBD-89F5-EA9419C42CC5}" type="presParOf" srcId="{052DC9CB-30E0-44D6-8787-813FD7ADB424}" destId="{59C52A30-81B3-4F09-9572-2F0857CFDC3F}" srcOrd="3" destOrd="0" presId="urn:microsoft.com/office/officeart/2018/5/layout/IconCircleLabelList"/>
+    <dgm:cxn modelId="{18535CAC-462E-497C-9733-76F4D602059C}" type="presParOf" srcId="{608F08B9-C91B-407F-BFA3-AC44042B4802}" destId="{7B6A8BC0-8144-4100-95AC-3E4515FF64BA}" srcOrd="3" destOrd="0" presId="urn:microsoft.com/office/officeart/2018/5/layout/IconCircleLabelList"/>
+    <dgm:cxn modelId="{E7FD9C1B-7144-4427-BAA5-B0FCC85EA764}" type="presParOf" srcId="{608F08B9-C91B-407F-BFA3-AC44042B4802}" destId="{3439ED5F-B005-4C8A-964C-B3E604488A58}" srcOrd="4" destOrd="0" presId="urn:microsoft.com/office/officeart/2018/5/layout/IconCircleLabelList"/>
+    <dgm:cxn modelId="{B0851689-E338-4647-A5D8-E0DC40D15934}" type="presParOf" srcId="{3439ED5F-B005-4C8A-964C-B3E604488A58}" destId="{A098B85B-9EC3-4228-876F-2B04E0BFC71C}" srcOrd="0" destOrd="0" presId="urn:microsoft.com/office/officeart/2018/5/layout/IconCircleLabelList"/>
+    <dgm:cxn modelId="{6154ED4F-2252-4D8B-BFC4-30F049E5BDF7}" type="presParOf" srcId="{3439ED5F-B005-4C8A-964C-B3E604488A58}" destId="{82A6ABB2-9BE4-4DDE-82AE-AF08D9A0EFF1}" srcOrd="1" destOrd="0" presId="urn:microsoft.com/office/officeart/2018/5/layout/IconCircleLabelList"/>
+    <dgm:cxn modelId="{97398D1E-BDC5-431C-801D-7026BE49A144}" type="presParOf" srcId="{3439ED5F-B005-4C8A-964C-B3E604488A58}" destId="{14EF3762-D57D-4BB2-BB1B-6AB2943A4E32}" srcOrd="2" destOrd="0" presId="urn:microsoft.com/office/officeart/2018/5/layout/IconCircleLabelList"/>
+    <dgm:cxn modelId="{AD3079EC-A562-46EE-906E-843638C4BBF3}" type="presParOf" srcId="{3439ED5F-B005-4C8A-964C-B3E604488A58}" destId="{7CB578D8-C238-4441-975D-1DB8B77BBE00}" srcOrd="3" destOrd="0" presId="urn:microsoft.com/office/officeart/2018/5/layout/IconCircleLabelList"/>
+    <dgm:cxn modelId="{5F42B5F7-3C33-4186-A938-CF36561D0E1F}" type="presParOf" srcId="{608F08B9-C91B-407F-BFA3-AC44042B4802}" destId="{E17823E7-FE94-4532-8736-1EB127B0E02A}" srcOrd="5" destOrd="0" presId="urn:microsoft.com/office/officeart/2018/5/layout/IconCircleLabelList"/>
+    <dgm:cxn modelId="{168FCA55-E9A3-45FF-86F1-351111E11A6B}" type="presParOf" srcId="{608F08B9-C91B-407F-BFA3-AC44042B4802}" destId="{C3D4E359-41A2-4D69-8B53-3BC1F04F40CD}" srcOrd="6" destOrd="0" presId="urn:microsoft.com/office/officeart/2018/5/layout/IconCircleLabelList"/>
+    <dgm:cxn modelId="{BDB49D33-69FC-421E-B747-9833B5D2C41A}" type="presParOf" srcId="{C3D4E359-41A2-4D69-8B53-3BC1F04F40CD}" destId="{748F3216-80F2-49D4-AFE7-410A5298FAC5}" srcOrd="0" destOrd="0" presId="urn:microsoft.com/office/officeart/2018/5/layout/IconCircleLabelList"/>
+    <dgm:cxn modelId="{D0839582-A39E-4A09-946F-472C0BF6EF9C}" type="presParOf" srcId="{C3D4E359-41A2-4D69-8B53-3BC1F04F40CD}" destId="{5DBD53F4-54C1-411E-9FC0-FA6E027B8360}" srcOrd="1" destOrd="0" presId="urn:microsoft.com/office/officeart/2018/5/layout/IconCircleLabelList"/>
+    <dgm:cxn modelId="{7E61FA72-3934-4BB0-BBE2-91C73358C0BA}" type="presParOf" srcId="{C3D4E359-41A2-4D69-8B53-3BC1F04F40CD}" destId="{9F041BF4-08E0-4987-94A1-65628434829C}" srcOrd="2" destOrd="0" presId="urn:microsoft.com/office/officeart/2018/5/layout/IconCircleLabelList"/>
+    <dgm:cxn modelId="{B918E430-D9BB-4589-99EF-A556B08C3A3A}" type="presParOf" srcId="{C3D4E359-41A2-4D69-8B53-3BC1F04F40CD}" destId="{38041827-230F-4748-8541-E2A8ACCE7B97}" srcOrd="3" destOrd="0" presId="urn:microsoft.com/office/officeart/2018/5/layout/IconCircleLabelList"/>
+    <dgm:cxn modelId="{9E174F58-1868-4EED-9721-6E65B6EB2BF4}" type="presParOf" srcId="{608F08B9-C91B-407F-BFA3-AC44042B4802}" destId="{C131570B-6EED-47AF-8B8C-D58C8B7837C8}" srcOrd="7" destOrd="0" presId="urn:microsoft.com/office/officeart/2018/5/layout/IconCircleLabelList"/>
+    <dgm:cxn modelId="{39DE1C9A-4573-48EE-B78F-1C54DB4A43AD}" type="presParOf" srcId="{608F08B9-C91B-407F-BFA3-AC44042B4802}" destId="{399A50C8-5F06-4770-A758-568729FD845A}" srcOrd="8" destOrd="0" presId="urn:microsoft.com/office/officeart/2018/5/layout/IconCircleLabelList"/>
+    <dgm:cxn modelId="{4AA8224B-B0D0-4260-B8AE-CFE1F0DAB73E}" type="presParOf" srcId="{399A50C8-5F06-4770-A758-568729FD845A}" destId="{56C41F9A-86AC-41C5-9189-6C07B670BDF9}" srcOrd="0" destOrd="0" presId="urn:microsoft.com/office/officeart/2018/5/layout/IconCircleLabelList"/>
+    <dgm:cxn modelId="{2F0F44C4-735B-4684-B736-C79A7394E30B}" type="presParOf" srcId="{399A50C8-5F06-4770-A758-568729FD845A}" destId="{687838E1-9051-4D8C-9096-66B1FDEB633F}" srcOrd="1" destOrd="0" presId="urn:microsoft.com/office/officeart/2018/5/layout/IconCircleLabelList"/>
+    <dgm:cxn modelId="{AC07AACB-3B31-47E8-B7BF-0A6ECB5B52D1}" type="presParOf" srcId="{399A50C8-5F06-4770-A758-568729FD845A}" destId="{28A4BA7F-28DC-447C-A663-D4009C16CB41}" srcOrd="2" destOrd="0" presId="urn:microsoft.com/office/officeart/2018/5/layout/IconCircleLabelList"/>
+    <dgm:cxn modelId="{F433865B-B725-4F36-B602-43A0E881129E}" type="presParOf" srcId="{399A50C8-5F06-4770-A758-568729FD845A}" destId="{FFC00A7E-51F0-488A-B175-1D9BB9A3C4A1}" srcOrd="3" destOrd="0" presId="urn:microsoft.com/office/officeart/2018/5/layout/IconCircleLabelList"/>
+  </dgm:cxnLst>
+  <dgm:bg/>
+  <dgm:whole/>
+  <dgm:extLst>
+    <a:ext uri="http://schemas.microsoft.com/office/drawing/2008/diagram">
+      <dsp:dataModelExt xmlns:dsp="http://schemas.microsoft.com/office/drawing/2008/diagram" relId="rId6" minVer="http://schemas.openxmlformats.org/drawingml/2006/diagram"/>
+    </a:ext>
+  </dgm:extLst>
+</dgm:dataModel>
+</file>
+
+<file path=ppt/diagrams/data5.xml><?xml version="1.0" encoding="utf-8"?>
+<dgm:dataModel xmlns:dgm="http://schemas.openxmlformats.org/drawingml/2006/diagram" xmlns:a="http://schemas.openxmlformats.org/drawingml/2006/main">
+  <dgm:ptLst>
+    <dgm:pt modelId="{3A4ABDDC-D214-42EC-8429-9ABC6501E94E}" type="doc">
+      <dgm:prSet loTypeId="urn:microsoft.com/office/officeart/2018/5/layout/IconCircleLabelList" loCatId="icon" qsTypeId="urn:microsoft.com/office/officeart/2005/8/quickstyle/3d1" qsCatId="3D" csTypeId="urn:microsoft.com/office/officeart/2018/5/colors/Iconchunking_neutralicon_colorful2" csCatId="colorful" phldr="1"/>
+      <dgm:spPr/>
+      <dgm:t>
+        <a:bodyPr/>
+        <a:lstStyle/>
+        <a:p>
+          <a:endParaRPr lang="en-US"/>
+        </a:p>
+      </dgm:t>
+    </dgm:pt>
+    <dgm:pt modelId="{C976B047-ACC9-40EB-AE9C-0DC4ABA48AF2}">
+      <dgm:prSet custT="1"/>
+      <dgm:spPr/>
+      <dgm:t>
+        <a:bodyPr/>
+        <a:lstStyle/>
+        <a:p>
+          <a:pPr>
+            <a:lnSpc>
+              <a:spcPct val="100000"/>
+            </a:lnSpc>
+            <a:defRPr cap="all"/>
+          </a:pPr>
+          <a:r>
+            <a:rPr lang="en-US" sz="1600" b="0" i="0" dirty="0">
+              <a:solidFill>
+                <a:schemeClr val="tx1"/>
+              </a:solidFill>
+              <a:latin typeface="Tw Cen MT (Body)"/>
+              <a:cs typeface="Times New Roman" panose="02020603050405020304" pitchFamily="18" charset="0"/>
+            </a:rPr>
+            <a:t>DR. CHANDRA MOULI KOTTETI</a:t>
+          </a:r>
+        </a:p>
+        <a:p>
+          <a:pPr>
+            <a:lnSpc>
+              <a:spcPct val="100000"/>
+            </a:lnSpc>
+            <a:defRPr cap="all"/>
+          </a:pPr>
+          <a:r>
+            <a:rPr lang="en-US" sz="1600" b="0" i="0" dirty="0">
+              <a:solidFill>
+                <a:schemeClr val="tx1"/>
+              </a:solidFill>
+              <a:latin typeface="Tw Cen MT (Body)"/>
+              <a:cs typeface="Times New Roman" panose="02020603050405020304" pitchFamily="18" charset="0"/>
+            </a:rPr>
+            <a:t>Mentor &amp; Client</a:t>
+          </a:r>
+        </a:p>
+      </dgm:t>
+    </dgm:pt>
+    <dgm:pt modelId="{97ED3AE3-7B61-4C75-9E09-0A4E40CFBCF2}" type="sibTrans" cxnId="{B082FA02-C8FE-471A-BED4-B0DADFDD6CFE}">
+      <dgm:prSet phldrT="05" phldr="0"/>
+      <dgm:spPr/>
+      <dgm:t>
+        <a:bodyPr/>
+        <a:lstStyle/>
+        <a:p>
+          <a:endParaRPr lang="en-US"/>
+        </a:p>
+      </dgm:t>
+    </dgm:pt>
+    <dgm:pt modelId="{A29543CC-398C-4450-8E9D-6ABEE3202298}" type="parTrans" cxnId="{B082FA02-C8FE-471A-BED4-B0DADFDD6CFE}">
+      <dgm:prSet/>
+      <dgm:spPr/>
+      <dgm:t>
+        <a:bodyPr/>
+        <a:lstStyle/>
+        <a:p>
+          <a:endParaRPr lang="en-US"/>
+        </a:p>
+      </dgm:t>
+    </dgm:pt>
+    <dgm:pt modelId="{608F08B9-C91B-407F-BFA3-AC44042B4802}" type="pres">
+      <dgm:prSet presAssocID="{3A4ABDDC-D214-42EC-8429-9ABC6501E94E}" presName="root" presStyleCnt="0">
+        <dgm:presLayoutVars>
+          <dgm:dir/>
+          <dgm:resizeHandles val="exact"/>
+        </dgm:presLayoutVars>
+      </dgm:prSet>
+      <dgm:spPr/>
+    </dgm:pt>
+    <dgm:pt modelId="{3439ED5F-B005-4C8A-964C-B3E604488A58}" type="pres">
+      <dgm:prSet presAssocID="{C976B047-ACC9-40EB-AE9C-0DC4ABA48AF2}" presName="compNode" presStyleCnt="0"/>
+      <dgm:spPr/>
+    </dgm:pt>
+    <dgm:pt modelId="{A098B85B-9EC3-4228-876F-2B04E0BFC71C}" type="pres">
+      <dgm:prSet presAssocID="{C976B047-ACC9-40EB-AE9C-0DC4ABA48AF2}" presName="iconBgRect" presStyleLbl="bgShp" presStyleIdx="0" presStyleCnt="1"/>
+      <dgm:spPr/>
+    </dgm:pt>
+    <dgm:pt modelId="{82A6ABB2-9BE4-4DDE-82AE-AF08D9A0EFF1}" type="pres">
+      <dgm:prSet presAssocID="{C976B047-ACC9-40EB-AE9C-0DC4ABA48AF2}" presName="iconRect" presStyleLbl="node1" presStyleIdx="0" presStyleCnt="1" custScaleX="182968" custScaleY="182968"/>
+      <dgm:spPr>
+        <a:prstGeom prst="ellipse">
+          <a:avLst/>
+        </a:prstGeom>
+        <a:blipFill dpi="0" rotWithShape="1">
+          <a:blip xmlns:r="http://schemas.openxmlformats.org/officeDocument/2006/relationships" r:embed="rId1">
+            <a:extLst>
+              <a:ext uri="{28A0092B-C50C-407E-A947-70E740481C1C}">
+                <a14:useLocalDpi xmlns:a14="http://schemas.microsoft.com/office/drawing/2010/main" val="0"/>
+              </a:ext>
+            </a:extLst>
+          </a:blip>
+          <a:srcRect/>
+          <a:stretch>
+            <a:fillRect t="-6767" b="-6767"/>
+          </a:stretch>
+        </a:blipFill>
+      </dgm:spPr>
+    </dgm:pt>
+    <dgm:pt modelId="{14EF3762-D57D-4BB2-BB1B-6AB2943A4E32}" type="pres">
+      <dgm:prSet presAssocID="{C976B047-ACC9-40EB-AE9C-0DC4ABA48AF2}" presName="spaceRect" presStyleCnt="0"/>
+      <dgm:spPr/>
+    </dgm:pt>
+    <dgm:pt modelId="{7CB578D8-C238-4441-975D-1DB8B77BBE00}" type="pres">
+      <dgm:prSet presAssocID="{C976B047-ACC9-40EB-AE9C-0DC4ABA48AF2}" presName="textRect" presStyleLbl="revTx" presStyleIdx="0" presStyleCnt="1" custScaleX="256171" custScaleY="99896" custLinFactNeighborX="0" custLinFactNeighborY="-30181">
+        <dgm:presLayoutVars>
+          <dgm:chMax val="1"/>
+          <dgm:chPref val="1"/>
+        </dgm:presLayoutVars>
+      </dgm:prSet>
+      <dgm:spPr/>
+    </dgm:pt>
+  </dgm:ptLst>
+  <dgm:cxnLst>
+    <dgm:cxn modelId="{B082FA02-C8FE-471A-BED4-B0DADFDD6CFE}" srcId="{3A4ABDDC-D214-42EC-8429-9ABC6501E94E}" destId="{C976B047-ACC9-40EB-AE9C-0DC4ABA48AF2}" srcOrd="0" destOrd="0" parTransId="{A29543CC-398C-4450-8E9D-6ABEE3202298}" sibTransId="{97ED3AE3-7B61-4C75-9E09-0A4E40CFBCF2}"/>
+    <dgm:cxn modelId="{601701A7-076D-4801-93F1-7C97A5993A54}" type="presOf" srcId="{3A4ABDDC-D214-42EC-8429-9ABC6501E94E}" destId="{608F08B9-C91B-407F-BFA3-AC44042B4802}" srcOrd="0" destOrd="0" presId="urn:microsoft.com/office/officeart/2018/5/layout/IconCircleLabelList"/>
+    <dgm:cxn modelId="{10A66FE3-88B9-46BB-A974-9CCA033BEA79}" type="presOf" srcId="{C976B047-ACC9-40EB-AE9C-0DC4ABA48AF2}" destId="{7CB578D8-C238-4441-975D-1DB8B77BBE00}" srcOrd="0" destOrd="0" presId="urn:microsoft.com/office/officeart/2018/5/layout/IconCircleLabelList"/>
+    <dgm:cxn modelId="{E252D235-72D6-414D-A3DF-E2735BFB34A3}" type="presParOf" srcId="{608F08B9-C91B-407F-BFA3-AC44042B4802}" destId="{3439ED5F-B005-4C8A-964C-B3E604488A58}" srcOrd="0" destOrd="0" presId="urn:microsoft.com/office/officeart/2018/5/layout/IconCircleLabelList"/>
+    <dgm:cxn modelId="{BDB29306-D992-4375-972B-54B7A7D9E6C3}" type="presParOf" srcId="{3439ED5F-B005-4C8A-964C-B3E604488A58}" destId="{A098B85B-9EC3-4228-876F-2B04E0BFC71C}" srcOrd="0" destOrd="0" presId="urn:microsoft.com/office/officeart/2018/5/layout/IconCircleLabelList"/>
+    <dgm:cxn modelId="{99AB3B4C-97AC-4387-AD4D-F2CD6594C887}" type="presParOf" srcId="{3439ED5F-B005-4C8A-964C-B3E604488A58}" destId="{82A6ABB2-9BE4-4DDE-82AE-AF08D9A0EFF1}" srcOrd="1" destOrd="0" presId="urn:microsoft.com/office/officeart/2018/5/layout/IconCircleLabelList"/>
+    <dgm:cxn modelId="{40F0C65F-7279-4B4A-81EE-89CDAD1FB27E}" type="presParOf" srcId="{3439ED5F-B005-4C8A-964C-B3E604488A58}" destId="{14EF3762-D57D-4BB2-BB1B-6AB2943A4E32}" srcOrd="2" destOrd="0" presId="urn:microsoft.com/office/officeart/2018/5/layout/IconCircleLabelList"/>
+    <dgm:cxn modelId="{D5014156-A9E8-47A9-B4B5-7461FD161FCA}" type="presParOf" srcId="{3439ED5F-B005-4C8A-964C-B3E604488A58}" destId="{7CB578D8-C238-4441-975D-1DB8B77BBE00}" srcOrd="3" destOrd="0" presId="urn:microsoft.com/office/officeart/2018/5/layout/IconCircleLabelList"/>
+  </dgm:cxnLst>
+  <dgm:bg/>
+  <dgm:whole/>
+  <dgm:extLst>
+    <a:ext uri="http://schemas.microsoft.com/office/drawing/2008/diagram">
+      <dsp:dataModelExt xmlns:dsp="http://schemas.microsoft.com/office/drawing/2008/diagram" relId="rId11" minVer="http://schemas.openxmlformats.org/drawingml/2006/diagram"/>
     </a:ext>
   </dgm:extLst>
 </dgm:dataModel>
@@ -7106,6 +9415,1300 @@
 </dsp:drawing>
 </file>
 
+<file path=ppt/diagrams/drawing4.xml><?xml version="1.0" encoding="utf-8"?>
+<dsp:drawing xmlns:dgm="http://schemas.openxmlformats.org/drawingml/2006/diagram" xmlns:dsp="http://schemas.microsoft.com/office/drawing/2008/diagram" xmlns:a="http://schemas.openxmlformats.org/drawingml/2006/main">
+  <dsp:spTree>
+    <dsp:nvGrpSpPr>
+      <dsp:cNvPr id="0" name=""/>
+      <dsp:cNvGrpSpPr/>
+    </dsp:nvGrpSpPr>
+    <dsp:grpSpPr/>
+    <dsp:sp modelId="{72E80963-B297-438D-B287-BD5C6D858D9A}">
+      <dsp:nvSpPr>
+        <dsp:cNvPr id="0" name=""/>
+        <dsp:cNvSpPr/>
+      </dsp:nvSpPr>
+      <dsp:spPr>
+        <a:xfrm>
+          <a:off x="528645" y="74845"/>
+          <a:ext cx="1092638" cy="1092638"/>
+        </a:xfrm>
+        <a:prstGeom prst="ellipse">
+          <a:avLst/>
+        </a:prstGeom>
+        <a:gradFill rotWithShape="0">
+          <a:gsLst>
+            <a:gs pos="0">
+              <a:schemeClr val="accent2">
+                <a:hueOff val="0"/>
+                <a:satOff val="0"/>
+                <a:lumOff val="0"/>
+                <a:alphaOff val="0"/>
+                <a:tint val="96000"/>
+                <a:lumMod val="102000"/>
+              </a:schemeClr>
+            </a:gs>
+            <a:gs pos="100000">
+              <a:schemeClr val="accent2">
+                <a:hueOff val="0"/>
+                <a:satOff val="0"/>
+                <a:lumOff val="0"/>
+                <a:alphaOff val="0"/>
+                <a:shade val="88000"/>
+                <a:lumMod val="94000"/>
+              </a:schemeClr>
+            </a:gs>
+          </a:gsLst>
+          <a:path path="circle">
+            <a:fillToRect l="50000" t="100000" r="100000" b="50000"/>
+          </a:path>
+        </a:gradFill>
+        <a:ln>
+          <a:noFill/>
+        </a:ln>
+        <a:effectLst/>
+        <a:scene3d>
+          <a:camera prst="orthographicFront"/>
+          <a:lightRig rig="flat" dir="t"/>
+        </a:scene3d>
+        <a:sp3d z="-190500" extrusionH="12700" prstMaterial="plastic">
+          <a:bevelT w="50800" h="50800"/>
+        </a:sp3d>
+      </dsp:spPr>
+      <dsp:style>
+        <a:lnRef idx="0">
+          <a:scrgbClr r="0" g="0" b="0"/>
+        </a:lnRef>
+        <a:fillRef idx="3">
+          <a:scrgbClr r="0" g="0" b="0"/>
+        </a:fillRef>
+        <a:effectRef idx="0">
+          <a:scrgbClr r="0" g="0" b="0"/>
+        </a:effectRef>
+        <a:fontRef idx="minor"/>
+      </dsp:style>
+    </dsp:sp>
+    <dsp:sp modelId="{963609E0-1123-430F-84CE-B59C04DDFC03}">
+      <dsp:nvSpPr>
+        <dsp:cNvPr id="0" name=""/>
+        <dsp:cNvSpPr/>
+      </dsp:nvSpPr>
+      <dsp:spPr>
+        <a:xfrm>
+          <a:off x="467444" y="26843"/>
+          <a:ext cx="1215041" cy="1188641"/>
+        </a:xfrm>
+        <a:prstGeom prst="ellipse">
+          <a:avLst/>
+        </a:prstGeom>
+        <a:blipFill dpi="0" rotWithShape="1">
+          <a:blip xmlns:r="http://schemas.openxmlformats.org/officeDocument/2006/relationships" r:embed="rId1">
+            <a:extLst>
+              <a:ext uri="{28A0092B-C50C-407E-A947-70E740481C1C}">
+                <a14:useLocalDpi xmlns:a14="http://schemas.microsoft.com/office/drawing/2010/main" val="0"/>
+              </a:ext>
+            </a:extLst>
+          </a:blip>
+          <a:srcRect/>
+          <a:stretch>
+            <a:fillRect t="-18034" b="-18034"/>
+          </a:stretch>
+        </a:blipFill>
+        <a:ln>
+          <a:noFill/>
+        </a:ln>
+        <a:effectLst>
+          <a:reflection blurRad="12700" stA="26000" endPos="32000" dist="12700" dir="5400000" sy="-100000" rotWithShape="0"/>
+        </a:effectLst>
+        <a:scene3d>
+          <a:camera prst="orthographicFront"/>
+          <a:lightRig rig="flat" dir="t"/>
+        </a:scene3d>
+        <a:sp3d prstMaterial="plastic">
+          <a:bevelT w="120900" h="88900"/>
+          <a:bevelB w="88900" h="31750" prst="angle"/>
+        </a:sp3d>
+      </dsp:spPr>
+      <dsp:style>
+        <a:lnRef idx="0">
+          <a:scrgbClr r="0" g="0" b="0"/>
+        </a:lnRef>
+        <a:fillRef idx="3">
+          <a:scrgbClr r="0" g="0" b="0"/>
+        </a:fillRef>
+        <a:effectRef idx="2">
+          <a:scrgbClr r="0" g="0" b="0"/>
+        </a:effectRef>
+        <a:fontRef idx="minor">
+          <a:schemeClr val="lt1"/>
+        </a:fontRef>
+      </dsp:style>
+    </dsp:sp>
+    <dsp:sp modelId="{06404763-ABBA-4E19-8AB1-1FE5627DF9D7}">
+      <dsp:nvSpPr>
+        <dsp:cNvPr id="0" name=""/>
+        <dsp:cNvSpPr/>
+      </dsp:nvSpPr>
+      <dsp:spPr>
+        <a:xfrm>
+          <a:off x="179359" y="1507813"/>
+          <a:ext cx="1791210" cy="962670"/>
+        </a:xfrm>
+        <a:prstGeom prst="rect">
+          <a:avLst/>
+        </a:prstGeom>
+        <a:noFill/>
+        <a:ln>
+          <a:noFill/>
+        </a:ln>
+        <a:effectLst/>
+      </dsp:spPr>
+      <dsp:style>
+        <a:lnRef idx="0">
+          <a:scrgbClr r="0" g="0" b="0"/>
+        </a:lnRef>
+        <a:fillRef idx="0">
+          <a:scrgbClr r="0" g="0" b="0"/>
+        </a:fillRef>
+        <a:effectRef idx="0">
+          <a:scrgbClr r="0" g="0" b="0"/>
+        </a:effectRef>
+        <a:fontRef idx="minor"/>
+      </dsp:style>
+      <dsp:txBody>
+        <a:bodyPr spcFirstLastPara="0" vert="horz" wrap="square" lIns="0" tIns="0" rIns="0" bIns="0" numCol="1" spcCol="1270" anchor="t" anchorCtr="0">
+          <a:noAutofit/>
+        </a:bodyPr>
+        <a:lstStyle/>
+        <a:p>
+          <a:pPr marL="0" lvl="0" indent="0" algn="ctr" defTabSz="711200">
+            <a:lnSpc>
+              <a:spcPct val="100000"/>
+            </a:lnSpc>
+            <a:spcBef>
+              <a:spcPct val="0"/>
+            </a:spcBef>
+            <a:spcAft>
+              <a:spcPct val="35000"/>
+            </a:spcAft>
+            <a:buNone/>
+            <a:defRPr cap="all"/>
+          </a:pPr>
+          <a:r>
+            <a:rPr lang="en-US" sz="1600" b="0" i="0" kern="1200" cap="none" dirty="0">
+              <a:latin typeface="Tw Cen MT (Body)"/>
+              <a:cs typeface="Times New Roman" panose="02020603050405020304" pitchFamily="18" charset="0"/>
+            </a:rPr>
+            <a:t>ADITHYA KRISHNA RAAVI</a:t>
+          </a:r>
+        </a:p>
+        <a:p>
+          <a:pPr marL="0" lvl="0" indent="0" algn="ctr" defTabSz="711200">
+            <a:lnSpc>
+              <a:spcPct val="100000"/>
+            </a:lnSpc>
+            <a:spcBef>
+              <a:spcPct val="0"/>
+            </a:spcBef>
+            <a:spcAft>
+              <a:spcPct val="35000"/>
+            </a:spcAft>
+            <a:buNone/>
+            <a:defRPr cap="all"/>
+          </a:pPr>
+          <a:r>
+            <a:rPr lang="en-US" sz="1600" b="0" i="0" kern="1200" cap="none" dirty="0">
+              <a:latin typeface="Tw Cen MT (Body)"/>
+              <a:cs typeface="Times New Roman" panose="02020603050405020304" pitchFamily="18" charset="0"/>
+            </a:rPr>
+            <a:t>FRONTEND</a:t>
+          </a:r>
+          <a:endParaRPr lang="en-US" sz="1600" kern="1200" cap="none" dirty="0">
+            <a:latin typeface="Tw Cen MT (Body)"/>
+            <a:cs typeface="Times New Roman" panose="02020603050405020304" pitchFamily="18" charset="0"/>
+          </a:endParaRPr>
+        </a:p>
+      </dsp:txBody>
+      <dsp:txXfrm>
+        <a:off x="179359" y="1507813"/>
+        <a:ext cx="1791210" cy="962670"/>
+      </dsp:txXfrm>
+    </dsp:sp>
+    <dsp:sp modelId="{40D2AF01-DDAF-479D-9A60-E20C6DAC5A83}">
+      <dsp:nvSpPr>
+        <dsp:cNvPr id="0" name=""/>
+        <dsp:cNvSpPr/>
+      </dsp:nvSpPr>
+      <dsp:spPr>
+        <a:xfrm>
+          <a:off x="2633318" y="65249"/>
+          <a:ext cx="1092638" cy="1092638"/>
+        </a:xfrm>
+        <a:prstGeom prst="ellipse">
+          <a:avLst/>
+        </a:prstGeom>
+        <a:gradFill rotWithShape="0">
+          <a:gsLst>
+            <a:gs pos="0">
+              <a:schemeClr val="accent2">
+                <a:hueOff val="-898490"/>
+                <a:satOff val="6181"/>
+                <a:lumOff val="686"/>
+                <a:alphaOff val="0"/>
+                <a:tint val="96000"/>
+                <a:lumMod val="102000"/>
+              </a:schemeClr>
+            </a:gs>
+            <a:gs pos="100000">
+              <a:schemeClr val="accent2">
+                <a:hueOff val="-898490"/>
+                <a:satOff val="6181"/>
+                <a:lumOff val="686"/>
+                <a:alphaOff val="0"/>
+                <a:shade val="88000"/>
+                <a:lumMod val="94000"/>
+              </a:schemeClr>
+            </a:gs>
+          </a:gsLst>
+          <a:path path="circle">
+            <a:fillToRect l="50000" t="100000" r="100000" b="50000"/>
+          </a:path>
+        </a:gradFill>
+        <a:ln>
+          <a:noFill/>
+        </a:ln>
+        <a:effectLst/>
+        <a:scene3d>
+          <a:camera prst="orthographicFront"/>
+          <a:lightRig rig="flat" dir="t"/>
+        </a:scene3d>
+        <a:sp3d z="-190500" extrusionH="12700" prstMaterial="plastic">
+          <a:bevelT w="50800" h="50800"/>
+        </a:sp3d>
+      </dsp:spPr>
+      <dsp:style>
+        <a:lnRef idx="0">
+          <a:scrgbClr r="0" g="0" b="0"/>
+        </a:lnRef>
+        <a:fillRef idx="3">
+          <a:scrgbClr r="0" g="0" b="0"/>
+        </a:fillRef>
+        <a:effectRef idx="0">
+          <a:scrgbClr r="0" g="0" b="0"/>
+        </a:effectRef>
+        <a:fontRef idx="minor"/>
+      </dsp:style>
+    </dsp:sp>
+    <dsp:sp modelId="{4EEEDEAA-D28F-4A7F-9866-00F94D8DD2BA}">
+      <dsp:nvSpPr>
+        <dsp:cNvPr id="0" name=""/>
+        <dsp:cNvSpPr/>
+      </dsp:nvSpPr>
+      <dsp:spPr>
+        <a:xfrm>
+          <a:off x="2601260" y="36438"/>
+          <a:ext cx="1144530" cy="1150261"/>
+        </a:xfrm>
+        <a:prstGeom prst="ellipse">
+          <a:avLst/>
+        </a:prstGeom>
+        <a:blipFill dpi="0" rotWithShape="1">
+          <a:blip xmlns:r="http://schemas.openxmlformats.org/officeDocument/2006/relationships" r:embed="rId2">
+            <a:extLst>
+              <a:ext uri="{28A0092B-C50C-407E-A947-70E740481C1C}">
+                <a14:useLocalDpi xmlns:a14="http://schemas.microsoft.com/office/drawing/2010/main" val="0"/>
+              </a:ext>
+            </a:extLst>
+          </a:blip>
+          <a:srcRect/>
+          <a:stretch>
+            <a:fillRect t="-3436" b="-3436"/>
+          </a:stretch>
+        </a:blipFill>
+        <a:ln>
+          <a:noFill/>
+        </a:ln>
+        <a:effectLst>
+          <a:reflection blurRad="12700" stA="26000" endPos="32000" dist="12700" dir="5400000" sy="-100000" rotWithShape="0"/>
+        </a:effectLst>
+        <a:scene3d>
+          <a:camera prst="orthographicFront"/>
+          <a:lightRig rig="flat" dir="t"/>
+        </a:scene3d>
+        <a:sp3d prstMaterial="plastic">
+          <a:bevelT w="120900" h="88900"/>
+          <a:bevelB w="88900" h="31750" prst="angle"/>
+        </a:sp3d>
+      </dsp:spPr>
+      <dsp:style>
+        <a:lnRef idx="0">
+          <a:scrgbClr r="0" g="0" b="0"/>
+        </a:lnRef>
+        <a:fillRef idx="3">
+          <a:scrgbClr r="0" g="0" b="0"/>
+        </a:fillRef>
+        <a:effectRef idx="2">
+          <a:scrgbClr r="0" g="0" b="0"/>
+        </a:effectRef>
+        <a:fontRef idx="minor">
+          <a:schemeClr val="lt1"/>
+        </a:fontRef>
+      </dsp:style>
+    </dsp:sp>
+    <dsp:sp modelId="{59C52A30-81B3-4F09-9572-2F0857CFDC3F}">
+      <dsp:nvSpPr>
+        <dsp:cNvPr id="0" name=""/>
+        <dsp:cNvSpPr/>
+      </dsp:nvSpPr>
+      <dsp:spPr>
+        <a:xfrm>
+          <a:off x="2284032" y="1498218"/>
+          <a:ext cx="1791210" cy="962670"/>
+        </a:xfrm>
+        <a:prstGeom prst="rect">
+          <a:avLst/>
+        </a:prstGeom>
+        <a:noFill/>
+        <a:ln>
+          <a:noFill/>
+        </a:ln>
+        <a:effectLst/>
+      </dsp:spPr>
+      <dsp:style>
+        <a:lnRef idx="0">
+          <a:scrgbClr r="0" g="0" b="0"/>
+        </a:lnRef>
+        <a:fillRef idx="0">
+          <a:scrgbClr r="0" g="0" b="0"/>
+        </a:fillRef>
+        <a:effectRef idx="0">
+          <a:scrgbClr r="0" g="0" b="0"/>
+        </a:effectRef>
+        <a:fontRef idx="minor"/>
+      </dsp:style>
+      <dsp:txBody>
+        <a:bodyPr spcFirstLastPara="0" vert="horz" wrap="square" lIns="0" tIns="0" rIns="0" bIns="0" numCol="1" spcCol="1270" anchor="t" anchorCtr="0">
+          <a:noAutofit/>
+        </a:bodyPr>
+        <a:lstStyle/>
+        <a:p>
+          <a:pPr marL="0" lvl="0" indent="0" algn="ctr" defTabSz="711200">
+            <a:lnSpc>
+              <a:spcPct val="100000"/>
+            </a:lnSpc>
+            <a:spcBef>
+              <a:spcPct val="0"/>
+            </a:spcBef>
+            <a:spcAft>
+              <a:spcPct val="35000"/>
+            </a:spcAft>
+            <a:buNone/>
+            <a:defRPr cap="all"/>
+          </a:pPr>
+          <a:r>
+            <a:rPr lang="en-US" sz="1600" b="0" i="0" kern="1200" cap="none" dirty="0">
+              <a:latin typeface="Tw Cen MT (Body)"/>
+              <a:cs typeface="Times New Roman" panose="02020603050405020304" pitchFamily="18" charset="0"/>
+            </a:rPr>
+            <a:t>MANOJ KUMAR GUDE</a:t>
+          </a:r>
+        </a:p>
+        <a:p>
+          <a:pPr marL="0" lvl="0" indent="0" algn="ctr" defTabSz="711200">
+            <a:lnSpc>
+              <a:spcPct val="100000"/>
+            </a:lnSpc>
+            <a:spcBef>
+              <a:spcPct val="0"/>
+            </a:spcBef>
+            <a:spcAft>
+              <a:spcPct val="35000"/>
+            </a:spcAft>
+            <a:buNone/>
+            <a:defRPr cap="all"/>
+          </a:pPr>
+          <a:r>
+            <a:rPr lang="en-US" sz="1600" b="0" i="0" kern="1200" cap="none" dirty="0">
+              <a:latin typeface="Tw Cen MT (Body)"/>
+              <a:cs typeface="Times New Roman" panose="02020603050405020304" pitchFamily="18" charset="0"/>
+            </a:rPr>
+            <a:t>FRONTEND</a:t>
+          </a:r>
+          <a:endParaRPr lang="en-US" sz="1600" kern="1200" cap="none" dirty="0">
+            <a:latin typeface="Tw Cen MT (Body)"/>
+            <a:cs typeface="Times New Roman" panose="02020603050405020304" pitchFamily="18" charset="0"/>
+          </a:endParaRPr>
+        </a:p>
+      </dsp:txBody>
+      <dsp:txXfrm>
+        <a:off x="2284032" y="1498218"/>
+        <a:ext cx="1791210" cy="962670"/>
+      </dsp:txXfrm>
+    </dsp:sp>
+    <dsp:sp modelId="{A098B85B-9EC3-4228-876F-2B04E0BFC71C}">
+      <dsp:nvSpPr>
+        <dsp:cNvPr id="0" name=""/>
+        <dsp:cNvSpPr/>
+      </dsp:nvSpPr>
+      <dsp:spPr>
+        <a:xfrm>
+          <a:off x="4737991" y="50921"/>
+          <a:ext cx="1092638" cy="1092638"/>
+        </a:xfrm>
+        <a:prstGeom prst="ellipse">
+          <a:avLst/>
+        </a:prstGeom>
+        <a:gradFill rotWithShape="0">
+          <a:gsLst>
+            <a:gs pos="0">
+              <a:schemeClr val="accent2">
+                <a:hueOff val="-1796981"/>
+                <a:satOff val="12361"/>
+                <a:lumOff val="1372"/>
+                <a:alphaOff val="0"/>
+                <a:tint val="96000"/>
+                <a:lumMod val="102000"/>
+              </a:schemeClr>
+            </a:gs>
+            <a:gs pos="100000">
+              <a:schemeClr val="accent2">
+                <a:hueOff val="-1796981"/>
+                <a:satOff val="12361"/>
+                <a:lumOff val="1372"/>
+                <a:alphaOff val="0"/>
+                <a:shade val="88000"/>
+                <a:lumMod val="94000"/>
+              </a:schemeClr>
+            </a:gs>
+          </a:gsLst>
+          <a:path path="circle">
+            <a:fillToRect l="50000" t="100000" r="100000" b="50000"/>
+          </a:path>
+        </a:gradFill>
+        <a:ln>
+          <a:noFill/>
+        </a:ln>
+        <a:effectLst/>
+        <a:scene3d>
+          <a:camera prst="orthographicFront"/>
+          <a:lightRig rig="flat" dir="t"/>
+        </a:scene3d>
+        <a:sp3d z="-190500" extrusionH="12700" prstMaterial="plastic">
+          <a:bevelT w="50800" h="50800"/>
+        </a:sp3d>
+      </dsp:spPr>
+      <dsp:style>
+        <a:lnRef idx="0">
+          <a:scrgbClr r="0" g="0" b="0"/>
+        </a:lnRef>
+        <a:fillRef idx="3">
+          <a:scrgbClr r="0" g="0" b="0"/>
+        </a:fillRef>
+        <a:effectRef idx="0">
+          <a:scrgbClr r="0" g="0" b="0"/>
+        </a:effectRef>
+        <a:fontRef idx="minor"/>
+      </dsp:style>
+    </dsp:sp>
+    <dsp:sp modelId="{82A6ABB2-9BE4-4DDE-82AE-AF08D9A0EFF1}">
+      <dsp:nvSpPr>
+        <dsp:cNvPr id="0" name=""/>
+        <dsp:cNvSpPr/>
+      </dsp:nvSpPr>
+      <dsp:spPr>
+        <a:xfrm>
+          <a:off x="4731862" y="50767"/>
+          <a:ext cx="1104896" cy="1092947"/>
+        </a:xfrm>
+        <a:prstGeom prst="ellipse">
+          <a:avLst/>
+        </a:prstGeom>
+        <a:blipFill dpi="0" rotWithShape="1">
+          <a:blip xmlns:r="http://schemas.openxmlformats.org/officeDocument/2006/relationships" r:embed="rId3">
+            <a:extLst>
+              <a:ext uri="{28A0092B-C50C-407E-A947-70E740481C1C}">
+                <a14:useLocalDpi xmlns:a14="http://schemas.microsoft.com/office/drawing/2010/main" val="0"/>
+              </a:ext>
+            </a:extLst>
+          </a:blip>
+          <a:srcRect/>
+          <a:stretch>
+            <a:fillRect l="-5519" r="-5519"/>
+          </a:stretch>
+        </a:blipFill>
+        <a:ln>
+          <a:noFill/>
+        </a:ln>
+        <a:effectLst>
+          <a:reflection blurRad="12700" stA="26000" endPos="32000" dist="12700" dir="5400000" sy="-100000" rotWithShape="0"/>
+        </a:effectLst>
+        <a:scene3d>
+          <a:camera prst="orthographicFront"/>
+          <a:lightRig rig="flat" dir="t"/>
+        </a:scene3d>
+        <a:sp3d prstMaterial="plastic">
+          <a:bevelT w="120900" h="88900"/>
+          <a:bevelB w="88900" h="31750" prst="angle"/>
+        </a:sp3d>
+      </dsp:spPr>
+      <dsp:style>
+        <a:lnRef idx="0">
+          <a:scrgbClr r="0" g="0" b="0"/>
+        </a:lnRef>
+        <a:fillRef idx="3">
+          <a:scrgbClr r="0" g="0" b="0"/>
+        </a:fillRef>
+        <a:effectRef idx="2">
+          <a:scrgbClr r="0" g="0" b="0"/>
+        </a:effectRef>
+        <a:fontRef idx="minor">
+          <a:schemeClr val="lt1"/>
+        </a:fontRef>
+      </dsp:style>
+    </dsp:sp>
+    <dsp:sp modelId="{7CB578D8-C238-4441-975D-1DB8B77BBE00}">
+      <dsp:nvSpPr>
+        <dsp:cNvPr id="0" name=""/>
+        <dsp:cNvSpPr/>
+      </dsp:nvSpPr>
+      <dsp:spPr>
+        <a:xfrm>
+          <a:off x="4388705" y="1483890"/>
+          <a:ext cx="1791210" cy="962670"/>
+        </a:xfrm>
+        <a:prstGeom prst="rect">
+          <a:avLst/>
+        </a:prstGeom>
+        <a:noFill/>
+        <a:ln>
+          <a:noFill/>
+        </a:ln>
+        <a:effectLst/>
+      </dsp:spPr>
+      <dsp:style>
+        <a:lnRef idx="0">
+          <a:scrgbClr r="0" g="0" b="0"/>
+        </a:lnRef>
+        <a:fillRef idx="0">
+          <a:scrgbClr r="0" g="0" b="0"/>
+        </a:fillRef>
+        <a:effectRef idx="0">
+          <a:scrgbClr r="0" g="0" b="0"/>
+        </a:effectRef>
+        <a:fontRef idx="minor"/>
+      </dsp:style>
+      <dsp:txBody>
+        <a:bodyPr spcFirstLastPara="0" vert="horz" wrap="square" lIns="0" tIns="0" rIns="0" bIns="0" numCol="1" spcCol="1270" anchor="t" anchorCtr="0">
+          <a:noAutofit/>
+        </a:bodyPr>
+        <a:lstStyle/>
+        <a:p>
+          <a:pPr marL="0" lvl="0" indent="0" algn="ctr" defTabSz="711200">
+            <a:lnSpc>
+              <a:spcPct val="100000"/>
+            </a:lnSpc>
+            <a:spcBef>
+              <a:spcPct val="0"/>
+            </a:spcBef>
+            <a:spcAft>
+              <a:spcPct val="35000"/>
+            </a:spcAft>
+            <a:buNone/>
+            <a:defRPr cap="all"/>
+          </a:pPr>
+          <a:r>
+            <a:rPr lang="en-US" sz="1600" b="0" i="0" kern="1200" cap="none" dirty="0">
+              <a:solidFill>
+                <a:schemeClr val="tx1"/>
+              </a:solidFill>
+              <a:latin typeface="Tw Cen MT (Body)"/>
+              <a:cs typeface="Times New Roman" panose="02020603050405020304" pitchFamily="18" charset="0"/>
+            </a:rPr>
+            <a:t>HARISH CHOWDARY BALA</a:t>
+          </a:r>
+        </a:p>
+        <a:p>
+          <a:pPr marL="0" lvl="0" indent="0" algn="ctr" defTabSz="711200">
+            <a:lnSpc>
+              <a:spcPct val="100000"/>
+            </a:lnSpc>
+            <a:spcBef>
+              <a:spcPct val="0"/>
+            </a:spcBef>
+            <a:spcAft>
+              <a:spcPct val="35000"/>
+            </a:spcAft>
+            <a:buNone/>
+            <a:defRPr cap="all"/>
+          </a:pPr>
+          <a:r>
+            <a:rPr lang="en-US" sz="1600" b="0" i="0" kern="1200" cap="none" dirty="0">
+              <a:solidFill>
+                <a:schemeClr val="tx1"/>
+              </a:solidFill>
+              <a:latin typeface="Tw Cen MT (Body)"/>
+              <a:cs typeface="Times New Roman" panose="02020603050405020304" pitchFamily="18" charset="0"/>
+            </a:rPr>
+            <a:t>DATABASE</a:t>
+          </a:r>
+        </a:p>
+      </dsp:txBody>
+      <dsp:txXfrm>
+        <a:off x="4388705" y="1483890"/>
+        <a:ext cx="1791210" cy="962670"/>
+      </dsp:txXfrm>
+    </dsp:sp>
+    <dsp:sp modelId="{748F3216-80F2-49D4-AFE7-410A5298FAC5}">
+      <dsp:nvSpPr>
+        <dsp:cNvPr id="0" name=""/>
+        <dsp:cNvSpPr/>
+      </dsp:nvSpPr>
+      <dsp:spPr>
+        <a:xfrm>
+          <a:off x="6842664" y="97621"/>
+          <a:ext cx="1092638" cy="1092638"/>
+        </a:xfrm>
+        <a:prstGeom prst="ellipse">
+          <a:avLst/>
+        </a:prstGeom>
+        <a:gradFill rotWithShape="0">
+          <a:gsLst>
+            <a:gs pos="0">
+              <a:schemeClr val="accent2">
+                <a:hueOff val="-2695471"/>
+                <a:satOff val="18542"/>
+                <a:lumOff val="2058"/>
+                <a:alphaOff val="0"/>
+                <a:tint val="96000"/>
+                <a:lumMod val="102000"/>
+              </a:schemeClr>
+            </a:gs>
+            <a:gs pos="100000">
+              <a:schemeClr val="accent2">
+                <a:hueOff val="-2695471"/>
+                <a:satOff val="18542"/>
+                <a:lumOff val="2058"/>
+                <a:alphaOff val="0"/>
+                <a:shade val="88000"/>
+                <a:lumMod val="94000"/>
+              </a:schemeClr>
+            </a:gs>
+          </a:gsLst>
+          <a:path path="circle">
+            <a:fillToRect l="50000" t="100000" r="100000" b="50000"/>
+          </a:path>
+        </a:gradFill>
+        <a:ln>
+          <a:noFill/>
+        </a:ln>
+        <a:effectLst/>
+        <a:scene3d>
+          <a:camera prst="orthographicFront"/>
+          <a:lightRig rig="flat" dir="t"/>
+        </a:scene3d>
+        <a:sp3d z="-190500" extrusionH="12700" prstMaterial="plastic">
+          <a:bevelT w="50800" h="50800"/>
+        </a:sp3d>
+      </dsp:spPr>
+      <dsp:style>
+        <a:lnRef idx="0">
+          <a:scrgbClr r="0" g="0" b="0"/>
+        </a:lnRef>
+        <a:fillRef idx="3">
+          <a:scrgbClr r="0" g="0" b="0"/>
+        </a:fillRef>
+        <a:effectRef idx="0">
+          <a:scrgbClr r="0" g="0" b="0"/>
+        </a:effectRef>
+        <a:fontRef idx="minor"/>
+      </dsp:style>
+    </dsp:sp>
+    <dsp:sp modelId="{5DBD53F4-54C1-411E-9FC0-FA6E027B8360}">
+      <dsp:nvSpPr>
+        <dsp:cNvPr id="0" name=""/>
+        <dsp:cNvSpPr/>
+      </dsp:nvSpPr>
+      <dsp:spPr>
+        <a:xfrm>
+          <a:off x="6794340" y="4067"/>
+          <a:ext cx="1189287" cy="1279745"/>
+        </a:xfrm>
+        <a:prstGeom prst="ellipse">
+          <a:avLst/>
+        </a:prstGeom>
+        <a:blipFill dpi="0" rotWithShape="1">
+          <a:blip xmlns:r="http://schemas.openxmlformats.org/officeDocument/2006/relationships" r:embed="rId4">
+            <a:extLst>
+              <a:ext uri="{28A0092B-C50C-407E-A947-70E740481C1C}">
+                <a14:useLocalDpi xmlns:a14="http://schemas.microsoft.com/office/drawing/2010/main" val="0"/>
+              </a:ext>
+            </a:extLst>
+          </a:blip>
+          <a:srcRect/>
+          <a:stretch>
+            <a:fillRect l="-16797" r="-16797"/>
+          </a:stretch>
+        </a:blipFill>
+        <a:ln>
+          <a:noFill/>
+        </a:ln>
+        <a:effectLst>
+          <a:reflection blurRad="12700" stA="26000" endPos="32000" dist="12700" dir="5400000" sy="-100000" rotWithShape="0"/>
+        </a:effectLst>
+        <a:scene3d>
+          <a:camera prst="orthographicFront"/>
+          <a:lightRig rig="flat" dir="t"/>
+        </a:scene3d>
+        <a:sp3d prstMaterial="plastic">
+          <a:bevelT w="120900" h="88900"/>
+          <a:bevelB w="88900" h="31750" prst="angle"/>
+        </a:sp3d>
+      </dsp:spPr>
+      <dsp:style>
+        <a:lnRef idx="0">
+          <a:scrgbClr r="0" g="0" b="0"/>
+        </a:lnRef>
+        <a:fillRef idx="3">
+          <a:scrgbClr r="0" g="0" b="0"/>
+        </a:fillRef>
+        <a:effectRef idx="2">
+          <a:scrgbClr r="0" g="0" b="0"/>
+        </a:effectRef>
+        <a:fontRef idx="minor">
+          <a:schemeClr val="lt1"/>
+        </a:fontRef>
+      </dsp:style>
+    </dsp:sp>
+    <dsp:sp modelId="{38041827-230F-4748-8541-E2A8ACCE7B97}">
+      <dsp:nvSpPr>
+        <dsp:cNvPr id="0" name=""/>
+        <dsp:cNvSpPr/>
+      </dsp:nvSpPr>
+      <dsp:spPr>
+        <a:xfrm>
+          <a:off x="6493378" y="1530589"/>
+          <a:ext cx="1791210" cy="962670"/>
+        </a:xfrm>
+        <a:prstGeom prst="rect">
+          <a:avLst/>
+        </a:prstGeom>
+        <a:noFill/>
+        <a:ln>
+          <a:noFill/>
+        </a:ln>
+        <a:effectLst/>
+      </dsp:spPr>
+      <dsp:style>
+        <a:lnRef idx="0">
+          <a:scrgbClr r="0" g="0" b="0"/>
+        </a:lnRef>
+        <a:fillRef idx="0">
+          <a:scrgbClr r="0" g="0" b="0"/>
+        </a:fillRef>
+        <a:effectRef idx="0">
+          <a:scrgbClr r="0" g="0" b="0"/>
+        </a:effectRef>
+        <a:fontRef idx="minor"/>
+      </dsp:style>
+      <dsp:txBody>
+        <a:bodyPr spcFirstLastPara="0" vert="horz" wrap="square" lIns="0" tIns="0" rIns="0" bIns="0" numCol="1" spcCol="1270" anchor="t" anchorCtr="0">
+          <a:noAutofit/>
+        </a:bodyPr>
+        <a:lstStyle/>
+        <a:p>
+          <a:pPr marL="0" lvl="0" indent="0" algn="ctr" defTabSz="711200">
+            <a:lnSpc>
+              <a:spcPct val="100000"/>
+            </a:lnSpc>
+            <a:spcBef>
+              <a:spcPct val="0"/>
+            </a:spcBef>
+            <a:spcAft>
+              <a:spcPct val="35000"/>
+            </a:spcAft>
+            <a:buNone/>
+            <a:defRPr cap="all"/>
+          </a:pPr>
+          <a:r>
+            <a:rPr lang="en-US" sz="1600" b="0" i="0" kern="1200" dirty="0">
+              <a:latin typeface="Tw Cen MT (Body)"/>
+              <a:cs typeface="Times New Roman" panose="02020603050405020304" pitchFamily="18" charset="0"/>
+            </a:rPr>
+            <a:t>Saibabu devarapalli</a:t>
+          </a:r>
+        </a:p>
+        <a:p>
+          <a:pPr marL="0" lvl="0" indent="0" algn="ctr" defTabSz="711200">
+            <a:lnSpc>
+              <a:spcPct val="100000"/>
+            </a:lnSpc>
+            <a:spcBef>
+              <a:spcPct val="0"/>
+            </a:spcBef>
+            <a:spcAft>
+              <a:spcPct val="35000"/>
+            </a:spcAft>
+            <a:buNone/>
+            <a:defRPr cap="all"/>
+          </a:pPr>
+          <a:r>
+            <a:rPr lang="en-US" sz="1600" b="0" i="0" kern="1200" dirty="0">
+              <a:latin typeface="Tw Cen MT (Body)"/>
+              <a:cs typeface="Times New Roman" panose="02020603050405020304" pitchFamily="18" charset="0"/>
+            </a:rPr>
+            <a:t>Fullstack</a:t>
+          </a:r>
+          <a:endParaRPr lang="en-US" sz="1600" kern="1200" dirty="0">
+            <a:latin typeface="Tw Cen MT (Body)"/>
+            <a:cs typeface="Times New Roman" panose="02020603050405020304" pitchFamily="18" charset="0"/>
+          </a:endParaRPr>
+        </a:p>
+      </dsp:txBody>
+      <dsp:txXfrm>
+        <a:off x="6493378" y="1530589"/>
+        <a:ext cx="1791210" cy="962670"/>
+      </dsp:txXfrm>
+    </dsp:sp>
+    <dsp:sp modelId="{56C41F9A-86AC-41C5-9189-6C07B670BDF9}">
+      <dsp:nvSpPr>
+        <dsp:cNvPr id="0" name=""/>
+        <dsp:cNvSpPr/>
+      </dsp:nvSpPr>
+      <dsp:spPr>
+        <a:xfrm>
+          <a:off x="8947337" y="94420"/>
+          <a:ext cx="1092638" cy="1092638"/>
+        </a:xfrm>
+        <a:prstGeom prst="ellipse">
+          <a:avLst/>
+        </a:prstGeom>
+        <a:gradFill rotWithShape="0">
+          <a:gsLst>
+            <a:gs pos="0">
+              <a:schemeClr val="accent2">
+                <a:hueOff val="-3593961"/>
+                <a:satOff val="24722"/>
+                <a:lumOff val="2744"/>
+                <a:alphaOff val="0"/>
+                <a:tint val="96000"/>
+                <a:lumMod val="102000"/>
+              </a:schemeClr>
+            </a:gs>
+            <a:gs pos="100000">
+              <a:schemeClr val="accent2">
+                <a:hueOff val="-3593961"/>
+                <a:satOff val="24722"/>
+                <a:lumOff val="2744"/>
+                <a:alphaOff val="0"/>
+                <a:shade val="88000"/>
+                <a:lumMod val="94000"/>
+              </a:schemeClr>
+            </a:gs>
+          </a:gsLst>
+          <a:path path="circle">
+            <a:fillToRect l="50000" t="100000" r="100000" b="50000"/>
+          </a:path>
+        </a:gradFill>
+        <a:ln>
+          <a:noFill/>
+        </a:ln>
+        <a:effectLst/>
+        <a:scene3d>
+          <a:camera prst="orthographicFront"/>
+          <a:lightRig rig="flat" dir="t"/>
+        </a:scene3d>
+        <a:sp3d z="-190500" extrusionH="12700" prstMaterial="plastic">
+          <a:bevelT w="50800" h="50800"/>
+        </a:sp3d>
+      </dsp:spPr>
+      <dsp:style>
+        <a:lnRef idx="0">
+          <a:scrgbClr r="0" g="0" b="0"/>
+        </a:lnRef>
+        <a:fillRef idx="3">
+          <a:scrgbClr r="0" g="0" b="0"/>
+        </a:fillRef>
+        <a:effectRef idx="0">
+          <a:scrgbClr r="0" g="0" b="0"/>
+        </a:effectRef>
+        <a:fontRef idx="minor"/>
+      </dsp:style>
+    </dsp:sp>
+    <dsp:sp modelId="{687838E1-9051-4D8C-9096-66B1FDEB633F}">
+      <dsp:nvSpPr>
+        <dsp:cNvPr id="0" name=""/>
+        <dsp:cNvSpPr/>
+      </dsp:nvSpPr>
+      <dsp:spPr>
+        <a:xfrm>
+          <a:off x="8903943" y="7268"/>
+          <a:ext cx="1179425" cy="1266944"/>
+        </a:xfrm>
+        <a:prstGeom prst="ellipse">
+          <a:avLst/>
+        </a:prstGeom>
+        <a:blipFill dpi="0" rotWithShape="1">
+          <a:blip xmlns:r="http://schemas.openxmlformats.org/officeDocument/2006/relationships" r:embed="rId5">
+            <a:extLst>
+              <a:ext uri="{28A0092B-C50C-407E-A947-70E740481C1C}">
+                <a14:useLocalDpi xmlns:a14="http://schemas.microsoft.com/office/drawing/2010/main" val="0"/>
+              </a:ext>
+            </a:extLst>
+          </a:blip>
+          <a:srcRect/>
+          <a:stretch>
+            <a:fillRect l="-17949" r="-17949"/>
+          </a:stretch>
+        </a:blipFill>
+        <a:ln>
+          <a:noFill/>
+        </a:ln>
+        <a:effectLst>
+          <a:reflection blurRad="12700" stA="26000" endPos="32000" dist="12700" dir="5400000" sy="-100000" rotWithShape="0"/>
+        </a:effectLst>
+        <a:scene3d>
+          <a:camera prst="orthographicFront"/>
+          <a:lightRig rig="flat" dir="t"/>
+        </a:scene3d>
+        <a:sp3d prstMaterial="plastic">
+          <a:bevelT w="120900" h="88900"/>
+          <a:bevelB w="88900" h="31750" prst="angle"/>
+        </a:sp3d>
+      </dsp:spPr>
+      <dsp:style>
+        <a:lnRef idx="0">
+          <a:scrgbClr r="0" g="0" b="0"/>
+        </a:lnRef>
+        <a:fillRef idx="3">
+          <a:scrgbClr r="0" g="0" b="0"/>
+        </a:fillRef>
+        <a:effectRef idx="2">
+          <a:scrgbClr r="0" g="0" b="0"/>
+        </a:effectRef>
+        <a:fontRef idx="minor">
+          <a:schemeClr val="lt1"/>
+        </a:fontRef>
+      </dsp:style>
+    </dsp:sp>
+    <dsp:sp modelId="{FFC00A7E-51F0-488A-B175-1D9BB9A3C4A1}">
+      <dsp:nvSpPr>
+        <dsp:cNvPr id="0" name=""/>
+        <dsp:cNvSpPr/>
+      </dsp:nvSpPr>
+      <dsp:spPr>
+        <a:xfrm>
+          <a:off x="8598051" y="1527389"/>
+          <a:ext cx="1791210" cy="962670"/>
+        </a:xfrm>
+        <a:prstGeom prst="rect">
+          <a:avLst/>
+        </a:prstGeom>
+        <a:noFill/>
+        <a:ln>
+          <a:noFill/>
+        </a:ln>
+        <a:effectLst/>
+      </dsp:spPr>
+      <dsp:style>
+        <a:lnRef idx="0">
+          <a:scrgbClr r="0" g="0" b="0"/>
+        </a:lnRef>
+        <a:fillRef idx="0">
+          <a:scrgbClr r="0" g="0" b="0"/>
+        </a:fillRef>
+        <a:effectRef idx="0">
+          <a:scrgbClr r="0" g="0" b="0"/>
+        </a:effectRef>
+        <a:fontRef idx="minor"/>
+      </dsp:style>
+      <dsp:txBody>
+        <a:bodyPr spcFirstLastPara="0" vert="horz" wrap="square" lIns="0" tIns="0" rIns="0" bIns="0" numCol="1" spcCol="1270" anchor="t" anchorCtr="0">
+          <a:noAutofit/>
+        </a:bodyPr>
+        <a:lstStyle/>
+        <a:p>
+          <a:pPr marL="0" lvl="0" indent="0" algn="ctr" defTabSz="711200">
+            <a:lnSpc>
+              <a:spcPct val="100000"/>
+            </a:lnSpc>
+            <a:spcBef>
+              <a:spcPct val="0"/>
+            </a:spcBef>
+            <a:spcAft>
+              <a:spcPct val="35000"/>
+            </a:spcAft>
+            <a:buNone/>
+            <a:defRPr cap="all"/>
+          </a:pPr>
+          <a:r>
+            <a:rPr lang="en-US" sz="1600" b="0" i="0" kern="1200" cap="none" dirty="0">
+              <a:latin typeface="Tw Cen MT (Body)"/>
+              <a:cs typeface="Times New Roman" panose="02020603050405020304" pitchFamily="18" charset="0"/>
+            </a:rPr>
+            <a:t>JAICHAND MULAKALAPALLI</a:t>
+          </a:r>
+        </a:p>
+        <a:p>
+          <a:pPr marL="0" lvl="0" indent="0" algn="ctr" defTabSz="711200">
+            <a:lnSpc>
+              <a:spcPct val="100000"/>
+            </a:lnSpc>
+            <a:spcBef>
+              <a:spcPct val="0"/>
+            </a:spcBef>
+            <a:spcAft>
+              <a:spcPct val="35000"/>
+            </a:spcAft>
+            <a:buNone/>
+            <a:defRPr cap="all"/>
+          </a:pPr>
+          <a:r>
+            <a:rPr lang="en-US" sz="1600" b="0" i="0" kern="1200" cap="none" dirty="0">
+              <a:latin typeface="Tw Cen MT (Body)"/>
+              <a:cs typeface="Times New Roman" panose="02020603050405020304" pitchFamily="18" charset="0"/>
+            </a:rPr>
+            <a:t>(TEAM LEADER)  BACKEND</a:t>
+          </a:r>
+          <a:endParaRPr lang="en-US" sz="1600" b="0" kern="1200" cap="none" dirty="0">
+            <a:latin typeface="Tw Cen MT (Body)"/>
+            <a:cs typeface="Times New Roman" panose="02020603050405020304" pitchFamily="18" charset="0"/>
+          </a:endParaRPr>
+        </a:p>
+      </dsp:txBody>
+      <dsp:txXfrm>
+        <a:off x="8598051" y="1527389"/>
+        <a:ext cx="1791210" cy="962670"/>
+      </dsp:txXfrm>
+    </dsp:sp>
+  </dsp:spTree>
+</dsp:drawing>
+</file>
+
+<file path=ppt/diagrams/drawing5.xml><?xml version="1.0" encoding="utf-8"?>
+<dsp:drawing xmlns:dgm="http://schemas.openxmlformats.org/drawingml/2006/diagram" xmlns:dsp="http://schemas.microsoft.com/office/drawing/2008/diagram" xmlns:a="http://schemas.openxmlformats.org/drawingml/2006/main">
+  <dsp:spTree>
+    <dsp:nvGrpSpPr>
+      <dsp:cNvPr id="0" name=""/>
+      <dsp:cNvGrpSpPr/>
+    </dsp:nvGrpSpPr>
+    <dsp:grpSpPr/>
+    <dsp:sp modelId="{A098B85B-9EC3-4228-876F-2B04E0BFC71C}">
+      <dsp:nvSpPr>
+        <dsp:cNvPr id="0" name=""/>
+        <dsp:cNvSpPr/>
+      </dsp:nvSpPr>
+      <dsp:spPr>
+        <a:xfrm>
+          <a:off x="4718154" y="41300"/>
+          <a:ext cx="1132312" cy="1132312"/>
+        </a:xfrm>
+        <a:prstGeom prst="ellipse">
+          <a:avLst/>
+        </a:prstGeom>
+        <a:gradFill rotWithShape="0">
+          <a:gsLst>
+            <a:gs pos="0">
+              <a:schemeClr val="accent2">
+                <a:hueOff val="0"/>
+                <a:satOff val="0"/>
+                <a:lumOff val="0"/>
+                <a:alphaOff val="0"/>
+                <a:tint val="96000"/>
+                <a:lumMod val="102000"/>
+              </a:schemeClr>
+            </a:gs>
+            <a:gs pos="100000">
+              <a:schemeClr val="accent2">
+                <a:hueOff val="0"/>
+                <a:satOff val="0"/>
+                <a:lumOff val="0"/>
+                <a:alphaOff val="0"/>
+                <a:shade val="88000"/>
+                <a:lumMod val="94000"/>
+              </a:schemeClr>
+            </a:gs>
+          </a:gsLst>
+          <a:path path="circle">
+            <a:fillToRect l="50000" t="100000" r="100000" b="50000"/>
+          </a:path>
+        </a:gradFill>
+        <a:ln>
+          <a:noFill/>
+        </a:ln>
+        <a:effectLst/>
+        <a:scene3d>
+          <a:camera prst="orthographicFront"/>
+          <a:lightRig rig="flat" dir="t"/>
+        </a:scene3d>
+        <a:sp3d z="-190500" extrusionH="12700" prstMaterial="plastic">
+          <a:bevelT w="50800" h="50800"/>
+        </a:sp3d>
+      </dsp:spPr>
+      <dsp:style>
+        <a:lnRef idx="0">
+          <a:scrgbClr r="0" g="0" b="0"/>
+        </a:lnRef>
+        <a:fillRef idx="3">
+          <a:scrgbClr r="0" g="0" b="0"/>
+        </a:fillRef>
+        <a:effectRef idx="0">
+          <a:scrgbClr r="0" g="0" b="0"/>
+        </a:effectRef>
+        <a:fontRef idx="minor"/>
+      </dsp:style>
+    </dsp:sp>
+    <dsp:sp modelId="{82A6ABB2-9BE4-4DDE-82AE-AF08D9A0EFF1}">
+      <dsp:nvSpPr>
+        <dsp:cNvPr id="0" name=""/>
+        <dsp:cNvSpPr/>
+      </dsp:nvSpPr>
+      <dsp:spPr>
+        <a:xfrm>
+          <a:off x="4689950" y="13096"/>
+          <a:ext cx="1188720" cy="1188720"/>
+        </a:xfrm>
+        <a:prstGeom prst="ellipse">
+          <a:avLst/>
+        </a:prstGeom>
+        <a:blipFill dpi="0" rotWithShape="1">
+          <a:blip xmlns:r="http://schemas.openxmlformats.org/officeDocument/2006/relationships" r:embed="rId1">
+            <a:extLst>
+              <a:ext uri="{28A0092B-C50C-407E-A947-70E740481C1C}">
+                <a14:useLocalDpi xmlns:a14="http://schemas.microsoft.com/office/drawing/2010/main" val="0"/>
+              </a:ext>
+            </a:extLst>
+          </a:blip>
+          <a:srcRect/>
+          <a:stretch>
+            <a:fillRect t="-6767" b="-6767"/>
+          </a:stretch>
+        </a:blipFill>
+        <a:ln>
+          <a:noFill/>
+        </a:ln>
+        <a:effectLst>
+          <a:reflection blurRad="12700" stA="26000" endPos="32000" dist="12700" dir="5400000" sy="-100000" rotWithShape="0"/>
+        </a:effectLst>
+        <a:scene3d>
+          <a:camera prst="orthographicFront"/>
+          <a:lightRig rig="flat" dir="t"/>
+        </a:scene3d>
+        <a:sp3d prstMaterial="plastic">
+          <a:bevelT w="120900" h="88900"/>
+          <a:bevelB w="88900" h="31750" prst="angle"/>
+        </a:sp3d>
+      </dsp:spPr>
+      <dsp:style>
+        <a:lnRef idx="0">
+          <a:scrgbClr r="0" g="0" b="0"/>
+        </a:lnRef>
+        <a:fillRef idx="3">
+          <a:scrgbClr r="0" g="0" b="0"/>
+        </a:fillRef>
+        <a:effectRef idx="2">
+          <a:scrgbClr r="0" g="0" b="0"/>
+        </a:effectRef>
+        <a:fontRef idx="minor">
+          <a:schemeClr val="lt1"/>
+        </a:fontRef>
+      </dsp:style>
+    </dsp:sp>
+    <dsp:sp modelId="{7CB578D8-C238-4441-975D-1DB8B77BBE00}">
+      <dsp:nvSpPr>
+        <dsp:cNvPr id="0" name=""/>
+        <dsp:cNvSpPr/>
+      </dsp:nvSpPr>
+      <dsp:spPr>
+        <a:xfrm>
+          <a:off x="2906723" y="1302825"/>
+          <a:ext cx="4755174" cy="740956"/>
+        </a:xfrm>
+        <a:prstGeom prst="rect">
+          <a:avLst/>
+        </a:prstGeom>
+        <a:noFill/>
+        <a:ln>
+          <a:noFill/>
+        </a:ln>
+        <a:effectLst/>
+      </dsp:spPr>
+      <dsp:style>
+        <a:lnRef idx="0">
+          <a:scrgbClr r="0" g="0" b="0"/>
+        </a:lnRef>
+        <a:fillRef idx="0">
+          <a:scrgbClr r="0" g="0" b="0"/>
+        </a:fillRef>
+        <a:effectRef idx="0">
+          <a:scrgbClr r="0" g="0" b="0"/>
+        </a:effectRef>
+        <a:fontRef idx="minor"/>
+      </dsp:style>
+      <dsp:txBody>
+        <a:bodyPr spcFirstLastPara="0" vert="horz" wrap="square" lIns="0" tIns="0" rIns="0" bIns="0" numCol="1" spcCol="1270" anchor="t" anchorCtr="0">
+          <a:noAutofit/>
+        </a:bodyPr>
+        <a:lstStyle/>
+        <a:p>
+          <a:pPr marL="0" lvl="0" indent="0" algn="ctr" defTabSz="711200">
+            <a:lnSpc>
+              <a:spcPct val="100000"/>
+            </a:lnSpc>
+            <a:spcBef>
+              <a:spcPct val="0"/>
+            </a:spcBef>
+            <a:spcAft>
+              <a:spcPct val="35000"/>
+            </a:spcAft>
+            <a:buNone/>
+            <a:defRPr cap="all"/>
+          </a:pPr>
+          <a:r>
+            <a:rPr lang="en-US" sz="1600" b="0" i="0" kern="1200" dirty="0">
+              <a:solidFill>
+                <a:schemeClr val="tx1"/>
+              </a:solidFill>
+              <a:latin typeface="Tw Cen MT (Body)"/>
+              <a:cs typeface="Times New Roman" panose="02020603050405020304" pitchFamily="18" charset="0"/>
+            </a:rPr>
+            <a:t>DR. CHANDRA MOULI KOTTETI</a:t>
+          </a:r>
+        </a:p>
+        <a:p>
+          <a:pPr marL="0" lvl="0" indent="0" algn="ctr" defTabSz="711200">
+            <a:lnSpc>
+              <a:spcPct val="100000"/>
+            </a:lnSpc>
+            <a:spcBef>
+              <a:spcPct val="0"/>
+            </a:spcBef>
+            <a:spcAft>
+              <a:spcPct val="35000"/>
+            </a:spcAft>
+            <a:buNone/>
+            <a:defRPr cap="all"/>
+          </a:pPr>
+          <a:r>
+            <a:rPr lang="en-US" sz="1600" b="0" i="0" kern="1200" dirty="0">
+              <a:solidFill>
+                <a:schemeClr val="tx1"/>
+              </a:solidFill>
+              <a:latin typeface="Tw Cen MT (Body)"/>
+              <a:cs typeface="Times New Roman" panose="02020603050405020304" pitchFamily="18" charset="0"/>
+            </a:rPr>
+            <a:t>Mentor &amp; Client</a:t>
+          </a:r>
+        </a:p>
+      </dsp:txBody>
+      <dsp:txXfrm>
+        <a:off x="2906723" y="1302825"/>
+        <a:ext cx="4755174" cy="740956"/>
+      </dsp:txXfrm>
+    </dsp:sp>
+  </dsp:spTree>
+</dsp:drawing>
+</file>
+
 <file path=ppt/diagrams/layout1.xml><?xml version="1.0" encoding="utf-8"?>
 <dgm:layoutDef xmlns:dgm="http://schemas.openxmlformats.org/drawingml/2006/diagram" xmlns:a="http://schemas.openxmlformats.org/drawingml/2006/main" uniqueId="urn:microsoft.com/office/officeart/2018/5/layout/IconCircleLabelList">
   <dgm:title val="Icon Circle Label List"/>
@@ -7769,6 +11372,436 @@
 </dgm:layoutDef>
 </file>
 
+<file path=ppt/diagrams/layout4.xml><?xml version="1.0" encoding="utf-8"?>
+<dgm:layoutDef xmlns:dgm="http://schemas.openxmlformats.org/drawingml/2006/diagram" xmlns:a="http://schemas.openxmlformats.org/drawingml/2006/main" uniqueId="urn:microsoft.com/office/officeart/2018/5/layout/IconCircleLabelList">
+  <dgm:title val="Icon Circle Label List"/>
+  <dgm:desc val="Use to show non-sequential or grouped chunks of information accompanied by a related visuals. Works best with icons or small pictures with short text captions."/>
+  <dgm:catLst>
+    <dgm:cat type="icon" pri="500"/>
+  </dgm:catLst>
+  <dgm:sampData useDef="1">
+    <dgm:dataModel>
+      <dgm:ptLst/>
+      <dgm:bg/>
+      <dgm:whole/>
+    </dgm:dataModel>
+  </dgm:sampData>
+  <dgm:styleData useDef="1">
+    <dgm:dataModel>
+      <dgm:ptLst/>
+      <dgm:bg/>
+      <dgm:whole/>
+    </dgm:dataModel>
+  </dgm:styleData>
+  <dgm:clrData useDef="1">
+    <dgm:dataModel>
+      <dgm:ptLst/>
+      <dgm:bg/>
+      <dgm:whole/>
+    </dgm:dataModel>
+  </dgm:clrData>
+  <dgm:layoutNode name="root">
+    <dgm:varLst>
+      <dgm:dir/>
+      <dgm:resizeHandles val="exact"/>
+    </dgm:varLst>
+    <dgm:choose name="Name0">
+      <dgm:if name="Name1" axis="self" func="var" arg="dir" op="equ" val="norm">
+        <dgm:alg type="snake">
+          <dgm:param type="grDir" val="tL"/>
+          <dgm:param type="flowDir" val="row"/>
+          <dgm:param type="contDir" val="sameDir"/>
+          <dgm:param type="off" val="ctr"/>
+          <dgm:param type="vertAlign" val="mid"/>
+          <dgm:param type="horzAlign" val="ctr"/>
+        </dgm:alg>
+      </dgm:if>
+      <dgm:else name="Name2">
+        <dgm:alg type="snake">
+          <dgm:param type="grDir" val="tR"/>
+          <dgm:param type="flowDir" val="row"/>
+          <dgm:param type="contDir" val="sameDir"/>
+          <dgm:param type="off" val="ctr"/>
+          <dgm:param type="vertAlign" val="mid"/>
+          <dgm:param type="horzAlign" val="ctr"/>
+        </dgm:alg>
+      </dgm:else>
+    </dgm:choose>
+    <dgm:shape xmlns:r="http://schemas.openxmlformats.org/officeDocument/2006/relationships" r:blip="">
+      <dgm:adjLst/>
+    </dgm:shape>
+    <dgm:presOf/>
+    <dgm:choose name="Name3">
+      <dgm:if name="Name4" axis="ch" ptType="node" func="cnt" op="lte" val="2">
+        <dgm:constrLst>
+          <dgm:constr type="h" for="ch" forName="compNode" refType="h" fact="0.4"/>
+          <dgm:constr type="w" for="ch" forName="compNode" val="100"/>
+          <dgm:constr type="w" for="ch" forName="sibTrans" refType="w" refFor="ch" refForName="compNode" fact="0.175"/>
+          <dgm:constr type="sp" refType="w" refFor="ch" refForName="compNode" op="equ" fact="0.25"/>
+          <dgm:constr type="primFontSz" for="des" ptType="node" op="equ" val="44"/>
+          <dgm:constr type="h" for="des" forName="compNode" op="equ"/>
+          <dgm:constr type="h" for="des" forName="textRect" op="equ"/>
+        </dgm:constrLst>
+      </dgm:if>
+      <dgm:if name="Name5" axis="ch" ptType="node" func="cnt" op="lte" val="3">
+        <dgm:constrLst>
+          <dgm:constr type="h" for="ch" forName="compNode" refType="h" fact="0.4"/>
+          <dgm:constr type="w" for="ch" forName="compNode" val="100"/>
+          <dgm:constr type="w" for="ch" forName="sibTrans" refType="w" refFor="ch" refForName="compNode" fact="0.175"/>
+          <dgm:constr type="sp" refType="w" refFor="ch" refForName="compNode" op="equ" fact="0.25"/>
+          <dgm:constr type="primFontSz" for="des" ptType="node" op="equ" val="40"/>
+          <dgm:constr type="h" for="des" forName="compNode" op="equ"/>
+          <dgm:constr type="h" for="des" forName="textRect" op="equ"/>
+        </dgm:constrLst>
+      </dgm:if>
+      <dgm:if name="Name6" axis="ch" ptType="node" func="cnt" op="lte" val="4">
+        <dgm:constrLst>
+          <dgm:constr type="h" for="ch" forName="compNode" refType="h" fact="0.4"/>
+          <dgm:constr type="w" for="ch" forName="compNode" refType="w"/>
+          <dgm:constr type="w" for="ch" forName="sibTrans" refType="w" refFor="ch" refForName="compNode" fact="0.175"/>
+          <dgm:constr type="sp" refType="w" refFor="ch" refForName="compNode" op="equ" fact="0.25"/>
+          <dgm:constr type="primFontSz" for="des" ptType="node" op="equ" val="32"/>
+          <dgm:constr type="h" for="des" forName="compNode" op="equ"/>
+          <dgm:constr type="h" for="des" forName="textRect" op="equ"/>
+        </dgm:constrLst>
+      </dgm:if>
+      <dgm:else name="Name7">
+        <dgm:constrLst>
+          <dgm:constr type="h" for="ch" forName="compNode" refType="h" fact="0.4"/>
+          <dgm:constr type="w" for="ch" forName="compNode" refType="w"/>
+          <dgm:constr type="w" for="ch" forName="sibTrans" refType="w" refFor="ch" refForName="compNode" fact="0.175"/>
+          <dgm:constr type="sp" refType="w" refFor="ch" refForName="compNode" op="equ" fact="0.25"/>
+          <dgm:constr type="primFontSz" for="des" ptType="node" op="equ" val="24"/>
+          <dgm:constr type="h" for="des" forName="compNode" op="equ"/>
+          <dgm:constr type="h" for="des" forName="textRect" op="equ"/>
+        </dgm:constrLst>
+      </dgm:else>
+    </dgm:choose>
+    <dgm:ruleLst>
+      <dgm:rule type="w" for="ch" forName="compNode" val="50" fact="NaN" max="NaN"/>
+    </dgm:ruleLst>
+    <dgm:forEach name="Name8" axis="ch" ptType="node">
+      <dgm:layoutNode name="compNode">
+        <dgm:alg type="composite"/>
+        <dgm:shape xmlns:r="http://schemas.openxmlformats.org/officeDocument/2006/relationships" r:blip="">
+          <dgm:adjLst/>
+        </dgm:shape>
+        <dgm:presOf axis="self"/>
+        <dgm:constrLst>
+          <dgm:constr type="w" for="ch" forName="iconBgRect" refType="w" fact="0.61"/>
+          <dgm:constr type="h" for="ch" forName="iconBgRect" refType="w" refFor="ch" refForName="iconBgRect"/>
+          <dgm:constr type="t" for="ch" forName="iconBgRect"/>
+          <dgm:constr type="ctrX" for="ch" forName="iconBgRect" refType="w" fact="0.5"/>
+          <dgm:constr type="w" for="ch" forName="iconRect" refType="w" fact="0.35"/>
+          <dgm:constr type="h" for="ch" forName="iconRect" refType="w" refFor="ch" refForName="iconRect"/>
+          <dgm:constr type="ctrX" for="ch" forName="iconRect" refType="ctrX" refFor="ch" refForName="iconBgRect"/>
+          <dgm:constr type="ctrY" for="ch" forName="iconRect" refType="ctrY" refFor="ch" refForName="iconBgRect"/>
+          <dgm:constr type="h" for="ch" forName="spaceRect" refType="w" fact="0.19"/>
+          <dgm:constr type="w" for="ch" forName="spaceRect" refType="w"/>
+          <dgm:constr type="l" for="ch" forName="spaceRect"/>
+          <dgm:constr type="t" for="ch" forName="spaceRect" refType="b" refFor="ch" refForName="iconBgRect"/>
+          <dgm:constr type="h" for="ch" forName="textRect" val="20"/>
+          <dgm:constr type="w" for="ch" forName="textRect" refType="w"/>
+          <dgm:constr type="l" for="ch" forName="textRect"/>
+          <dgm:constr type="t" for="ch" forName="textRect" refType="b" refFor="ch" refForName="spaceRect"/>
+        </dgm:constrLst>
+        <dgm:ruleLst>
+          <dgm:rule type="h" val="INF" fact="NaN" max="NaN"/>
+        </dgm:ruleLst>
+        <dgm:layoutNode name="iconBgRect" styleLbl="bgShp">
+          <dgm:alg type="sp"/>
+          <dgm:shape xmlns:r="http://schemas.openxmlformats.org/officeDocument/2006/relationships" type="ellipse" r:blip="">
+            <dgm:adjLst/>
+          </dgm:shape>
+          <dgm:presOf/>
+          <dgm:constrLst/>
+          <dgm:ruleLst/>
+        </dgm:layoutNode>
+        <dgm:layoutNode name="iconRect" styleLbl="node1">
+          <dgm:alg type="sp"/>
+          <dgm:shape xmlns:r="http://schemas.openxmlformats.org/officeDocument/2006/relationships" type="rect" r:blip="" blipPhldr="1">
+            <dgm:adjLst/>
+          </dgm:shape>
+          <dgm:presOf/>
+          <dgm:constrLst/>
+          <dgm:ruleLst/>
+        </dgm:layoutNode>
+        <dgm:layoutNode name="spaceRect">
+          <dgm:alg type="sp"/>
+          <dgm:shape xmlns:r="http://schemas.openxmlformats.org/officeDocument/2006/relationships" r:blip="">
+            <dgm:adjLst/>
+          </dgm:shape>
+          <dgm:presOf/>
+          <dgm:constrLst/>
+          <dgm:ruleLst/>
+        </dgm:layoutNode>
+        <dgm:layoutNode name="textRect" styleLbl="revTx">
+          <dgm:varLst>
+            <dgm:chMax val="1"/>
+            <dgm:chPref val="1"/>
+          </dgm:varLst>
+          <dgm:alg type="tx">
+            <dgm:param type="txAnchorVert" val="t"/>
+          </dgm:alg>
+          <dgm:shape xmlns:r="http://schemas.openxmlformats.org/officeDocument/2006/relationships" type="rect" r:blip="">
+            <dgm:adjLst/>
+          </dgm:shape>
+          <dgm:presOf axis="self" ptType="node"/>
+          <dgm:constrLst>
+            <dgm:constr type="lMarg"/>
+            <dgm:constr type="rMarg"/>
+            <dgm:constr type="tMarg"/>
+            <dgm:constr type="bMarg"/>
+          </dgm:constrLst>
+          <dgm:ruleLst>
+            <dgm:rule type="primFontSz" val="11" fact="NaN" max="NaN"/>
+            <dgm:rule type="h" val="INF" fact="NaN" max="NaN"/>
+          </dgm:ruleLst>
+        </dgm:layoutNode>
+      </dgm:layoutNode>
+      <dgm:forEach name="Name9" axis="followSib" ptType="sibTrans" cnt="1">
+        <dgm:layoutNode name="sibTrans">
+          <dgm:alg type="sp"/>
+          <dgm:shape xmlns:r="http://schemas.openxmlformats.org/officeDocument/2006/relationships" r:blip="">
+            <dgm:adjLst/>
+          </dgm:shape>
+          <dgm:presOf axis="self"/>
+          <dgm:constrLst/>
+          <dgm:ruleLst/>
+        </dgm:layoutNode>
+      </dgm:forEach>
+    </dgm:forEach>
+  </dgm:layoutNode>
+  <dgm:extLst>
+    <a:ext uri="{68A01E43-0DF5-4B5B-8FA6-DAF915123BFB}">
+      <dgm1612:lstStyle xmlns:dgm1612="http://schemas.microsoft.com/office/drawing/2016/12/diagram">
+        <a:lvl1pPr>
+          <a:lnSpc>
+            <a:spcPct val="100000"/>
+          </a:lnSpc>
+          <a:defRPr cap="all"/>
+        </a:lvl1pPr>
+      </dgm1612:lstStyle>
+    </a:ext>
+  </dgm:extLst>
+</dgm:layoutDef>
+</file>
+
+<file path=ppt/diagrams/layout5.xml><?xml version="1.0" encoding="utf-8"?>
+<dgm:layoutDef xmlns:dgm="http://schemas.openxmlformats.org/drawingml/2006/diagram" xmlns:a="http://schemas.openxmlformats.org/drawingml/2006/main" uniqueId="urn:microsoft.com/office/officeart/2018/5/layout/IconCircleLabelList">
+  <dgm:title val="Icon Circle Label List"/>
+  <dgm:desc val="Use to show non-sequential or grouped chunks of information accompanied by a related visuals. Works best with icons or small pictures with short text captions."/>
+  <dgm:catLst>
+    <dgm:cat type="icon" pri="500"/>
+  </dgm:catLst>
+  <dgm:sampData useDef="1">
+    <dgm:dataModel>
+      <dgm:ptLst/>
+      <dgm:bg/>
+      <dgm:whole/>
+    </dgm:dataModel>
+  </dgm:sampData>
+  <dgm:styleData useDef="1">
+    <dgm:dataModel>
+      <dgm:ptLst/>
+      <dgm:bg/>
+      <dgm:whole/>
+    </dgm:dataModel>
+  </dgm:styleData>
+  <dgm:clrData useDef="1">
+    <dgm:dataModel>
+      <dgm:ptLst/>
+      <dgm:bg/>
+      <dgm:whole/>
+    </dgm:dataModel>
+  </dgm:clrData>
+  <dgm:layoutNode name="root">
+    <dgm:varLst>
+      <dgm:dir/>
+      <dgm:resizeHandles val="exact"/>
+    </dgm:varLst>
+    <dgm:choose name="Name0">
+      <dgm:if name="Name1" axis="self" func="var" arg="dir" op="equ" val="norm">
+        <dgm:alg type="snake">
+          <dgm:param type="grDir" val="tL"/>
+          <dgm:param type="flowDir" val="row"/>
+          <dgm:param type="contDir" val="sameDir"/>
+          <dgm:param type="off" val="ctr"/>
+          <dgm:param type="vertAlign" val="mid"/>
+          <dgm:param type="horzAlign" val="ctr"/>
+        </dgm:alg>
+      </dgm:if>
+      <dgm:else name="Name2">
+        <dgm:alg type="snake">
+          <dgm:param type="grDir" val="tR"/>
+          <dgm:param type="flowDir" val="row"/>
+          <dgm:param type="contDir" val="sameDir"/>
+          <dgm:param type="off" val="ctr"/>
+          <dgm:param type="vertAlign" val="mid"/>
+          <dgm:param type="horzAlign" val="ctr"/>
+        </dgm:alg>
+      </dgm:else>
+    </dgm:choose>
+    <dgm:shape xmlns:r="http://schemas.openxmlformats.org/officeDocument/2006/relationships" r:blip="">
+      <dgm:adjLst/>
+    </dgm:shape>
+    <dgm:presOf/>
+    <dgm:choose name="Name3">
+      <dgm:if name="Name4" axis="ch" ptType="node" func="cnt" op="lte" val="2">
+        <dgm:constrLst>
+          <dgm:constr type="h" for="ch" forName="compNode" refType="h" fact="0.4"/>
+          <dgm:constr type="w" for="ch" forName="compNode" val="100"/>
+          <dgm:constr type="w" for="ch" forName="sibTrans" refType="w" refFor="ch" refForName="compNode" fact="0.175"/>
+          <dgm:constr type="sp" refType="w" refFor="ch" refForName="compNode" op="equ" fact="0.25"/>
+          <dgm:constr type="primFontSz" for="des" ptType="node" op="equ" val="44"/>
+          <dgm:constr type="h" for="des" forName="compNode" op="equ"/>
+          <dgm:constr type="h" for="des" forName="textRect" op="equ"/>
+        </dgm:constrLst>
+      </dgm:if>
+      <dgm:if name="Name5" axis="ch" ptType="node" func="cnt" op="lte" val="3">
+        <dgm:constrLst>
+          <dgm:constr type="h" for="ch" forName="compNode" refType="h" fact="0.4"/>
+          <dgm:constr type="w" for="ch" forName="compNode" val="100"/>
+          <dgm:constr type="w" for="ch" forName="sibTrans" refType="w" refFor="ch" refForName="compNode" fact="0.175"/>
+          <dgm:constr type="sp" refType="w" refFor="ch" refForName="compNode" op="equ" fact="0.25"/>
+          <dgm:constr type="primFontSz" for="des" ptType="node" op="equ" val="40"/>
+          <dgm:constr type="h" for="des" forName="compNode" op="equ"/>
+          <dgm:constr type="h" for="des" forName="textRect" op="equ"/>
+        </dgm:constrLst>
+      </dgm:if>
+      <dgm:if name="Name6" axis="ch" ptType="node" func="cnt" op="lte" val="4">
+        <dgm:constrLst>
+          <dgm:constr type="h" for="ch" forName="compNode" refType="h" fact="0.4"/>
+          <dgm:constr type="w" for="ch" forName="compNode" refType="w"/>
+          <dgm:constr type="w" for="ch" forName="sibTrans" refType="w" refFor="ch" refForName="compNode" fact="0.175"/>
+          <dgm:constr type="sp" refType="w" refFor="ch" refForName="compNode" op="equ" fact="0.25"/>
+          <dgm:constr type="primFontSz" for="des" ptType="node" op="equ" val="32"/>
+          <dgm:constr type="h" for="des" forName="compNode" op="equ"/>
+          <dgm:constr type="h" for="des" forName="textRect" op="equ"/>
+        </dgm:constrLst>
+      </dgm:if>
+      <dgm:else name="Name7">
+        <dgm:constrLst>
+          <dgm:constr type="h" for="ch" forName="compNode" refType="h" fact="0.4"/>
+          <dgm:constr type="w" for="ch" forName="compNode" refType="w"/>
+          <dgm:constr type="w" for="ch" forName="sibTrans" refType="w" refFor="ch" refForName="compNode" fact="0.175"/>
+          <dgm:constr type="sp" refType="w" refFor="ch" refForName="compNode" op="equ" fact="0.25"/>
+          <dgm:constr type="primFontSz" for="des" ptType="node" op="equ" val="24"/>
+          <dgm:constr type="h" for="des" forName="compNode" op="equ"/>
+          <dgm:constr type="h" for="des" forName="textRect" op="equ"/>
+        </dgm:constrLst>
+      </dgm:else>
+    </dgm:choose>
+    <dgm:ruleLst>
+      <dgm:rule type="w" for="ch" forName="compNode" val="50" fact="NaN" max="NaN"/>
+    </dgm:ruleLst>
+    <dgm:forEach name="Name8" axis="ch" ptType="node">
+      <dgm:layoutNode name="compNode">
+        <dgm:alg type="composite"/>
+        <dgm:shape xmlns:r="http://schemas.openxmlformats.org/officeDocument/2006/relationships" r:blip="">
+          <dgm:adjLst/>
+        </dgm:shape>
+        <dgm:presOf axis="self"/>
+        <dgm:constrLst>
+          <dgm:constr type="w" for="ch" forName="iconBgRect" refType="w" fact="0.61"/>
+          <dgm:constr type="h" for="ch" forName="iconBgRect" refType="w" refFor="ch" refForName="iconBgRect"/>
+          <dgm:constr type="t" for="ch" forName="iconBgRect"/>
+          <dgm:constr type="ctrX" for="ch" forName="iconBgRect" refType="w" fact="0.5"/>
+          <dgm:constr type="w" for="ch" forName="iconRect" refType="w" fact="0.35"/>
+          <dgm:constr type="h" for="ch" forName="iconRect" refType="w" refFor="ch" refForName="iconRect"/>
+          <dgm:constr type="ctrX" for="ch" forName="iconRect" refType="ctrX" refFor="ch" refForName="iconBgRect"/>
+          <dgm:constr type="ctrY" for="ch" forName="iconRect" refType="ctrY" refFor="ch" refForName="iconBgRect"/>
+          <dgm:constr type="h" for="ch" forName="spaceRect" refType="w" fact="0.19"/>
+          <dgm:constr type="w" for="ch" forName="spaceRect" refType="w"/>
+          <dgm:constr type="l" for="ch" forName="spaceRect"/>
+          <dgm:constr type="t" for="ch" forName="spaceRect" refType="b" refFor="ch" refForName="iconBgRect"/>
+          <dgm:constr type="h" for="ch" forName="textRect" val="20"/>
+          <dgm:constr type="w" for="ch" forName="textRect" refType="w"/>
+          <dgm:constr type="l" for="ch" forName="textRect"/>
+          <dgm:constr type="t" for="ch" forName="textRect" refType="b" refFor="ch" refForName="spaceRect"/>
+        </dgm:constrLst>
+        <dgm:ruleLst>
+          <dgm:rule type="h" val="INF" fact="NaN" max="NaN"/>
+        </dgm:ruleLst>
+        <dgm:layoutNode name="iconBgRect" styleLbl="bgShp">
+          <dgm:alg type="sp"/>
+          <dgm:shape xmlns:r="http://schemas.openxmlformats.org/officeDocument/2006/relationships" type="ellipse" r:blip="">
+            <dgm:adjLst/>
+          </dgm:shape>
+          <dgm:presOf/>
+          <dgm:constrLst/>
+          <dgm:ruleLst/>
+        </dgm:layoutNode>
+        <dgm:layoutNode name="iconRect" styleLbl="node1">
+          <dgm:alg type="sp"/>
+          <dgm:shape xmlns:r="http://schemas.openxmlformats.org/officeDocument/2006/relationships" type="rect" r:blip="" blipPhldr="1">
+            <dgm:adjLst/>
+          </dgm:shape>
+          <dgm:presOf/>
+          <dgm:constrLst/>
+          <dgm:ruleLst/>
+        </dgm:layoutNode>
+        <dgm:layoutNode name="spaceRect">
+          <dgm:alg type="sp"/>
+          <dgm:shape xmlns:r="http://schemas.openxmlformats.org/officeDocument/2006/relationships" r:blip="">
+            <dgm:adjLst/>
+          </dgm:shape>
+          <dgm:presOf/>
+          <dgm:constrLst/>
+          <dgm:ruleLst/>
+        </dgm:layoutNode>
+        <dgm:layoutNode name="textRect" styleLbl="revTx">
+          <dgm:varLst>
+            <dgm:chMax val="1"/>
+            <dgm:chPref val="1"/>
+          </dgm:varLst>
+          <dgm:alg type="tx">
+            <dgm:param type="txAnchorVert" val="t"/>
+          </dgm:alg>
+          <dgm:shape xmlns:r="http://schemas.openxmlformats.org/officeDocument/2006/relationships" type="rect" r:blip="">
+            <dgm:adjLst/>
+          </dgm:shape>
+          <dgm:presOf axis="self" ptType="node"/>
+          <dgm:constrLst>
+            <dgm:constr type="lMarg"/>
+            <dgm:constr type="rMarg"/>
+            <dgm:constr type="tMarg"/>
+            <dgm:constr type="bMarg"/>
+          </dgm:constrLst>
+          <dgm:ruleLst>
+            <dgm:rule type="primFontSz" val="11" fact="NaN" max="NaN"/>
+            <dgm:rule type="h" val="INF" fact="NaN" max="NaN"/>
+          </dgm:ruleLst>
+        </dgm:layoutNode>
+      </dgm:layoutNode>
+      <dgm:forEach name="Name9" axis="followSib" ptType="sibTrans" cnt="1">
+        <dgm:layoutNode name="sibTrans">
+          <dgm:alg type="sp"/>
+          <dgm:shape xmlns:r="http://schemas.openxmlformats.org/officeDocument/2006/relationships" r:blip="">
+            <dgm:adjLst/>
+          </dgm:shape>
+          <dgm:presOf axis="self"/>
+          <dgm:constrLst/>
+          <dgm:ruleLst/>
+        </dgm:layoutNode>
+      </dgm:forEach>
+    </dgm:forEach>
+  </dgm:layoutNode>
+  <dgm:extLst>
+    <a:ext uri="{68A01E43-0DF5-4B5B-8FA6-DAF915123BFB}">
+      <dgm1612:lstStyle xmlns:dgm1612="http://schemas.microsoft.com/office/drawing/2016/12/diagram">
+        <a:lvl1pPr>
+          <a:lnSpc>
+            <a:spcPct val="100000"/>
+          </a:lnSpc>
+          <a:defRPr cap="all"/>
+        </a:lvl1pPr>
+      </dgm1612:lstStyle>
+    </a:ext>
+  </dgm:extLst>
+</dgm:layoutDef>
+</file>
+
 <file path=ppt/diagrams/quickStyle1.xml><?xml version="1.0" encoding="utf-8"?>
 <dgm:styleDef xmlns:dgm="http://schemas.openxmlformats.org/drawingml/2006/diagram" xmlns:a="http://schemas.openxmlformats.org/drawingml/2006/main" uniqueId="urn:microsoft.com/office/officeart/2005/8/quickstyle/3d1">
   <dgm:title val=""/>
@@ -11012,6 +15045,2240 @@
         <a:scrgbClr r="0" g="0" b="0"/>
       </a:effectRef>
       <a:fontRef idx="minor"/>
+    </dgm:style>
+  </dgm:styleLbl>
+  <dgm:styleLbl name="revTx">
+    <dgm:scene3d>
+      <a:camera prst="orthographicFront"/>
+      <a:lightRig rig="threePt" dir="t"/>
+    </dgm:scene3d>
+    <dgm:sp3d/>
+    <dgm:txPr/>
+    <dgm:style>
+      <a:lnRef idx="0">
+        <a:scrgbClr r="0" g="0" b="0"/>
+      </a:lnRef>
+      <a:fillRef idx="0">
+        <a:scrgbClr r="0" g="0" b="0"/>
+      </a:fillRef>
+      <a:effectRef idx="0">
+        <a:scrgbClr r="0" g="0" b="0"/>
+      </a:effectRef>
+      <a:fontRef idx="minor"/>
+    </dgm:style>
+  </dgm:styleLbl>
+</dgm:styleDef>
+</file>
+
+<file path=ppt/diagrams/quickStyle4.xml><?xml version="1.0" encoding="utf-8"?>
+<dgm:styleDef xmlns:dgm="http://schemas.openxmlformats.org/drawingml/2006/diagram" xmlns:a="http://schemas.openxmlformats.org/drawingml/2006/main" uniqueId="urn:microsoft.com/office/officeart/2005/8/quickstyle/3d1">
+  <dgm:title val=""/>
+  <dgm:desc val=""/>
+  <dgm:catLst>
+    <dgm:cat type="3D" pri="11100"/>
+  </dgm:catLst>
+  <dgm:scene3d>
+    <a:camera prst="orthographicFront"/>
+    <a:lightRig rig="threePt" dir="t"/>
+  </dgm:scene3d>
+  <dgm:styleLbl name="node0">
+    <dgm:scene3d>
+      <a:camera prst="orthographicFront"/>
+      <a:lightRig rig="flat" dir="t"/>
+    </dgm:scene3d>
+    <dgm:sp3d prstMaterial="plastic">
+      <a:bevelT w="120900" h="88900"/>
+      <a:bevelB w="88900" h="31750" prst="angle"/>
+    </dgm:sp3d>
+    <dgm:txPr/>
+    <dgm:style>
+      <a:lnRef idx="0">
+        <a:scrgbClr r="0" g="0" b="0"/>
+      </a:lnRef>
+      <a:fillRef idx="3">
+        <a:scrgbClr r="0" g="0" b="0"/>
+      </a:fillRef>
+      <a:effectRef idx="2">
+        <a:scrgbClr r="0" g="0" b="0"/>
+      </a:effectRef>
+      <a:fontRef idx="minor">
+        <a:schemeClr val="lt1"/>
+      </a:fontRef>
+    </dgm:style>
+  </dgm:styleLbl>
+  <dgm:styleLbl name="lnNode1">
+    <dgm:scene3d>
+      <a:camera prst="orthographicFront"/>
+      <a:lightRig rig="flat" dir="t"/>
+    </dgm:scene3d>
+    <dgm:sp3d prstMaterial="plastic">
+      <a:bevelT w="120900" h="88900"/>
+      <a:bevelB w="88900" h="31750" prst="angle"/>
+    </dgm:sp3d>
+    <dgm:txPr/>
+    <dgm:style>
+      <a:lnRef idx="0">
+        <a:scrgbClr r="0" g="0" b="0"/>
+      </a:lnRef>
+      <a:fillRef idx="3">
+        <a:scrgbClr r="0" g="0" b="0"/>
+      </a:fillRef>
+      <a:effectRef idx="1">
+        <a:scrgbClr r="0" g="0" b="0"/>
+      </a:effectRef>
+      <a:fontRef idx="minor">
+        <a:schemeClr val="lt1"/>
+      </a:fontRef>
+    </dgm:style>
+  </dgm:styleLbl>
+  <dgm:styleLbl name="vennNode1">
+    <dgm:scene3d>
+      <a:camera prst="orthographicFront"/>
+      <a:lightRig rig="flat" dir="t"/>
+    </dgm:scene3d>
+    <dgm:sp3d prstMaterial="plastic">
+      <a:bevelT w="120900" h="88900"/>
+      <a:bevelB w="88900" h="31750" prst="angle"/>
+    </dgm:sp3d>
+    <dgm:txPr/>
+    <dgm:style>
+      <a:lnRef idx="0">
+        <a:scrgbClr r="0" g="0" b="0"/>
+      </a:lnRef>
+      <a:fillRef idx="1">
+        <a:scrgbClr r="0" g="0" b="0"/>
+      </a:fillRef>
+      <a:effectRef idx="1">
+        <a:scrgbClr r="0" g="0" b="0"/>
+      </a:effectRef>
+      <a:fontRef idx="minor">
+        <a:schemeClr val="tx1"/>
+      </a:fontRef>
+    </dgm:style>
+  </dgm:styleLbl>
+  <dgm:styleLbl name="alignNode1">
+    <dgm:scene3d>
+      <a:camera prst="orthographicFront"/>
+      <a:lightRig rig="flat" dir="t"/>
+    </dgm:scene3d>
+    <dgm:sp3d prstMaterial="plastic">
+      <a:bevelT w="120900" h="88900"/>
+      <a:bevelB w="88900" h="31750" prst="angle"/>
+    </dgm:sp3d>
+    <dgm:txPr/>
+    <dgm:style>
+      <a:lnRef idx="1">
+        <a:scrgbClr r="0" g="0" b="0"/>
+      </a:lnRef>
+      <a:fillRef idx="3">
+        <a:scrgbClr r="0" g="0" b="0"/>
+      </a:fillRef>
+      <a:effectRef idx="2">
+        <a:scrgbClr r="0" g="0" b="0"/>
+      </a:effectRef>
+      <a:fontRef idx="minor">
+        <a:schemeClr val="lt1"/>
+      </a:fontRef>
+    </dgm:style>
+  </dgm:styleLbl>
+  <dgm:styleLbl name="node1">
+    <dgm:scene3d>
+      <a:camera prst="orthographicFront"/>
+      <a:lightRig rig="flat" dir="t"/>
+    </dgm:scene3d>
+    <dgm:sp3d prstMaterial="plastic">
+      <a:bevelT w="120900" h="88900"/>
+      <a:bevelB w="88900" h="31750" prst="angle"/>
+    </dgm:sp3d>
+    <dgm:txPr/>
+    <dgm:style>
+      <a:lnRef idx="0">
+        <a:scrgbClr r="0" g="0" b="0"/>
+      </a:lnRef>
+      <a:fillRef idx="3">
+        <a:scrgbClr r="0" g="0" b="0"/>
+      </a:fillRef>
+      <a:effectRef idx="2">
+        <a:scrgbClr r="0" g="0" b="0"/>
+      </a:effectRef>
+      <a:fontRef idx="minor">
+        <a:schemeClr val="lt1"/>
+      </a:fontRef>
+    </dgm:style>
+  </dgm:styleLbl>
+  <dgm:styleLbl name="node2">
+    <dgm:scene3d>
+      <a:camera prst="orthographicFront"/>
+      <a:lightRig rig="flat" dir="t"/>
+    </dgm:scene3d>
+    <dgm:sp3d prstMaterial="plastic">
+      <a:bevelT w="120900" h="88900"/>
+      <a:bevelB w="88900" h="31750" prst="angle"/>
+    </dgm:sp3d>
+    <dgm:txPr/>
+    <dgm:style>
+      <a:lnRef idx="0">
+        <a:scrgbClr r="0" g="0" b="0"/>
+      </a:lnRef>
+      <a:fillRef idx="3">
+        <a:scrgbClr r="0" g="0" b="0"/>
+      </a:fillRef>
+      <a:effectRef idx="1">
+        <a:scrgbClr r="0" g="0" b="0"/>
+      </a:effectRef>
+      <a:fontRef idx="minor">
+        <a:schemeClr val="lt1"/>
+      </a:fontRef>
+    </dgm:style>
+  </dgm:styleLbl>
+  <dgm:styleLbl name="node3">
+    <dgm:scene3d>
+      <a:camera prst="orthographicFront"/>
+      <a:lightRig rig="flat" dir="t"/>
+    </dgm:scene3d>
+    <dgm:sp3d prstMaterial="plastic">
+      <a:bevelT w="120900" h="88900"/>
+      <a:bevelB w="88900" h="31750" prst="angle"/>
+    </dgm:sp3d>
+    <dgm:txPr/>
+    <dgm:style>
+      <a:lnRef idx="0">
+        <a:scrgbClr r="0" g="0" b="0"/>
+      </a:lnRef>
+      <a:fillRef idx="3">
+        <a:scrgbClr r="0" g="0" b="0"/>
+      </a:fillRef>
+      <a:effectRef idx="1">
+        <a:scrgbClr r="0" g="0" b="0"/>
+      </a:effectRef>
+      <a:fontRef idx="minor">
+        <a:schemeClr val="lt1"/>
+      </a:fontRef>
+    </dgm:style>
+  </dgm:styleLbl>
+  <dgm:styleLbl name="node4">
+    <dgm:scene3d>
+      <a:camera prst="orthographicFront"/>
+      <a:lightRig rig="flat" dir="t"/>
+    </dgm:scene3d>
+    <dgm:sp3d prstMaterial="plastic">
+      <a:bevelT w="120900" h="88900"/>
+      <a:bevelB w="88900" h="31750" prst="angle"/>
+    </dgm:sp3d>
+    <dgm:txPr/>
+    <dgm:style>
+      <a:lnRef idx="0">
+        <a:scrgbClr r="0" g="0" b="0"/>
+      </a:lnRef>
+      <a:fillRef idx="3">
+        <a:scrgbClr r="0" g="0" b="0"/>
+      </a:fillRef>
+      <a:effectRef idx="1">
+        <a:scrgbClr r="0" g="0" b="0"/>
+      </a:effectRef>
+      <a:fontRef idx="minor">
+        <a:schemeClr val="lt1"/>
+      </a:fontRef>
+    </dgm:style>
+  </dgm:styleLbl>
+  <dgm:styleLbl name="fgImgPlace1">
+    <dgm:scene3d>
+      <a:camera prst="orthographicFront"/>
+      <a:lightRig rig="flat" dir="t"/>
+    </dgm:scene3d>
+    <dgm:sp3d z="127000" prstMaterial="plastic">
+      <a:bevelT w="88900" h="88900"/>
+      <a:bevelB w="88900" h="31750" prst="angle"/>
+    </dgm:sp3d>
+    <dgm:txPr/>
+    <dgm:style>
+      <a:lnRef idx="0">
+        <a:scrgbClr r="0" g="0" b="0"/>
+      </a:lnRef>
+      <a:fillRef idx="3">
+        <a:scrgbClr r="0" g="0" b="0"/>
+      </a:fillRef>
+      <a:effectRef idx="2">
+        <a:scrgbClr r="0" g="0" b="0"/>
+      </a:effectRef>
+      <a:fontRef idx="minor"/>
+    </dgm:style>
+  </dgm:styleLbl>
+  <dgm:styleLbl name="alignImgPlace1">
+    <dgm:scene3d>
+      <a:camera prst="orthographicFront"/>
+      <a:lightRig rig="flat" dir="t"/>
+    </dgm:scene3d>
+    <dgm:sp3d prstMaterial="plastic">
+      <a:bevelT w="88900" h="88900"/>
+      <a:bevelB w="88900" h="31750" prst="angle"/>
+    </dgm:sp3d>
+    <dgm:txPr/>
+    <dgm:style>
+      <a:lnRef idx="0">
+        <a:scrgbClr r="0" g="0" b="0"/>
+      </a:lnRef>
+      <a:fillRef idx="3">
+        <a:scrgbClr r="0" g="0" b="0"/>
+      </a:fillRef>
+      <a:effectRef idx="2">
+        <a:scrgbClr r="0" g="0" b="0"/>
+      </a:effectRef>
+      <a:fontRef idx="minor"/>
+    </dgm:style>
+  </dgm:styleLbl>
+  <dgm:styleLbl name="bgImgPlace1">
+    <dgm:scene3d>
+      <a:camera prst="orthographicFront"/>
+      <a:lightRig rig="flat" dir="t"/>
+    </dgm:scene3d>
+    <dgm:sp3d z="-190500" prstMaterial="plastic">
+      <a:bevelT w="88900" h="88900"/>
+      <a:bevelB w="88900" h="31750" prst="angle"/>
+    </dgm:sp3d>
+    <dgm:txPr/>
+    <dgm:style>
+      <a:lnRef idx="0">
+        <a:scrgbClr r="0" g="0" b="0"/>
+      </a:lnRef>
+      <a:fillRef idx="3">
+        <a:scrgbClr r="0" g="0" b="0"/>
+      </a:fillRef>
+      <a:effectRef idx="2">
+        <a:scrgbClr r="0" g="0" b="0"/>
+      </a:effectRef>
+      <a:fontRef idx="minor"/>
+    </dgm:style>
+  </dgm:styleLbl>
+  <dgm:styleLbl name="sibTrans2D1">
+    <dgm:scene3d>
+      <a:camera prst="orthographicFront"/>
+      <a:lightRig rig="flat" dir="t"/>
+    </dgm:scene3d>
+    <dgm:sp3d z="-80000" prstMaterial="plastic">
+      <a:bevelT w="50800" h="50800"/>
+      <a:bevelB w="25400" h="25400" prst="angle"/>
+    </dgm:sp3d>
+    <dgm:txPr/>
+    <dgm:style>
+      <a:lnRef idx="0">
+        <a:scrgbClr r="0" g="0" b="0"/>
+      </a:lnRef>
+      <a:fillRef idx="3">
+        <a:scrgbClr r="0" g="0" b="0"/>
+      </a:fillRef>
+      <a:effectRef idx="2">
+        <a:scrgbClr r="0" g="0" b="0"/>
+      </a:effectRef>
+      <a:fontRef idx="minor">
+        <a:schemeClr val="lt1"/>
+      </a:fontRef>
+    </dgm:style>
+  </dgm:styleLbl>
+  <dgm:styleLbl name="fgSibTrans2D1">
+    <dgm:scene3d>
+      <a:camera prst="orthographicFront"/>
+      <a:lightRig rig="flat" dir="t"/>
+    </dgm:scene3d>
+    <dgm:sp3d z="127000" prstMaterial="plastic">
+      <a:bevelT w="50800" h="50800"/>
+      <a:bevelB w="25400" h="25400" prst="angle"/>
+    </dgm:sp3d>
+    <dgm:txPr/>
+    <dgm:style>
+      <a:lnRef idx="0">
+        <a:scrgbClr r="0" g="0" b="0"/>
+      </a:lnRef>
+      <a:fillRef idx="3">
+        <a:scrgbClr r="0" g="0" b="0"/>
+      </a:fillRef>
+      <a:effectRef idx="2">
+        <a:scrgbClr r="0" g="0" b="0"/>
+      </a:effectRef>
+      <a:fontRef idx="minor">
+        <a:schemeClr val="lt1"/>
+      </a:fontRef>
+    </dgm:style>
+  </dgm:styleLbl>
+  <dgm:styleLbl name="bgSibTrans2D1">
+    <dgm:scene3d>
+      <a:camera prst="orthographicFront"/>
+      <a:lightRig rig="flat" dir="t"/>
+    </dgm:scene3d>
+    <dgm:sp3d z="-190500" prstMaterial="plastic">
+      <a:bevelT w="50800" h="50800"/>
+      <a:bevelB w="25400" h="25400" prst="angle"/>
+    </dgm:sp3d>
+    <dgm:txPr/>
+    <dgm:style>
+      <a:lnRef idx="0">
+        <a:scrgbClr r="0" g="0" b="0"/>
+      </a:lnRef>
+      <a:fillRef idx="3">
+        <a:scrgbClr r="0" g="0" b="0"/>
+      </a:fillRef>
+      <a:effectRef idx="2">
+        <a:scrgbClr r="0" g="0" b="0"/>
+      </a:effectRef>
+      <a:fontRef idx="minor">
+        <a:schemeClr val="lt1"/>
+      </a:fontRef>
+    </dgm:style>
+  </dgm:styleLbl>
+  <dgm:styleLbl name="sibTrans1D1">
+    <dgm:scene3d>
+      <a:camera prst="orthographicFront"/>
+      <a:lightRig rig="flat" dir="t"/>
+    </dgm:scene3d>
+    <dgm:sp3d z="-40000" prstMaterial="matte"/>
+    <dgm:txPr/>
+    <dgm:style>
+      <a:lnRef idx="1">
+        <a:scrgbClr r="0" g="0" b="0"/>
+      </a:lnRef>
+      <a:fillRef idx="0">
+        <a:scrgbClr r="0" g="0" b="0"/>
+      </a:fillRef>
+      <a:effectRef idx="0">
+        <a:scrgbClr r="0" g="0" b="0"/>
+      </a:effectRef>
+      <a:fontRef idx="minor"/>
+    </dgm:style>
+  </dgm:styleLbl>
+  <dgm:styleLbl name="callout">
+    <dgm:scene3d>
+      <a:camera prst="orthographicFront"/>
+      <a:lightRig rig="threePt" dir="t"/>
+    </dgm:scene3d>
+    <dgm:sp3d z="127000" prstMaterial="matte"/>
+    <dgm:txPr/>
+    <dgm:style>
+      <a:lnRef idx="2">
+        <a:scrgbClr r="0" g="0" b="0"/>
+      </a:lnRef>
+      <a:fillRef idx="1">
+        <a:scrgbClr r="0" g="0" b="0"/>
+      </a:fillRef>
+      <a:effectRef idx="0">
+        <a:scrgbClr r="0" g="0" b="0"/>
+      </a:effectRef>
+      <a:fontRef idx="minor"/>
+    </dgm:style>
+  </dgm:styleLbl>
+  <dgm:styleLbl name="asst0">
+    <dgm:scene3d>
+      <a:camera prst="orthographicFront"/>
+      <a:lightRig rig="flat" dir="t"/>
+    </dgm:scene3d>
+    <dgm:sp3d prstMaterial="plastic">
+      <a:bevelT w="120900" h="88900"/>
+      <a:bevelB w="88900" h="31750" prst="angle"/>
+    </dgm:sp3d>
+    <dgm:txPr/>
+    <dgm:style>
+      <a:lnRef idx="0">
+        <a:scrgbClr r="0" g="0" b="0"/>
+      </a:lnRef>
+      <a:fillRef idx="3">
+        <a:scrgbClr r="0" g="0" b="0"/>
+      </a:fillRef>
+      <a:effectRef idx="1">
+        <a:scrgbClr r="0" g="0" b="0"/>
+      </a:effectRef>
+      <a:fontRef idx="minor">
+        <a:schemeClr val="lt1"/>
+      </a:fontRef>
+    </dgm:style>
+  </dgm:styleLbl>
+  <dgm:styleLbl name="asst1">
+    <dgm:scene3d>
+      <a:camera prst="orthographicFront"/>
+      <a:lightRig rig="flat" dir="t"/>
+    </dgm:scene3d>
+    <dgm:sp3d prstMaterial="plastic">
+      <a:bevelT w="120900" h="88900"/>
+      <a:bevelB w="88900" h="31750" prst="angle"/>
+    </dgm:sp3d>
+    <dgm:txPr/>
+    <dgm:style>
+      <a:lnRef idx="0">
+        <a:scrgbClr r="0" g="0" b="0"/>
+      </a:lnRef>
+      <a:fillRef idx="3">
+        <a:scrgbClr r="0" g="0" b="0"/>
+      </a:fillRef>
+      <a:effectRef idx="1">
+        <a:scrgbClr r="0" g="0" b="0"/>
+      </a:effectRef>
+      <a:fontRef idx="minor">
+        <a:schemeClr val="lt1"/>
+      </a:fontRef>
+    </dgm:style>
+  </dgm:styleLbl>
+  <dgm:styleLbl name="asst2">
+    <dgm:scene3d>
+      <a:camera prst="orthographicFront"/>
+      <a:lightRig rig="flat" dir="t"/>
+    </dgm:scene3d>
+    <dgm:sp3d prstMaterial="plastic">
+      <a:bevelT w="120900" h="88900"/>
+      <a:bevelB w="88900" h="31750" prst="angle"/>
+    </dgm:sp3d>
+    <dgm:txPr/>
+    <dgm:style>
+      <a:lnRef idx="0">
+        <a:scrgbClr r="0" g="0" b="0"/>
+      </a:lnRef>
+      <a:fillRef idx="3">
+        <a:scrgbClr r="0" g="0" b="0"/>
+      </a:fillRef>
+      <a:effectRef idx="1">
+        <a:scrgbClr r="0" g="0" b="0"/>
+      </a:effectRef>
+      <a:fontRef idx="minor">
+        <a:schemeClr val="lt1"/>
+      </a:fontRef>
+    </dgm:style>
+  </dgm:styleLbl>
+  <dgm:styleLbl name="asst3">
+    <dgm:scene3d>
+      <a:camera prst="orthographicFront"/>
+      <a:lightRig rig="flat" dir="t"/>
+    </dgm:scene3d>
+    <dgm:sp3d prstMaterial="plastic">
+      <a:bevelT w="120900" h="88900"/>
+      <a:bevelB w="88900" h="31750" prst="angle"/>
+    </dgm:sp3d>
+    <dgm:txPr/>
+    <dgm:style>
+      <a:lnRef idx="0">
+        <a:scrgbClr r="0" g="0" b="0"/>
+      </a:lnRef>
+      <a:fillRef idx="3">
+        <a:scrgbClr r="0" g="0" b="0"/>
+      </a:fillRef>
+      <a:effectRef idx="1">
+        <a:scrgbClr r="0" g="0" b="0"/>
+      </a:effectRef>
+      <a:fontRef idx="minor">
+        <a:schemeClr val="lt1"/>
+      </a:fontRef>
+    </dgm:style>
+  </dgm:styleLbl>
+  <dgm:styleLbl name="parChTrans2D1">
+    <dgm:scene3d>
+      <a:camera prst="orthographicFront"/>
+      <a:lightRig rig="flat" dir="t"/>
+    </dgm:scene3d>
+    <dgm:sp3d z="-100000" prstMaterial="plastic">
+      <a:bevelT w="120900" h="88900"/>
+      <a:bevelB w="88900" h="31750" prst="angle"/>
+    </dgm:sp3d>
+    <dgm:txPr/>
+    <dgm:style>
+      <a:lnRef idx="0">
+        <a:scrgbClr r="0" g="0" b="0"/>
+      </a:lnRef>
+      <a:fillRef idx="3">
+        <a:scrgbClr r="0" g="0" b="0"/>
+      </a:fillRef>
+      <a:effectRef idx="1">
+        <a:scrgbClr r="0" g="0" b="0"/>
+      </a:effectRef>
+      <a:fontRef idx="minor">
+        <a:schemeClr val="lt1"/>
+      </a:fontRef>
+    </dgm:style>
+  </dgm:styleLbl>
+  <dgm:styleLbl name="parChTrans2D2">
+    <dgm:scene3d>
+      <a:camera prst="orthographicFront"/>
+      <a:lightRig rig="flat" dir="t"/>
+    </dgm:scene3d>
+    <dgm:sp3d z="-60000" prstMaterial="plastic">
+      <a:bevelT w="120900" h="88900"/>
+      <a:bevelB w="88900" h="31750" prst="angle"/>
+    </dgm:sp3d>
+    <dgm:txPr/>
+    <dgm:style>
+      <a:lnRef idx="0">
+        <a:scrgbClr r="0" g="0" b="0"/>
+      </a:lnRef>
+      <a:fillRef idx="3">
+        <a:scrgbClr r="0" g="0" b="0"/>
+      </a:fillRef>
+      <a:effectRef idx="1">
+        <a:scrgbClr r="0" g="0" b="0"/>
+      </a:effectRef>
+      <a:fontRef idx="minor">
+        <a:schemeClr val="lt1"/>
+      </a:fontRef>
+    </dgm:style>
+  </dgm:styleLbl>
+  <dgm:styleLbl name="parChTrans2D3">
+    <dgm:scene3d>
+      <a:camera prst="orthographicFront"/>
+      <a:lightRig rig="flat" dir="t"/>
+    </dgm:scene3d>
+    <dgm:sp3d z="-60000" prstMaterial="plastic">
+      <a:bevelT w="120900" h="88900"/>
+      <a:bevelB w="88900" h="31750" prst="angle"/>
+    </dgm:sp3d>
+    <dgm:txPr/>
+    <dgm:style>
+      <a:lnRef idx="0">
+        <a:scrgbClr r="0" g="0" b="0"/>
+      </a:lnRef>
+      <a:fillRef idx="3">
+        <a:scrgbClr r="0" g="0" b="0"/>
+      </a:fillRef>
+      <a:effectRef idx="1">
+        <a:scrgbClr r="0" g="0" b="0"/>
+      </a:effectRef>
+      <a:fontRef idx="minor">
+        <a:schemeClr val="lt1"/>
+      </a:fontRef>
+    </dgm:style>
+  </dgm:styleLbl>
+  <dgm:styleLbl name="parChTrans2D4">
+    <dgm:scene3d>
+      <a:camera prst="orthographicFront"/>
+      <a:lightRig rig="flat" dir="t"/>
+    </dgm:scene3d>
+    <dgm:sp3d z="-60000" prstMaterial="plastic">
+      <a:bevelT w="120900" h="88900"/>
+      <a:bevelB w="88900" h="31750" prst="angle"/>
+    </dgm:sp3d>
+    <dgm:txPr/>
+    <dgm:style>
+      <a:lnRef idx="0">
+        <a:scrgbClr r="0" g="0" b="0"/>
+      </a:lnRef>
+      <a:fillRef idx="3">
+        <a:scrgbClr r="0" g="0" b="0"/>
+      </a:fillRef>
+      <a:effectRef idx="1">
+        <a:scrgbClr r="0" g="0" b="0"/>
+      </a:effectRef>
+      <a:fontRef idx="minor">
+        <a:schemeClr val="lt1"/>
+      </a:fontRef>
+    </dgm:style>
+  </dgm:styleLbl>
+  <dgm:styleLbl name="parChTrans1D1">
+    <dgm:scene3d>
+      <a:camera prst="orthographicFront"/>
+      <a:lightRig rig="flat" dir="t"/>
+    </dgm:scene3d>
+    <dgm:sp3d prstMaterial="matte"/>
+    <dgm:txPr/>
+    <dgm:style>
+      <a:lnRef idx="2">
+        <a:scrgbClr r="0" g="0" b="0"/>
+      </a:lnRef>
+      <a:fillRef idx="0">
+        <a:scrgbClr r="0" g="0" b="0"/>
+      </a:fillRef>
+      <a:effectRef idx="0">
+        <a:scrgbClr r="0" g="0" b="0"/>
+      </a:effectRef>
+      <a:fontRef idx="minor"/>
+    </dgm:style>
+  </dgm:styleLbl>
+  <dgm:styleLbl name="parChTrans1D2">
+    <dgm:scene3d>
+      <a:camera prst="orthographicFront"/>
+      <a:lightRig rig="flat" dir="t"/>
+    </dgm:scene3d>
+    <dgm:sp3d prstMaterial="matte"/>
+    <dgm:txPr/>
+    <dgm:style>
+      <a:lnRef idx="2">
+        <a:scrgbClr r="0" g="0" b="0"/>
+      </a:lnRef>
+      <a:fillRef idx="0">
+        <a:scrgbClr r="0" g="0" b="0"/>
+      </a:fillRef>
+      <a:effectRef idx="0">
+        <a:scrgbClr r="0" g="0" b="0"/>
+      </a:effectRef>
+      <a:fontRef idx="minor"/>
+    </dgm:style>
+  </dgm:styleLbl>
+  <dgm:styleLbl name="parChTrans1D3">
+    <dgm:scene3d>
+      <a:camera prst="orthographicFront"/>
+      <a:lightRig rig="flat" dir="t"/>
+    </dgm:scene3d>
+    <dgm:sp3d prstMaterial="matte"/>
+    <dgm:txPr/>
+    <dgm:style>
+      <a:lnRef idx="2">
+        <a:scrgbClr r="0" g="0" b="0"/>
+      </a:lnRef>
+      <a:fillRef idx="0">
+        <a:scrgbClr r="0" g="0" b="0"/>
+      </a:fillRef>
+      <a:effectRef idx="0">
+        <a:scrgbClr r="0" g="0" b="0"/>
+      </a:effectRef>
+      <a:fontRef idx="minor"/>
+    </dgm:style>
+  </dgm:styleLbl>
+  <dgm:styleLbl name="parChTrans1D4">
+    <dgm:scene3d>
+      <a:camera prst="orthographicFront"/>
+      <a:lightRig rig="flat" dir="t"/>
+    </dgm:scene3d>
+    <dgm:sp3d prstMaterial="matte"/>
+    <dgm:txPr/>
+    <dgm:style>
+      <a:lnRef idx="2">
+        <a:scrgbClr r="0" g="0" b="0"/>
+      </a:lnRef>
+      <a:fillRef idx="0">
+        <a:scrgbClr r="0" g="0" b="0"/>
+      </a:fillRef>
+      <a:effectRef idx="0">
+        <a:scrgbClr r="0" g="0" b="0"/>
+      </a:effectRef>
+      <a:fontRef idx="minor"/>
+    </dgm:style>
+  </dgm:styleLbl>
+  <dgm:styleLbl name="fgAcc1">
+    <dgm:scene3d>
+      <a:camera prst="orthographicFront"/>
+      <a:lightRig rig="flat" dir="t"/>
+    </dgm:scene3d>
+    <dgm:sp3d z="190500" extrusionH="12700" prstMaterial="plastic">
+      <a:bevelT w="50800" h="50800"/>
+    </dgm:sp3d>
+    <dgm:txPr/>
+    <dgm:style>
+      <a:lnRef idx="1">
+        <a:scrgbClr r="0" g="0" b="0"/>
+      </a:lnRef>
+      <a:fillRef idx="1">
+        <a:scrgbClr r="0" g="0" b="0"/>
+      </a:fillRef>
+      <a:effectRef idx="2">
+        <a:scrgbClr r="0" g="0" b="0"/>
+      </a:effectRef>
+      <a:fontRef idx="minor"/>
+    </dgm:style>
+  </dgm:styleLbl>
+  <dgm:styleLbl name="conFgAcc1">
+    <dgm:scene3d>
+      <a:camera prst="orthographicFront"/>
+      <a:lightRig rig="flat" dir="t"/>
+    </dgm:scene3d>
+    <dgm:sp3d z="190500" extrusionH="12700" prstMaterial="plastic">
+      <a:bevelT w="50800" h="50800"/>
+    </dgm:sp3d>
+    <dgm:txPr/>
+    <dgm:style>
+      <a:lnRef idx="1">
+        <a:scrgbClr r="0" g="0" b="0"/>
+      </a:lnRef>
+      <a:fillRef idx="1">
+        <a:scrgbClr r="0" g="0" b="0"/>
+      </a:fillRef>
+      <a:effectRef idx="2">
+        <a:scrgbClr r="0" g="0" b="0"/>
+      </a:effectRef>
+      <a:fontRef idx="minor"/>
+    </dgm:style>
+  </dgm:styleLbl>
+  <dgm:styleLbl name="alignAcc1">
+    <dgm:scene3d>
+      <a:camera prst="orthographicFront"/>
+      <a:lightRig rig="flat" dir="t"/>
+    </dgm:scene3d>
+    <dgm:sp3d extrusionH="12700" prstMaterial="plastic">
+      <a:bevelT w="50800" h="50800"/>
+    </dgm:sp3d>
+    <dgm:txPr/>
+    <dgm:style>
+      <a:lnRef idx="1">
+        <a:scrgbClr r="0" g="0" b="0"/>
+      </a:lnRef>
+      <a:fillRef idx="1">
+        <a:scrgbClr r="0" g="0" b="0"/>
+      </a:fillRef>
+      <a:effectRef idx="2">
+        <a:scrgbClr r="0" g="0" b="0"/>
+      </a:effectRef>
+      <a:fontRef idx="minor"/>
+    </dgm:style>
+  </dgm:styleLbl>
+  <dgm:styleLbl name="trAlignAcc1">
+    <dgm:scene3d>
+      <a:camera prst="orthographicFront"/>
+      <a:lightRig rig="flat" dir="t"/>
+    </dgm:scene3d>
+    <dgm:sp3d extrusionH="12700" prstMaterial="plastic">
+      <a:bevelT w="50800" h="50800"/>
+    </dgm:sp3d>
+    <dgm:txPr/>
+    <dgm:style>
+      <a:lnRef idx="1">
+        <a:scrgbClr r="0" g="0" b="0"/>
+      </a:lnRef>
+      <a:fillRef idx="1">
+        <a:scrgbClr r="0" g="0" b="0"/>
+      </a:fillRef>
+      <a:effectRef idx="2">
+        <a:scrgbClr r="0" g="0" b="0"/>
+      </a:effectRef>
+      <a:fontRef idx="minor"/>
+    </dgm:style>
+  </dgm:styleLbl>
+  <dgm:styleLbl name="bgAcc1">
+    <dgm:scene3d>
+      <a:camera prst="orthographicFront"/>
+      <a:lightRig rig="flat" dir="t"/>
+    </dgm:scene3d>
+    <dgm:sp3d z="-190500" extrusionH="12700" prstMaterial="plastic">
+      <a:bevelT w="50800" h="50800"/>
+    </dgm:sp3d>
+    <dgm:txPr/>
+    <dgm:style>
+      <a:lnRef idx="1">
+        <a:scrgbClr r="0" g="0" b="0"/>
+      </a:lnRef>
+      <a:fillRef idx="1">
+        <a:scrgbClr r="0" g="0" b="0"/>
+      </a:fillRef>
+      <a:effectRef idx="2">
+        <a:scrgbClr r="0" g="0" b="0"/>
+      </a:effectRef>
+      <a:fontRef idx="minor"/>
+    </dgm:style>
+  </dgm:styleLbl>
+  <dgm:styleLbl name="solidFgAcc1">
+    <dgm:scene3d>
+      <a:camera prst="orthographicFront"/>
+      <a:lightRig rig="flat" dir="t"/>
+    </dgm:scene3d>
+    <dgm:sp3d z="190500" extrusionH="12700" prstMaterial="plastic">
+      <a:bevelT w="50800" h="50800"/>
+    </dgm:sp3d>
+    <dgm:txPr/>
+    <dgm:style>
+      <a:lnRef idx="1">
+        <a:scrgbClr r="0" g="0" b="0"/>
+      </a:lnRef>
+      <a:fillRef idx="1">
+        <a:scrgbClr r="0" g="0" b="0"/>
+      </a:fillRef>
+      <a:effectRef idx="2">
+        <a:scrgbClr r="0" g="0" b="0"/>
+      </a:effectRef>
+      <a:fontRef idx="minor"/>
+    </dgm:style>
+  </dgm:styleLbl>
+  <dgm:styleLbl name="solidAlignAcc1">
+    <dgm:scene3d>
+      <a:camera prst="orthographicFront"/>
+      <a:lightRig rig="flat" dir="t"/>
+    </dgm:scene3d>
+    <dgm:sp3d extrusionH="12700" prstMaterial="plastic">
+      <a:bevelT w="50800" h="50800"/>
+    </dgm:sp3d>
+    <dgm:txPr/>
+    <dgm:style>
+      <a:lnRef idx="1">
+        <a:scrgbClr r="0" g="0" b="0"/>
+      </a:lnRef>
+      <a:fillRef idx="1">
+        <a:scrgbClr r="0" g="0" b="0"/>
+      </a:fillRef>
+      <a:effectRef idx="2">
+        <a:scrgbClr r="0" g="0" b="0"/>
+      </a:effectRef>
+      <a:fontRef idx="minor"/>
+    </dgm:style>
+  </dgm:styleLbl>
+  <dgm:styleLbl name="solidBgAcc1">
+    <dgm:scene3d>
+      <a:camera prst="orthographicFront"/>
+      <a:lightRig rig="flat" dir="t"/>
+    </dgm:scene3d>
+    <dgm:sp3d z="-190500" extrusionH="12700" prstMaterial="plastic">
+      <a:bevelT w="50800" h="50800"/>
+    </dgm:sp3d>
+    <dgm:txPr/>
+    <dgm:style>
+      <a:lnRef idx="1">
+        <a:scrgbClr r="0" g="0" b="0"/>
+      </a:lnRef>
+      <a:fillRef idx="1">
+        <a:scrgbClr r="0" g="0" b="0"/>
+      </a:fillRef>
+      <a:effectRef idx="2">
+        <a:scrgbClr r="0" g="0" b="0"/>
+      </a:effectRef>
+      <a:fontRef idx="minor"/>
+    </dgm:style>
+  </dgm:styleLbl>
+  <dgm:styleLbl name="fgAccFollowNode1">
+    <dgm:scene3d>
+      <a:camera prst="orthographicFront"/>
+      <a:lightRig rig="flat" dir="t"/>
+    </dgm:scene3d>
+    <dgm:sp3d z="190500" extrusionH="12700" prstMaterial="plastic">
+      <a:bevelT w="50800" h="50800"/>
+    </dgm:sp3d>
+    <dgm:txPr/>
+    <dgm:style>
+      <a:lnRef idx="1">
+        <a:scrgbClr r="0" g="0" b="0"/>
+      </a:lnRef>
+      <a:fillRef idx="1">
+        <a:scrgbClr r="0" g="0" b="0"/>
+      </a:fillRef>
+      <a:effectRef idx="2">
+        <a:scrgbClr r="0" g="0" b="0"/>
+      </a:effectRef>
+      <a:fontRef idx="minor"/>
+    </dgm:style>
+  </dgm:styleLbl>
+  <dgm:styleLbl name="alignAccFollowNode1">
+    <dgm:scene3d>
+      <a:camera prst="orthographicFront"/>
+      <a:lightRig rig="flat" dir="t"/>
+    </dgm:scene3d>
+    <dgm:sp3d extrusionH="12700" prstMaterial="plastic">
+      <a:bevelT w="50800" h="50800"/>
+    </dgm:sp3d>
+    <dgm:txPr/>
+    <dgm:style>
+      <a:lnRef idx="1">
+        <a:scrgbClr r="0" g="0" b="0"/>
+      </a:lnRef>
+      <a:fillRef idx="1">
+        <a:scrgbClr r="0" g="0" b="0"/>
+      </a:fillRef>
+      <a:effectRef idx="2">
+        <a:scrgbClr r="0" g="0" b="0"/>
+      </a:effectRef>
+      <a:fontRef idx="minor"/>
+    </dgm:style>
+  </dgm:styleLbl>
+  <dgm:styleLbl name="bgAccFollowNode1">
+    <dgm:scene3d>
+      <a:camera prst="orthographicFront"/>
+      <a:lightRig rig="flat" dir="t"/>
+    </dgm:scene3d>
+    <dgm:sp3d z="-190500" extrusionH="12700" prstMaterial="plastic">
+      <a:bevelT w="50800" h="50800"/>
+    </dgm:sp3d>
+    <dgm:txPr/>
+    <dgm:style>
+      <a:lnRef idx="1">
+        <a:scrgbClr r="0" g="0" b="0"/>
+      </a:lnRef>
+      <a:fillRef idx="1">
+        <a:scrgbClr r="0" g="0" b="0"/>
+      </a:fillRef>
+      <a:effectRef idx="2">
+        <a:scrgbClr r="0" g="0" b="0"/>
+      </a:effectRef>
+      <a:fontRef idx="minor"/>
+    </dgm:style>
+  </dgm:styleLbl>
+  <dgm:styleLbl name="fgAcc0">
+    <dgm:scene3d>
+      <a:camera prst="orthographicFront"/>
+      <a:lightRig rig="flat" dir="t"/>
+    </dgm:scene3d>
+    <dgm:sp3d z="190500" extrusionH="12700" prstMaterial="plastic">
+      <a:bevelT w="50800" h="50800"/>
+    </dgm:sp3d>
+    <dgm:txPr/>
+    <dgm:style>
+      <a:lnRef idx="1">
+        <a:scrgbClr r="0" g="0" b="0"/>
+      </a:lnRef>
+      <a:fillRef idx="1">
+        <a:scrgbClr r="0" g="0" b="0"/>
+      </a:fillRef>
+      <a:effectRef idx="2">
+        <a:scrgbClr r="0" g="0" b="0"/>
+      </a:effectRef>
+      <a:fontRef idx="minor"/>
+    </dgm:style>
+  </dgm:styleLbl>
+  <dgm:styleLbl name="fgAcc2">
+    <dgm:scene3d>
+      <a:camera prst="orthographicFront"/>
+      <a:lightRig rig="flat" dir="t"/>
+    </dgm:scene3d>
+    <dgm:sp3d z="190500" extrusionH="12700" prstMaterial="plastic">
+      <a:bevelT w="50800" h="50800"/>
+    </dgm:sp3d>
+    <dgm:txPr/>
+    <dgm:style>
+      <a:lnRef idx="1">
+        <a:scrgbClr r="0" g="0" b="0"/>
+      </a:lnRef>
+      <a:fillRef idx="1">
+        <a:scrgbClr r="0" g="0" b="0"/>
+      </a:fillRef>
+      <a:effectRef idx="2">
+        <a:scrgbClr r="0" g="0" b="0"/>
+      </a:effectRef>
+      <a:fontRef idx="minor"/>
+    </dgm:style>
+  </dgm:styleLbl>
+  <dgm:styleLbl name="fgAcc3">
+    <dgm:scene3d>
+      <a:camera prst="orthographicFront"/>
+      <a:lightRig rig="flat" dir="t"/>
+    </dgm:scene3d>
+    <dgm:sp3d z="190500" extrusionH="12700" prstMaterial="plastic">
+      <a:bevelT w="50800" h="50800"/>
+    </dgm:sp3d>
+    <dgm:txPr/>
+    <dgm:style>
+      <a:lnRef idx="1">
+        <a:scrgbClr r="0" g="0" b="0"/>
+      </a:lnRef>
+      <a:fillRef idx="1">
+        <a:scrgbClr r="0" g="0" b="0"/>
+      </a:fillRef>
+      <a:effectRef idx="2">
+        <a:scrgbClr r="0" g="0" b="0"/>
+      </a:effectRef>
+      <a:fontRef idx="minor"/>
+    </dgm:style>
+  </dgm:styleLbl>
+  <dgm:styleLbl name="fgAcc4">
+    <dgm:scene3d>
+      <a:camera prst="orthographicFront"/>
+      <a:lightRig rig="flat" dir="t"/>
+    </dgm:scene3d>
+    <dgm:sp3d z="190500" extrusionH="12700" prstMaterial="plastic">
+      <a:bevelT w="50800" h="50800"/>
+    </dgm:sp3d>
+    <dgm:txPr/>
+    <dgm:style>
+      <a:lnRef idx="1">
+        <a:scrgbClr r="0" g="0" b="0"/>
+      </a:lnRef>
+      <a:fillRef idx="1">
+        <a:scrgbClr r="0" g="0" b="0"/>
+      </a:fillRef>
+      <a:effectRef idx="2">
+        <a:scrgbClr r="0" g="0" b="0"/>
+      </a:effectRef>
+      <a:fontRef idx="minor"/>
+    </dgm:style>
+  </dgm:styleLbl>
+  <dgm:styleLbl name="bgShp">
+    <dgm:scene3d>
+      <a:camera prst="orthographicFront"/>
+      <a:lightRig rig="flat" dir="t"/>
+    </dgm:scene3d>
+    <dgm:sp3d z="-190500" extrusionH="12700" prstMaterial="plastic">
+      <a:bevelT w="50800" h="50800"/>
+    </dgm:sp3d>
+    <dgm:txPr/>
+    <dgm:style>
+      <a:lnRef idx="0">
+        <a:scrgbClr r="0" g="0" b="0"/>
+      </a:lnRef>
+      <a:fillRef idx="3">
+        <a:scrgbClr r="0" g="0" b="0"/>
+      </a:fillRef>
+      <a:effectRef idx="0">
+        <a:scrgbClr r="0" g="0" b="0"/>
+      </a:effectRef>
+      <a:fontRef idx="minor"/>
+    </dgm:style>
+  </dgm:styleLbl>
+  <dgm:styleLbl name="dkBgShp">
+    <dgm:scene3d>
+      <a:camera prst="orthographicFront"/>
+      <a:lightRig rig="flat" dir="t"/>
+    </dgm:scene3d>
+    <dgm:sp3d z="-190500" extrusionH="12700" prstMaterial="plastic">
+      <a:bevelT w="50800" h="50800"/>
+    </dgm:sp3d>
+    <dgm:txPr/>
+    <dgm:style>
+      <a:lnRef idx="0">
+        <a:scrgbClr r="0" g="0" b="0"/>
+      </a:lnRef>
+      <a:fillRef idx="2">
+        <a:scrgbClr r="0" g="0" b="0"/>
+      </a:fillRef>
+      <a:effectRef idx="0">
+        <a:scrgbClr r="0" g="0" b="0"/>
+      </a:effectRef>
+      <a:fontRef idx="minor"/>
+    </dgm:style>
+  </dgm:styleLbl>
+  <dgm:styleLbl name="trBgShp">
+    <dgm:scene3d>
+      <a:camera prst="orthographicFront"/>
+      <a:lightRig rig="flat" dir="t"/>
+    </dgm:scene3d>
+    <dgm:sp3d z="-190500" extrusionH="12700" prstMaterial="matte"/>
+    <dgm:txPr/>
+    <dgm:style>
+      <a:lnRef idx="0">
+        <a:scrgbClr r="0" g="0" b="0"/>
+      </a:lnRef>
+      <a:fillRef idx="1">
+        <a:scrgbClr r="0" g="0" b="0"/>
+      </a:fillRef>
+      <a:effectRef idx="0">
+        <a:scrgbClr r="0" g="0" b="0"/>
+      </a:effectRef>
+      <a:fontRef idx="minor"/>
+    </dgm:style>
+  </dgm:styleLbl>
+  <dgm:styleLbl name="fgShp">
+    <dgm:scene3d>
+      <a:camera prst="orthographicFront"/>
+      <a:lightRig rig="flat" dir="t"/>
+    </dgm:scene3d>
+    <dgm:sp3d z="190500" prstMaterial="plastic">
+      <a:bevelT w="120900" h="88900"/>
+      <a:bevelB w="88900" h="31750" prst="angle"/>
+    </dgm:sp3d>
+    <dgm:txPr/>
+    <dgm:style>
+      <a:lnRef idx="0">
+        <a:scrgbClr r="0" g="0" b="0"/>
+      </a:lnRef>
+      <a:fillRef idx="1">
+        <a:scrgbClr r="0" g="0" b="0"/>
+      </a:fillRef>
+      <a:effectRef idx="3">
+        <a:scrgbClr r="0" g="0" b="0"/>
+      </a:effectRef>
+      <a:fontRef idx="minor">
+        <a:schemeClr val="lt1"/>
+      </a:fontRef>
+    </dgm:style>
+  </dgm:styleLbl>
+  <dgm:styleLbl name="revTx">
+    <dgm:scene3d>
+      <a:camera prst="orthographicFront"/>
+      <a:lightRig rig="threePt" dir="t"/>
+    </dgm:scene3d>
+    <dgm:sp3d/>
+    <dgm:txPr/>
+    <dgm:style>
+      <a:lnRef idx="0">
+        <a:scrgbClr r="0" g="0" b="0"/>
+      </a:lnRef>
+      <a:fillRef idx="0">
+        <a:scrgbClr r="0" g="0" b="0"/>
+      </a:fillRef>
+      <a:effectRef idx="0">
+        <a:scrgbClr r="0" g="0" b="0"/>
+      </a:effectRef>
+      <a:fontRef idx="minor"/>
+    </dgm:style>
+  </dgm:styleLbl>
+</dgm:styleDef>
+</file>
+
+<file path=ppt/diagrams/quickStyle5.xml><?xml version="1.0" encoding="utf-8"?>
+<dgm:styleDef xmlns:dgm="http://schemas.openxmlformats.org/drawingml/2006/diagram" xmlns:a="http://schemas.openxmlformats.org/drawingml/2006/main" uniqueId="urn:microsoft.com/office/officeart/2005/8/quickstyle/3d1">
+  <dgm:title val=""/>
+  <dgm:desc val=""/>
+  <dgm:catLst>
+    <dgm:cat type="3D" pri="11100"/>
+  </dgm:catLst>
+  <dgm:scene3d>
+    <a:camera prst="orthographicFront"/>
+    <a:lightRig rig="threePt" dir="t"/>
+  </dgm:scene3d>
+  <dgm:styleLbl name="node0">
+    <dgm:scene3d>
+      <a:camera prst="orthographicFront"/>
+      <a:lightRig rig="flat" dir="t"/>
+    </dgm:scene3d>
+    <dgm:sp3d prstMaterial="plastic">
+      <a:bevelT w="120900" h="88900"/>
+      <a:bevelB w="88900" h="31750" prst="angle"/>
+    </dgm:sp3d>
+    <dgm:txPr/>
+    <dgm:style>
+      <a:lnRef idx="0">
+        <a:scrgbClr r="0" g="0" b="0"/>
+      </a:lnRef>
+      <a:fillRef idx="3">
+        <a:scrgbClr r="0" g="0" b="0"/>
+      </a:fillRef>
+      <a:effectRef idx="2">
+        <a:scrgbClr r="0" g="0" b="0"/>
+      </a:effectRef>
+      <a:fontRef idx="minor">
+        <a:schemeClr val="lt1"/>
+      </a:fontRef>
+    </dgm:style>
+  </dgm:styleLbl>
+  <dgm:styleLbl name="lnNode1">
+    <dgm:scene3d>
+      <a:camera prst="orthographicFront"/>
+      <a:lightRig rig="flat" dir="t"/>
+    </dgm:scene3d>
+    <dgm:sp3d prstMaterial="plastic">
+      <a:bevelT w="120900" h="88900"/>
+      <a:bevelB w="88900" h="31750" prst="angle"/>
+    </dgm:sp3d>
+    <dgm:txPr/>
+    <dgm:style>
+      <a:lnRef idx="0">
+        <a:scrgbClr r="0" g="0" b="0"/>
+      </a:lnRef>
+      <a:fillRef idx="3">
+        <a:scrgbClr r="0" g="0" b="0"/>
+      </a:fillRef>
+      <a:effectRef idx="1">
+        <a:scrgbClr r="0" g="0" b="0"/>
+      </a:effectRef>
+      <a:fontRef idx="minor">
+        <a:schemeClr val="lt1"/>
+      </a:fontRef>
+    </dgm:style>
+  </dgm:styleLbl>
+  <dgm:styleLbl name="vennNode1">
+    <dgm:scene3d>
+      <a:camera prst="orthographicFront"/>
+      <a:lightRig rig="flat" dir="t"/>
+    </dgm:scene3d>
+    <dgm:sp3d prstMaterial="plastic">
+      <a:bevelT w="120900" h="88900"/>
+      <a:bevelB w="88900" h="31750" prst="angle"/>
+    </dgm:sp3d>
+    <dgm:txPr/>
+    <dgm:style>
+      <a:lnRef idx="0">
+        <a:scrgbClr r="0" g="0" b="0"/>
+      </a:lnRef>
+      <a:fillRef idx="1">
+        <a:scrgbClr r="0" g="0" b="0"/>
+      </a:fillRef>
+      <a:effectRef idx="1">
+        <a:scrgbClr r="0" g="0" b="0"/>
+      </a:effectRef>
+      <a:fontRef idx="minor">
+        <a:schemeClr val="tx1"/>
+      </a:fontRef>
+    </dgm:style>
+  </dgm:styleLbl>
+  <dgm:styleLbl name="alignNode1">
+    <dgm:scene3d>
+      <a:camera prst="orthographicFront"/>
+      <a:lightRig rig="flat" dir="t"/>
+    </dgm:scene3d>
+    <dgm:sp3d prstMaterial="plastic">
+      <a:bevelT w="120900" h="88900"/>
+      <a:bevelB w="88900" h="31750" prst="angle"/>
+    </dgm:sp3d>
+    <dgm:txPr/>
+    <dgm:style>
+      <a:lnRef idx="1">
+        <a:scrgbClr r="0" g="0" b="0"/>
+      </a:lnRef>
+      <a:fillRef idx="3">
+        <a:scrgbClr r="0" g="0" b="0"/>
+      </a:fillRef>
+      <a:effectRef idx="2">
+        <a:scrgbClr r="0" g="0" b="0"/>
+      </a:effectRef>
+      <a:fontRef idx="minor">
+        <a:schemeClr val="lt1"/>
+      </a:fontRef>
+    </dgm:style>
+  </dgm:styleLbl>
+  <dgm:styleLbl name="node1">
+    <dgm:scene3d>
+      <a:camera prst="orthographicFront"/>
+      <a:lightRig rig="flat" dir="t"/>
+    </dgm:scene3d>
+    <dgm:sp3d prstMaterial="plastic">
+      <a:bevelT w="120900" h="88900"/>
+      <a:bevelB w="88900" h="31750" prst="angle"/>
+    </dgm:sp3d>
+    <dgm:txPr/>
+    <dgm:style>
+      <a:lnRef idx="0">
+        <a:scrgbClr r="0" g="0" b="0"/>
+      </a:lnRef>
+      <a:fillRef idx="3">
+        <a:scrgbClr r="0" g="0" b="0"/>
+      </a:fillRef>
+      <a:effectRef idx="2">
+        <a:scrgbClr r="0" g="0" b="0"/>
+      </a:effectRef>
+      <a:fontRef idx="minor">
+        <a:schemeClr val="lt1"/>
+      </a:fontRef>
+    </dgm:style>
+  </dgm:styleLbl>
+  <dgm:styleLbl name="node2">
+    <dgm:scene3d>
+      <a:camera prst="orthographicFront"/>
+      <a:lightRig rig="flat" dir="t"/>
+    </dgm:scene3d>
+    <dgm:sp3d prstMaterial="plastic">
+      <a:bevelT w="120900" h="88900"/>
+      <a:bevelB w="88900" h="31750" prst="angle"/>
+    </dgm:sp3d>
+    <dgm:txPr/>
+    <dgm:style>
+      <a:lnRef idx="0">
+        <a:scrgbClr r="0" g="0" b="0"/>
+      </a:lnRef>
+      <a:fillRef idx="3">
+        <a:scrgbClr r="0" g="0" b="0"/>
+      </a:fillRef>
+      <a:effectRef idx="1">
+        <a:scrgbClr r="0" g="0" b="0"/>
+      </a:effectRef>
+      <a:fontRef idx="minor">
+        <a:schemeClr val="lt1"/>
+      </a:fontRef>
+    </dgm:style>
+  </dgm:styleLbl>
+  <dgm:styleLbl name="node3">
+    <dgm:scene3d>
+      <a:camera prst="orthographicFront"/>
+      <a:lightRig rig="flat" dir="t"/>
+    </dgm:scene3d>
+    <dgm:sp3d prstMaterial="plastic">
+      <a:bevelT w="120900" h="88900"/>
+      <a:bevelB w="88900" h="31750" prst="angle"/>
+    </dgm:sp3d>
+    <dgm:txPr/>
+    <dgm:style>
+      <a:lnRef idx="0">
+        <a:scrgbClr r="0" g="0" b="0"/>
+      </a:lnRef>
+      <a:fillRef idx="3">
+        <a:scrgbClr r="0" g="0" b="0"/>
+      </a:fillRef>
+      <a:effectRef idx="1">
+        <a:scrgbClr r="0" g="0" b="0"/>
+      </a:effectRef>
+      <a:fontRef idx="minor">
+        <a:schemeClr val="lt1"/>
+      </a:fontRef>
+    </dgm:style>
+  </dgm:styleLbl>
+  <dgm:styleLbl name="node4">
+    <dgm:scene3d>
+      <a:camera prst="orthographicFront"/>
+      <a:lightRig rig="flat" dir="t"/>
+    </dgm:scene3d>
+    <dgm:sp3d prstMaterial="plastic">
+      <a:bevelT w="120900" h="88900"/>
+      <a:bevelB w="88900" h="31750" prst="angle"/>
+    </dgm:sp3d>
+    <dgm:txPr/>
+    <dgm:style>
+      <a:lnRef idx="0">
+        <a:scrgbClr r="0" g="0" b="0"/>
+      </a:lnRef>
+      <a:fillRef idx="3">
+        <a:scrgbClr r="0" g="0" b="0"/>
+      </a:fillRef>
+      <a:effectRef idx="1">
+        <a:scrgbClr r="0" g="0" b="0"/>
+      </a:effectRef>
+      <a:fontRef idx="minor">
+        <a:schemeClr val="lt1"/>
+      </a:fontRef>
+    </dgm:style>
+  </dgm:styleLbl>
+  <dgm:styleLbl name="fgImgPlace1">
+    <dgm:scene3d>
+      <a:camera prst="orthographicFront"/>
+      <a:lightRig rig="flat" dir="t"/>
+    </dgm:scene3d>
+    <dgm:sp3d z="127000" prstMaterial="plastic">
+      <a:bevelT w="88900" h="88900"/>
+      <a:bevelB w="88900" h="31750" prst="angle"/>
+    </dgm:sp3d>
+    <dgm:txPr/>
+    <dgm:style>
+      <a:lnRef idx="0">
+        <a:scrgbClr r="0" g="0" b="0"/>
+      </a:lnRef>
+      <a:fillRef idx="3">
+        <a:scrgbClr r="0" g="0" b="0"/>
+      </a:fillRef>
+      <a:effectRef idx="2">
+        <a:scrgbClr r="0" g="0" b="0"/>
+      </a:effectRef>
+      <a:fontRef idx="minor"/>
+    </dgm:style>
+  </dgm:styleLbl>
+  <dgm:styleLbl name="alignImgPlace1">
+    <dgm:scene3d>
+      <a:camera prst="orthographicFront"/>
+      <a:lightRig rig="flat" dir="t"/>
+    </dgm:scene3d>
+    <dgm:sp3d prstMaterial="plastic">
+      <a:bevelT w="88900" h="88900"/>
+      <a:bevelB w="88900" h="31750" prst="angle"/>
+    </dgm:sp3d>
+    <dgm:txPr/>
+    <dgm:style>
+      <a:lnRef idx="0">
+        <a:scrgbClr r="0" g="0" b="0"/>
+      </a:lnRef>
+      <a:fillRef idx="3">
+        <a:scrgbClr r="0" g="0" b="0"/>
+      </a:fillRef>
+      <a:effectRef idx="2">
+        <a:scrgbClr r="0" g="0" b="0"/>
+      </a:effectRef>
+      <a:fontRef idx="minor"/>
+    </dgm:style>
+  </dgm:styleLbl>
+  <dgm:styleLbl name="bgImgPlace1">
+    <dgm:scene3d>
+      <a:camera prst="orthographicFront"/>
+      <a:lightRig rig="flat" dir="t"/>
+    </dgm:scene3d>
+    <dgm:sp3d z="-190500" prstMaterial="plastic">
+      <a:bevelT w="88900" h="88900"/>
+      <a:bevelB w="88900" h="31750" prst="angle"/>
+    </dgm:sp3d>
+    <dgm:txPr/>
+    <dgm:style>
+      <a:lnRef idx="0">
+        <a:scrgbClr r="0" g="0" b="0"/>
+      </a:lnRef>
+      <a:fillRef idx="3">
+        <a:scrgbClr r="0" g="0" b="0"/>
+      </a:fillRef>
+      <a:effectRef idx="2">
+        <a:scrgbClr r="0" g="0" b="0"/>
+      </a:effectRef>
+      <a:fontRef idx="minor"/>
+    </dgm:style>
+  </dgm:styleLbl>
+  <dgm:styleLbl name="sibTrans2D1">
+    <dgm:scene3d>
+      <a:camera prst="orthographicFront"/>
+      <a:lightRig rig="flat" dir="t"/>
+    </dgm:scene3d>
+    <dgm:sp3d z="-80000" prstMaterial="plastic">
+      <a:bevelT w="50800" h="50800"/>
+      <a:bevelB w="25400" h="25400" prst="angle"/>
+    </dgm:sp3d>
+    <dgm:txPr/>
+    <dgm:style>
+      <a:lnRef idx="0">
+        <a:scrgbClr r="0" g="0" b="0"/>
+      </a:lnRef>
+      <a:fillRef idx="3">
+        <a:scrgbClr r="0" g="0" b="0"/>
+      </a:fillRef>
+      <a:effectRef idx="2">
+        <a:scrgbClr r="0" g="0" b="0"/>
+      </a:effectRef>
+      <a:fontRef idx="minor">
+        <a:schemeClr val="lt1"/>
+      </a:fontRef>
+    </dgm:style>
+  </dgm:styleLbl>
+  <dgm:styleLbl name="fgSibTrans2D1">
+    <dgm:scene3d>
+      <a:camera prst="orthographicFront"/>
+      <a:lightRig rig="flat" dir="t"/>
+    </dgm:scene3d>
+    <dgm:sp3d z="127000" prstMaterial="plastic">
+      <a:bevelT w="50800" h="50800"/>
+      <a:bevelB w="25400" h="25400" prst="angle"/>
+    </dgm:sp3d>
+    <dgm:txPr/>
+    <dgm:style>
+      <a:lnRef idx="0">
+        <a:scrgbClr r="0" g="0" b="0"/>
+      </a:lnRef>
+      <a:fillRef idx="3">
+        <a:scrgbClr r="0" g="0" b="0"/>
+      </a:fillRef>
+      <a:effectRef idx="2">
+        <a:scrgbClr r="0" g="0" b="0"/>
+      </a:effectRef>
+      <a:fontRef idx="minor">
+        <a:schemeClr val="lt1"/>
+      </a:fontRef>
+    </dgm:style>
+  </dgm:styleLbl>
+  <dgm:styleLbl name="bgSibTrans2D1">
+    <dgm:scene3d>
+      <a:camera prst="orthographicFront"/>
+      <a:lightRig rig="flat" dir="t"/>
+    </dgm:scene3d>
+    <dgm:sp3d z="-190500" prstMaterial="plastic">
+      <a:bevelT w="50800" h="50800"/>
+      <a:bevelB w="25400" h="25400" prst="angle"/>
+    </dgm:sp3d>
+    <dgm:txPr/>
+    <dgm:style>
+      <a:lnRef idx="0">
+        <a:scrgbClr r="0" g="0" b="0"/>
+      </a:lnRef>
+      <a:fillRef idx="3">
+        <a:scrgbClr r="0" g="0" b="0"/>
+      </a:fillRef>
+      <a:effectRef idx="2">
+        <a:scrgbClr r="0" g="0" b="0"/>
+      </a:effectRef>
+      <a:fontRef idx="minor">
+        <a:schemeClr val="lt1"/>
+      </a:fontRef>
+    </dgm:style>
+  </dgm:styleLbl>
+  <dgm:styleLbl name="sibTrans1D1">
+    <dgm:scene3d>
+      <a:camera prst="orthographicFront"/>
+      <a:lightRig rig="flat" dir="t"/>
+    </dgm:scene3d>
+    <dgm:sp3d z="-40000" prstMaterial="matte"/>
+    <dgm:txPr/>
+    <dgm:style>
+      <a:lnRef idx="1">
+        <a:scrgbClr r="0" g="0" b="0"/>
+      </a:lnRef>
+      <a:fillRef idx="0">
+        <a:scrgbClr r="0" g="0" b="0"/>
+      </a:fillRef>
+      <a:effectRef idx="0">
+        <a:scrgbClr r="0" g="0" b="0"/>
+      </a:effectRef>
+      <a:fontRef idx="minor"/>
+    </dgm:style>
+  </dgm:styleLbl>
+  <dgm:styleLbl name="callout">
+    <dgm:scene3d>
+      <a:camera prst="orthographicFront"/>
+      <a:lightRig rig="threePt" dir="t"/>
+    </dgm:scene3d>
+    <dgm:sp3d z="127000" prstMaterial="matte"/>
+    <dgm:txPr/>
+    <dgm:style>
+      <a:lnRef idx="2">
+        <a:scrgbClr r="0" g="0" b="0"/>
+      </a:lnRef>
+      <a:fillRef idx="1">
+        <a:scrgbClr r="0" g="0" b="0"/>
+      </a:fillRef>
+      <a:effectRef idx="0">
+        <a:scrgbClr r="0" g="0" b="0"/>
+      </a:effectRef>
+      <a:fontRef idx="minor"/>
+    </dgm:style>
+  </dgm:styleLbl>
+  <dgm:styleLbl name="asst0">
+    <dgm:scene3d>
+      <a:camera prst="orthographicFront"/>
+      <a:lightRig rig="flat" dir="t"/>
+    </dgm:scene3d>
+    <dgm:sp3d prstMaterial="plastic">
+      <a:bevelT w="120900" h="88900"/>
+      <a:bevelB w="88900" h="31750" prst="angle"/>
+    </dgm:sp3d>
+    <dgm:txPr/>
+    <dgm:style>
+      <a:lnRef idx="0">
+        <a:scrgbClr r="0" g="0" b="0"/>
+      </a:lnRef>
+      <a:fillRef idx="3">
+        <a:scrgbClr r="0" g="0" b="0"/>
+      </a:fillRef>
+      <a:effectRef idx="1">
+        <a:scrgbClr r="0" g="0" b="0"/>
+      </a:effectRef>
+      <a:fontRef idx="minor">
+        <a:schemeClr val="lt1"/>
+      </a:fontRef>
+    </dgm:style>
+  </dgm:styleLbl>
+  <dgm:styleLbl name="asst1">
+    <dgm:scene3d>
+      <a:camera prst="orthographicFront"/>
+      <a:lightRig rig="flat" dir="t"/>
+    </dgm:scene3d>
+    <dgm:sp3d prstMaterial="plastic">
+      <a:bevelT w="120900" h="88900"/>
+      <a:bevelB w="88900" h="31750" prst="angle"/>
+    </dgm:sp3d>
+    <dgm:txPr/>
+    <dgm:style>
+      <a:lnRef idx="0">
+        <a:scrgbClr r="0" g="0" b="0"/>
+      </a:lnRef>
+      <a:fillRef idx="3">
+        <a:scrgbClr r="0" g="0" b="0"/>
+      </a:fillRef>
+      <a:effectRef idx="1">
+        <a:scrgbClr r="0" g="0" b="0"/>
+      </a:effectRef>
+      <a:fontRef idx="minor">
+        <a:schemeClr val="lt1"/>
+      </a:fontRef>
+    </dgm:style>
+  </dgm:styleLbl>
+  <dgm:styleLbl name="asst2">
+    <dgm:scene3d>
+      <a:camera prst="orthographicFront"/>
+      <a:lightRig rig="flat" dir="t"/>
+    </dgm:scene3d>
+    <dgm:sp3d prstMaterial="plastic">
+      <a:bevelT w="120900" h="88900"/>
+      <a:bevelB w="88900" h="31750" prst="angle"/>
+    </dgm:sp3d>
+    <dgm:txPr/>
+    <dgm:style>
+      <a:lnRef idx="0">
+        <a:scrgbClr r="0" g="0" b="0"/>
+      </a:lnRef>
+      <a:fillRef idx="3">
+        <a:scrgbClr r="0" g="0" b="0"/>
+      </a:fillRef>
+      <a:effectRef idx="1">
+        <a:scrgbClr r="0" g="0" b="0"/>
+      </a:effectRef>
+      <a:fontRef idx="minor">
+        <a:schemeClr val="lt1"/>
+      </a:fontRef>
+    </dgm:style>
+  </dgm:styleLbl>
+  <dgm:styleLbl name="asst3">
+    <dgm:scene3d>
+      <a:camera prst="orthographicFront"/>
+      <a:lightRig rig="flat" dir="t"/>
+    </dgm:scene3d>
+    <dgm:sp3d prstMaterial="plastic">
+      <a:bevelT w="120900" h="88900"/>
+      <a:bevelB w="88900" h="31750" prst="angle"/>
+    </dgm:sp3d>
+    <dgm:txPr/>
+    <dgm:style>
+      <a:lnRef idx="0">
+        <a:scrgbClr r="0" g="0" b="0"/>
+      </a:lnRef>
+      <a:fillRef idx="3">
+        <a:scrgbClr r="0" g="0" b="0"/>
+      </a:fillRef>
+      <a:effectRef idx="1">
+        <a:scrgbClr r="0" g="0" b="0"/>
+      </a:effectRef>
+      <a:fontRef idx="minor">
+        <a:schemeClr val="lt1"/>
+      </a:fontRef>
+    </dgm:style>
+  </dgm:styleLbl>
+  <dgm:styleLbl name="parChTrans2D1">
+    <dgm:scene3d>
+      <a:camera prst="orthographicFront"/>
+      <a:lightRig rig="flat" dir="t"/>
+    </dgm:scene3d>
+    <dgm:sp3d z="-100000" prstMaterial="plastic">
+      <a:bevelT w="120900" h="88900"/>
+      <a:bevelB w="88900" h="31750" prst="angle"/>
+    </dgm:sp3d>
+    <dgm:txPr/>
+    <dgm:style>
+      <a:lnRef idx="0">
+        <a:scrgbClr r="0" g="0" b="0"/>
+      </a:lnRef>
+      <a:fillRef idx="3">
+        <a:scrgbClr r="0" g="0" b="0"/>
+      </a:fillRef>
+      <a:effectRef idx="1">
+        <a:scrgbClr r="0" g="0" b="0"/>
+      </a:effectRef>
+      <a:fontRef idx="minor">
+        <a:schemeClr val="lt1"/>
+      </a:fontRef>
+    </dgm:style>
+  </dgm:styleLbl>
+  <dgm:styleLbl name="parChTrans2D2">
+    <dgm:scene3d>
+      <a:camera prst="orthographicFront"/>
+      <a:lightRig rig="flat" dir="t"/>
+    </dgm:scene3d>
+    <dgm:sp3d z="-60000" prstMaterial="plastic">
+      <a:bevelT w="120900" h="88900"/>
+      <a:bevelB w="88900" h="31750" prst="angle"/>
+    </dgm:sp3d>
+    <dgm:txPr/>
+    <dgm:style>
+      <a:lnRef idx="0">
+        <a:scrgbClr r="0" g="0" b="0"/>
+      </a:lnRef>
+      <a:fillRef idx="3">
+        <a:scrgbClr r="0" g="0" b="0"/>
+      </a:fillRef>
+      <a:effectRef idx="1">
+        <a:scrgbClr r="0" g="0" b="0"/>
+      </a:effectRef>
+      <a:fontRef idx="minor">
+        <a:schemeClr val="lt1"/>
+      </a:fontRef>
+    </dgm:style>
+  </dgm:styleLbl>
+  <dgm:styleLbl name="parChTrans2D3">
+    <dgm:scene3d>
+      <a:camera prst="orthographicFront"/>
+      <a:lightRig rig="flat" dir="t"/>
+    </dgm:scene3d>
+    <dgm:sp3d z="-60000" prstMaterial="plastic">
+      <a:bevelT w="120900" h="88900"/>
+      <a:bevelB w="88900" h="31750" prst="angle"/>
+    </dgm:sp3d>
+    <dgm:txPr/>
+    <dgm:style>
+      <a:lnRef idx="0">
+        <a:scrgbClr r="0" g="0" b="0"/>
+      </a:lnRef>
+      <a:fillRef idx="3">
+        <a:scrgbClr r="0" g="0" b="0"/>
+      </a:fillRef>
+      <a:effectRef idx="1">
+        <a:scrgbClr r="0" g="0" b="0"/>
+      </a:effectRef>
+      <a:fontRef idx="minor">
+        <a:schemeClr val="lt1"/>
+      </a:fontRef>
+    </dgm:style>
+  </dgm:styleLbl>
+  <dgm:styleLbl name="parChTrans2D4">
+    <dgm:scene3d>
+      <a:camera prst="orthographicFront"/>
+      <a:lightRig rig="flat" dir="t"/>
+    </dgm:scene3d>
+    <dgm:sp3d z="-60000" prstMaterial="plastic">
+      <a:bevelT w="120900" h="88900"/>
+      <a:bevelB w="88900" h="31750" prst="angle"/>
+    </dgm:sp3d>
+    <dgm:txPr/>
+    <dgm:style>
+      <a:lnRef idx="0">
+        <a:scrgbClr r="0" g="0" b="0"/>
+      </a:lnRef>
+      <a:fillRef idx="3">
+        <a:scrgbClr r="0" g="0" b="0"/>
+      </a:fillRef>
+      <a:effectRef idx="1">
+        <a:scrgbClr r="0" g="0" b="0"/>
+      </a:effectRef>
+      <a:fontRef idx="minor">
+        <a:schemeClr val="lt1"/>
+      </a:fontRef>
+    </dgm:style>
+  </dgm:styleLbl>
+  <dgm:styleLbl name="parChTrans1D1">
+    <dgm:scene3d>
+      <a:camera prst="orthographicFront"/>
+      <a:lightRig rig="flat" dir="t"/>
+    </dgm:scene3d>
+    <dgm:sp3d prstMaterial="matte"/>
+    <dgm:txPr/>
+    <dgm:style>
+      <a:lnRef idx="2">
+        <a:scrgbClr r="0" g="0" b="0"/>
+      </a:lnRef>
+      <a:fillRef idx="0">
+        <a:scrgbClr r="0" g="0" b="0"/>
+      </a:fillRef>
+      <a:effectRef idx="0">
+        <a:scrgbClr r="0" g="0" b="0"/>
+      </a:effectRef>
+      <a:fontRef idx="minor"/>
+    </dgm:style>
+  </dgm:styleLbl>
+  <dgm:styleLbl name="parChTrans1D2">
+    <dgm:scene3d>
+      <a:camera prst="orthographicFront"/>
+      <a:lightRig rig="flat" dir="t"/>
+    </dgm:scene3d>
+    <dgm:sp3d prstMaterial="matte"/>
+    <dgm:txPr/>
+    <dgm:style>
+      <a:lnRef idx="2">
+        <a:scrgbClr r="0" g="0" b="0"/>
+      </a:lnRef>
+      <a:fillRef idx="0">
+        <a:scrgbClr r="0" g="0" b="0"/>
+      </a:fillRef>
+      <a:effectRef idx="0">
+        <a:scrgbClr r="0" g="0" b="0"/>
+      </a:effectRef>
+      <a:fontRef idx="minor"/>
+    </dgm:style>
+  </dgm:styleLbl>
+  <dgm:styleLbl name="parChTrans1D3">
+    <dgm:scene3d>
+      <a:camera prst="orthographicFront"/>
+      <a:lightRig rig="flat" dir="t"/>
+    </dgm:scene3d>
+    <dgm:sp3d prstMaterial="matte"/>
+    <dgm:txPr/>
+    <dgm:style>
+      <a:lnRef idx="2">
+        <a:scrgbClr r="0" g="0" b="0"/>
+      </a:lnRef>
+      <a:fillRef idx="0">
+        <a:scrgbClr r="0" g="0" b="0"/>
+      </a:fillRef>
+      <a:effectRef idx="0">
+        <a:scrgbClr r="0" g="0" b="0"/>
+      </a:effectRef>
+      <a:fontRef idx="minor"/>
+    </dgm:style>
+  </dgm:styleLbl>
+  <dgm:styleLbl name="parChTrans1D4">
+    <dgm:scene3d>
+      <a:camera prst="orthographicFront"/>
+      <a:lightRig rig="flat" dir="t"/>
+    </dgm:scene3d>
+    <dgm:sp3d prstMaterial="matte"/>
+    <dgm:txPr/>
+    <dgm:style>
+      <a:lnRef idx="2">
+        <a:scrgbClr r="0" g="0" b="0"/>
+      </a:lnRef>
+      <a:fillRef idx="0">
+        <a:scrgbClr r="0" g="0" b="0"/>
+      </a:fillRef>
+      <a:effectRef idx="0">
+        <a:scrgbClr r="0" g="0" b="0"/>
+      </a:effectRef>
+      <a:fontRef idx="minor"/>
+    </dgm:style>
+  </dgm:styleLbl>
+  <dgm:styleLbl name="fgAcc1">
+    <dgm:scene3d>
+      <a:camera prst="orthographicFront"/>
+      <a:lightRig rig="flat" dir="t"/>
+    </dgm:scene3d>
+    <dgm:sp3d z="190500" extrusionH="12700" prstMaterial="plastic">
+      <a:bevelT w="50800" h="50800"/>
+    </dgm:sp3d>
+    <dgm:txPr/>
+    <dgm:style>
+      <a:lnRef idx="1">
+        <a:scrgbClr r="0" g="0" b="0"/>
+      </a:lnRef>
+      <a:fillRef idx="1">
+        <a:scrgbClr r="0" g="0" b="0"/>
+      </a:fillRef>
+      <a:effectRef idx="2">
+        <a:scrgbClr r="0" g="0" b="0"/>
+      </a:effectRef>
+      <a:fontRef idx="minor"/>
+    </dgm:style>
+  </dgm:styleLbl>
+  <dgm:styleLbl name="conFgAcc1">
+    <dgm:scene3d>
+      <a:camera prst="orthographicFront"/>
+      <a:lightRig rig="flat" dir="t"/>
+    </dgm:scene3d>
+    <dgm:sp3d z="190500" extrusionH="12700" prstMaterial="plastic">
+      <a:bevelT w="50800" h="50800"/>
+    </dgm:sp3d>
+    <dgm:txPr/>
+    <dgm:style>
+      <a:lnRef idx="1">
+        <a:scrgbClr r="0" g="0" b="0"/>
+      </a:lnRef>
+      <a:fillRef idx="1">
+        <a:scrgbClr r="0" g="0" b="0"/>
+      </a:fillRef>
+      <a:effectRef idx="2">
+        <a:scrgbClr r="0" g="0" b="0"/>
+      </a:effectRef>
+      <a:fontRef idx="minor"/>
+    </dgm:style>
+  </dgm:styleLbl>
+  <dgm:styleLbl name="alignAcc1">
+    <dgm:scene3d>
+      <a:camera prst="orthographicFront"/>
+      <a:lightRig rig="flat" dir="t"/>
+    </dgm:scene3d>
+    <dgm:sp3d extrusionH="12700" prstMaterial="plastic">
+      <a:bevelT w="50800" h="50800"/>
+    </dgm:sp3d>
+    <dgm:txPr/>
+    <dgm:style>
+      <a:lnRef idx="1">
+        <a:scrgbClr r="0" g="0" b="0"/>
+      </a:lnRef>
+      <a:fillRef idx="1">
+        <a:scrgbClr r="0" g="0" b="0"/>
+      </a:fillRef>
+      <a:effectRef idx="2">
+        <a:scrgbClr r="0" g="0" b="0"/>
+      </a:effectRef>
+      <a:fontRef idx="minor"/>
+    </dgm:style>
+  </dgm:styleLbl>
+  <dgm:styleLbl name="trAlignAcc1">
+    <dgm:scene3d>
+      <a:camera prst="orthographicFront"/>
+      <a:lightRig rig="flat" dir="t"/>
+    </dgm:scene3d>
+    <dgm:sp3d extrusionH="12700" prstMaterial="plastic">
+      <a:bevelT w="50800" h="50800"/>
+    </dgm:sp3d>
+    <dgm:txPr/>
+    <dgm:style>
+      <a:lnRef idx="1">
+        <a:scrgbClr r="0" g="0" b="0"/>
+      </a:lnRef>
+      <a:fillRef idx="1">
+        <a:scrgbClr r="0" g="0" b="0"/>
+      </a:fillRef>
+      <a:effectRef idx="2">
+        <a:scrgbClr r="0" g="0" b="0"/>
+      </a:effectRef>
+      <a:fontRef idx="minor"/>
+    </dgm:style>
+  </dgm:styleLbl>
+  <dgm:styleLbl name="bgAcc1">
+    <dgm:scene3d>
+      <a:camera prst="orthographicFront"/>
+      <a:lightRig rig="flat" dir="t"/>
+    </dgm:scene3d>
+    <dgm:sp3d z="-190500" extrusionH="12700" prstMaterial="plastic">
+      <a:bevelT w="50800" h="50800"/>
+    </dgm:sp3d>
+    <dgm:txPr/>
+    <dgm:style>
+      <a:lnRef idx="1">
+        <a:scrgbClr r="0" g="0" b="0"/>
+      </a:lnRef>
+      <a:fillRef idx="1">
+        <a:scrgbClr r="0" g="0" b="0"/>
+      </a:fillRef>
+      <a:effectRef idx="2">
+        <a:scrgbClr r="0" g="0" b="0"/>
+      </a:effectRef>
+      <a:fontRef idx="minor"/>
+    </dgm:style>
+  </dgm:styleLbl>
+  <dgm:styleLbl name="solidFgAcc1">
+    <dgm:scene3d>
+      <a:camera prst="orthographicFront"/>
+      <a:lightRig rig="flat" dir="t"/>
+    </dgm:scene3d>
+    <dgm:sp3d z="190500" extrusionH="12700" prstMaterial="plastic">
+      <a:bevelT w="50800" h="50800"/>
+    </dgm:sp3d>
+    <dgm:txPr/>
+    <dgm:style>
+      <a:lnRef idx="1">
+        <a:scrgbClr r="0" g="0" b="0"/>
+      </a:lnRef>
+      <a:fillRef idx="1">
+        <a:scrgbClr r="0" g="0" b="0"/>
+      </a:fillRef>
+      <a:effectRef idx="2">
+        <a:scrgbClr r="0" g="0" b="0"/>
+      </a:effectRef>
+      <a:fontRef idx="minor"/>
+    </dgm:style>
+  </dgm:styleLbl>
+  <dgm:styleLbl name="solidAlignAcc1">
+    <dgm:scene3d>
+      <a:camera prst="orthographicFront"/>
+      <a:lightRig rig="flat" dir="t"/>
+    </dgm:scene3d>
+    <dgm:sp3d extrusionH="12700" prstMaterial="plastic">
+      <a:bevelT w="50800" h="50800"/>
+    </dgm:sp3d>
+    <dgm:txPr/>
+    <dgm:style>
+      <a:lnRef idx="1">
+        <a:scrgbClr r="0" g="0" b="0"/>
+      </a:lnRef>
+      <a:fillRef idx="1">
+        <a:scrgbClr r="0" g="0" b="0"/>
+      </a:fillRef>
+      <a:effectRef idx="2">
+        <a:scrgbClr r="0" g="0" b="0"/>
+      </a:effectRef>
+      <a:fontRef idx="minor"/>
+    </dgm:style>
+  </dgm:styleLbl>
+  <dgm:styleLbl name="solidBgAcc1">
+    <dgm:scene3d>
+      <a:camera prst="orthographicFront"/>
+      <a:lightRig rig="flat" dir="t"/>
+    </dgm:scene3d>
+    <dgm:sp3d z="-190500" extrusionH="12700" prstMaterial="plastic">
+      <a:bevelT w="50800" h="50800"/>
+    </dgm:sp3d>
+    <dgm:txPr/>
+    <dgm:style>
+      <a:lnRef idx="1">
+        <a:scrgbClr r="0" g="0" b="0"/>
+      </a:lnRef>
+      <a:fillRef idx="1">
+        <a:scrgbClr r="0" g="0" b="0"/>
+      </a:fillRef>
+      <a:effectRef idx="2">
+        <a:scrgbClr r="0" g="0" b="0"/>
+      </a:effectRef>
+      <a:fontRef idx="minor"/>
+    </dgm:style>
+  </dgm:styleLbl>
+  <dgm:styleLbl name="fgAccFollowNode1">
+    <dgm:scene3d>
+      <a:camera prst="orthographicFront"/>
+      <a:lightRig rig="flat" dir="t"/>
+    </dgm:scene3d>
+    <dgm:sp3d z="190500" extrusionH="12700" prstMaterial="plastic">
+      <a:bevelT w="50800" h="50800"/>
+    </dgm:sp3d>
+    <dgm:txPr/>
+    <dgm:style>
+      <a:lnRef idx="1">
+        <a:scrgbClr r="0" g="0" b="0"/>
+      </a:lnRef>
+      <a:fillRef idx="1">
+        <a:scrgbClr r="0" g="0" b="0"/>
+      </a:fillRef>
+      <a:effectRef idx="2">
+        <a:scrgbClr r="0" g="0" b="0"/>
+      </a:effectRef>
+      <a:fontRef idx="minor"/>
+    </dgm:style>
+  </dgm:styleLbl>
+  <dgm:styleLbl name="alignAccFollowNode1">
+    <dgm:scene3d>
+      <a:camera prst="orthographicFront"/>
+      <a:lightRig rig="flat" dir="t"/>
+    </dgm:scene3d>
+    <dgm:sp3d extrusionH="12700" prstMaterial="plastic">
+      <a:bevelT w="50800" h="50800"/>
+    </dgm:sp3d>
+    <dgm:txPr/>
+    <dgm:style>
+      <a:lnRef idx="1">
+        <a:scrgbClr r="0" g="0" b="0"/>
+      </a:lnRef>
+      <a:fillRef idx="1">
+        <a:scrgbClr r="0" g="0" b="0"/>
+      </a:fillRef>
+      <a:effectRef idx="2">
+        <a:scrgbClr r="0" g="0" b="0"/>
+      </a:effectRef>
+      <a:fontRef idx="minor"/>
+    </dgm:style>
+  </dgm:styleLbl>
+  <dgm:styleLbl name="bgAccFollowNode1">
+    <dgm:scene3d>
+      <a:camera prst="orthographicFront"/>
+      <a:lightRig rig="flat" dir="t"/>
+    </dgm:scene3d>
+    <dgm:sp3d z="-190500" extrusionH="12700" prstMaterial="plastic">
+      <a:bevelT w="50800" h="50800"/>
+    </dgm:sp3d>
+    <dgm:txPr/>
+    <dgm:style>
+      <a:lnRef idx="1">
+        <a:scrgbClr r="0" g="0" b="0"/>
+      </a:lnRef>
+      <a:fillRef idx="1">
+        <a:scrgbClr r="0" g="0" b="0"/>
+      </a:fillRef>
+      <a:effectRef idx="2">
+        <a:scrgbClr r="0" g="0" b="0"/>
+      </a:effectRef>
+      <a:fontRef idx="minor"/>
+    </dgm:style>
+  </dgm:styleLbl>
+  <dgm:styleLbl name="fgAcc0">
+    <dgm:scene3d>
+      <a:camera prst="orthographicFront"/>
+      <a:lightRig rig="flat" dir="t"/>
+    </dgm:scene3d>
+    <dgm:sp3d z="190500" extrusionH="12700" prstMaterial="plastic">
+      <a:bevelT w="50800" h="50800"/>
+    </dgm:sp3d>
+    <dgm:txPr/>
+    <dgm:style>
+      <a:lnRef idx="1">
+        <a:scrgbClr r="0" g="0" b="0"/>
+      </a:lnRef>
+      <a:fillRef idx="1">
+        <a:scrgbClr r="0" g="0" b="0"/>
+      </a:fillRef>
+      <a:effectRef idx="2">
+        <a:scrgbClr r="0" g="0" b="0"/>
+      </a:effectRef>
+      <a:fontRef idx="minor"/>
+    </dgm:style>
+  </dgm:styleLbl>
+  <dgm:styleLbl name="fgAcc2">
+    <dgm:scene3d>
+      <a:camera prst="orthographicFront"/>
+      <a:lightRig rig="flat" dir="t"/>
+    </dgm:scene3d>
+    <dgm:sp3d z="190500" extrusionH="12700" prstMaterial="plastic">
+      <a:bevelT w="50800" h="50800"/>
+    </dgm:sp3d>
+    <dgm:txPr/>
+    <dgm:style>
+      <a:lnRef idx="1">
+        <a:scrgbClr r="0" g="0" b="0"/>
+      </a:lnRef>
+      <a:fillRef idx="1">
+        <a:scrgbClr r="0" g="0" b="0"/>
+      </a:fillRef>
+      <a:effectRef idx="2">
+        <a:scrgbClr r="0" g="0" b="0"/>
+      </a:effectRef>
+      <a:fontRef idx="minor"/>
+    </dgm:style>
+  </dgm:styleLbl>
+  <dgm:styleLbl name="fgAcc3">
+    <dgm:scene3d>
+      <a:camera prst="orthographicFront"/>
+      <a:lightRig rig="flat" dir="t"/>
+    </dgm:scene3d>
+    <dgm:sp3d z="190500" extrusionH="12700" prstMaterial="plastic">
+      <a:bevelT w="50800" h="50800"/>
+    </dgm:sp3d>
+    <dgm:txPr/>
+    <dgm:style>
+      <a:lnRef idx="1">
+        <a:scrgbClr r="0" g="0" b="0"/>
+      </a:lnRef>
+      <a:fillRef idx="1">
+        <a:scrgbClr r="0" g="0" b="0"/>
+      </a:fillRef>
+      <a:effectRef idx="2">
+        <a:scrgbClr r="0" g="0" b="0"/>
+      </a:effectRef>
+      <a:fontRef idx="minor"/>
+    </dgm:style>
+  </dgm:styleLbl>
+  <dgm:styleLbl name="fgAcc4">
+    <dgm:scene3d>
+      <a:camera prst="orthographicFront"/>
+      <a:lightRig rig="flat" dir="t"/>
+    </dgm:scene3d>
+    <dgm:sp3d z="190500" extrusionH="12700" prstMaterial="plastic">
+      <a:bevelT w="50800" h="50800"/>
+    </dgm:sp3d>
+    <dgm:txPr/>
+    <dgm:style>
+      <a:lnRef idx="1">
+        <a:scrgbClr r="0" g="0" b="0"/>
+      </a:lnRef>
+      <a:fillRef idx="1">
+        <a:scrgbClr r="0" g="0" b="0"/>
+      </a:fillRef>
+      <a:effectRef idx="2">
+        <a:scrgbClr r="0" g="0" b="0"/>
+      </a:effectRef>
+      <a:fontRef idx="minor"/>
+    </dgm:style>
+  </dgm:styleLbl>
+  <dgm:styleLbl name="bgShp">
+    <dgm:scene3d>
+      <a:camera prst="orthographicFront"/>
+      <a:lightRig rig="flat" dir="t"/>
+    </dgm:scene3d>
+    <dgm:sp3d z="-190500" extrusionH="12700" prstMaterial="plastic">
+      <a:bevelT w="50800" h="50800"/>
+    </dgm:sp3d>
+    <dgm:txPr/>
+    <dgm:style>
+      <a:lnRef idx="0">
+        <a:scrgbClr r="0" g="0" b="0"/>
+      </a:lnRef>
+      <a:fillRef idx="3">
+        <a:scrgbClr r="0" g="0" b="0"/>
+      </a:fillRef>
+      <a:effectRef idx="0">
+        <a:scrgbClr r="0" g="0" b="0"/>
+      </a:effectRef>
+      <a:fontRef idx="minor"/>
+    </dgm:style>
+  </dgm:styleLbl>
+  <dgm:styleLbl name="dkBgShp">
+    <dgm:scene3d>
+      <a:camera prst="orthographicFront"/>
+      <a:lightRig rig="flat" dir="t"/>
+    </dgm:scene3d>
+    <dgm:sp3d z="-190500" extrusionH="12700" prstMaterial="plastic">
+      <a:bevelT w="50800" h="50800"/>
+    </dgm:sp3d>
+    <dgm:txPr/>
+    <dgm:style>
+      <a:lnRef idx="0">
+        <a:scrgbClr r="0" g="0" b="0"/>
+      </a:lnRef>
+      <a:fillRef idx="2">
+        <a:scrgbClr r="0" g="0" b="0"/>
+      </a:fillRef>
+      <a:effectRef idx="0">
+        <a:scrgbClr r="0" g="0" b="0"/>
+      </a:effectRef>
+      <a:fontRef idx="minor"/>
+    </dgm:style>
+  </dgm:styleLbl>
+  <dgm:styleLbl name="trBgShp">
+    <dgm:scene3d>
+      <a:camera prst="orthographicFront"/>
+      <a:lightRig rig="flat" dir="t"/>
+    </dgm:scene3d>
+    <dgm:sp3d z="-190500" extrusionH="12700" prstMaterial="matte"/>
+    <dgm:txPr/>
+    <dgm:style>
+      <a:lnRef idx="0">
+        <a:scrgbClr r="0" g="0" b="0"/>
+      </a:lnRef>
+      <a:fillRef idx="1">
+        <a:scrgbClr r="0" g="0" b="0"/>
+      </a:fillRef>
+      <a:effectRef idx="0">
+        <a:scrgbClr r="0" g="0" b="0"/>
+      </a:effectRef>
+      <a:fontRef idx="minor"/>
+    </dgm:style>
+  </dgm:styleLbl>
+  <dgm:styleLbl name="fgShp">
+    <dgm:scene3d>
+      <a:camera prst="orthographicFront"/>
+      <a:lightRig rig="flat" dir="t"/>
+    </dgm:scene3d>
+    <dgm:sp3d z="190500" prstMaterial="plastic">
+      <a:bevelT w="120900" h="88900"/>
+      <a:bevelB w="88900" h="31750" prst="angle"/>
+    </dgm:sp3d>
+    <dgm:txPr/>
+    <dgm:style>
+      <a:lnRef idx="0">
+        <a:scrgbClr r="0" g="0" b="0"/>
+      </a:lnRef>
+      <a:fillRef idx="1">
+        <a:scrgbClr r="0" g="0" b="0"/>
+      </a:fillRef>
+      <a:effectRef idx="3">
+        <a:scrgbClr r="0" g="0" b="0"/>
+      </a:effectRef>
+      <a:fontRef idx="minor">
+        <a:schemeClr val="lt1"/>
+      </a:fontRef>
     </dgm:style>
   </dgm:styleLbl>
   <dgm:styleLbl name="revTx">
@@ -11119,7 +17386,7 @@
           <a:p>
             <a:fld id="{1EA45B67-C1DB-4307-9BEE-F2562DE9CE1E}" type="datetimeFigureOut">
               <a:rPr lang="en-US" smtClean="0"/>
-              <a:t>11/4/2022</a:t>
+              <a:t>11/1/2022</a:t>
             </a:fld>
             <a:endParaRPr lang="en-US" dirty="0"/>
           </a:p>
@@ -11888,7 +18155,7 @@
           <a:p>
             <a:fld id="{6098FB83-EB5E-40DF-ABAD-7BFC07058507}" type="datetime1">
               <a:rPr lang="en-US" smtClean="0"/>
-              <a:t>11/4/2022</a:t>
+              <a:t>11/1/2022</a:t>
             </a:fld>
             <a:endParaRPr lang="en-US" dirty="0"/>
           </a:p>
@@ -12187,7 +18454,7 @@
           <a:p>
             <a:fld id="{88DC53B0-3D91-4BE1-801F-D1F0B71A5D2E}" type="datetime1">
               <a:rPr lang="en-US" smtClean="0"/>
-              <a:t>11/4/2022</a:t>
+              <a:t>11/1/2022</a:t>
             </a:fld>
             <a:endParaRPr lang="en-US" dirty="0"/>
           </a:p>
@@ -12439,7 +18706,7 @@
           <a:p>
             <a:fld id="{A4AF205C-3C42-4D8A-808A-61E6D651AD01}" type="datetime1">
               <a:rPr lang="en-US" smtClean="0"/>
-              <a:t>11/4/2022</a:t>
+              <a:t>11/1/2022</a:t>
             </a:fld>
             <a:endParaRPr lang="en-US" dirty="0"/>
           </a:p>
@@ -12983,7 +19250,7 @@
           <a:p>
             <a:fld id="{7C13827F-92A8-481F-BCE9-4D2455924279}" type="datetime1">
               <a:rPr lang="en-US" smtClean="0"/>
-              <a:t>11/4/2022</a:t>
+              <a:t>11/1/2022</a:t>
             </a:fld>
             <a:endParaRPr lang="en-US" dirty="0"/>
           </a:p>
@@ -13235,7 +19502,7 @@
           <a:p>
             <a:fld id="{5B7B5472-5AB3-492C-9CA0-80F7C2C6434F}" type="datetime1">
               <a:rPr lang="en-US" smtClean="0"/>
-              <a:t>11/4/2022</a:t>
+              <a:t>11/1/2022</a:t>
             </a:fld>
             <a:endParaRPr lang="en-US" dirty="0"/>
           </a:p>
@@ -13771,7 +20038,7 @@
           <a:p>
             <a:fld id="{6604AC4B-BD12-44D6-B3F7-CE22D69E0B07}" type="datetime1">
               <a:rPr lang="en-US" smtClean="0"/>
-              <a:t>11/4/2022</a:t>
+              <a:t>11/1/2022</a:t>
             </a:fld>
             <a:endParaRPr lang="en-US" dirty="0"/>
           </a:p>
@@ -14072,7 +20339,7 @@
           <a:p>
             <a:fld id="{77D76558-47D7-450A-88FE-1478D5F6BDC0}" type="datetime1">
               <a:rPr lang="en-US" smtClean="0"/>
-              <a:t>11/4/2022</a:t>
+              <a:t>11/1/2022</a:t>
             </a:fld>
             <a:endParaRPr lang="en-US" dirty="0"/>
           </a:p>
@@ -14250,7 +20517,7 @@
           <a:p>
             <a:fld id="{B46A8A9E-F03E-4951-B287-D66ABA86A57D}" type="datetime1">
               <a:rPr lang="en-US" smtClean="0"/>
-              <a:t>11/4/2022</a:t>
+              <a:t>11/1/2022</a:t>
             </a:fld>
             <a:endParaRPr lang="en-US" dirty="0"/>
           </a:p>
@@ -14434,7 +20701,7 @@
           <a:p>
             <a:fld id="{CF47EE95-5993-4EB0-9F3F-2DC27446FE03}" type="datetime1">
               <a:rPr lang="en-US" smtClean="0"/>
-              <a:t>11/4/2022</a:t>
+              <a:t>11/1/2022</a:t>
             </a:fld>
             <a:endParaRPr lang="en-US" dirty="0"/>
           </a:p>
@@ -14608,7 +20875,7 @@
           <a:p>
             <a:fld id="{9910D854-0271-49F3-AF1B-C290F32EE99E}" type="datetime1">
               <a:rPr lang="en-US" smtClean="0"/>
-              <a:t>11/4/2022</a:t>
+              <a:t>11/1/2022</a:t>
             </a:fld>
             <a:endParaRPr lang="en-US" dirty="0"/>
           </a:p>
@@ -14863,7 +21130,7 @@
           <a:p>
             <a:fld id="{1F0E8253-1AB4-4BE2-A1FB-4A81B903DD27}" type="datetime1">
               <a:rPr lang="en-US" smtClean="0"/>
-              <a:t>11/4/2022</a:t>
+              <a:t>11/1/2022</a:t>
             </a:fld>
             <a:endParaRPr lang="en-US" dirty="0"/>
           </a:p>
@@ -15164,7 +21431,7 @@
           <a:p>
             <a:fld id="{B8FC78F1-E3C0-49FE-8EBC-D31E5AE0CDE3}" type="datetime1">
               <a:rPr lang="en-US" smtClean="0"/>
-              <a:t>11/4/2022</a:t>
+              <a:t>11/1/2022</a:t>
             </a:fld>
             <a:endParaRPr lang="en-US" dirty="0"/>
           </a:p>
@@ -15610,7 +21877,7 @@
           <a:p>
             <a:fld id="{FF28074D-5828-4FB5-BC2A-4D6B0BAD4FD5}" type="datetime1">
               <a:rPr lang="en-US" smtClean="0"/>
-              <a:t>11/4/2022</a:t>
+              <a:t>11/1/2022</a:t>
             </a:fld>
             <a:endParaRPr lang="en-US" dirty="0"/>
           </a:p>
@@ -15732,7 +21999,7 @@
           <a:p>
             <a:fld id="{21F4C752-E4E1-4254-B675-AB30F9DA8FB7}" type="datetime1">
               <a:rPr lang="en-US" smtClean="0"/>
-              <a:t>11/4/2022</a:t>
+              <a:t>11/1/2022</a:t>
             </a:fld>
             <a:endParaRPr lang="en-US" dirty="0"/>
           </a:p>
@@ -15831,7 +22098,7 @@
           <a:p>
             <a:fld id="{6E792BD7-591B-4F90-A7A8-939932FED77D}" type="datetime1">
               <a:rPr lang="en-US" smtClean="0"/>
-              <a:t>11/4/2022</a:t>
+              <a:t>11/1/2022</a:t>
             </a:fld>
             <a:endParaRPr lang="en-US" dirty="0"/>
           </a:p>
@@ -16118,7 +22385,7 @@
           <a:p>
             <a:fld id="{469FAC2F-EE1A-41FF-8761-C3A859C5DF22}" type="datetime1">
               <a:rPr lang="en-US" smtClean="0"/>
-              <a:t>11/4/2022</a:t>
+              <a:t>11/1/2022</a:t>
             </a:fld>
             <a:endParaRPr lang="en-US" dirty="0"/>
           </a:p>
@@ -16412,7 +22679,7 @@
           <a:p>
             <a:fld id="{A9D710A1-601C-479D-869D-0440464DD367}" type="datetime1">
               <a:rPr lang="en-US" smtClean="0"/>
-              <a:t>11/4/2022</a:t>
+              <a:t>11/1/2022</a:t>
             </a:fld>
             <a:endParaRPr lang="en-US" dirty="0"/>
           </a:p>
@@ -16945,7 +23212,7 @@
           <a:p>
             <a:fld id="{C4E6002A-2A50-4B5E-ABDF-34E95FFCA441}" type="datetime1">
               <a:rPr lang="en-US" smtClean="0"/>
-              <a:t>11/4/2022</a:t>
+              <a:t>11/1/2022</a:t>
             </a:fld>
             <a:endParaRPr lang="en-US" dirty="0"/>
           </a:p>
@@ -25373,6 +31640,2181 @@
   <p:clrMapOvr>
     <a:masterClrMapping/>
   </p:clrMapOvr>
+</p:sld>
+</file>
+
+<file path=ppt/slides/slide20.xml><?xml version="1.0" encoding="utf-8"?>
+<p:sld xmlns:a="http://schemas.openxmlformats.org/drawingml/2006/main" xmlns:r="http://schemas.openxmlformats.org/officeDocument/2006/relationships" xmlns:p="http://schemas.openxmlformats.org/presentationml/2006/main">
+  <p:cSld>
+    <p:spTree>
+      <p:nvGrpSpPr>
+        <p:cNvPr id="1" name=""/>
+        <p:cNvGrpSpPr/>
+        <p:nvPr/>
+      </p:nvGrpSpPr>
+      <p:grpSpPr>
+        <a:xfrm>
+          <a:off x="0" y="0"/>
+          <a:ext cx="0" cy="0"/>
+          <a:chOff x="0" y="0"/>
+          <a:chExt cx="0" cy="0"/>
+        </a:xfrm>
+      </p:grpSpPr>
+      <p:sp>
+        <p:nvSpPr>
+          <p:cNvPr id="2" name="Title 1">
+            <a:extLst>
+              <a:ext uri="{FF2B5EF4-FFF2-40B4-BE49-F238E27FC236}">
+                <a16:creationId xmlns:a16="http://schemas.microsoft.com/office/drawing/2014/main" id="{6A2D6FF5-D5AB-D01E-3464-A1945A3A6900}"/>
+              </a:ext>
+            </a:extLst>
+          </p:cNvPr>
+          <p:cNvSpPr>
+            <a:spLocks noGrp="1"/>
+          </p:cNvSpPr>
+          <p:nvPr>
+            <p:ph type="title"/>
+          </p:nvPr>
+        </p:nvSpPr>
+        <p:spPr/>
+        <p:txBody>
+          <a:bodyPr/>
+          <a:lstStyle/>
+          <a:p>
+            <a:r>
+              <a:rPr lang="en-US" dirty="0"/>
+              <a:t>RecyclerViews</a:t>
+            </a:r>
+          </a:p>
+        </p:txBody>
+      </p:sp>
+      <p:sp>
+        <p:nvSpPr>
+          <p:cNvPr id="3" name="Content Placeholder 2">
+            <a:extLst>
+              <a:ext uri="{FF2B5EF4-FFF2-40B4-BE49-F238E27FC236}">
+                <a16:creationId xmlns:a16="http://schemas.microsoft.com/office/drawing/2014/main" id="{BEDC881B-FC2E-45E7-244C-95AD270EAF52}"/>
+              </a:ext>
+            </a:extLst>
+          </p:cNvPr>
+          <p:cNvSpPr>
+            <a:spLocks noGrp="1"/>
+          </p:cNvSpPr>
+          <p:nvPr>
+            <p:ph idx="1"/>
+          </p:nvPr>
+        </p:nvSpPr>
+        <p:spPr/>
+        <p:txBody>
+          <a:bodyPr>
+            <a:normAutofit fontScale="92500" lnSpcReduction="10000"/>
+          </a:bodyPr>
+          <a:lstStyle/>
+          <a:p>
+            <a:r>
+              <a:rPr lang="en-US" dirty="0"/>
+              <a:t>A single column table, aka a vertically scrolling, horizontally filled list of Views. This is a more </a:t>
+            </a:r>
+            <a:r>
+              <a:rPr lang="en-US" b="1" dirty="0"/>
+              <a:t>flexible/advanced version of a ListView</a:t>
+            </a:r>
+            <a:r>
+              <a:rPr lang="en-US" dirty="0"/>
+              <a:t>.</a:t>
+            </a:r>
+          </a:p>
+          <a:p>
+            <a:r>
+              <a:rPr lang="en-US" b="1" dirty="0"/>
+              <a:t>RecyclerView</a:t>
+            </a:r>
+            <a:r>
+              <a:rPr lang="en-US" dirty="0"/>
+              <a:t> makes it easy to efficiently display large sets of data. </a:t>
+            </a:r>
+          </a:p>
+          <a:p>
+            <a:r>
+              <a:rPr lang="en-US" dirty="0"/>
+              <a:t>You supply the data and define how each item looks, and the </a:t>
+            </a:r>
+            <a:r>
+              <a:rPr lang="en-US" b="1" dirty="0"/>
+              <a:t>RecyclerView library dynamically creates the elements when they're needed</a:t>
+            </a:r>
+            <a:r>
+              <a:rPr lang="en-US" dirty="0"/>
+              <a:t>.</a:t>
+            </a:r>
+          </a:p>
+          <a:p>
+            <a:r>
+              <a:rPr lang="en-US" dirty="0"/>
+              <a:t>When an item scrolls off the screen, </a:t>
+            </a:r>
+            <a:r>
+              <a:rPr lang="en-US" b="1" dirty="0"/>
+              <a:t>RecyclerView doesn't destroy its view. Instead, RecyclerView reuses the view for new items </a:t>
+            </a:r>
+            <a:r>
+              <a:rPr lang="en-US" dirty="0"/>
+              <a:t>that have scrolled onscreen. </a:t>
+            </a:r>
+          </a:p>
+          <a:p>
+            <a:r>
+              <a:rPr lang="en-US" dirty="0"/>
+              <a:t>This reuse vastly </a:t>
+            </a:r>
+            <a:r>
+              <a:rPr lang="en-US" b="1" dirty="0"/>
+              <a:t>improves performance</a:t>
+            </a:r>
+            <a:r>
+              <a:rPr lang="en-US" dirty="0"/>
+              <a:t>, improving your app's </a:t>
+            </a:r>
+            <a:r>
+              <a:rPr lang="en-US" b="1" dirty="0"/>
+              <a:t>responsiveness and reducing power consumption</a:t>
+            </a:r>
+            <a:r>
+              <a:rPr lang="en-US" dirty="0"/>
+              <a:t>.</a:t>
+            </a:r>
+          </a:p>
+          <a:p>
+            <a:endParaRPr lang="en-US" dirty="0"/>
+          </a:p>
+        </p:txBody>
+      </p:sp>
+      <p:sp>
+        <p:nvSpPr>
+          <p:cNvPr id="4" name="Footer Placeholder 3">
+            <a:extLst>
+              <a:ext uri="{FF2B5EF4-FFF2-40B4-BE49-F238E27FC236}">
+                <a16:creationId xmlns:a16="http://schemas.microsoft.com/office/drawing/2014/main" id="{7923E093-C187-BC1A-A342-EBB73F28FD87}"/>
+              </a:ext>
+            </a:extLst>
+          </p:cNvPr>
+          <p:cNvSpPr>
+            <a:spLocks noGrp="1"/>
+          </p:cNvSpPr>
+          <p:nvPr>
+            <p:ph type="ftr" sz="quarter" idx="11"/>
+          </p:nvPr>
+        </p:nvSpPr>
+        <p:spPr/>
+        <p:txBody>
+          <a:bodyPr/>
+          <a:lstStyle/>
+          <a:p>
+            <a:r>
+              <a:rPr lang="en-US" b="1" dirty="0"/>
+              <a:t>Presenter: Jaichand Mulakalapalli</a:t>
+            </a:r>
+            <a:endParaRPr lang="en-US" dirty="0"/>
+          </a:p>
+        </p:txBody>
+      </p:sp>
+      <p:sp>
+        <p:nvSpPr>
+          <p:cNvPr id="5" name="Slide Number Placeholder 4">
+            <a:extLst>
+              <a:ext uri="{FF2B5EF4-FFF2-40B4-BE49-F238E27FC236}">
+                <a16:creationId xmlns:a16="http://schemas.microsoft.com/office/drawing/2014/main" id="{DB0F6E2A-6D76-E4BA-A61D-25AB3CEE4B0A}"/>
+              </a:ext>
+            </a:extLst>
+          </p:cNvPr>
+          <p:cNvSpPr>
+            <a:spLocks noGrp="1"/>
+          </p:cNvSpPr>
+          <p:nvPr>
+            <p:ph type="sldNum" sz="quarter" idx="12"/>
+          </p:nvPr>
+        </p:nvSpPr>
+        <p:spPr/>
+        <p:txBody>
+          <a:bodyPr/>
+          <a:lstStyle/>
+          <a:p>
+            <a:fld id="{EE0D7808-EC4E-46D2-ABA0-EA3F9AF1A2E3}" type="slidenum">
+              <a:rPr lang="en-US" smtClean="0"/>
+              <a:t>20</a:t>
+            </a:fld>
+            <a:endParaRPr lang="en-US" dirty="0"/>
+          </a:p>
+        </p:txBody>
+      </p:sp>
+    </p:spTree>
+    <p:extLst>
+      <p:ext uri="{BB962C8B-B14F-4D97-AF65-F5344CB8AC3E}">
+        <p14:creationId xmlns:p14="http://schemas.microsoft.com/office/powerpoint/2010/main" val="2181313661"/>
+      </p:ext>
+    </p:extLst>
+  </p:cSld>
+  <p:clrMapOvr>
+    <a:masterClrMapping/>
+  </p:clrMapOvr>
+</p:sld>
+</file>
+
+<file path=ppt/slides/slide21.xml><?xml version="1.0" encoding="utf-8"?>
+<p:sld xmlns:a="http://schemas.openxmlformats.org/drawingml/2006/main" xmlns:r="http://schemas.openxmlformats.org/officeDocument/2006/relationships" xmlns:p="http://schemas.openxmlformats.org/presentationml/2006/main">
+  <p:cSld>
+    <p:spTree>
+      <p:nvGrpSpPr>
+        <p:cNvPr id="1" name=""/>
+        <p:cNvGrpSpPr/>
+        <p:nvPr/>
+      </p:nvGrpSpPr>
+      <p:grpSpPr>
+        <a:xfrm>
+          <a:off x="0" y="0"/>
+          <a:ext cx="0" cy="0"/>
+          <a:chOff x="0" y="0"/>
+          <a:chExt cx="0" cy="0"/>
+        </a:xfrm>
+      </p:grpSpPr>
+      <p:sp>
+        <p:nvSpPr>
+          <p:cNvPr id="2" name="Title 1">
+            <a:extLst>
+              <a:ext uri="{FF2B5EF4-FFF2-40B4-BE49-F238E27FC236}">
+                <a16:creationId xmlns:a16="http://schemas.microsoft.com/office/drawing/2014/main" id="{1CCDB29E-12D3-6008-0FC4-C25FA18AB737}"/>
+              </a:ext>
+            </a:extLst>
+          </p:cNvPr>
+          <p:cNvSpPr>
+            <a:spLocks noGrp="1"/>
+          </p:cNvSpPr>
+          <p:nvPr>
+            <p:ph type="title"/>
+          </p:nvPr>
+        </p:nvSpPr>
+        <p:spPr/>
+        <p:txBody>
+          <a:bodyPr/>
+          <a:lstStyle/>
+          <a:p>
+            <a:r>
+              <a:rPr lang="en-US" dirty="0"/>
+              <a:t>RecyclerView: Adapter</a:t>
+            </a:r>
+          </a:p>
+        </p:txBody>
+      </p:sp>
+      <p:sp>
+        <p:nvSpPr>
+          <p:cNvPr id="3" name="Content Placeholder 2">
+            <a:extLst>
+              <a:ext uri="{FF2B5EF4-FFF2-40B4-BE49-F238E27FC236}">
+                <a16:creationId xmlns:a16="http://schemas.microsoft.com/office/drawing/2014/main" id="{650EDC8F-7DD4-5106-48C3-89263C63D4E9}"/>
+              </a:ext>
+            </a:extLst>
+          </p:cNvPr>
+          <p:cNvSpPr>
+            <a:spLocks noGrp="1"/>
+          </p:cNvSpPr>
+          <p:nvPr>
+            <p:ph idx="1"/>
+          </p:nvPr>
+        </p:nvSpPr>
+        <p:spPr/>
+        <p:txBody>
+          <a:bodyPr/>
+          <a:lstStyle/>
+          <a:p>
+            <a:r>
+              <a:rPr lang="en-US" dirty="0"/>
+              <a:t>Subclass the recycler adapter to work with a data source and bind data to a ViewHolder.</a:t>
+            </a:r>
+          </a:p>
+          <a:p>
+            <a:r>
+              <a:rPr lang="en-US" dirty="0"/>
+              <a:t>Need to override:</a:t>
+            </a:r>
+          </a:p>
+          <a:p>
+            <a:pPr lvl="1">
+              <a:buFont typeface="Courier New" panose="02070309020205020404" pitchFamily="49" charset="0"/>
+              <a:buChar char="o"/>
+            </a:pPr>
+            <a:r>
+              <a:rPr lang="en-US" b="1" dirty="0"/>
+              <a:t>onCreateViewHolder(ViewGroup parent, int viewType)</a:t>
+            </a:r>
+            <a:r>
+              <a:rPr lang="en-US" dirty="0"/>
+              <a:t> - Called when the RecyclerView needs a new ViewHolder.</a:t>
+            </a:r>
+          </a:p>
+          <a:p>
+            <a:pPr lvl="1">
+              <a:buFont typeface="Courier New" panose="02070309020205020404" pitchFamily="49" charset="0"/>
+              <a:buChar char="o"/>
+            </a:pPr>
+            <a:r>
+              <a:rPr lang="en-US" b="1" dirty="0"/>
+              <a:t>onBindViewHolder(ViewHolder, int)</a:t>
+            </a:r>
+            <a:r>
+              <a:rPr lang="en-US" dirty="0"/>
+              <a:t> - Update the view holder to reflect the data at the given position in the data set.</a:t>
+            </a:r>
+          </a:p>
+          <a:p>
+            <a:pPr lvl="1">
+              <a:buFont typeface="Courier New" panose="02070309020205020404" pitchFamily="49" charset="0"/>
+              <a:buChar char="o"/>
+            </a:pPr>
+            <a:r>
+              <a:rPr lang="en-US" b="1" dirty="0"/>
+              <a:t>getItemCount() </a:t>
+            </a:r>
+            <a:r>
+              <a:rPr lang="en-US" dirty="0"/>
+              <a:t>- Return the number of items in the data source.</a:t>
+            </a:r>
+          </a:p>
+        </p:txBody>
+      </p:sp>
+      <p:sp>
+        <p:nvSpPr>
+          <p:cNvPr id="4" name="Footer Placeholder 3">
+            <a:extLst>
+              <a:ext uri="{FF2B5EF4-FFF2-40B4-BE49-F238E27FC236}">
+                <a16:creationId xmlns:a16="http://schemas.microsoft.com/office/drawing/2014/main" id="{3A6E64BD-6280-B821-629E-1519C1DABE8C}"/>
+              </a:ext>
+            </a:extLst>
+          </p:cNvPr>
+          <p:cNvSpPr>
+            <a:spLocks noGrp="1"/>
+          </p:cNvSpPr>
+          <p:nvPr>
+            <p:ph type="ftr" sz="quarter" idx="11"/>
+          </p:nvPr>
+        </p:nvSpPr>
+        <p:spPr/>
+        <p:txBody>
+          <a:bodyPr/>
+          <a:lstStyle/>
+          <a:p>
+            <a:r>
+              <a:rPr lang="en-US" b="1" dirty="0"/>
+              <a:t>Presenter: Jaichand Mulakalapalli</a:t>
+            </a:r>
+            <a:endParaRPr lang="en-US" dirty="0"/>
+          </a:p>
+        </p:txBody>
+      </p:sp>
+      <p:sp>
+        <p:nvSpPr>
+          <p:cNvPr id="5" name="Slide Number Placeholder 4">
+            <a:extLst>
+              <a:ext uri="{FF2B5EF4-FFF2-40B4-BE49-F238E27FC236}">
+                <a16:creationId xmlns:a16="http://schemas.microsoft.com/office/drawing/2014/main" id="{05B97310-F0F5-D9A2-9FCD-1827FB9BC919}"/>
+              </a:ext>
+            </a:extLst>
+          </p:cNvPr>
+          <p:cNvSpPr>
+            <a:spLocks noGrp="1"/>
+          </p:cNvSpPr>
+          <p:nvPr>
+            <p:ph type="sldNum" sz="quarter" idx="12"/>
+          </p:nvPr>
+        </p:nvSpPr>
+        <p:spPr/>
+        <p:txBody>
+          <a:bodyPr/>
+          <a:lstStyle/>
+          <a:p>
+            <a:fld id="{EE0D7808-EC4E-46D2-ABA0-EA3F9AF1A2E3}" type="slidenum">
+              <a:rPr lang="en-US" smtClean="0"/>
+              <a:t>21</a:t>
+            </a:fld>
+            <a:endParaRPr lang="en-US" dirty="0"/>
+          </a:p>
+        </p:txBody>
+      </p:sp>
+    </p:spTree>
+    <p:extLst>
+      <p:ext uri="{BB962C8B-B14F-4D97-AF65-F5344CB8AC3E}">
+        <p14:creationId xmlns:p14="http://schemas.microsoft.com/office/powerpoint/2010/main" val="106432632"/>
+      </p:ext>
+    </p:extLst>
+  </p:cSld>
+  <p:clrMapOvr>
+    <a:masterClrMapping/>
+  </p:clrMapOvr>
+</p:sld>
+</file>
+
+<file path=ppt/slides/slide22.xml><?xml version="1.0" encoding="utf-8"?>
+<p:sld xmlns:a="http://schemas.openxmlformats.org/drawingml/2006/main" xmlns:r="http://schemas.openxmlformats.org/officeDocument/2006/relationships" xmlns:p="http://schemas.openxmlformats.org/presentationml/2006/main">
+  <p:cSld>
+    <p:spTree>
+      <p:nvGrpSpPr>
+        <p:cNvPr id="1" name=""/>
+        <p:cNvGrpSpPr/>
+        <p:nvPr/>
+      </p:nvGrpSpPr>
+      <p:grpSpPr>
+        <a:xfrm>
+          <a:off x="0" y="0"/>
+          <a:ext cx="0" cy="0"/>
+          <a:chOff x="0" y="0"/>
+          <a:chExt cx="0" cy="0"/>
+        </a:xfrm>
+      </p:grpSpPr>
+      <p:sp>
+        <p:nvSpPr>
+          <p:cNvPr id="2" name="Title 1">
+            <a:extLst>
+              <a:ext uri="{FF2B5EF4-FFF2-40B4-BE49-F238E27FC236}">
+                <a16:creationId xmlns:a16="http://schemas.microsoft.com/office/drawing/2014/main" id="{5AE559F3-84A5-D6F2-6325-4611BA49B43D}"/>
+              </a:ext>
+            </a:extLst>
+          </p:cNvPr>
+          <p:cNvSpPr>
+            <a:spLocks noGrp="1"/>
+          </p:cNvSpPr>
+          <p:nvPr>
+            <p:ph type="title"/>
+          </p:nvPr>
+        </p:nvSpPr>
+        <p:spPr/>
+        <p:txBody>
+          <a:bodyPr/>
+          <a:lstStyle/>
+          <a:p>
+            <a:r>
+              <a:rPr lang="en-US" dirty="0"/>
+              <a:t>RecyclerView: Steps to Implement</a:t>
+            </a:r>
+          </a:p>
+        </p:txBody>
+      </p:sp>
+      <p:sp>
+        <p:nvSpPr>
+          <p:cNvPr id="3" name="Content Placeholder 2">
+            <a:extLst>
+              <a:ext uri="{FF2B5EF4-FFF2-40B4-BE49-F238E27FC236}">
+                <a16:creationId xmlns:a16="http://schemas.microsoft.com/office/drawing/2014/main" id="{5B66E6C9-C46F-154F-818C-4DD59C94CAD8}"/>
+              </a:ext>
+            </a:extLst>
+          </p:cNvPr>
+          <p:cNvSpPr>
+            <a:spLocks noGrp="1"/>
+          </p:cNvSpPr>
+          <p:nvPr>
+            <p:ph idx="1"/>
+          </p:nvPr>
+        </p:nvSpPr>
+        <p:spPr/>
+        <p:txBody>
+          <a:bodyPr>
+            <a:normAutofit/>
+          </a:bodyPr>
+          <a:lstStyle/>
+          <a:p>
+            <a:pPr marL="457200" indent="-457200">
+              <a:buFont typeface="+mj-lt"/>
+              <a:buAutoNum type="arabicPeriod"/>
+            </a:pPr>
+            <a:r>
+              <a:rPr lang="en-US" dirty="0"/>
+              <a:t>Add a RecyclerView to the activity layout.</a:t>
+            </a:r>
+          </a:p>
+          <a:p>
+            <a:pPr marL="457200" indent="-457200">
+              <a:buFont typeface="+mj-lt"/>
+              <a:buAutoNum type="arabicPeriod"/>
+            </a:pPr>
+            <a:r>
+              <a:rPr lang="en-US" dirty="0"/>
+              <a:t>Create a layout to use for the subviews.</a:t>
+            </a:r>
+          </a:p>
+          <a:p>
+            <a:pPr marL="457200" indent="-457200">
+              <a:buFont typeface="+mj-lt"/>
+              <a:buAutoNum type="arabicPeriod"/>
+            </a:pPr>
+            <a:r>
+              <a:rPr lang="en-US" dirty="0"/>
+              <a:t>Define a concrete adapter class inheriting from RecyclerView.Adapter.</a:t>
+            </a:r>
+          </a:p>
+          <a:p>
+            <a:pPr marL="457200" indent="-457200">
+              <a:buFont typeface="+mj-lt"/>
+              <a:buAutoNum type="arabicPeriod"/>
+            </a:pPr>
+            <a:r>
+              <a:rPr lang="en-US" dirty="0"/>
+              <a:t>Define a concrete ViewHolder class inside my adapter inheriting from Recycler.ViewHolder.</a:t>
+            </a:r>
+          </a:p>
+          <a:p>
+            <a:pPr marL="457200" indent="-457200">
+              <a:buFont typeface="+mj-lt"/>
+              <a:buAutoNum type="arabicPeriod"/>
+            </a:pPr>
+            <a:r>
+              <a:rPr lang="en-US" dirty="0"/>
+              <a:t>Create a data model.</a:t>
+            </a:r>
+          </a:p>
+        </p:txBody>
+      </p:sp>
+      <p:sp>
+        <p:nvSpPr>
+          <p:cNvPr id="4" name="Footer Placeholder 3">
+            <a:extLst>
+              <a:ext uri="{FF2B5EF4-FFF2-40B4-BE49-F238E27FC236}">
+                <a16:creationId xmlns:a16="http://schemas.microsoft.com/office/drawing/2014/main" id="{2150C426-981C-E201-030A-2DE1E9A41DF7}"/>
+              </a:ext>
+            </a:extLst>
+          </p:cNvPr>
+          <p:cNvSpPr>
+            <a:spLocks noGrp="1"/>
+          </p:cNvSpPr>
+          <p:nvPr>
+            <p:ph type="ftr" sz="quarter" idx="11"/>
+          </p:nvPr>
+        </p:nvSpPr>
+        <p:spPr/>
+        <p:txBody>
+          <a:bodyPr/>
+          <a:lstStyle/>
+          <a:p>
+            <a:r>
+              <a:rPr lang="en-US" b="1" dirty="0"/>
+              <a:t>Presenter: Jaichand Mulakalapalli</a:t>
+            </a:r>
+            <a:endParaRPr lang="en-US" dirty="0"/>
+          </a:p>
+        </p:txBody>
+      </p:sp>
+      <p:sp>
+        <p:nvSpPr>
+          <p:cNvPr id="5" name="Slide Number Placeholder 4">
+            <a:extLst>
+              <a:ext uri="{FF2B5EF4-FFF2-40B4-BE49-F238E27FC236}">
+                <a16:creationId xmlns:a16="http://schemas.microsoft.com/office/drawing/2014/main" id="{3EC59B51-EF9A-D652-11A0-FDAE524CC871}"/>
+              </a:ext>
+            </a:extLst>
+          </p:cNvPr>
+          <p:cNvSpPr>
+            <a:spLocks noGrp="1"/>
+          </p:cNvSpPr>
+          <p:nvPr>
+            <p:ph type="sldNum" sz="quarter" idx="12"/>
+          </p:nvPr>
+        </p:nvSpPr>
+        <p:spPr/>
+        <p:txBody>
+          <a:bodyPr/>
+          <a:lstStyle/>
+          <a:p>
+            <a:fld id="{EE0D7808-EC4E-46D2-ABA0-EA3F9AF1A2E3}" type="slidenum">
+              <a:rPr lang="en-US" smtClean="0"/>
+              <a:t>22</a:t>
+            </a:fld>
+            <a:endParaRPr lang="en-US" dirty="0"/>
+          </a:p>
+        </p:txBody>
+      </p:sp>
+    </p:spTree>
+    <p:extLst>
+      <p:ext uri="{BB962C8B-B14F-4D97-AF65-F5344CB8AC3E}">
+        <p14:creationId xmlns:p14="http://schemas.microsoft.com/office/powerpoint/2010/main" val="1933030372"/>
+      </p:ext>
+    </p:extLst>
+  </p:cSld>
+  <p:clrMapOvr>
+    <a:masterClrMapping/>
+  </p:clrMapOvr>
+</p:sld>
+</file>
+
+<file path=ppt/slides/slide23.xml><?xml version="1.0" encoding="utf-8"?>
+<p:sld xmlns:a="http://schemas.openxmlformats.org/drawingml/2006/main" xmlns:r="http://schemas.openxmlformats.org/officeDocument/2006/relationships" xmlns:p="http://schemas.openxmlformats.org/presentationml/2006/main">
+  <p:cSld>
+    <p:spTree>
+      <p:nvGrpSpPr>
+        <p:cNvPr id="1" name=""/>
+        <p:cNvGrpSpPr/>
+        <p:nvPr/>
+      </p:nvGrpSpPr>
+      <p:grpSpPr>
+        <a:xfrm>
+          <a:off x="0" y="0"/>
+          <a:ext cx="0" cy="0"/>
+          <a:chOff x="0" y="0"/>
+          <a:chExt cx="0" cy="0"/>
+        </a:xfrm>
+      </p:grpSpPr>
+      <p:sp>
+        <p:nvSpPr>
+          <p:cNvPr id="2" name="Title 1">
+            <a:extLst>
+              <a:ext uri="{FF2B5EF4-FFF2-40B4-BE49-F238E27FC236}">
+                <a16:creationId xmlns:a16="http://schemas.microsoft.com/office/drawing/2014/main" id="{5AE559F3-84A5-D6F2-6325-4611BA49B43D}"/>
+              </a:ext>
+            </a:extLst>
+          </p:cNvPr>
+          <p:cNvSpPr>
+            <a:spLocks noGrp="1"/>
+          </p:cNvSpPr>
+          <p:nvPr>
+            <p:ph type="title"/>
+          </p:nvPr>
+        </p:nvSpPr>
+        <p:spPr/>
+        <p:txBody>
+          <a:bodyPr/>
+          <a:lstStyle/>
+          <a:p>
+            <a:r>
+              <a:rPr lang="en-US" dirty="0"/>
+              <a:t>RecyclerView: Steps to Implement</a:t>
+            </a:r>
+          </a:p>
+        </p:txBody>
+      </p:sp>
+      <p:sp>
+        <p:nvSpPr>
+          <p:cNvPr id="3" name="Content Placeholder 2">
+            <a:extLst>
+              <a:ext uri="{FF2B5EF4-FFF2-40B4-BE49-F238E27FC236}">
+                <a16:creationId xmlns:a16="http://schemas.microsoft.com/office/drawing/2014/main" id="{5B66E6C9-C46F-154F-818C-4DD59C94CAD8}"/>
+              </a:ext>
+            </a:extLst>
+          </p:cNvPr>
+          <p:cNvSpPr>
+            <a:spLocks noGrp="1"/>
+          </p:cNvSpPr>
+          <p:nvPr>
+            <p:ph idx="1"/>
+          </p:nvPr>
+        </p:nvSpPr>
+        <p:spPr/>
+        <p:txBody>
+          <a:bodyPr>
+            <a:normAutofit/>
+          </a:bodyPr>
+          <a:lstStyle/>
+          <a:p>
+            <a:pPr marL="457200" indent="-457200">
+              <a:buFont typeface="+mj-lt"/>
+              <a:buAutoNum type="arabicPeriod" startAt="6"/>
+            </a:pPr>
+            <a:r>
+              <a:rPr lang="en-US" dirty="0"/>
+              <a:t>Override the abstract methods onCreateViewHolder, onBindViewHolder, and getItemCount in the concrete adapter.</a:t>
+            </a:r>
+          </a:p>
+          <a:p>
+            <a:pPr marL="457200" indent="-457200">
+              <a:buFont typeface="+mj-lt"/>
+              <a:buAutoNum type="arabicPeriod" startAt="6"/>
+            </a:pPr>
+            <a:r>
+              <a:rPr lang="en-US" dirty="0"/>
+              <a:t>Create an instance of the adapter with a reference to the data using the subview layout.</a:t>
+            </a:r>
+          </a:p>
+          <a:p>
+            <a:pPr marL="457200" indent="-457200">
+              <a:buFont typeface="+mj-lt"/>
+              <a:buAutoNum type="arabicPeriod" startAt="6"/>
+            </a:pPr>
+            <a:r>
+              <a:rPr lang="en-US" dirty="0"/>
+              <a:t>Attach the adapter to the RecyclerView.</a:t>
+            </a:r>
+          </a:p>
+          <a:p>
+            <a:pPr marL="457200" indent="-457200">
+              <a:buFont typeface="+mj-lt"/>
+              <a:buAutoNum type="arabicPeriod" startAt="6"/>
+            </a:pPr>
+            <a:r>
+              <a:rPr lang="en-US" dirty="0"/>
+              <a:t>Create and instance of a LayoutManager and attach to the RecyclerView.</a:t>
+            </a:r>
+          </a:p>
+        </p:txBody>
+      </p:sp>
+      <p:sp>
+        <p:nvSpPr>
+          <p:cNvPr id="4" name="Footer Placeholder 3">
+            <a:extLst>
+              <a:ext uri="{FF2B5EF4-FFF2-40B4-BE49-F238E27FC236}">
+                <a16:creationId xmlns:a16="http://schemas.microsoft.com/office/drawing/2014/main" id="{2150C426-981C-E201-030A-2DE1E9A41DF7}"/>
+              </a:ext>
+            </a:extLst>
+          </p:cNvPr>
+          <p:cNvSpPr>
+            <a:spLocks noGrp="1"/>
+          </p:cNvSpPr>
+          <p:nvPr>
+            <p:ph type="ftr" sz="quarter" idx="11"/>
+          </p:nvPr>
+        </p:nvSpPr>
+        <p:spPr/>
+        <p:txBody>
+          <a:bodyPr/>
+          <a:lstStyle/>
+          <a:p>
+            <a:r>
+              <a:rPr lang="en-US" b="1" dirty="0"/>
+              <a:t>Presenter: Jaichand Mulakalapalli</a:t>
+            </a:r>
+            <a:endParaRPr lang="en-US" dirty="0"/>
+          </a:p>
+        </p:txBody>
+      </p:sp>
+      <p:sp>
+        <p:nvSpPr>
+          <p:cNvPr id="5" name="Slide Number Placeholder 4">
+            <a:extLst>
+              <a:ext uri="{FF2B5EF4-FFF2-40B4-BE49-F238E27FC236}">
+                <a16:creationId xmlns:a16="http://schemas.microsoft.com/office/drawing/2014/main" id="{3EC59B51-EF9A-D652-11A0-FDAE524CC871}"/>
+              </a:ext>
+            </a:extLst>
+          </p:cNvPr>
+          <p:cNvSpPr>
+            <a:spLocks noGrp="1"/>
+          </p:cNvSpPr>
+          <p:nvPr>
+            <p:ph type="sldNum" sz="quarter" idx="12"/>
+          </p:nvPr>
+        </p:nvSpPr>
+        <p:spPr/>
+        <p:txBody>
+          <a:bodyPr/>
+          <a:lstStyle/>
+          <a:p>
+            <a:fld id="{EE0D7808-EC4E-46D2-ABA0-EA3F9AF1A2E3}" type="slidenum">
+              <a:rPr lang="en-US" smtClean="0"/>
+              <a:t>23</a:t>
+            </a:fld>
+            <a:endParaRPr lang="en-US" dirty="0"/>
+          </a:p>
+        </p:txBody>
+      </p:sp>
+    </p:spTree>
+    <p:extLst>
+      <p:ext uri="{BB962C8B-B14F-4D97-AF65-F5344CB8AC3E}">
+        <p14:creationId xmlns:p14="http://schemas.microsoft.com/office/powerpoint/2010/main" val="2962209471"/>
+      </p:ext>
+    </p:extLst>
+  </p:cSld>
+  <p:clrMapOvr>
+    <a:masterClrMapping/>
+  </p:clrMapOvr>
+</p:sld>
+</file>
+
+<file path=ppt/slides/slide24.xml><?xml version="1.0" encoding="utf-8"?>
+<p:sld xmlns:a="http://schemas.openxmlformats.org/drawingml/2006/main" xmlns:r="http://schemas.openxmlformats.org/officeDocument/2006/relationships" xmlns:p="http://schemas.openxmlformats.org/presentationml/2006/main">
+  <p:cSld>
+    <p:spTree>
+      <p:nvGrpSpPr>
+        <p:cNvPr id="1" name=""/>
+        <p:cNvGrpSpPr/>
+        <p:nvPr/>
+      </p:nvGrpSpPr>
+      <p:grpSpPr>
+        <a:xfrm>
+          <a:off x="0" y="0"/>
+          <a:ext cx="0" cy="0"/>
+          <a:chOff x="0" y="0"/>
+          <a:chExt cx="0" cy="0"/>
+        </a:xfrm>
+      </p:grpSpPr>
+      <p:sp>
+        <p:nvSpPr>
+          <p:cNvPr id="2" name="Title 1">
+            <a:extLst>
+              <a:ext uri="{FF2B5EF4-FFF2-40B4-BE49-F238E27FC236}">
+                <a16:creationId xmlns:a16="http://schemas.microsoft.com/office/drawing/2014/main" id="{2FB91EDF-C826-9C01-8D16-E2A41C82FA82}"/>
+              </a:ext>
+            </a:extLst>
+          </p:cNvPr>
+          <p:cNvSpPr>
+            <a:spLocks noGrp="1"/>
+          </p:cNvSpPr>
+          <p:nvPr>
+            <p:ph type="title"/>
+          </p:nvPr>
+        </p:nvSpPr>
+        <p:spPr/>
+        <p:txBody>
+          <a:bodyPr/>
+          <a:lstStyle/>
+          <a:p>
+            <a:r>
+              <a:rPr lang="en-US" dirty="0"/>
+              <a:t>Lessons Learned</a:t>
+            </a:r>
+          </a:p>
+        </p:txBody>
+      </p:sp>
+      <p:sp>
+        <p:nvSpPr>
+          <p:cNvPr id="3" name="Content Placeholder 2">
+            <a:extLst>
+              <a:ext uri="{FF2B5EF4-FFF2-40B4-BE49-F238E27FC236}">
+                <a16:creationId xmlns:a16="http://schemas.microsoft.com/office/drawing/2014/main" id="{986D2C69-2871-23F5-44DD-6FA065A4300C}"/>
+              </a:ext>
+            </a:extLst>
+          </p:cNvPr>
+          <p:cNvSpPr>
+            <a:spLocks noGrp="1"/>
+          </p:cNvSpPr>
+          <p:nvPr>
+            <p:ph idx="1"/>
+          </p:nvPr>
+        </p:nvSpPr>
+        <p:spPr/>
+        <p:txBody>
+          <a:bodyPr>
+            <a:normAutofit lnSpcReduction="10000"/>
+          </a:bodyPr>
+          <a:lstStyle/>
+          <a:p>
+            <a:r>
+              <a:rPr lang="en-US" dirty="0"/>
+              <a:t>There is a </a:t>
+            </a:r>
+            <a:r>
+              <a:rPr lang="en-US" b="1" dirty="0"/>
+              <a:t>process-scope limit of 1MB of data being passed between components</a:t>
+            </a:r>
+            <a:r>
+              <a:rPr lang="en-US" dirty="0"/>
+              <a:t>. Please keep in mind that this does not mean that you can pass 1MB of data safely, as there may be multiple Intents being processed at a time.</a:t>
+            </a:r>
+          </a:p>
+          <a:p>
+            <a:r>
+              <a:rPr lang="en-US" dirty="0"/>
+              <a:t>If an event causes the </a:t>
+            </a:r>
+            <a:r>
+              <a:rPr lang="en-US" b="1" dirty="0"/>
+              <a:t>model to change</a:t>
+            </a:r>
+            <a:r>
+              <a:rPr lang="en-US" dirty="0"/>
+              <a:t>, the </a:t>
+            </a:r>
+            <a:r>
+              <a:rPr lang="en-US" b="1" dirty="0"/>
+              <a:t>Adapter needs to notify the RecyclerView </a:t>
+            </a:r>
+            <a:r>
+              <a:rPr lang="en-US" dirty="0"/>
+              <a:t>so that it can change the view inside any affected ViewHolders.</a:t>
+            </a:r>
+          </a:p>
+          <a:p>
+            <a:pPr marL="457200" lvl="1" indent="0">
+              <a:buNone/>
+            </a:pPr>
+            <a:r>
+              <a:rPr lang="en-US" b="1" dirty="0"/>
+              <a:t>Example:</a:t>
+            </a:r>
+            <a:r>
+              <a:rPr lang="en-US" dirty="0"/>
+              <a:t> 	</a:t>
+            </a:r>
+            <a:r>
+              <a:rPr lang="en-US" sz="1800" b="0" i="0" u="none" strike="noStrike" baseline="0" dirty="0">
+                <a:solidFill>
+                  <a:srgbClr val="000000"/>
+                </a:solidFill>
+                <a:latin typeface="XBRQAX+Helvetica-Light"/>
+              </a:rPr>
+              <a:t>notifyDataSetChanged() - Redo it all. </a:t>
+            </a:r>
+          </a:p>
+          <a:p>
+            <a:pPr marL="457200" lvl="1" indent="0">
+              <a:buNone/>
+            </a:pPr>
+            <a:r>
+              <a:rPr lang="en-US" sz="1800" b="0" i="0" u="none" strike="noStrike" baseline="0" dirty="0">
+                <a:solidFill>
+                  <a:srgbClr val="000000"/>
+                </a:solidFill>
+                <a:latin typeface="XBRQAX+Helvetica-Light"/>
+              </a:rPr>
+              <a:t>			notifyItemChanged(int position) - Contents of a particular value has changed. </a:t>
+            </a:r>
+          </a:p>
+          <a:p>
+            <a:pPr marL="457200" lvl="1" indent="0">
+              <a:buNone/>
+            </a:pPr>
+            <a:r>
+              <a:rPr lang="en-US" sz="1800" dirty="0">
+                <a:solidFill>
+                  <a:srgbClr val="000000"/>
+                </a:solidFill>
+                <a:latin typeface="XBRQAX+Helvetica-Light"/>
+              </a:rPr>
+              <a:t>			and few more other methods.</a:t>
+            </a:r>
+            <a:endParaRPr lang="en-US" sz="1800" b="0" i="0" u="none" strike="noStrike" baseline="0" dirty="0">
+              <a:solidFill>
+                <a:srgbClr val="000000"/>
+              </a:solidFill>
+              <a:latin typeface="XBRQAX+Helvetica-Light"/>
+            </a:endParaRPr>
+          </a:p>
+          <a:p>
+            <a:pPr marL="457200" lvl="1" indent="0">
+              <a:buNone/>
+            </a:pPr>
+            <a:endParaRPr lang="en-US" dirty="0"/>
+          </a:p>
+        </p:txBody>
+      </p:sp>
+      <p:sp>
+        <p:nvSpPr>
+          <p:cNvPr id="4" name="Footer Placeholder 3">
+            <a:extLst>
+              <a:ext uri="{FF2B5EF4-FFF2-40B4-BE49-F238E27FC236}">
+                <a16:creationId xmlns:a16="http://schemas.microsoft.com/office/drawing/2014/main" id="{00658039-B4E3-94A3-B299-5DE8BC9CA8BB}"/>
+              </a:ext>
+            </a:extLst>
+          </p:cNvPr>
+          <p:cNvSpPr>
+            <a:spLocks noGrp="1"/>
+          </p:cNvSpPr>
+          <p:nvPr>
+            <p:ph type="ftr" sz="quarter" idx="11"/>
+          </p:nvPr>
+        </p:nvSpPr>
+        <p:spPr/>
+        <p:txBody>
+          <a:bodyPr/>
+          <a:lstStyle/>
+          <a:p>
+            <a:r>
+              <a:rPr lang="en-US" b="1" dirty="0"/>
+              <a:t>Presenter: Jaichand Mulakalapalli</a:t>
+            </a:r>
+            <a:endParaRPr lang="en-US" dirty="0"/>
+          </a:p>
+        </p:txBody>
+      </p:sp>
+      <p:sp>
+        <p:nvSpPr>
+          <p:cNvPr id="5" name="Slide Number Placeholder 4">
+            <a:extLst>
+              <a:ext uri="{FF2B5EF4-FFF2-40B4-BE49-F238E27FC236}">
+                <a16:creationId xmlns:a16="http://schemas.microsoft.com/office/drawing/2014/main" id="{B833CD17-ED31-258D-7B59-0CBF7A2CD2A2}"/>
+              </a:ext>
+            </a:extLst>
+          </p:cNvPr>
+          <p:cNvSpPr>
+            <a:spLocks noGrp="1"/>
+          </p:cNvSpPr>
+          <p:nvPr>
+            <p:ph type="sldNum" sz="quarter" idx="12"/>
+          </p:nvPr>
+        </p:nvSpPr>
+        <p:spPr/>
+        <p:txBody>
+          <a:bodyPr/>
+          <a:lstStyle/>
+          <a:p>
+            <a:fld id="{EE0D7808-EC4E-46D2-ABA0-EA3F9AF1A2E3}" type="slidenum">
+              <a:rPr lang="en-US" smtClean="0"/>
+              <a:t>24</a:t>
+            </a:fld>
+            <a:endParaRPr lang="en-US" dirty="0"/>
+          </a:p>
+        </p:txBody>
+      </p:sp>
+    </p:spTree>
+    <p:extLst>
+      <p:ext uri="{BB962C8B-B14F-4D97-AF65-F5344CB8AC3E}">
+        <p14:creationId xmlns:p14="http://schemas.microsoft.com/office/powerpoint/2010/main" val="2612987046"/>
+      </p:ext>
+    </p:extLst>
+  </p:cSld>
+  <p:clrMapOvr>
+    <a:masterClrMapping/>
+  </p:clrMapOvr>
+</p:sld>
+</file>
+
+<file path=ppt/slides/slide25.xml><?xml version="1.0" encoding="utf-8"?>
+<p:sld xmlns:a="http://schemas.openxmlformats.org/drawingml/2006/main" xmlns:r="http://schemas.openxmlformats.org/officeDocument/2006/relationships" xmlns:p="http://schemas.openxmlformats.org/presentationml/2006/main">
+  <p:cSld>
+    <p:spTree>
+      <p:nvGrpSpPr>
+        <p:cNvPr id="1" name=""/>
+        <p:cNvGrpSpPr/>
+        <p:nvPr/>
+      </p:nvGrpSpPr>
+      <p:grpSpPr>
+        <a:xfrm>
+          <a:off x="0" y="0"/>
+          <a:ext cx="0" cy="0"/>
+          <a:chOff x="0" y="0"/>
+          <a:chExt cx="0" cy="0"/>
+        </a:xfrm>
+      </p:grpSpPr>
+      <p:sp>
+        <p:nvSpPr>
+          <p:cNvPr id="2" name="Title 1">
+            <a:extLst>
+              <a:ext uri="{FF2B5EF4-FFF2-40B4-BE49-F238E27FC236}">
+                <a16:creationId xmlns:a16="http://schemas.microsoft.com/office/drawing/2014/main" id="{2FB91EDF-C826-9C01-8D16-E2A41C82FA82}"/>
+              </a:ext>
+            </a:extLst>
+          </p:cNvPr>
+          <p:cNvSpPr>
+            <a:spLocks noGrp="1"/>
+          </p:cNvSpPr>
+          <p:nvPr>
+            <p:ph type="title"/>
+          </p:nvPr>
+        </p:nvSpPr>
+        <p:spPr/>
+        <p:txBody>
+          <a:bodyPr/>
+          <a:lstStyle/>
+          <a:p>
+            <a:r>
+              <a:rPr lang="en-US" dirty="0"/>
+              <a:t>Summary</a:t>
+            </a:r>
+          </a:p>
+        </p:txBody>
+      </p:sp>
+      <p:sp>
+        <p:nvSpPr>
+          <p:cNvPr id="3" name="Content Placeholder 2">
+            <a:extLst>
+              <a:ext uri="{FF2B5EF4-FFF2-40B4-BE49-F238E27FC236}">
+                <a16:creationId xmlns:a16="http://schemas.microsoft.com/office/drawing/2014/main" id="{986D2C69-2871-23F5-44DD-6FA065A4300C}"/>
+              </a:ext>
+            </a:extLst>
+          </p:cNvPr>
+          <p:cNvSpPr>
+            <a:spLocks noGrp="1"/>
+          </p:cNvSpPr>
+          <p:nvPr>
+            <p:ph idx="1"/>
+          </p:nvPr>
+        </p:nvSpPr>
+        <p:spPr/>
+        <p:txBody>
+          <a:bodyPr/>
+          <a:lstStyle/>
+          <a:p>
+            <a:r>
+              <a:rPr lang="en-US" dirty="0"/>
+              <a:t>In this presentation, we covered the topics that we have learned after the midterm1, mainly RecyclerView, Adapters, ScrollViews, Intents, Parse Queries etc.,</a:t>
+            </a:r>
+          </a:p>
+          <a:p>
+            <a:r>
+              <a:rPr lang="en-US" dirty="0"/>
+              <a:t>We </a:t>
+            </a:r>
+            <a:r>
+              <a:rPr lang="en-US"/>
+              <a:t>have given </a:t>
+            </a:r>
+            <a:r>
+              <a:rPr lang="en-US" dirty="0"/>
+              <a:t>few examples for each topic to have a clear understandings.</a:t>
+            </a:r>
+          </a:p>
+          <a:p>
+            <a:r>
+              <a:rPr lang="en-US" dirty="0"/>
+              <a:t>We discussed few limitations on the intents and other components used.</a:t>
+            </a:r>
+          </a:p>
+        </p:txBody>
+      </p:sp>
+      <p:sp>
+        <p:nvSpPr>
+          <p:cNvPr id="4" name="Footer Placeholder 3">
+            <a:extLst>
+              <a:ext uri="{FF2B5EF4-FFF2-40B4-BE49-F238E27FC236}">
+                <a16:creationId xmlns:a16="http://schemas.microsoft.com/office/drawing/2014/main" id="{00658039-B4E3-94A3-B299-5DE8BC9CA8BB}"/>
+              </a:ext>
+            </a:extLst>
+          </p:cNvPr>
+          <p:cNvSpPr>
+            <a:spLocks noGrp="1"/>
+          </p:cNvSpPr>
+          <p:nvPr>
+            <p:ph type="ftr" sz="quarter" idx="11"/>
+          </p:nvPr>
+        </p:nvSpPr>
+        <p:spPr/>
+        <p:txBody>
+          <a:bodyPr/>
+          <a:lstStyle/>
+          <a:p>
+            <a:r>
+              <a:rPr lang="en-US" b="1" dirty="0"/>
+              <a:t>Presenter: Jaichand Mulakalapalli</a:t>
+            </a:r>
+            <a:endParaRPr lang="en-US" dirty="0"/>
+          </a:p>
+        </p:txBody>
+      </p:sp>
+      <p:sp>
+        <p:nvSpPr>
+          <p:cNvPr id="5" name="Slide Number Placeholder 4">
+            <a:extLst>
+              <a:ext uri="{FF2B5EF4-FFF2-40B4-BE49-F238E27FC236}">
+                <a16:creationId xmlns:a16="http://schemas.microsoft.com/office/drawing/2014/main" id="{B833CD17-ED31-258D-7B59-0CBF7A2CD2A2}"/>
+              </a:ext>
+            </a:extLst>
+          </p:cNvPr>
+          <p:cNvSpPr>
+            <a:spLocks noGrp="1"/>
+          </p:cNvSpPr>
+          <p:nvPr>
+            <p:ph type="sldNum" sz="quarter" idx="12"/>
+          </p:nvPr>
+        </p:nvSpPr>
+        <p:spPr/>
+        <p:txBody>
+          <a:bodyPr/>
+          <a:lstStyle/>
+          <a:p>
+            <a:fld id="{EE0D7808-EC4E-46D2-ABA0-EA3F9AF1A2E3}" type="slidenum">
+              <a:rPr lang="en-US" smtClean="0"/>
+              <a:t>25</a:t>
+            </a:fld>
+            <a:endParaRPr lang="en-US" dirty="0"/>
+          </a:p>
+        </p:txBody>
+      </p:sp>
+    </p:spTree>
+    <p:extLst>
+      <p:ext uri="{BB962C8B-B14F-4D97-AF65-F5344CB8AC3E}">
+        <p14:creationId xmlns:p14="http://schemas.microsoft.com/office/powerpoint/2010/main" val="448200596"/>
+      </p:ext>
+    </p:extLst>
+  </p:cSld>
+  <p:clrMapOvr>
+    <a:masterClrMapping/>
+  </p:clrMapOvr>
+</p:sld>
+</file>
+
+<file path=ppt/slides/slide26.xml><?xml version="1.0" encoding="utf-8"?>
+<p:sld xmlns:a="http://schemas.openxmlformats.org/drawingml/2006/main" xmlns:r="http://schemas.openxmlformats.org/officeDocument/2006/relationships" xmlns:p="http://schemas.openxmlformats.org/presentationml/2006/main">
+  <p:cSld>
+    <p:spTree>
+      <p:nvGrpSpPr>
+        <p:cNvPr id="1" name=""/>
+        <p:cNvGrpSpPr/>
+        <p:nvPr/>
+      </p:nvGrpSpPr>
+      <p:grpSpPr>
+        <a:xfrm>
+          <a:off x="0" y="0"/>
+          <a:ext cx="0" cy="0"/>
+          <a:chOff x="0" y="0"/>
+          <a:chExt cx="0" cy="0"/>
+        </a:xfrm>
+      </p:grpSpPr>
+      <p:sp>
+        <p:nvSpPr>
+          <p:cNvPr id="2" name="Title 1">
+            <a:extLst>
+              <a:ext uri="{FF2B5EF4-FFF2-40B4-BE49-F238E27FC236}">
+                <a16:creationId xmlns:a16="http://schemas.microsoft.com/office/drawing/2014/main" id="{2FB91EDF-C826-9C01-8D16-E2A41C82FA82}"/>
+              </a:ext>
+            </a:extLst>
+          </p:cNvPr>
+          <p:cNvSpPr>
+            <a:spLocks noGrp="1"/>
+          </p:cNvSpPr>
+          <p:nvPr>
+            <p:ph type="title"/>
+          </p:nvPr>
+        </p:nvSpPr>
+        <p:spPr/>
+        <p:txBody>
+          <a:bodyPr/>
+          <a:lstStyle/>
+          <a:p>
+            <a:r>
+              <a:rPr lang="en-US" dirty="0"/>
+              <a:t>Thank You Everyone..!</a:t>
+            </a:r>
+          </a:p>
+        </p:txBody>
+      </p:sp>
+      <p:sp>
+        <p:nvSpPr>
+          <p:cNvPr id="4" name="Footer Placeholder 3">
+            <a:extLst>
+              <a:ext uri="{FF2B5EF4-FFF2-40B4-BE49-F238E27FC236}">
+                <a16:creationId xmlns:a16="http://schemas.microsoft.com/office/drawing/2014/main" id="{00658039-B4E3-94A3-B299-5DE8BC9CA8BB}"/>
+              </a:ext>
+            </a:extLst>
+          </p:cNvPr>
+          <p:cNvSpPr>
+            <a:spLocks noGrp="1"/>
+          </p:cNvSpPr>
+          <p:nvPr>
+            <p:ph type="ftr" sz="quarter" idx="11"/>
+          </p:nvPr>
+        </p:nvSpPr>
+        <p:spPr/>
+        <p:txBody>
+          <a:bodyPr/>
+          <a:lstStyle/>
+          <a:p>
+            <a:r>
+              <a:rPr lang="en-US" b="1" dirty="0"/>
+              <a:t>Presenter: All</a:t>
+            </a:r>
+            <a:endParaRPr lang="en-US" dirty="0"/>
+          </a:p>
+        </p:txBody>
+      </p:sp>
+      <p:sp>
+        <p:nvSpPr>
+          <p:cNvPr id="5" name="Slide Number Placeholder 4">
+            <a:extLst>
+              <a:ext uri="{FF2B5EF4-FFF2-40B4-BE49-F238E27FC236}">
+                <a16:creationId xmlns:a16="http://schemas.microsoft.com/office/drawing/2014/main" id="{B833CD17-ED31-258D-7B59-0CBF7A2CD2A2}"/>
+              </a:ext>
+            </a:extLst>
+          </p:cNvPr>
+          <p:cNvSpPr>
+            <a:spLocks noGrp="1"/>
+          </p:cNvSpPr>
+          <p:nvPr>
+            <p:ph type="sldNum" sz="quarter" idx="12"/>
+          </p:nvPr>
+        </p:nvSpPr>
+        <p:spPr/>
+        <p:txBody>
+          <a:bodyPr/>
+          <a:lstStyle/>
+          <a:p>
+            <a:fld id="{EE0D7808-EC4E-46D2-ABA0-EA3F9AF1A2E3}" type="slidenum">
+              <a:rPr lang="en-US" smtClean="0"/>
+              <a:t>26</a:t>
+            </a:fld>
+            <a:endParaRPr lang="en-US" dirty="0"/>
+          </a:p>
+        </p:txBody>
+      </p:sp>
+      <p:pic>
+        <p:nvPicPr>
+          <p:cNvPr id="8" name="Picture 7">
+            <a:extLst>
+              <a:ext uri="{FF2B5EF4-FFF2-40B4-BE49-F238E27FC236}">
+                <a16:creationId xmlns:a16="http://schemas.microsoft.com/office/drawing/2014/main" id="{BC488D0E-F18E-9983-AE05-F715A471C3A1}"/>
+              </a:ext>
+            </a:extLst>
+          </p:cNvPr>
+          <p:cNvPicPr>
+            <a:picLocks noChangeAspect="1"/>
+          </p:cNvPicPr>
+          <p:nvPr/>
+        </p:nvPicPr>
+        <p:blipFill rotWithShape="1">
+          <a:blip r:embed="rId2">
+            <a:extLst>
+              <a:ext uri="{28A0092B-C50C-407E-A947-70E740481C1C}">
+                <a14:useLocalDpi xmlns:a14="http://schemas.microsoft.com/office/drawing/2010/main" val="0"/>
+              </a:ext>
+            </a:extLst>
+          </a:blip>
+          <a:srcRect l="25083" r="27333"/>
+          <a:stretch/>
+        </p:blipFill>
+        <p:spPr>
+          <a:xfrm>
+            <a:off x="3195320" y="1600200"/>
+            <a:ext cx="5801360" cy="4829175"/>
+          </a:xfrm>
+          <a:prstGeom prst="rect">
+            <a:avLst/>
+          </a:prstGeom>
+        </p:spPr>
+      </p:pic>
+      <p:sp>
+        <p:nvSpPr>
+          <p:cNvPr id="9" name="TextBox 8">
+            <a:extLst>
+              <a:ext uri="{FF2B5EF4-FFF2-40B4-BE49-F238E27FC236}">
+                <a16:creationId xmlns:a16="http://schemas.microsoft.com/office/drawing/2014/main" id="{921001E0-B86B-ADF2-18DB-61374D423AFF}"/>
+              </a:ext>
+            </a:extLst>
+          </p:cNvPr>
+          <p:cNvSpPr txBox="1"/>
+          <p:nvPr/>
+        </p:nvSpPr>
+        <p:spPr>
+          <a:xfrm>
+            <a:off x="6781800" y="3136612"/>
+            <a:ext cx="2783840" cy="584775"/>
+          </a:xfrm>
+          <a:prstGeom prst="rect">
+            <a:avLst/>
+          </a:prstGeom>
+          <a:noFill/>
+        </p:spPr>
+        <p:txBody>
+          <a:bodyPr wrap="square" rtlCol="0">
+            <a:spAutoFit/>
+          </a:bodyPr>
+          <a:lstStyle/>
+          <a:p>
+            <a:r>
+              <a:rPr lang="en-US" sz="3200" b="1" dirty="0">
+                <a:solidFill>
+                  <a:srgbClr val="E21C1C"/>
+                </a:solidFill>
+              </a:rPr>
+              <a:t>Any Queries..?</a:t>
+            </a:r>
+          </a:p>
+        </p:txBody>
+      </p:sp>
+    </p:spTree>
+    <p:extLst>
+      <p:ext uri="{BB962C8B-B14F-4D97-AF65-F5344CB8AC3E}">
+        <p14:creationId xmlns:p14="http://schemas.microsoft.com/office/powerpoint/2010/main" val="3131871758"/>
+      </p:ext>
+    </p:extLst>
+  </p:cSld>
+  <p:clrMapOvr>
+    <a:masterClrMapping/>
+  </p:clrMapOvr>
+</p:sld>
+</file>
+
+<file path=ppt/slides/slide27.xml><?xml version="1.0" encoding="utf-8"?>
+<p:sld xmlns:a="http://schemas.openxmlformats.org/drawingml/2006/main" xmlns:r="http://schemas.openxmlformats.org/officeDocument/2006/relationships" xmlns:p="http://schemas.openxmlformats.org/presentationml/2006/main">
+  <p:cSld>
+    <p:spTree>
+      <p:nvGrpSpPr>
+        <p:cNvPr id="1" name=""/>
+        <p:cNvGrpSpPr/>
+        <p:nvPr/>
+      </p:nvGrpSpPr>
+      <p:grpSpPr>
+        <a:xfrm>
+          <a:off x="0" y="0"/>
+          <a:ext cx="0" cy="0"/>
+          <a:chOff x="0" y="0"/>
+          <a:chExt cx="0" cy="0"/>
+        </a:xfrm>
+      </p:grpSpPr>
+      <p:sp>
+        <p:nvSpPr>
+          <p:cNvPr id="2" name="Title 1">
+            <a:extLst>
+              <a:ext uri="{FF2B5EF4-FFF2-40B4-BE49-F238E27FC236}">
+                <a16:creationId xmlns:a16="http://schemas.microsoft.com/office/drawing/2014/main" id="{627CE69A-C334-9A0C-7D5E-0FE0167159CB}"/>
+              </a:ext>
+            </a:extLst>
+          </p:cNvPr>
+          <p:cNvSpPr>
+            <a:spLocks noGrp="1"/>
+          </p:cNvSpPr>
+          <p:nvPr>
+            <p:ph type="title"/>
+          </p:nvPr>
+        </p:nvSpPr>
+        <p:spPr/>
+        <p:txBody>
+          <a:bodyPr/>
+          <a:lstStyle/>
+          <a:p>
+            <a:r>
+              <a:rPr lang="en-US" dirty="0"/>
+              <a:t>Team Members</a:t>
+            </a:r>
+          </a:p>
+        </p:txBody>
+      </p:sp>
+      <p:graphicFrame>
+        <p:nvGraphicFramePr>
+          <p:cNvPr id="4" name="Content Placeholder 2">
+            <a:extLst>
+              <a:ext uri="{FF2B5EF4-FFF2-40B4-BE49-F238E27FC236}">
+                <a16:creationId xmlns:a16="http://schemas.microsoft.com/office/drawing/2014/main" id="{3EB41C79-F5A7-AA02-0646-643878D3B4CC}"/>
+              </a:ext>
+            </a:extLst>
+          </p:cNvPr>
+          <p:cNvGraphicFramePr>
+            <a:graphicFrameLocks noGrp="1"/>
+          </p:cNvGraphicFramePr>
+          <p:nvPr>
+            <p:ph idx="1"/>
+          </p:nvPr>
+        </p:nvGraphicFramePr>
+        <p:xfrm>
+          <a:off x="811689" y="1600200"/>
+          <a:ext cx="10568622" cy="2497328"/>
+        </p:xfrm>
+        <a:graphic>
+          <a:graphicData uri="http://schemas.openxmlformats.org/drawingml/2006/diagram">
+            <dgm:relIds xmlns:dgm="http://schemas.openxmlformats.org/drawingml/2006/diagram" xmlns:r="http://schemas.openxmlformats.org/officeDocument/2006/relationships" r:dm="rId2" r:lo="rId3" r:qs="rId4" r:cs="rId5"/>
+          </a:graphicData>
+        </a:graphic>
+      </p:graphicFrame>
+      <p:graphicFrame>
+        <p:nvGraphicFramePr>
+          <p:cNvPr id="5" name="Content Placeholder 2">
+            <a:extLst>
+              <a:ext uri="{FF2B5EF4-FFF2-40B4-BE49-F238E27FC236}">
+                <a16:creationId xmlns:a16="http://schemas.microsoft.com/office/drawing/2014/main" id="{0AF0B585-E925-7AF1-ED06-7EC58F6B0923}"/>
+              </a:ext>
+            </a:extLst>
+          </p:cNvPr>
+          <p:cNvGraphicFramePr>
+            <a:graphicFrameLocks/>
+          </p:cNvGraphicFramePr>
+          <p:nvPr/>
+        </p:nvGraphicFramePr>
+        <p:xfrm>
+          <a:off x="811689" y="3977821"/>
+          <a:ext cx="10568622" cy="2280739"/>
+        </p:xfrm>
+        <a:graphic>
+          <a:graphicData uri="http://schemas.openxmlformats.org/drawingml/2006/diagram">
+            <dgm:relIds xmlns:dgm="http://schemas.openxmlformats.org/drawingml/2006/diagram" xmlns:r="http://schemas.openxmlformats.org/officeDocument/2006/relationships" r:dm="rId7" r:lo="rId8" r:qs="rId9" r:cs="rId10"/>
+          </a:graphicData>
+        </a:graphic>
+      </p:graphicFrame>
+      <p:sp>
+        <p:nvSpPr>
+          <p:cNvPr id="6" name="Footer Placeholder 5">
+            <a:extLst>
+              <a:ext uri="{FF2B5EF4-FFF2-40B4-BE49-F238E27FC236}">
+                <a16:creationId xmlns:a16="http://schemas.microsoft.com/office/drawing/2014/main" id="{00EDEEB0-ECAB-F62A-89B0-BF74682B0AC2}"/>
+              </a:ext>
+            </a:extLst>
+          </p:cNvPr>
+          <p:cNvSpPr>
+            <a:spLocks noGrp="1"/>
+          </p:cNvSpPr>
+          <p:nvPr>
+            <p:ph type="ftr" sz="quarter" idx="11"/>
+          </p:nvPr>
+        </p:nvSpPr>
+        <p:spPr/>
+        <p:txBody>
+          <a:bodyPr/>
+          <a:lstStyle/>
+          <a:p>
+            <a:r>
+              <a:rPr lang="en-US" b="1" dirty="0"/>
+              <a:t>Presenter: All</a:t>
+            </a:r>
+            <a:endParaRPr lang="en-US" dirty="0"/>
+          </a:p>
+        </p:txBody>
+      </p:sp>
+      <p:sp>
+        <p:nvSpPr>
+          <p:cNvPr id="7" name="Slide Number Placeholder 6">
+            <a:extLst>
+              <a:ext uri="{FF2B5EF4-FFF2-40B4-BE49-F238E27FC236}">
+                <a16:creationId xmlns:a16="http://schemas.microsoft.com/office/drawing/2014/main" id="{23CE0998-F6A5-B568-26B8-1EC8821D1919}"/>
+              </a:ext>
+            </a:extLst>
+          </p:cNvPr>
+          <p:cNvSpPr>
+            <a:spLocks noGrp="1"/>
+          </p:cNvSpPr>
+          <p:nvPr>
+            <p:ph type="sldNum" sz="quarter" idx="12"/>
+          </p:nvPr>
+        </p:nvSpPr>
+        <p:spPr/>
+        <p:txBody>
+          <a:bodyPr/>
+          <a:lstStyle/>
+          <a:p>
+            <a:fld id="{EE0D7808-EC4E-46D2-ABA0-EA3F9AF1A2E3}" type="slidenum">
+              <a:rPr lang="en-US" b="1" smtClean="0"/>
+              <a:t>27</a:t>
+            </a:fld>
+            <a:endParaRPr lang="en-US" b="1" dirty="0"/>
+          </a:p>
+        </p:txBody>
+      </p:sp>
+    </p:spTree>
+    <p:extLst>
+      <p:ext uri="{BB962C8B-B14F-4D97-AF65-F5344CB8AC3E}">
+        <p14:creationId xmlns:p14="http://schemas.microsoft.com/office/powerpoint/2010/main" val="1666194401"/>
+      </p:ext>
+    </p:extLst>
+  </p:cSld>
+  <p:clrMapOvr>
+    <a:masterClrMapping/>
+  </p:clrMapOvr>
+</p:sld>
+</file>
+
+<file path=ppt/slides/slide28.xml><?xml version="1.0" encoding="utf-8"?>
+<p:sld xmlns:a="http://schemas.openxmlformats.org/drawingml/2006/main" xmlns:r="http://schemas.openxmlformats.org/officeDocument/2006/relationships" xmlns:p="http://schemas.openxmlformats.org/presentationml/2006/main">
+  <p:cSld>
+    <p:spTree>
+      <p:nvGrpSpPr>
+        <p:cNvPr id="1" name=""/>
+        <p:cNvGrpSpPr/>
+        <p:nvPr/>
+      </p:nvGrpSpPr>
+      <p:grpSpPr>
+        <a:xfrm>
+          <a:off x="0" y="0"/>
+          <a:ext cx="0" cy="0"/>
+          <a:chOff x="0" y="0"/>
+          <a:chExt cx="0" cy="0"/>
+        </a:xfrm>
+      </p:grpSpPr>
+      <p:sp>
+        <p:nvSpPr>
+          <p:cNvPr id="2" name="Title 1">
+            <a:extLst>
+              <a:ext uri="{FF2B5EF4-FFF2-40B4-BE49-F238E27FC236}">
+                <a16:creationId xmlns:a16="http://schemas.microsoft.com/office/drawing/2014/main" id="{20C4921D-9839-FDE3-C04B-D55C0D235B96}"/>
+              </a:ext>
+            </a:extLst>
+          </p:cNvPr>
+          <p:cNvSpPr>
+            <a:spLocks noGrp="1"/>
+          </p:cNvSpPr>
+          <p:nvPr>
+            <p:ph type="ctrTitle"/>
+          </p:nvPr>
+        </p:nvSpPr>
+        <p:spPr>
+          <a:xfrm>
+            <a:off x="990096" y="977900"/>
+            <a:ext cx="8051935" cy="2451100"/>
+          </a:xfrm>
+        </p:spPr>
+        <p:txBody>
+          <a:bodyPr anchor="b">
+            <a:normAutofit/>
+          </a:bodyPr>
+          <a:lstStyle/>
+          <a:p>
+            <a:r>
+              <a:rPr lang="en-US" sz="5400" dirty="0"/>
+              <a:t>FREEBIES FOR NEWBIES</a:t>
+            </a:r>
+          </a:p>
+        </p:txBody>
+      </p:sp>
+      <p:sp>
+        <p:nvSpPr>
+          <p:cNvPr id="3" name="Subtitle 2">
+            <a:extLst>
+              <a:ext uri="{FF2B5EF4-FFF2-40B4-BE49-F238E27FC236}">
+                <a16:creationId xmlns:a16="http://schemas.microsoft.com/office/drawing/2014/main" id="{752B6A49-8514-034F-19C4-7EC968238BE7}"/>
+              </a:ext>
+            </a:extLst>
+          </p:cNvPr>
+          <p:cNvSpPr>
+            <a:spLocks noGrp="1"/>
+          </p:cNvSpPr>
+          <p:nvPr>
+            <p:ph type="subTitle" idx="1"/>
+          </p:nvPr>
+        </p:nvSpPr>
+        <p:spPr>
+          <a:xfrm>
+            <a:off x="1685421" y="3429000"/>
+            <a:ext cx="7356610" cy="1225028"/>
+          </a:xfrm>
+        </p:spPr>
+        <p:txBody>
+          <a:bodyPr anchor="t">
+            <a:normAutofit/>
+          </a:bodyPr>
+          <a:lstStyle/>
+          <a:p>
+            <a:pPr algn="r"/>
+            <a:r>
+              <a:rPr lang="en-US" sz="2000" dirty="0">
+                <a:solidFill>
+                  <a:schemeClr val="tx1"/>
+                </a:solidFill>
+              </a:rPr>
+              <a:t>A place to find free event and items </a:t>
+            </a:r>
+          </a:p>
+        </p:txBody>
+      </p:sp>
+      <p:sp>
+        <p:nvSpPr>
+          <p:cNvPr id="4" name="Subtitle 2">
+            <a:extLst>
+              <a:ext uri="{FF2B5EF4-FFF2-40B4-BE49-F238E27FC236}">
+                <a16:creationId xmlns:a16="http://schemas.microsoft.com/office/drawing/2014/main" id="{334431B7-7976-591B-53E4-E3BDD8CF698E}"/>
+              </a:ext>
+            </a:extLst>
+          </p:cNvPr>
+          <p:cNvSpPr txBox="1">
+            <a:spLocks/>
+          </p:cNvSpPr>
+          <p:nvPr/>
+        </p:nvSpPr>
+        <p:spPr>
+          <a:xfrm>
+            <a:off x="9042031" y="4041514"/>
+            <a:ext cx="2407019" cy="2451100"/>
+          </a:xfrm>
+          <a:prstGeom prst="rect">
+            <a:avLst/>
+          </a:prstGeom>
+        </p:spPr>
+        <p:txBody>
+          <a:bodyPr vert="horz" lIns="91440" tIns="45720" rIns="91440" bIns="45720" rtlCol="0" anchor="t">
+            <a:normAutofit/>
+          </a:bodyPr>
+          <a:lstStyle>
+            <a:lvl1pPr marL="0" indent="0" algn="l" defTabSz="914400" rtl="0" eaLnBrk="1" latinLnBrk="0" hangingPunct="1">
+              <a:lnSpc>
+                <a:spcPct val="100000"/>
+              </a:lnSpc>
+              <a:spcBef>
+                <a:spcPts val="0"/>
+              </a:spcBef>
+              <a:spcAft>
+                <a:spcPts val="200"/>
+              </a:spcAft>
+              <a:buClr>
+                <a:schemeClr val="accent1"/>
+              </a:buClr>
+              <a:buSzPct val="100000"/>
+              <a:buFont typeface="Tw Cen MT" panose="020B0602020104020603" pitchFamily="34" charset="0"/>
+              <a:buNone/>
+              <a:defRPr sz="1800" kern="1200">
+                <a:solidFill>
+                  <a:schemeClr val="tx1">
+                    <a:lumMod val="95000"/>
+                    <a:lumOff val="5000"/>
+                  </a:schemeClr>
+                </a:solidFill>
+                <a:latin typeface="+mn-lt"/>
+                <a:ea typeface="+mn-ea"/>
+                <a:cs typeface="+mn-cs"/>
+              </a:defRPr>
+            </a:lvl1pPr>
+            <a:lvl2pPr marL="457200" indent="0" algn="ctr" defTabSz="914400" rtl="0" eaLnBrk="1" latinLnBrk="0" hangingPunct="1">
+              <a:lnSpc>
+                <a:spcPct val="90000"/>
+              </a:lnSpc>
+              <a:spcBef>
+                <a:spcPts val="200"/>
+              </a:spcBef>
+              <a:spcAft>
+                <a:spcPts val="400"/>
+              </a:spcAft>
+              <a:buClr>
+                <a:schemeClr val="accent1"/>
+              </a:buClr>
+              <a:buFont typeface="Wingdings 3" pitchFamily="18" charset="2"/>
+              <a:buNone/>
+              <a:defRPr sz="1800" kern="1200">
+                <a:solidFill>
+                  <a:schemeClr val="tx1"/>
+                </a:solidFill>
+                <a:latin typeface="+mn-lt"/>
+                <a:ea typeface="+mn-ea"/>
+                <a:cs typeface="+mn-cs"/>
+              </a:defRPr>
+            </a:lvl2pPr>
+            <a:lvl3pPr marL="914400" indent="0" algn="ctr" defTabSz="914400" rtl="0" eaLnBrk="1" latinLnBrk="0" hangingPunct="1">
+              <a:lnSpc>
+                <a:spcPct val="90000"/>
+              </a:lnSpc>
+              <a:spcBef>
+                <a:spcPts val="200"/>
+              </a:spcBef>
+              <a:spcAft>
+                <a:spcPts val="400"/>
+              </a:spcAft>
+              <a:buClr>
+                <a:schemeClr val="accent1"/>
+              </a:buClr>
+              <a:buFont typeface="Wingdings 3" pitchFamily="18" charset="2"/>
+              <a:buNone/>
+              <a:defRPr sz="1800" kern="1200">
+                <a:solidFill>
+                  <a:schemeClr val="tx1"/>
+                </a:solidFill>
+                <a:latin typeface="+mn-lt"/>
+                <a:ea typeface="+mn-ea"/>
+                <a:cs typeface="+mn-cs"/>
+              </a:defRPr>
+            </a:lvl3pPr>
+            <a:lvl4pPr marL="1371600" indent="0" algn="ctr" defTabSz="914400" rtl="0" eaLnBrk="1" latinLnBrk="0" hangingPunct="1">
+              <a:lnSpc>
+                <a:spcPct val="90000"/>
+              </a:lnSpc>
+              <a:spcBef>
+                <a:spcPts val="200"/>
+              </a:spcBef>
+              <a:spcAft>
+                <a:spcPts val="400"/>
+              </a:spcAft>
+              <a:buClr>
+                <a:schemeClr val="accent1"/>
+              </a:buClr>
+              <a:buFont typeface="Wingdings 3" pitchFamily="18" charset="2"/>
+              <a:buNone/>
+              <a:defRPr sz="1800" kern="1200">
+                <a:solidFill>
+                  <a:schemeClr val="tx1"/>
+                </a:solidFill>
+                <a:latin typeface="+mn-lt"/>
+                <a:ea typeface="+mn-ea"/>
+                <a:cs typeface="+mn-cs"/>
+              </a:defRPr>
+            </a:lvl4pPr>
+            <a:lvl5pPr marL="1828800" indent="0" algn="ctr" defTabSz="914400" rtl="0" eaLnBrk="1" latinLnBrk="0" hangingPunct="1">
+              <a:lnSpc>
+                <a:spcPct val="90000"/>
+              </a:lnSpc>
+              <a:spcBef>
+                <a:spcPts val="200"/>
+              </a:spcBef>
+              <a:spcAft>
+                <a:spcPts val="400"/>
+              </a:spcAft>
+              <a:buClr>
+                <a:schemeClr val="accent1"/>
+              </a:buClr>
+              <a:buFont typeface="Wingdings 3" pitchFamily="18" charset="2"/>
+              <a:buNone/>
+              <a:defRPr sz="1800" kern="1200">
+                <a:solidFill>
+                  <a:schemeClr val="tx1"/>
+                </a:solidFill>
+                <a:latin typeface="+mn-lt"/>
+                <a:ea typeface="+mn-ea"/>
+                <a:cs typeface="+mn-cs"/>
+              </a:defRPr>
+            </a:lvl5pPr>
+            <a:lvl6pPr marL="2286000" indent="0" algn="ctr" defTabSz="914400" rtl="0" eaLnBrk="1" latinLnBrk="0" hangingPunct="1">
+              <a:lnSpc>
+                <a:spcPct val="90000"/>
+              </a:lnSpc>
+              <a:spcBef>
+                <a:spcPts val="200"/>
+              </a:spcBef>
+              <a:spcAft>
+                <a:spcPts val="400"/>
+              </a:spcAft>
+              <a:buClr>
+                <a:schemeClr val="accent1"/>
+              </a:buClr>
+              <a:buFont typeface="Wingdings 3" pitchFamily="18" charset="2"/>
+              <a:buNone/>
+              <a:defRPr sz="1800" kern="1200">
+                <a:solidFill>
+                  <a:schemeClr val="tx1"/>
+                </a:solidFill>
+                <a:latin typeface="+mn-lt"/>
+                <a:ea typeface="+mn-ea"/>
+                <a:cs typeface="+mn-cs"/>
+              </a:defRPr>
+            </a:lvl6pPr>
+            <a:lvl7pPr marL="2743200" indent="0" algn="ctr" defTabSz="914400" rtl="0" eaLnBrk="1" latinLnBrk="0" hangingPunct="1">
+              <a:lnSpc>
+                <a:spcPct val="90000"/>
+              </a:lnSpc>
+              <a:spcBef>
+                <a:spcPts val="200"/>
+              </a:spcBef>
+              <a:spcAft>
+                <a:spcPts val="400"/>
+              </a:spcAft>
+              <a:buClr>
+                <a:schemeClr val="accent1"/>
+              </a:buClr>
+              <a:buFont typeface="Wingdings 3" pitchFamily="18" charset="2"/>
+              <a:buNone/>
+              <a:defRPr sz="1800" kern="1200">
+                <a:solidFill>
+                  <a:schemeClr val="tx1"/>
+                </a:solidFill>
+                <a:latin typeface="+mn-lt"/>
+                <a:ea typeface="+mn-ea"/>
+                <a:cs typeface="+mn-cs"/>
+              </a:defRPr>
+            </a:lvl7pPr>
+            <a:lvl8pPr marL="3200400" indent="0" algn="ctr" defTabSz="914400" rtl="0" eaLnBrk="1" latinLnBrk="0" hangingPunct="1">
+              <a:lnSpc>
+                <a:spcPct val="90000"/>
+              </a:lnSpc>
+              <a:spcBef>
+                <a:spcPts val="200"/>
+              </a:spcBef>
+              <a:spcAft>
+                <a:spcPts val="400"/>
+              </a:spcAft>
+              <a:buClr>
+                <a:schemeClr val="accent1"/>
+              </a:buClr>
+              <a:buFont typeface="Wingdings 3" pitchFamily="18" charset="2"/>
+              <a:buNone/>
+              <a:defRPr sz="1800" kern="1200">
+                <a:solidFill>
+                  <a:schemeClr val="tx1"/>
+                </a:solidFill>
+                <a:latin typeface="+mn-lt"/>
+                <a:ea typeface="+mn-ea"/>
+                <a:cs typeface="+mn-cs"/>
+              </a:defRPr>
+            </a:lvl8pPr>
+            <a:lvl9pPr marL="3657600" indent="0" algn="ctr" defTabSz="914400" rtl="0" eaLnBrk="1" latinLnBrk="0" hangingPunct="1">
+              <a:lnSpc>
+                <a:spcPct val="90000"/>
+              </a:lnSpc>
+              <a:spcBef>
+                <a:spcPts val="200"/>
+              </a:spcBef>
+              <a:spcAft>
+                <a:spcPts val="400"/>
+              </a:spcAft>
+              <a:buClr>
+                <a:schemeClr val="accent1"/>
+              </a:buClr>
+              <a:buFont typeface="Wingdings 3" pitchFamily="18" charset="2"/>
+              <a:buNone/>
+              <a:defRPr sz="1800" kern="1200">
+                <a:solidFill>
+                  <a:schemeClr val="tx1"/>
+                </a:solidFill>
+                <a:latin typeface="+mn-lt"/>
+                <a:ea typeface="+mn-ea"/>
+                <a:cs typeface="+mn-cs"/>
+              </a:defRPr>
+            </a:lvl9pPr>
+          </a:lstStyle>
+          <a:p>
+            <a:r>
+              <a:rPr lang="en-US" sz="2200" b="1" dirty="0">
+                <a:solidFill>
+                  <a:schemeClr val="tx1"/>
+                </a:solidFill>
+              </a:rPr>
+              <a:t>Team Members: </a:t>
+            </a:r>
+          </a:p>
+          <a:p>
+            <a:r>
+              <a:rPr lang="en-US" sz="1600" dirty="0">
+                <a:solidFill>
+                  <a:schemeClr val="tx1"/>
+                </a:solidFill>
+              </a:rPr>
+              <a:t>Aditya Krishna Raavi</a:t>
+            </a:r>
+          </a:p>
+          <a:p>
+            <a:r>
+              <a:rPr lang="en-US" sz="1600" dirty="0">
+                <a:solidFill>
+                  <a:schemeClr val="tx1"/>
+                </a:solidFill>
+                <a:cs typeface="Times New Roman" panose="02020603050405020304" pitchFamily="18" charset="0"/>
+              </a:rPr>
+              <a:t>Manoj Kumar Gude</a:t>
+            </a:r>
+          </a:p>
+          <a:p>
+            <a:r>
+              <a:rPr lang="en-US" sz="1600" dirty="0">
+                <a:solidFill>
+                  <a:schemeClr val="tx1"/>
+                </a:solidFill>
+              </a:rPr>
+              <a:t>Harish Chowdary Bala</a:t>
+            </a:r>
+          </a:p>
+          <a:p>
+            <a:r>
+              <a:rPr lang="en-US" sz="1600" dirty="0">
+                <a:solidFill>
+                  <a:schemeClr val="tx1"/>
+                </a:solidFill>
+              </a:rPr>
+              <a:t>Saibabu Devarapalli</a:t>
+            </a:r>
+          </a:p>
+          <a:p>
+            <a:r>
+              <a:rPr lang="en-US" sz="1600" dirty="0">
+                <a:solidFill>
+                  <a:schemeClr val="tx1"/>
+                </a:solidFill>
+                <a:cs typeface="Times New Roman" panose="02020603050405020304" pitchFamily="18" charset="0"/>
+              </a:rPr>
+              <a:t>Jaichand Mulakalapalli</a:t>
+            </a:r>
+          </a:p>
+          <a:p>
+            <a:r>
+              <a:rPr lang="en-US" sz="2000" b="1" dirty="0">
+                <a:solidFill>
+                  <a:schemeClr val="tx1"/>
+                </a:solidFill>
+              </a:rPr>
+              <a:t>Client &amp; </a:t>
+            </a:r>
+            <a:r>
+              <a:rPr lang="en-US" sz="2200" b="1" dirty="0">
+                <a:solidFill>
+                  <a:schemeClr val="tx1"/>
+                </a:solidFill>
+              </a:rPr>
+              <a:t>Mentor</a:t>
+            </a:r>
+            <a:r>
+              <a:rPr lang="en-US" sz="2000" b="1" dirty="0">
+                <a:solidFill>
+                  <a:schemeClr val="tx1"/>
+                </a:solidFill>
+              </a:rPr>
+              <a:t>: </a:t>
+            </a:r>
+          </a:p>
+          <a:p>
+            <a:r>
+              <a:rPr lang="en-US" sz="1600" dirty="0">
+                <a:solidFill>
+                  <a:schemeClr val="tx1"/>
+                </a:solidFill>
+              </a:rPr>
+              <a:t>Dr. Chandra Mouli Kotteti</a:t>
+            </a:r>
+          </a:p>
+        </p:txBody>
+      </p:sp>
+    </p:spTree>
+    <p:extLst>
+      <p:ext uri="{BB962C8B-B14F-4D97-AF65-F5344CB8AC3E}">
+        <p14:creationId xmlns:p14="http://schemas.microsoft.com/office/powerpoint/2010/main" val="61278759"/>
+      </p:ext>
+    </p:extLst>
+  </p:cSld>
+  <p:clrMapOvr>
+    <a:masterClrMapping/>
+  </p:clrMapOvr>
+  <p:timing>
+    <p:tnLst>
+      <p:par>
+        <p:cTn id="1" dur="indefinite" restart="never" nodeType="tmRoot">
+          <p:childTnLst>
+            <p:seq concurrent="1" nextAc="seek">
+              <p:cTn id="2" dur="indefinite" nodeType="mainSeq">
+                <p:childTnLst>
+                  <p:par>
+                    <p:cTn id="3" fill="hold">
+                      <p:stCondLst>
+                        <p:cond delay="indefinite"/>
+                      </p:stCondLst>
+                      <p:childTnLst>
+                        <p:par>
+                          <p:cTn id="4" fill="hold">
+                            <p:stCondLst>
+                              <p:cond delay="0"/>
+                            </p:stCondLst>
+                            <p:childTnLst>
+                              <p:par>
+                                <p:cTn id="5" presetID="10" presetClass="entr" presetSubtype="0" fill="hold" grpId="0" nodeType="clickEffect">
+                                  <p:stCondLst>
+                                    <p:cond delay="0"/>
+                                  </p:stCondLst>
+                                  <p:childTnLst>
+                                    <p:set>
+                                      <p:cBhvr>
+                                        <p:cTn id="6" dur="1" fill="hold">
+                                          <p:stCondLst>
+                                            <p:cond delay="0"/>
+                                          </p:stCondLst>
+                                        </p:cTn>
+                                        <p:tgtEl>
+                                          <p:spTgt spid="2"/>
+                                        </p:tgtEl>
+                                        <p:attrNameLst>
+                                          <p:attrName>style.visibility</p:attrName>
+                                        </p:attrNameLst>
+                                      </p:cBhvr>
+                                      <p:to>
+                                        <p:strVal val="visible"/>
+                                      </p:to>
+                                    </p:set>
+                                    <p:animEffect transition="in" filter="fade">
+                                      <p:cBhvr>
+                                        <p:cTn id="7" dur="500"/>
+                                        <p:tgtEl>
+                                          <p:spTgt spid="2"/>
+                                        </p:tgtEl>
+                                      </p:cBhvr>
+                                    </p:animEffect>
+                                  </p:childTnLst>
+                                </p:cTn>
+                              </p:par>
+                            </p:childTnLst>
+                          </p:cTn>
+                        </p:par>
+                        <p:par>
+                          <p:cTn id="8" fill="hold">
+                            <p:stCondLst>
+                              <p:cond delay="500"/>
+                            </p:stCondLst>
+                            <p:childTnLst>
+                              <p:par>
+                                <p:cTn id="9" presetID="10" presetClass="entr" presetSubtype="0" fill="hold" grpId="0" nodeType="afterEffect">
+                                  <p:stCondLst>
+                                    <p:cond delay="0"/>
+                                  </p:stCondLst>
+                                  <p:childTnLst>
+                                    <p:set>
+                                      <p:cBhvr>
+                                        <p:cTn id="10" dur="1" fill="hold">
+                                          <p:stCondLst>
+                                            <p:cond delay="0"/>
+                                          </p:stCondLst>
+                                        </p:cTn>
+                                        <p:tgtEl>
+                                          <p:spTgt spid="3">
+                                            <p:txEl>
+                                              <p:pRg st="0" end="0"/>
+                                            </p:txEl>
+                                          </p:spTgt>
+                                        </p:tgtEl>
+                                        <p:attrNameLst>
+                                          <p:attrName>style.visibility</p:attrName>
+                                        </p:attrNameLst>
+                                      </p:cBhvr>
+                                      <p:to>
+                                        <p:strVal val="visible"/>
+                                      </p:to>
+                                    </p:set>
+                                    <p:animEffect transition="in" filter="fade">
+                                      <p:cBhvr>
+                                        <p:cTn id="11" dur="500"/>
+                                        <p:tgtEl>
+                                          <p:spTgt spid="3">
+                                            <p:txEl>
+                                              <p:pRg st="0" end="0"/>
+                                            </p:txEl>
+                                          </p:spTgt>
+                                        </p:tgtEl>
+                                      </p:cBhvr>
+                                    </p:animEffect>
+                                  </p:childTnLst>
+                                </p:cTn>
+                              </p:par>
+                            </p:childTnLst>
+                          </p:cTn>
+                        </p:par>
+                        <p:par>
+                          <p:cTn id="12" fill="hold">
+                            <p:stCondLst>
+                              <p:cond delay="1000"/>
+                            </p:stCondLst>
+                            <p:childTnLst>
+                              <p:par>
+                                <p:cTn id="13" presetID="10" presetClass="entr" presetSubtype="0" fill="hold" grpId="0" nodeType="afterEffect">
+                                  <p:stCondLst>
+                                    <p:cond delay="0"/>
+                                  </p:stCondLst>
+                                  <p:childTnLst>
+                                    <p:set>
+                                      <p:cBhvr>
+                                        <p:cTn id="14" dur="1" fill="hold">
+                                          <p:stCondLst>
+                                            <p:cond delay="0"/>
+                                          </p:stCondLst>
+                                        </p:cTn>
+                                        <p:tgtEl>
+                                          <p:spTgt spid="4"/>
+                                        </p:tgtEl>
+                                        <p:attrNameLst>
+                                          <p:attrName>style.visibility</p:attrName>
+                                        </p:attrNameLst>
+                                      </p:cBhvr>
+                                      <p:to>
+                                        <p:strVal val="visible"/>
+                                      </p:to>
+                                    </p:set>
+                                    <p:animEffect transition="in" filter="fade">
+                                      <p:cBhvr>
+                                        <p:cTn id="15" dur="500"/>
+                                        <p:tgtEl>
+                                          <p:spTgt spid="4"/>
+                                        </p:tgtEl>
+                                      </p:cBhvr>
+                                    </p:animEffect>
+                                  </p:childTnLst>
+                                </p:cTn>
+                              </p:par>
+                            </p:childTnLst>
+                          </p:cTn>
+                        </p:par>
+                      </p:childTnLst>
+                    </p:cTn>
+                  </p:par>
+                </p:childTnLst>
+              </p:cTn>
+              <p:prevCondLst>
+                <p:cond evt="onPrev" delay="0">
+                  <p:tgtEl>
+                    <p:sldTgt/>
+                  </p:tgtEl>
+                </p:cond>
+              </p:prevCondLst>
+              <p:nextCondLst>
+                <p:cond evt="onNext" delay="0">
+                  <p:tgtEl>
+                    <p:sldTgt/>
+                  </p:tgtEl>
+                </p:cond>
+              </p:nextCondLst>
+            </p:seq>
+          </p:childTnLst>
+        </p:cTn>
+      </p:par>
+    </p:tnLst>
+    <p:bldLst>
+      <p:bldP spid="2" grpId="0"/>
+      <p:bldP spid="3" grpId="0" build="p"/>
+      <p:bldP spid="4" grpId="0"/>
+    </p:bldLst>
+  </p:timing>
 </p:sld>
 </file>
 
